--- a/НечаевМаршрут.pptx
+++ b/НечаевМаршрут.pptx
@@ -4790,11 +4790,7 @@
             <a:pPr algn="ctr"/>
             <a:r>
               <a:rPr lang="ru-RU" sz="1600" dirty="0"/>
-              <a:t>Кафедра Высокопроизводительных </a:t>
-            </a:r>
-            <a:r>
-              <a:rPr lang="ru-RU" sz="1600" dirty="0"/>
-              <a:t>вычислений и дифференциальных уравнений</a:t>
+              <a:t>Кафедра Высокопроизводительных вычислений и дифференциальных уравнений</a:t>
             </a:r>
             <a:endParaRPr lang="en-US" sz="1600" dirty="0"/>
           </a:p>
@@ -4810,11 +4806,7 @@
             <a:pPr algn="ctr"/>
             <a:r>
               <a:rPr lang="ru-RU" sz="1600" dirty="0" smtClean="0"/>
-              <a:t>Уфа </a:t>
-            </a:r>
-            <a:r>
-              <a:rPr lang="ru-RU" sz="1600" dirty="0" smtClean="0"/>
-              <a:t>2024</a:t>
+              <a:t>Уфа 2024</a:t>
             </a:r>
           </a:p>
           <a:p>
@@ -5237,11 +5229,7 @@
           <a:p>
             <a:r>
               <a:rPr lang="ru-RU" dirty="0" smtClean="0"/>
-              <a:t>Алгоритм </a:t>
-            </a:r>
-            <a:r>
-              <a:rPr lang="ru-RU" dirty="0" smtClean="0"/>
-              <a:t>А*</a:t>
+              <a:t>Алгоритм А*</a:t>
             </a:r>
             <a:endParaRPr lang="en-US" dirty="0"/>
           </a:p>
@@ -5328,263 +5316,710 @@
           </a:prstGeom>
         </p:spPr>
       </p:pic>
-      <p:sp>
-        <p:nvSpPr>
-          <p:cNvPr id="9" name="Прямоугольник 8"/>
-          <p:cNvSpPr/>
-          <p:nvPr/>
-        </p:nvSpPr>
-        <p:spPr>
-          <a:xfrm>
-            <a:off x="0" y="1279557"/>
-            <a:ext cx="4892322" cy="5755422"/>
-          </a:xfrm>
-          <a:prstGeom prst="rect">
-            <a:avLst/>
-          </a:prstGeom>
-        </p:spPr>
-        <p:txBody>
-          <a:bodyPr wrap="square">
-            <a:spAutoFit/>
-          </a:bodyPr>
-          <a:lstStyle/>
-          <a:p>
-            <a:pPr marL="342900" lvl="0" indent="-342900">
-              <a:lnSpc>
-                <a:spcPct val="115000"/>
-              </a:lnSpc>
-              <a:spcAft>
-                <a:spcPts val="0"/>
-              </a:spcAft>
-              <a:buFont typeface="Arial" panose="020B0604020202020204" pitchFamily="34" charset="0"/>
-              <a:buChar char="•"/>
-              <a:tabLst>
-                <a:tab pos="183515" algn="l"/>
-              </a:tabLst>
-            </a:pPr>
-            <a:r>
-              <a:rPr lang="ru-RU" sz="2000" dirty="0" smtClean="0">
-                <a:latin typeface="Times New Roman" panose="02020603050405020304" pitchFamily="18" charset="0"/>
-                <a:ea typeface="Times New Roman" panose="02020603050405020304" pitchFamily="18" charset="0"/>
-              </a:rPr>
-              <a:t>Пошагово рассчитывает </a:t>
-            </a:r>
-            <a:r>
-              <a:rPr lang="ru-RU" sz="2000" dirty="0">
-                <a:latin typeface="Times New Roman" panose="02020603050405020304" pitchFamily="18" charset="0"/>
-                <a:ea typeface="Times New Roman" panose="02020603050405020304" pitchFamily="18" charset="0"/>
-              </a:rPr>
-              <a:t>путь через </a:t>
-            </a:r>
-            <a:r>
-              <a:rPr lang="ru-RU" sz="2000" dirty="0" smtClean="0">
-                <a:latin typeface="Times New Roman" panose="02020603050405020304" pitchFamily="18" charset="0"/>
-                <a:ea typeface="Times New Roman" panose="02020603050405020304" pitchFamily="18" charset="0"/>
-              </a:rPr>
-              <a:t>Манхэттенское </a:t>
-            </a:r>
-            <a:r>
-              <a:rPr lang="ru-RU" sz="2000" dirty="0">
-                <a:latin typeface="Times New Roman" panose="02020603050405020304" pitchFamily="18" charset="0"/>
-                <a:ea typeface="Times New Roman" panose="02020603050405020304" pitchFamily="18" charset="0"/>
-              </a:rPr>
-              <a:t>расстояние, добавляя перепады высот.</a:t>
-            </a:r>
-          </a:p>
-          <a:p>
-            <a:pPr marL="342900" lvl="0" indent="-342900">
-              <a:lnSpc>
-                <a:spcPct val="115000"/>
-              </a:lnSpc>
-              <a:spcAft>
-                <a:spcPts val="0"/>
-              </a:spcAft>
-              <a:buFont typeface="Arial" panose="020B0604020202020204" pitchFamily="34" charset="0"/>
-              <a:buChar char="•"/>
-              <a:tabLst>
-                <a:tab pos="183515" algn="l"/>
-              </a:tabLst>
-            </a:pPr>
-            <a:r>
-              <a:rPr lang="ru-RU" sz="2000" dirty="0" smtClean="0">
-                <a:latin typeface="Times New Roman" panose="02020603050405020304" pitchFamily="18" charset="0"/>
-                <a:ea typeface="Times New Roman" panose="02020603050405020304" pitchFamily="18" charset="0"/>
-              </a:rPr>
-              <a:t>Оценка </a:t>
-            </a:r>
-            <a:r>
-              <a:rPr lang="ru-RU" sz="2000" dirty="0">
-                <a:latin typeface="Times New Roman" panose="02020603050405020304" pitchFamily="18" charset="0"/>
-                <a:ea typeface="Times New Roman" panose="02020603050405020304" pitchFamily="18" charset="0"/>
-              </a:rPr>
-              <a:t>пути: </a:t>
-            </a:r>
-            <a:endParaRPr lang="ru-RU" sz="2000" dirty="0" smtClean="0">
-              <a:latin typeface="Times New Roman" panose="02020603050405020304" pitchFamily="18" charset="0"/>
-              <a:ea typeface="Times New Roman" panose="02020603050405020304" pitchFamily="18" charset="0"/>
-            </a:endParaRPr>
-          </a:p>
-          <a:p>
-            <a:pPr lvl="1">
-              <a:lnSpc>
-                <a:spcPct val="115000"/>
-              </a:lnSpc>
-              <a:tabLst>
-                <a:tab pos="183515" algn="l"/>
-              </a:tabLst>
-            </a:pPr>
-            <a:r>
-              <a:rPr lang="ru-RU" sz="2000" dirty="0" smtClean="0">
-                <a:latin typeface="Times New Roman" panose="02020603050405020304" pitchFamily="18" charset="0"/>
-                <a:ea typeface="Times New Roman" panose="02020603050405020304" pitchFamily="18" charset="0"/>
-              </a:rPr>
-              <a:t>f(n</a:t>
-            </a:r>
-            <a:r>
-              <a:rPr lang="ru-RU" sz="2000" dirty="0">
-                <a:latin typeface="Times New Roman" panose="02020603050405020304" pitchFamily="18" charset="0"/>
-                <a:ea typeface="Times New Roman" panose="02020603050405020304" pitchFamily="18" charset="0"/>
-              </a:rPr>
-              <a:t>) = g(n) + h(n), </a:t>
-            </a:r>
-            <a:r>
-              <a:rPr lang="ru-RU" sz="2000" dirty="0" smtClean="0">
-                <a:latin typeface="Times New Roman" panose="02020603050405020304" pitchFamily="18" charset="0"/>
-                <a:ea typeface="Times New Roman" panose="02020603050405020304" pitchFamily="18" charset="0"/>
-              </a:rPr>
-              <a:t>где </a:t>
-            </a:r>
-          </a:p>
-          <a:p>
-            <a:pPr lvl="1">
-              <a:lnSpc>
-                <a:spcPct val="115000"/>
-              </a:lnSpc>
-              <a:tabLst>
-                <a:tab pos="183515" algn="l"/>
-              </a:tabLst>
-            </a:pPr>
-            <a:r>
-              <a:rPr lang="ru-RU" sz="2000" dirty="0" smtClean="0">
-                <a:latin typeface="Times New Roman" panose="02020603050405020304" pitchFamily="18" charset="0"/>
-                <a:ea typeface="Times New Roman" panose="02020603050405020304" pitchFamily="18" charset="0"/>
-              </a:rPr>
-              <a:t>g(n</a:t>
-            </a:r>
-            <a:r>
-              <a:rPr lang="ru-RU" sz="2000" dirty="0">
-                <a:latin typeface="Times New Roman" panose="02020603050405020304" pitchFamily="18" charset="0"/>
-                <a:ea typeface="Times New Roman" panose="02020603050405020304" pitchFamily="18" charset="0"/>
-              </a:rPr>
-              <a:t>) — стоимость пути от старта до текущей точки, </a:t>
-            </a:r>
-            <a:endParaRPr lang="ru-RU" sz="2000" dirty="0" smtClean="0">
-              <a:latin typeface="Times New Roman" panose="02020603050405020304" pitchFamily="18" charset="0"/>
-              <a:ea typeface="Times New Roman" panose="02020603050405020304" pitchFamily="18" charset="0"/>
-            </a:endParaRPr>
-          </a:p>
-          <a:p>
-            <a:pPr lvl="1">
-              <a:lnSpc>
-                <a:spcPct val="115000"/>
-              </a:lnSpc>
-              <a:tabLst>
-                <a:tab pos="183515" algn="l"/>
-              </a:tabLst>
-            </a:pPr>
-            <a:r>
-              <a:rPr lang="ru-RU" sz="2000" dirty="0" smtClean="0">
-                <a:latin typeface="Times New Roman" panose="02020603050405020304" pitchFamily="18" charset="0"/>
-                <a:ea typeface="Times New Roman" panose="02020603050405020304" pitchFamily="18" charset="0"/>
-              </a:rPr>
-              <a:t>h(n</a:t>
-            </a:r>
-            <a:r>
-              <a:rPr lang="ru-RU" sz="2000" dirty="0">
-                <a:latin typeface="Times New Roman" panose="02020603050405020304" pitchFamily="18" charset="0"/>
-                <a:ea typeface="Times New Roman" panose="02020603050405020304" pitchFamily="18" charset="0"/>
-              </a:rPr>
-              <a:t>) — </a:t>
-            </a:r>
-            <a:r>
-              <a:rPr lang="ru-RU" sz="2000" dirty="0" smtClean="0">
-                <a:latin typeface="Times New Roman" panose="02020603050405020304" pitchFamily="18" charset="0"/>
-                <a:ea typeface="Times New Roman" panose="02020603050405020304" pitchFamily="18" charset="0"/>
-              </a:rPr>
-              <a:t>эвристическая оценка </a:t>
-            </a:r>
-            <a:r>
-              <a:rPr lang="ru-RU" sz="2000" dirty="0">
-                <a:latin typeface="Times New Roman" panose="02020603050405020304" pitchFamily="18" charset="0"/>
-                <a:ea typeface="Times New Roman" panose="02020603050405020304" pitchFamily="18" charset="0"/>
-              </a:rPr>
-              <a:t>оставшегося пути</a:t>
-            </a:r>
-            <a:r>
-              <a:rPr lang="ru-RU" sz="2000" dirty="0" smtClean="0">
-                <a:latin typeface="Times New Roman" panose="02020603050405020304" pitchFamily="18" charset="0"/>
-                <a:ea typeface="Times New Roman" panose="02020603050405020304" pitchFamily="18" charset="0"/>
-              </a:rPr>
-              <a:t>.</a:t>
-            </a:r>
-          </a:p>
-          <a:p>
-            <a:pPr marL="342900" indent="-342900">
-              <a:lnSpc>
-                <a:spcPct val="115000"/>
-              </a:lnSpc>
-              <a:buFont typeface="Arial" panose="020B0604020202020204" pitchFamily="34" charset="0"/>
-              <a:buChar char="•"/>
-              <a:tabLst>
-                <a:tab pos="183515" algn="l"/>
-              </a:tabLst>
-            </a:pPr>
-            <a:r>
-              <a:rPr lang="ru-RU" sz="2000" dirty="0"/>
-              <a:t>Работает с двумя списками — </a:t>
-            </a:r>
-            <a:r>
-              <a:rPr lang="ru-RU" sz="2000" b="1" dirty="0"/>
-              <a:t>открытым</a:t>
-            </a:r>
-            <a:r>
-              <a:rPr lang="ru-RU" sz="2000" dirty="0"/>
-              <a:t> (для не исследованных точек) и </a:t>
-            </a:r>
-            <a:r>
-              <a:rPr lang="ru-RU" sz="2000" b="1" dirty="0"/>
-              <a:t>закрытым</a:t>
-            </a:r>
-            <a:r>
-              <a:rPr lang="ru-RU" sz="2000" dirty="0"/>
-              <a:t> (для исследованных), выбирая точку с минимальной оценкой для дальнейшего исследования.</a:t>
-            </a:r>
-            <a:endParaRPr lang="ru-RU" sz="2000" dirty="0">
-              <a:latin typeface="Times New Roman" panose="02020603050405020304" pitchFamily="18" charset="0"/>
-              <a:ea typeface="Times New Roman" panose="02020603050405020304" pitchFamily="18" charset="0"/>
-            </a:endParaRPr>
-          </a:p>
-          <a:p>
-            <a:pPr marL="342900" lvl="0" indent="-342900">
-              <a:lnSpc>
-                <a:spcPct val="115000"/>
-              </a:lnSpc>
-              <a:spcAft>
-                <a:spcPts val="0"/>
-              </a:spcAft>
-              <a:buFont typeface="Symbol" panose="05050102010706020507" pitchFamily="18" charset="2"/>
-              <a:buChar char=""/>
-              <a:tabLst>
-                <a:tab pos="183515" algn="l"/>
-              </a:tabLst>
-            </a:pPr>
-            <a:endParaRPr lang="ru-RU" sz="2000" dirty="0">
-              <a:latin typeface="Times New Roman" panose="02020603050405020304" pitchFamily="18" charset="0"/>
-              <a:ea typeface="Times New Roman" panose="02020603050405020304" pitchFamily="18" charset="0"/>
-            </a:endParaRPr>
-          </a:p>
-        </p:txBody>
-      </p:sp>
+      <mc:AlternateContent xmlns:mc="http://schemas.openxmlformats.org/markup-compatibility/2006">
+        <mc:Choice xmlns:a14="http://schemas.microsoft.com/office/drawing/2010/main" Requires="a14">
+          <p:sp>
+            <p:nvSpPr>
+              <p:cNvPr id="9" name="Прямоугольник 8"/>
+              <p:cNvSpPr/>
+              <p:nvPr/>
+            </p:nvSpPr>
+            <p:spPr>
+              <a:xfrm>
+                <a:off x="0" y="1279557"/>
+                <a:ext cx="4892322" cy="5189113"/>
+              </a:xfrm>
+              <a:prstGeom prst="rect">
+                <a:avLst/>
+              </a:prstGeom>
+            </p:spPr>
+            <p:txBody>
+              <a:bodyPr wrap="square">
+                <a:spAutoFit/>
+              </a:bodyPr>
+              <a:lstStyle/>
+              <a:p>
+                <a:pPr marL="342900" lvl="0" indent="-342900">
+                  <a:lnSpc>
+                    <a:spcPct val="115000"/>
+                  </a:lnSpc>
+                  <a:spcAft>
+                    <a:spcPts val="0"/>
+                  </a:spcAft>
+                  <a:buFont typeface="Arial" panose="020B0604020202020204" pitchFamily="34" charset="0"/>
+                  <a:buChar char="•"/>
+                  <a:tabLst>
+                    <a:tab pos="183515" algn="l"/>
+                  </a:tabLst>
+                </a:pPr>
+                <a:r>
+                  <a:rPr lang="ru-RU" dirty="0" smtClean="0">
+                    <a:latin typeface="Times New Roman" panose="02020603050405020304" pitchFamily="18" charset="0"/>
+                    <a:ea typeface="Times New Roman" panose="02020603050405020304" pitchFamily="18" charset="0"/>
+                  </a:rPr>
+                  <a:t>Пошагово рассчитывает </a:t>
+                </a:r>
+                <a:r>
+                  <a:rPr lang="ru-RU" dirty="0">
+                    <a:latin typeface="Times New Roman" panose="02020603050405020304" pitchFamily="18" charset="0"/>
+                    <a:ea typeface="Times New Roman" panose="02020603050405020304" pitchFamily="18" charset="0"/>
+                  </a:rPr>
+                  <a:t>путь через </a:t>
+                </a:r>
+                <a:r>
+                  <a:rPr lang="ru-RU" dirty="0" smtClean="0">
+                    <a:latin typeface="Times New Roman" panose="02020603050405020304" pitchFamily="18" charset="0"/>
+                    <a:ea typeface="Times New Roman" panose="02020603050405020304" pitchFamily="18" charset="0"/>
+                  </a:rPr>
+                  <a:t>Манхэттенское </a:t>
+                </a:r>
+                <a:r>
+                  <a:rPr lang="ru-RU" dirty="0">
+                    <a:latin typeface="Times New Roman" panose="02020603050405020304" pitchFamily="18" charset="0"/>
+                    <a:ea typeface="Times New Roman" panose="02020603050405020304" pitchFamily="18" charset="0"/>
+                  </a:rPr>
+                  <a:t>расстояние, добавляя перепады высот</a:t>
+                </a:r>
+                <a:r>
+                  <a:rPr lang="ru-RU" dirty="0" smtClean="0">
+                    <a:latin typeface="Times New Roman" panose="02020603050405020304" pitchFamily="18" charset="0"/>
+                    <a:ea typeface="Times New Roman" panose="02020603050405020304" pitchFamily="18" charset="0"/>
+                  </a:rPr>
+                  <a:t>.</a:t>
+                </a:r>
+              </a:p>
+              <a:p>
+                <a:pPr lvl="0">
+                  <a:lnSpc>
+                    <a:spcPct val="115000"/>
+                  </a:lnSpc>
+                  <a:spcAft>
+                    <a:spcPts val="0"/>
+                  </a:spcAft>
+                  <a:tabLst>
+                    <a:tab pos="183515" algn="l"/>
+                  </a:tabLst>
+                </a:pPr>
+                <a14:m>
+                  <m:oMathPara xmlns:m="http://schemas.openxmlformats.org/officeDocument/2006/math">
+                    <m:oMathParaPr>
+                      <m:jc m:val="centerGroup"/>
+                    </m:oMathParaPr>
+                    <m:oMath xmlns:m="http://schemas.openxmlformats.org/officeDocument/2006/math">
+                      <m:r>
+                        <a:rPr lang="ru-RU" sz="1600" b="0" i="0" smtClean="0">
+                          <a:latin typeface="Cambria Math" panose="02040503050406030204" pitchFamily="18" charset="0"/>
+                        </a:rPr>
+                        <m:t> </m:t>
+                      </m:r>
+                      <m:r>
+                        <a:rPr lang="en-US" sz="1600" b="0" i="1" smtClean="0">
+                          <a:latin typeface="Cambria Math" panose="02040503050406030204" pitchFamily="18" charset="0"/>
+                        </a:rPr>
+                        <m:t>𝑚𝑎𝑛h𝑎𝑡𝑡𝑒𝑛</m:t>
+                      </m:r>
+                      <m:r>
+                        <a:rPr lang="ru-RU" sz="1600"/>
+                        <m:t>=</m:t>
+                      </m:r>
+                      <m:d>
+                        <m:dPr>
+                          <m:begChr m:val="|"/>
+                          <m:endChr m:val="|"/>
+                          <m:ctrlPr>
+                            <a:rPr lang="en-US" sz="1600" i="1"/>
+                          </m:ctrlPr>
+                        </m:dPr>
+                        <m:e>
+                          <m:sSub>
+                            <m:sSubPr>
+                              <m:ctrlPr>
+                                <a:rPr lang="en-US" sz="1600" i="1"/>
+                              </m:ctrlPr>
+                            </m:sSubPr>
+                            <m:e>
+                              <m:r>
+                                <a:rPr lang="ru-RU" sz="1600" i="1"/>
+                                <m:t>𝑥</m:t>
+                              </m:r>
+                            </m:e>
+                            <m:sub>
+                              <m:r>
+                                <a:rPr lang="ru-RU" sz="1600"/>
+                                <m:t>1</m:t>
+                              </m:r>
+                            </m:sub>
+                          </m:sSub>
+                          <m:r>
+                            <a:rPr lang="ru-RU" sz="1600" i="1"/>
+                            <m:t>−</m:t>
+                          </m:r>
+                          <m:sSub>
+                            <m:sSubPr>
+                              <m:ctrlPr>
+                                <a:rPr lang="en-US" sz="1600" i="1"/>
+                              </m:ctrlPr>
+                            </m:sSubPr>
+                            <m:e>
+                              <m:r>
+                                <a:rPr lang="ru-RU" sz="1600" i="1"/>
+                                <m:t>𝑥</m:t>
+                              </m:r>
+                            </m:e>
+                            <m:sub>
+                              <m:r>
+                                <a:rPr lang="ru-RU" sz="1600"/>
+                                <m:t>2</m:t>
+                              </m:r>
+                            </m:sub>
+                          </m:sSub>
+                        </m:e>
+                      </m:d>
+                      <m:r>
+                        <a:rPr lang="ru-RU" sz="1600"/>
+                        <m:t>+</m:t>
+                      </m:r>
+                      <m:d>
+                        <m:dPr>
+                          <m:begChr m:val="|"/>
+                          <m:endChr m:val="|"/>
+                          <m:ctrlPr>
+                            <a:rPr lang="en-US" sz="1600" i="1"/>
+                          </m:ctrlPr>
+                        </m:dPr>
+                        <m:e>
+                          <m:sSub>
+                            <m:sSubPr>
+                              <m:ctrlPr>
+                                <a:rPr lang="en-US" sz="1600" i="1"/>
+                              </m:ctrlPr>
+                            </m:sSubPr>
+                            <m:e>
+                              <m:r>
+                                <a:rPr lang="ru-RU" sz="1600" i="1"/>
+                                <m:t>𝑦</m:t>
+                              </m:r>
+                            </m:e>
+                            <m:sub>
+                              <m:r>
+                                <a:rPr lang="ru-RU" sz="1600"/>
+                                <m:t>1</m:t>
+                              </m:r>
+                            </m:sub>
+                          </m:sSub>
+                          <m:r>
+                            <a:rPr lang="ru-RU" sz="1600" i="1"/>
+                            <m:t>−</m:t>
+                          </m:r>
+                          <m:sSub>
+                            <m:sSubPr>
+                              <m:ctrlPr>
+                                <a:rPr lang="en-US" sz="1600" i="1"/>
+                              </m:ctrlPr>
+                            </m:sSubPr>
+                            <m:e>
+                              <m:r>
+                                <a:rPr lang="ru-RU" sz="1600" i="1"/>
+                                <m:t>𝑦</m:t>
+                              </m:r>
+                            </m:e>
+                            <m:sub>
+                              <m:r>
+                                <a:rPr lang="ru-RU" sz="1600"/>
+                                <m:t>2</m:t>
+                              </m:r>
+                            </m:sub>
+                          </m:sSub>
+                        </m:e>
+                      </m:d>
+                    </m:oMath>
+                  </m:oMathPara>
+                </a14:m>
+                <a:endParaRPr lang="ru-RU" dirty="0" smtClean="0">
+                  <a:latin typeface="Times New Roman" panose="02020603050405020304" pitchFamily="18" charset="0"/>
+                  <a:ea typeface="Times New Roman" panose="02020603050405020304" pitchFamily="18" charset="0"/>
+                </a:endParaRPr>
+              </a:p>
+              <a:p>
+                <a:pPr marL="342900" lvl="0" indent="-342900">
+                  <a:lnSpc>
+                    <a:spcPct val="115000"/>
+                  </a:lnSpc>
+                  <a:spcAft>
+                    <a:spcPts val="0"/>
+                  </a:spcAft>
+                  <a:buFont typeface="Arial" panose="020B0604020202020204" pitchFamily="34" charset="0"/>
+                  <a:buChar char="•"/>
+                  <a:tabLst>
+                    <a:tab pos="183515" algn="l"/>
+                  </a:tabLst>
+                </a:pPr>
+                <a:r>
+                  <a:rPr lang="ru-RU" dirty="0" smtClean="0">
+                    <a:latin typeface="Times New Roman" panose="02020603050405020304" pitchFamily="18" charset="0"/>
+                    <a:ea typeface="Times New Roman" panose="02020603050405020304" pitchFamily="18" charset="0"/>
+                  </a:rPr>
+                  <a:t>Оценка </a:t>
+                </a:r>
+                <a:r>
+                  <a:rPr lang="ru-RU" dirty="0">
+                    <a:latin typeface="Times New Roman" panose="02020603050405020304" pitchFamily="18" charset="0"/>
+                    <a:ea typeface="Times New Roman" panose="02020603050405020304" pitchFamily="18" charset="0"/>
+                  </a:rPr>
+                  <a:t>пути: </a:t>
+                </a:r>
+                <a14:m>
+                  <m:oMath xmlns:m="http://schemas.openxmlformats.org/officeDocument/2006/math">
+                    <m:r>
+                      <m:rPr>
+                        <m:sty m:val="p"/>
+                      </m:rPr>
+                      <a:rPr lang="en-US" i="1" smtClean="0">
+                        <a:latin typeface="Cambria Math" panose="02040503050406030204" pitchFamily="18" charset="0"/>
+                      </a:rPr>
+                      <m:t>f</m:t>
+                    </m:r>
+                    <m:d>
+                      <m:dPr>
+                        <m:ctrlPr>
+                          <a:rPr lang="en-US" i="1">
+                            <a:latin typeface="Cambria Math" panose="02040503050406030204" pitchFamily="18" charset="0"/>
+                          </a:rPr>
+                        </m:ctrlPr>
+                      </m:dPr>
+                      <m:e>
+                        <m:r>
+                          <a:rPr lang="ru-RU" i="1">
+                            <a:latin typeface="Cambria Math" panose="02040503050406030204" pitchFamily="18" charset="0"/>
+                          </a:rPr>
+                          <m:t>𝑛</m:t>
+                        </m:r>
+                      </m:e>
+                    </m:d>
+                    <m:r>
+                      <a:rPr lang="ru-RU">
+                        <a:latin typeface="Cambria Math" panose="02040503050406030204" pitchFamily="18" charset="0"/>
+                      </a:rPr>
+                      <m:t>=</m:t>
+                    </m:r>
+                    <m:r>
+                      <a:rPr lang="en-US" b="0" i="1" smtClean="0">
+                        <a:latin typeface="Cambria Math" panose="02040503050406030204" pitchFamily="18" charset="0"/>
+                      </a:rPr>
+                      <m:t>𝑔</m:t>
+                    </m:r>
+                    <m:d>
+                      <m:dPr>
+                        <m:ctrlPr>
+                          <a:rPr lang="en-US" i="1">
+                            <a:latin typeface="Cambria Math" panose="02040503050406030204" pitchFamily="18" charset="0"/>
+                          </a:rPr>
+                        </m:ctrlPr>
+                      </m:dPr>
+                      <m:e>
+                        <m:r>
+                          <a:rPr lang="ru-RU" i="1">
+                            <a:latin typeface="Cambria Math" panose="02040503050406030204" pitchFamily="18" charset="0"/>
+                          </a:rPr>
+                          <m:t>𝑛</m:t>
+                        </m:r>
+                      </m:e>
+                    </m:d>
+                    <m:r>
+                      <a:rPr lang="ru-RU">
+                        <a:latin typeface="Cambria Math" panose="02040503050406030204" pitchFamily="18" charset="0"/>
+                      </a:rPr>
+                      <m:t>+</m:t>
+                    </m:r>
+                    <m:r>
+                      <a:rPr lang="en-US" b="0" i="1" smtClean="0">
+                        <a:latin typeface="Cambria Math" panose="02040503050406030204" pitchFamily="18" charset="0"/>
+                      </a:rPr>
+                      <m:t>h</m:t>
+                    </m:r>
+                    <m:d>
+                      <m:dPr>
+                        <m:ctrlPr>
+                          <a:rPr lang="en-US" i="1">
+                            <a:latin typeface="Cambria Math" panose="02040503050406030204" pitchFamily="18" charset="0"/>
+                          </a:rPr>
+                        </m:ctrlPr>
+                      </m:dPr>
+                      <m:e>
+                        <m:r>
+                          <a:rPr lang="ru-RU" i="1">
+                            <a:latin typeface="Cambria Math" panose="02040503050406030204" pitchFamily="18" charset="0"/>
+                          </a:rPr>
+                          <m:t>𝑛</m:t>
+                        </m:r>
+                      </m:e>
+                    </m:d>
+                  </m:oMath>
+                </a14:m>
+                <a:r>
+                  <a:rPr lang="ru-RU" dirty="0" smtClean="0">
+                    <a:latin typeface="Times New Roman" panose="02020603050405020304" pitchFamily="18" charset="0"/>
+                    <a:ea typeface="Times New Roman" panose="02020603050405020304" pitchFamily="18" charset="0"/>
+                  </a:rPr>
+                  <a:t>, </a:t>
+                </a:r>
+                <a:r>
+                  <a:rPr lang="ru-RU" dirty="0" smtClean="0">
+                    <a:latin typeface="Times New Roman" panose="02020603050405020304" pitchFamily="18" charset="0"/>
+                    <a:ea typeface="Times New Roman" panose="02020603050405020304" pitchFamily="18" charset="0"/>
+                  </a:rPr>
+                  <a:t>где </a:t>
+                </a:r>
+              </a:p>
+              <a:p>
+                <a:pPr lvl="1">
+                  <a:lnSpc>
+                    <a:spcPct val="115000"/>
+                  </a:lnSpc>
+                  <a:tabLst>
+                    <a:tab pos="183515" algn="l"/>
+                  </a:tabLst>
+                </a:pPr>
+                <a:r>
+                  <a:rPr lang="ru-RU" dirty="0" smtClean="0">
+                    <a:latin typeface="Times New Roman" panose="02020603050405020304" pitchFamily="18" charset="0"/>
+                    <a:ea typeface="Times New Roman" panose="02020603050405020304" pitchFamily="18" charset="0"/>
+                  </a:rPr>
+                  <a:t>g(n</a:t>
+                </a:r>
+                <a:r>
+                  <a:rPr lang="ru-RU" dirty="0">
+                    <a:latin typeface="Times New Roman" panose="02020603050405020304" pitchFamily="18" charset="0"/>
+                    <a:ea typeface="Times New Roman" panose="02020603050405020304" pitchFamily="18" charset="0"/>
+                  </a:rPr>
+                  <a:t>) — стоимость пути от старта до текущей точки, </a:t>
+                </a:r>
+                <a:endParaRPr lang="en-US" dirty="0" smtClean="0">
+                  <a:latin typeface="Times New Roman" panose="02020603050405020304" pitchFamily="18" charset="0"/>
+                  <a:ea typeface="Times New Roman" panose="02020603050405020304" pitchFamily="18" charset="0"/>
+                </a:endParaRPr>
+              </a:p>
+              <a:p>
+                <a:pPr lvl="1">
+                  <a:lnSpc>
+                    <a:spcPct val="115000"/>
+                  </a:lnSpc>
+                  <a:tabLst>
+                    <a:tab pos="183515" algn="l"/>
+                  </a:tabLst>
+                </a:pPr>
+                <a:r>
+                  <a:rPr lang="en-US" sz="1600" dirty="0" smtClean="0"/>
+                  <a:t>	</a:t>
+                </a:r>
+                <a14:m>
+                  <m:oMath xmlns:m="http://schemas.openxmlformats.org/officeDocument/2006/math">
+                    <m:r>
+                      <a:rPr lang="ru-RU" sz="1600" i="1">
+                        <a:latin typeface="Cambria Math" panose="02040503050406030204" pitchFamily="18" charset="0"/>
+                      </a:rPr>
+                      <m:t> </m:t>
+                    </m:r>
+                    <m:r>
+                      <a:rPr lang="en-US" sz="1600" b="0" i="1" smtClean="0">
+                        <a:latin typeface="Cambria Math" panose="02040503050406030204" pitchFamily="18" charset="0"/>
+                      </a:rPr>
+                      <m:t>𝑔</m:t>
+                    </m:r>
+                    <m:d>
+                      <m:dPr>
+                        <m:ctrlPr>
+                          <a:rPr lang="en-US" sz="1600" b="0" i="1" smtClean="0">
+                            <a:latin typeface="Cambria Math" panose="02040503050406030204" pitchFamily="18" charset="0"/>
+                          </a:rPr>
+                        </m:ctrlPr>
+                      </m:dPr>
+                      <m:e>
+                        <m:r>
+                          <a:rPr lang="en-US" sz="1600" b="0" i="1" smtClean="0">
+                            <a:latin typeface="Cambria Math" panose="02040503050406030204" pitchFamily="18" charset="0"/>
+                          </a:rPr>
+                          <m:t>𝑛</m:t>
+                        </m:r>
+                      </m:e>
+                    </m:d>
+                    <m:r>
+                      <a:rPr lang="ru-RU" sz="1600" i="1" smtClean="0">
+                        <a:latin typeface="Cambria Math" panose="02040503050406030204" pitchFamily="18" charset="0"/>
+                      </a:rPr>
+                      <m:t>=</m:t>
+                    </m:r>
+                    <m:r>
+                      <a:rPr lang="en-US" sz="1600" b="0" i="1" smtClean="0">
+                        <a:latin typeface="Cambria Math" panose="02040503050406030204" pitchFamily="18" charset="0"/>
+                      </a:rPr>
+                      <m:t>𝑔</m:t>
+                    </m:r>
+                    <m:d>
+                      <m:dPr>
+                        <m:ctrlPr>
+                          <a:rPr lang="en-US" sz="1600" b="0" i="1" smtClean="0">
+                            <a:latin typeface="Cambria Math" panose="02040503050406030204" pitchFamily="18" charset="0"/>
+                          </a:rPr>
+                        </m:ctrlPr>
+                      </m:dPr>
+                      <m:e>
+                        <m:r>
+                          <a:rPr lang="en-US" sz="1600" b="0" i="1" smtClean="0">
+                            <a:latin typeface="Cambria Math" panose="02040503050406030204" pitchFamily="18" charset="0"/>
+                          </a:rPr>
+                          <m:t>𝑛</m:t>
+                        </m:r>
+                        <m:r>
+                          <a:rPr lang="en-US" sz="1600" b="0" i="1" smtClean="0">
+                            <a:latin typeface="Cambria Math" panose="02040503050406030204" pitchFamily="18" charset="0"/>
+                          </a:rPr>
+                          <m:t>−1</m:t>
+                        </m:r>
+                      </m:e>
+                    </m:d>
+                    <m:r>
+                      <a:rPr lang="en-US" sz="1600" b="0" i="1" smtClean="0">
+                        <a:latin typeface="Cambria Math" panose="02040503050406030204" pitchFamily="18" charset="0"/>
+                      </a:rPr>
+                      <m:t>+</m:t>
+                    </m:r>
+                    <m:r>
+                      <a:rPr lang="en-US" sz="1600" b="0" i="1" smtClean="0">
+                        <a:latin typeface="Cambria Math" panose="02040503050406030204" pitchFamily="18" charset="0"/>
+                      </a:rPr>
+                      <m:t>𝑤</m:t>
+                    </m:r>
+                    <m:r>
+                      <a:rPr lang="en-US" sz="1600" b="0" i="1" smtClean="0">
+                        <a:latin typeface="Cambria Math" panose="02040503050406030204" pitchFamily="18" charset="0"/>
+                      </a:rPr>
+                      <m:t>∗</m:t>
+                    </m:r>
+                    <m:d>
+                      <m:dPr>
+                        <m:begChr m:val="|"/>
+                        <m:endChr m:val="|"/>
+                        <m:ctrlPr>
+                          <a:rPr lang="en-US" sz="1600" i="1">
+                            <a:latin typeface="Cambria Math" panose="02040503050406030204" pitchFamily="18" charset="0"/>
+                          </a:rPr>
+                        </m:ctrlPr>
+                      </m:dPr>
+                      <m:e>
+                        <m:sSub>
+                          <m:sSubPr>
+                            <m:ctrlPr>
+                              <a:rPr lang="en-US" sz="1600" i="1">
+                                <a:latin typeface="Cambria Math" panose="02040503050406030204" pitchFamily="18" charset="0"/>
+                              </a:rPr>
+                            </m:ctrlPr>
+                          </m:sSubPr>
+                          <m:e>
+                            <m:r>
+                              <a:rPr lang="en-US" sz="1600" b="0" i="1" smtClean="0">
+                                <a:latin typeface="Cambria Math" panose="02040503050406030204" pitchFamily="18" charset="0"/>
+                              </a:rPr>
+                              <m:t>h</m:t>
+                            </m:r>
+                          </m:e>
+                          <m:sub>
+                            <m:r>
+                              <a:rPr lang="ru-RU" sz="1600" i="1">
+                                <a:latin typeface="Cambria Math" panose="02040503050406030204" pitchFamily="18" charset="0"/>
+                              </a:rPr>
+                              <m:t>1</m:t>
+                            </m:r>
+                          </m:sub>
+                        </m:sSub>
+                        <m:r>
+                          <a:rPr lang="ru-RU" sz="1600" i="1">
+                            <a:latin typeface="Cambria Math" panose="02040503050406030204" pitchFamily="18" charset="0"/>
+                          </a:rPr>
+                          <m:t>−</m:t>
+                        </m:r>
+                        <m:sSub>
+                          <m:sSubPr>
+                            <m:ctrlPr>
+                              <a:rPr lang="en-US" sz="1600" i="1">
+                                <a:latin typeface="Cambria Math" panose="02040503050406030204" pitchFamily="18" charset="0"/>
+                              </a:rPr>
+                            </m:ctrlPr>
+                          </m:sSubPr>
+                          <m:e>
+                            <m:r>
+                              <a:rPr lang="en-US" sz="1600" b="0" i="1" smtClean="0">
+                                <a:latin typeface="Cambria Math" panose="02040503050406030204" pitchFamily="18" charset="0"/>
+                              </a:rPr>
+                              <m:t>h</m:t>
+                            </m:r>
+                          </m:e>
+                          <m:sub>
+                            <m:r>
+                              <a:rPr lang="ru-RU" sz="1600" i="1">
+                                <a:latin typeface="Cambria Math" panose="02040503050406030204" pitchFamily="18" charset="0"/>
+                              </a:rPr>
+                              <m:t>2</m:t>
+                            </m:r>
+                          </m:sub>
+                        </m:sSub>
+                      </m:e>
+                    </m:d>
+                  </m:oMath>
+                </a14:m>
+                <a:endParaRPr lang="ru-RU" sz="1600" i="1" dirty="0">
+                  <a:latin typeface="Cambria Math" panose="02040503050406030204" pitchFamily="18" charset="0"/>
+                </a:endParaRPr>
+              </a:p>
+              <a:p>
+                <a:pPr lvl="1">
+                  <a:lnSpc>
+                    <a:spcPct val="115000"/>
+                  </a:lnSpc>
+                  <a:tabLst>
+                    <a:tab pos="183515" algn="l"/>
+                  </a:tabLst>
+                </a:pPr>
+                <a:r>
+                  <a:rPr lang="ru-RU" dirty="0" smtClean="0">
+                    <a:latin typeface="Times New Roman" panose="02020603050405020304" pitchFamily="18" charset="0"/>
+                    <a:ea typeface="Times New Roman" panose="02020603050405020304" pitchFamily="18" charset="0"/>
+                  </a:rPr>
+                  <a:t>h(n</a:t>
+                </a:r>
+                <a:r>
+                  <a:rPr lang="ru-RU" dirty="0">
+                    <a:latin typeface="Times New Roman" panose="02020603050405020304" pitchFamily="18" charset="0"/>
+                    <a:ea typeface="Times New Roman" panose="02020603050405020304" pitchFamily="18" charset="0"/>
+                  </a:rPr>
+                  <a:t>) — </a:t>
+                </a:r>
+                <a:r>
+                  <a:rPr lang="ru-RU" dirty="0" smtClean="0">
+                    <a:latin typeface="Times New Roman" panose="02020603050405020304" pitchFamily="18" charset="0"/>
+                    <a:ea typeface="Times New Roman" panose="02020603050405020304" pitchFamily="18" charset="0"/>
+                  </a:rPr>
+                  <a:t>эвристическая </a:t>
+                </a:r>
+                <a:r>
+                  <a:rPr lang="ru-RU" dirty="0" smtClean="0">
+                    <a:latin typeface="Times New Roman" panose="02020603050405020304" pitchFamily="18" charset="0"/>
+                    <a:ea typeface="Times New Roman" panose="02020603050405020304" pitchFamily="18" charset="0"/>
+                  </a:rPr>
+                  <a:t>оценка </a:t>
+                </a:r>
+                <a:r>
+                  <a:rPr lang="ru-RU" dirty="0">
+                    <a:latin typeface="Times New Roman" panose="02020603050405020304" pitchFamily="18" charset="0"/>
+                    <a:ea typeface="Times New Roman" panose="02020603050405020304" pitchFamily="18" charset="0"/>
+                  </a:rPr>
+                  <a:t>оставшегося пути</a:t>
+                </a:r>
+                <a:r>
+                  <a:rPr lang="ru-RU" dirty="0" smtClean="0">
+                    <a:latin typeface="Times New Roman" panose="02020603050405020304" pitchFamily="18" charset="0"/>
+                    <a:ea typeface="Times New Roman" panose="02020603050405020304" pitchFamily="18" charset="0"/>
+                  </a:rPr>
+                  <a:t>.</a:t>
+                </a:r>
+              </a:p>
+              <a:p>
+                <a:pPr marL="342900" indent="-342900">
+                  <a:lnSpc>
+                    <a:spcPct val="115000"/>
+                  </a:lnSpc>
+                  <a:buFont typeface="Arial" panose="020B0604020202020204" pitchFamily="34" charset="0"/>
+                  <a:buChar char="•"/>
+                  <a:tabLst>
+                    <a:tab pos="183515" algn="l"/>
+                  </a:tabLst>
+                </a:pPr>
+                <a:r>
+                  <a:rPr lang="ru-RU" dirty="0"/>
+                  <a:t>Работает с двумя списками — </a:t>
+                </a:r>
+                <a:r>
+                  <a:rPr lang="ru-RU" b="1" dirty="0"/>
+                  <a:t>открытым</a:t>
+                </a:r>
+                <a:r>
+                  <a:rPr lang="ru-RU" dirty="0"/>
+                  <a:t> (для не исследованных точек) и </a:t>
+                </a:r>
+                <a:r>
+                  <a:rPr lang="ru-RU" b="1" dirty="0"/>
+                  <a:t>закрытым</a:t>
+                </a:r>
+                <a:r>
+                  <a:rPr lang="ru-RU" dirty="0"/>
+                  <a:t> (для исследованных), выбирая точку с минимальной оценкой для дальнейшего исследования.</a:t>
+                </a:r>
+                <a:endParaRPr lang="ru-RU" dirty="0">
+                  <a:latin typeface="Times New Roman" panose="02020603050405020304" pitchFamily="18" charset="0"/>
+                  <a:ea typeface="Times New Roman" panose="02020603050405020304" pitchFamily="18" charset="0"/>
+                </a:endParaRPr>
+              </a:p>
+              <a:p>
+                <a:pPr marL="342900" lvl="0" indent="-342900">
+                  <a:lnSpc>
+                    <a:spcPct val="115000"/>
+                  </a:lnSpc>
+                  <a:spcAft>
+                    <a:spcPts val="0"/>
+                  </a:spcAft>
+                  <a:buFont typeface="Symbol" panose="05050102010706020507" pitchFamily="18" charset="2"/>
+                  <a:buChar char=""/>
+                  <a:tabLst>
+                    <a:tab pos="183515" algn="l"/>
+                  </a:tabLst>
+                </a:pPr>
+                <a:endParaRPr lang="ru-RU" sz="2000" dirty="0">
+                  <a:latin typeface="Times New Roman" panose="02020603050405020304" pitchFamily="18" charset="0"/>
+                  <a:ea typeface="Times New Roman" panose="02020603050405020304" pitchFamily="18" charset="0"/>
+                </a:endParaRPr>
+              </a:p>
+            </p:txBody>
+          </p:sp>
+        </mc:Choice>
+        <mc:Fallback>
+          <p:sp>
+            <p:nvSpPr>
+              <p:cNvPr id="9" name="Прямоугольник 8"/>
+              <p:cNvSpPr>
+                <a:spLocks noRot="1" noChangeAspect="1" noMove="1" noResize="1" noEditPoints="1" noAdjustHandles="1" noChangeArrowheads="1" noChangeShapeType="1" noTextEdit="1"/>
+              </p:cNvSpPr>
+              <p:nvPr/>
+            </p:nvSpPr>
+            <p:spPr>
+              <a:xfrm>
+                <a:off x="0" y="1279557"/>
+                <a:ext cx="4892322" cy="5189113"/>
+              </a:xfrm>
+              <a:prstGeom prst="rect">
+                <a:avLst/>
+              </a:prstGeom>
+              <a:blipFill>
+                <a:blip r:embed="rId5"/>
+                <a:stretch>
+                  <a:fillRect l="-747" t="-353" r="-125"/>
+                </a:stretch>
+              </a:blipFill>
+            </p:spPr>
+            <p:txBody>
+              <a:bodyPr/>
+              <a:lstStyle/>
+              <a:p>
+                <a:r>
+                  <a:rPr lang="en-US">
+                    <a:noFill/>
+                  </a:rPr>
+                  <a:t> </a:t>
+                </a:r>
+              </a:p>
+            </p:txBody>
+          </p:sp>
+        </mc:Fallback>
+      </mc:AlternateContent>
     </p:spTree>
     <p:extLst>
       <p:ext uri="{BB962C8B-B14F-4D97-AF65-F5344CB8AC3E}">
@@ -5624,36 +6059,6 @@
       </p:grpSpPr>
       <p:sp>
         <p:nvSpPr>
-          <p:cNvPr id="2" name="Заголовок 1"/>
-          <p:cNvSpPr>
-            <a:spLocks noGrp="1"/>
-          </p:cNvSpPr>
-          <p:nvPr>
-            <p:ph type="title"/>
-          </p:nvPr>
-        </p:nvSpPr>
-        <p:spPr>
-          <a:xfrm>
-            <a:off x="1005009" y="450588"/>
-            <a:ext cx="7718367" cy="996696"/>
-          </a:xfrm>
-        </p:spPr>
-        <p:txBody>
-          <a:bodyPr>
-            <a:normAutofit/>
-          </a:bodyPr>
-          <a:lstStyle/>
-          <a:p>
-            <a:r>
-              <a:rPr lang="ru-RU" sz="3200" dirty="0" smtClean="0"/>
-              <a:t>Алгоритм ближайшего соседа</a:t>
-            </a:r>
-            <a:endParaRPr lang="en-US" sz="3200" dirty="0"/>
-          </a:p>
-        </p:txBody>
-      </p:sp>
-      <p:sp>
-        <p:nvSpPr>
           <p:cNvPr id="3" name="Номер слайда 2"/>
           <p:cNvSpPr>
             <a:spLocks noGrp="1"/>
@@ -5690,8 +6095,8 @@
         </p:blipFill>
         <p:spPr>
           <a:xfrm>
-            <a:off x="207817" y="1350163"/>
-            <a:ext cx="4416296" cy="4468746"/>
+            <a:off x="4606670" y="861790"/>
+            <a:ext cx="4356736" cy="4408479"/>
           </a:xfrm>
           <a:prstGeom prst="rect">
             <a:avLst/>
@@ -5706,8 +6111,8 @@
         </p:nvSpPr>
         <p:spPr>
           <a:xfrm>
-            <a:off x="4528284" y="1236431"/>
-            <a:ext cx="4435122" cy="5401479"/>
+            <a:off x="300087" y="1447284"/>
+            <a:ext cx="3455049" cy="2569934"/>
           </a:xfrm>
           <a:prstGeom prst="rect">
             <a:avLst/>
@@ -5728,7 +6133,7 @@
               </a:tabLst>
             </a:pPr>
             <a:r>
-              <a:rPr lang="ru-RU" sz="2000" dirty="0">
+              <a:rPr lang="ru-RU" sz="2000" dirty="0" smtClean="0">
                 <a:latin typeface="Times New Roman" panose="02020603050405020304" pitchFamily="18" charset="0"/>
                 <a:ea typeface="Times New Roman" panose="02020603050405020304" pitchFamily="18" charset="0"/>
               </a:rPr>
@@ -5747,162 +6152,10 @@
                 <a:tab pos="183515" algn="l"/>
               </a:tabLst>
             </a:pPr>
-            <a:r>
-              <a:rPr lang="ru-RU" sz="2000" dirty="0" smtClean="0">
-                <a:latin typeface="Times New Roman" panose="02020603050405020304" pitchFamily="18" charset="0"/>
-                <a:ea typeface="Times New Roman" panose="02020603050405020304" pitchFamily="18" charset="0"/>
-              </a:rPr>
-              <a:t>Алгоритм выбирает </a:t>
-            </a:r>
-            <a:r>
-              <a:rPr lang="ru-RU" sz="2000" dirty="0">
-                <a:latin typeface="Times New Roman" panose="02020603050405020304" pitchFamily="18" charset="0"/>
-                <a:ea typeface="Times New Roman" panose="02020603050405020304" pitchFamily="18" charset="0"/>
-              </a:rPr>
-              <a:t>ближайшую к текущей точку и перемещается к ней, повторяя процесс, пока не посетит все точки. </a:t>
-            </a:r>
             <a:endParaRPr lang="ru-RU" sz="2000" dirty="0" smtClean="0">
               <a:latin typeface="Times New Roman" panose="02020603050405020304" pitchFamily="18" charset="0"/>
               <a:ea typeface="Times New Roman" panose="02020603050405020304" pitchFamily="18" charset="0"/>
             </a:endParaRPr>
-          </a:p>
-          <a:p>
-            <a:pPr lvl="0">
-              <a:lnSpc>
-                <a:spcPct val="115000"/>
-              </a:lnSpc>
-              <a:spcAft>
-                <a:spcPts val="0"/>
-              </a:spcAft>
-              <a:tabLst>
-                <a:tab pos="183515" algn="l"/>
-              </a:tabLst>
-            </a:pPr>
-            <a:r>
-              <a:rPr lang="ru-RU" sz="2000" b="1" dirty="0" smtClean="0">
-                <a:latin typeface="Times New Roman" panose="02020603050405020304" pitchFamily="18" charset="0"/>
-                <a:ea typeface="Times New Roman" panose="02020603050405020304" pitchFamily="18" charset="0"/>
-              </a:rPr>
-              <a:t>Преимущества</a:t>
-            </a:r>
-            <a:r>
-              <a:rPr lang="ru-RU" sz="2000" b="1" dirty="0">
-                <a:latin typeface="Times New Roman" panose="02020603050405020304" pitchFamily="18" charset="0"/>
-                <a:ea typeface="Times New Roman" panose="02020603050405020304" pitchFamily="18" charset="0"/>
-              </a:rPr>
-              <a:t>:</a:t>
-            </a:r>
-          </a:p>
-          <a:p>
-            <a:pPr marL="342900" lvl="0" indent="-342900">
-              <a:lnSpc>
-                <a:spcPct val="115000"/>
-              </a:lnSpc>
-              <a:spcAft>
-                <a:spcPts val="0"/>
-              </a:spcAft>
-              <a:buFont typeface="Arial" panose="020B0604020202020204" pitchFamily="34" charset="0"/>
-              <a:buChar char="•"/>
-              <a:tabLst>
-                <a:tab pos="183515" algn="l"/>
-              </a:tabLst>
-            </a:pPr>
-            <a:r>
-              <a:rPr lang="ru-RU" sz="2000" dirty="0" smtClean="0">
-                <a:latin typeface="Times New Roman" panose="02020603050405020304" pitchFamily="18" charset="0"/>
-                <a:ea typeface="Times New Roman" panose="02020603050405020304" pitchFamily="18" charset="0"/>
-              </a:rPr>
-              <a:t>Простой </a:t>
-            </a:r>
-            <a:r>
-              <a:rPr lang="ru-RU" sz="2000" dirty="0">
-                <a:latin typeface="Times New Roman" panose="02020603050405020304" pitchFamily="18" charset="0"/>
-                <a:ea typeface="Times New Roman" panose="02020603050405020304" pitchFamily="18" charset="0"/>
-              </a:rPr>
-              <a:t>в реализации.</a:t>
-            </a:r>
-          </a:p>
-          <a:p>
-            <a:pPr marL="342900" lvl="0" indent="-342900">
-              <a:lnSpc>
-                <a:spcPct val="115000"/>
-              </a:lnSpc>
-              <a:spcAft>
-                <a:spcPts val="0"/>
-              </a:spcAft>
-              <a:buFont typeface="Arial" panose="020B0604020202020204" pitchFamily="34" charset="0"/>
-              <a:buChar char="•"/>
-              <a:tabLst>
-                <a:tab pos="183515" algn="l"/>
-              </a:tabLst>
-            </a:pPr>
-            <a:r>
-              <a:rPr lang="ru-RU" sz="2000" dirty="0" smtClean="0">
-                <a:latin typeface="Times New Roman" panose="02020603050405020304" pitchFamily="18" charset="0"/>
-                <a:ea typeface="Times New Roman" panose="02020603050405020304" pitchFamily="18" charset="0"/>
-              </a:rPr>
-              <a:t>Скорость работы.</a:t>
-            </a:r>
-            <a:endParaRPr lang="ru-RU" sz="2000" dirty="0">
-              <a:latin typeface="Times New Roman" panose="02020603050405020304" pitchFamily="18" charset="0"/>
-              <a:ea typeface="Times New Roman" panose="02020603050405020304" pitchFamily="18" charset="0"/>
-            </a:endParaRPr>
-          </a:p>
-          <a:p>
-            <a:pPr lvl="0">
-              <a:lnSpc>
-                <a:spcPct val="115000"/>
-              </a:lnSpc>
-              <a:spcAft>
-                <a:spcPts val="0"/>
-              </a:spcAft>
-              <a:tabLst>
-                <a:tab pos="183515" algn="l"/>
-              </a:tabLst>
-            </a:pPr>
-            <a:r>
-              <a:rPr lang="ru-RU" sz="2000" b="1" dirty="0" smtClean="0">
-                <a:latin typeface="Times New Roman" panose="02020603050405020304" pitchFamily="18" charset="0"/>
-                <a:ea typeface="Times New Roman" panose="02020603050405020304" pitchFamily="18" charset="0"/>
-              </a:rPr>
-              <a:t>Недостатки</a:t>
-            </a:r>
-            <a:r>
-              <a:rPr lang="ru-RU" sz="2000" b="1" dirty="0">
-                <a:latin typeface="Times New Roman" panose="02020603050405020304" pitchFamily="18" charset="0"/>
-                <a:ea typeface="Times New Roman" panose="02020603050405020304" pitchFamily="18" charset="0"/>
-              </a:rPr>
-              <a:t>:</a:t>
-            </a:r>
-          </a:p>
-          <a:p>
-            <a:pPr marL="342900" lvl="0" indent="-342900">
-              <a:lnSpc>
-                <a:spcPct val="115000"/>
-              </a:lnSpc>
-              <a:spcAft>
-                <a:spcPts val="0"/>
-              </a:spcAft>
-              <a:buFont typeface="Arial" panose="020B0604020202020204" pitchFamily="34" charset="0"/>
-              <a:buChar char="•"/>
-              <a:tabLst>
-                <a:tab pos="183515" algn="l"/>
-              </a:tabLst>
-            </a:pPr>
-            <a:r>
-              <a:rPr lang="ru-RU" sz="2000" dirty="0" smtClean="0">
-                <a:latin typeface="Times New Roman" panose="02020603050405020304" pitchFamily="18" charset="0"/>
-                <a:ea typeface="Times New Roman" panose="02020603050405020304" pitchFamily="18" charset="0"/>
-              </a:rPr>
-              <a:t>Не </a:t>
-            </a:r>
-            <a:r>
-              <a:rPr lang="ru-RU" sz="2000" dirty="0">
-                <a:latin typeface="Times New Roman" panose="02020603050405020304" pitchFamily="18" charset="0"/>
-                <a:ea typeface="Times New Roman" panose="02020603050405020304" pitchFamily="18" charset="0"/>
-              </a:rPr>
-              <a:t>всегда находит лучший маршрут.</a:t>
-            </a:r>
           </a:p>
           <a:p>
             <a:pPr lvl="0">
@@ -5920,6 +6173,976 @@
               <a:latin typeface="Times New Roman" panose="02020603050405020304" pitchFamily="18" charset="0"/>
               <a:ea typeface="Times New Roman" panose="02020603050405020304" pitchFamily="18" charset="0"/>
             </a:endParaRPr>
+          </a:p>
+        </p:txBody>
+      </p:sp>
+      <p:sp>
+        <p:nvSpPr>
+          <p:cNvPr id="5" name="Rectangle 2"/>
+          <p:cNvSpPr>
+            <a:spLocks noChangeArrowheads="1"/>
+          </p:cNvSpPr>
+          <p:nvPr/>
+        </p:nvSpPr>
+        <p:spPr bwMode="auto">
+          <a:xfrm>
+            <a:off x="228339" y="4017218"/>
+            <a:ext cx="7905129" cy="2262158"/>
+          </a:xfrm>
+          <a:prstGeom prst="rect">
+            <a:avLst/>
+          </a:prstGeom>
+          <a:noFill/>
+          <a:ln>
+            <a:noFill/>
+          </a:ln>
+          <a:effectLst/>
+          <a:extLst>
+            <a:ext uri="{909E8E84-426E-40DD-AFC4-6F175D3DCCD1}">
+              <a14:hiddenFill xmlns:a14="http://schemas.microsoft.com/office/drawing/2010/main">
+                <a:solidFill>
+                  <a:schemeClr val="accent1"/>
+                </a:solidFill>
+              </a14:hiddenFill>
+            </a:ext>
+            <a:ext uri="{91240B29-F687-4F45-9708-019B960494DF}">
+              <a14:hiddenLine xmlns:a14="http://schemas.microsoft.com/office/drawing/2010/main" w="9525">
+                <a:solidFill>
+                  <a:schemeClr val="tx1"/>
+                </a:solidFill>
+                <a:miter lim="800000"/>
+                <a:headEnd/>
+                <a:tailEnd/>
+              </a14:hiddenLine>
+            </a:ext>
+            <a:ext uri="{AF507438-7753-43E0-B8FC-AC1667EBCBE1}">
+              <a14:hiddenEffects xmlns:a14="http://schemas.microsoft.com/office/drawing/2010/main">
+                <a:effectLst>
+                  <a:outerShdw dist="35921" dir="2700000" algn="ctr" rotWithShape="0">
+                    <a:schemeClr val="bg2"/>
+                  </a:outerShdw>
+                </a:effectLst>
+              </a14:hiddenEffects>
+            </a:ext>
+          </a:extLst>
+        </p:spPr>
+        <p:txBody>
+          <a:bodyPr vert="horz" wrap="square" lIns="91440" tIns="45720" rIns="91440" bIns="0" numCol="1" anchor="ctr" anchorCtr="0" compatLnSpc="1">
+            <a:prstTxWarp prst="textNoShape">
+              <a:avLst/>
+            </a:prstTxWarp>
+            <a:spAutoFit/>
+          </a:bodyPr>
+          <a:lstStyle/>
+          <a:p>
+            <a:pPr marL="0" marR="0" lvl="0" indent="0" algn="l" defTabSz="914400" rtl="0" eaLnBrk="0" fontAlgn="base" latinLnBrk="0" hangingPunct="0">
+              <a:lnSpc>
+                <a:spcPct val="100000"/>
+              </a:lnSpc>
+              <a:spcBef>
+                <a:spcPct val="0"/>
+              </a:spcBef>
+              <a:spcAft>
+                <a:spcPct val="0"/>
+              </a:spcAft>
+              <a:buClrTx/>
+              <a:buSzTx/>
+              <a:buFontTx/>
+              <a:buNone/>
+              <a:tabLst/>
+            </a:pPr>
+            <a:r>
+              <a:rPr kumimoji="0" lang="en-US" altLang="en-US" sz="1600" b="0" i="0" u="none" strike="noStrike" cap="none" normalizeH="0" baseline="0" dirty="0" err="1" smtClean="0">
+                <a:ln>
+                  <a:noFill/>
+                </a:ln>
+                <a:solidFill>
+                  <a:schemeClr val="tx1"/>
+                </a:solidFill>
+                <a:effectLst/>
+                <a:latin typeface="Courier New" panose="02070309020205020404" pitchFamily="49" charset="0"/>
+                <a:ea typeface="Times New Roman" panose="02020603050405020304" pitchFamily="18" charset="0"/>
+                <a:cs typeface="Courier New" panose="02070309020205020404" pitchFamily="49" charset="0"/>
+              </a:rPr>
+              <a:t>NearestNeighbor</a:t>
+            </a:r>
+            <a:r>
+              <a:rPr kumimoji="0" lang="en-US" altLang="en-US" sz="1600" b="0" i="0" u="none" strike="noStrike" cap="none" normalizeH="0" baseline="0" dirty="0" smtClean="0">
+                <a:ln>
+                  <a:noFill/>
+                </a:ln>
+                <a:solidFill>
+                  <a:schemeClr val="tx1"/>
+                </a:solidFill>
+                <a:effectLst/>
+                <a:latin typeface="Courier New" panose="02070309020205020404" pitchFamily="49" charset="0"/>
+                <a:ea typeface="Times New Roman" panose="02020603050405020304" pitchFamily="18" charset="0"/>
+                <a:cs typeface="Courier New" panose="02070309020205020404" pitchFamily="49" charset="0"/>
+              </a:rPr>
+              <a:t>(start, points, goal)</a:t>
+            </a:r>
+            <a:endParaRPr kumimoji="0" lang="ru-RU" altLang="en-US" sz="1600" b="0" i="0" u="none" strike="noStrike" cap="none" normalizeH="0" baseline="0" dirty="0" smtClean="0">
+              <a:ln>
+                <a:noFill/>
+              </a:ln>
+              <a:solidFill>
+                <a:schemeClr val="tx1"/>
+              </a:solidFill>
+              <a:effectLst/>
+              <a:latin typeface="Courier New" panose="02070309020205020404" pitchFamily="49" charset="0"/>
+              <a:ea typeface="Times New Roman" panose="02020603050405020304" pitchFamily="18" charset="0"/>
+              <a:cs typeface="Courier New" panose="02070309020205020404" pitchFamily="49" charset="0"/>
+            </a:endParaRPr>
+          </a:p>
+          <a:p>
+            <a:pPr marL="228600" marR="0" lvl="0" indent="-228600" algn="l" defTabSz="914400" rtl="0" eaLnBrk="0" fontAlgn="base" latinLnBrk="0" hangingPunct="0">
+              <a:lnSpc>
+                <a:spcPct val="100000"/>
+              </a:lnSpc>
+              <a:spcBef>
+                <a:spcPct val="0"/>
+              </a:spcBef>
+              <a:spcAft>
+                <a:spcPct val="0"/>
+              </a:spcAft>
+              <a:buClrTx/>
+              <a:buSzTx/>
+              <a:buFontTx/>
+              <a:buAutoNum type="arabicPlain"/>
+              <a:tabLst/>
+            </a:pPr>
+            <a:r>
+              <a:rPr kumimoji="0" lang="en-US" altLang="en-US" sz="1600" b="0" i="0" u="none" strike="noStrike" cap="none" normalizeH="0" baseline="0" dirty="0" err="1" smtClean="0">
+                <a:ln>
+                  <a:noFill/>
+                </a:ln>
+                <a:solidFill>
+                  <a:schemeClr val="tx1"/>
+                </a:solidFill>
+                <a:effectLst/>
+                <a:latin typeface="Courier New" panose="02070309020205020404" pitchFamily="49" charset="0"/>
+                <a:ea typeface="Times New Roman" panose="02020603050405020304" pitchFamily="18" charset="0"/>
+                <a:cs typeface="Courier New" panose="02070309020205020404" pitchFamily="49" charset="0"/>
+              </a:rPr>
+              <a:t>маршрут</a:t>
+            </a:r>
+            <a:r>
+              <a:rPr kumimoji="0" lang="en-US" altLang="en-US" sz="1600" b="0" i="0" u="none" strike="noStrike" cap="none" normalizeH="0" baseline="0" dirty="0" smtClean="0">
+                <a:ln>
+                  <a:noFill/>
+                </a:ln>
+                <a:solidFill>
+                  <a:schemeClr val="tx1"/>
+                </a:solidFill>
+                <a:effectLst/>
+                <a:latin typeface="Courier New" panose="02070309020205020404" pitchFamily="49" charset="0"/>
+                <a:ea typeface="Times New Roman" panose="02020603050405020304" pitchFamily="18" charset="0"/>
+                <a:cs typeface="Courier New" panose="02070309020205020404" pitchFamily="49" charset="0"/>
+              </a:rPr>
+              <a:t> ← [start]</a:t>
+            </a:r>
+            <a:endParaRPr kumimoji="0" lang="ru-RU" altLang="en-US" sz="1600" b="0" i="0" u="none" strike="noStrike" cap="none" normalizeH="0" baseline="0" dirty="0" smtClean="0">
+              <a:ln>
+                <a:noFill/>
+              </a:ln>
+              <a:solidFill>
+                <a:schemeClr val="tx1"/>
+              </a:solidFill>
+              <a:effectLst/>
+              <a:latin typeface="Courier New" panose="02070309020205020404" pitchFamily="49" charset="0"/>
+              <a:ea typeface="Times New Roman" panose="02020603050405020304" pitchFamily="18" charset="0"/>
+              <a:cs typeface="Courier New" panose="02070309020205020404" pitchFamily="49" charset="0"/>
+            </a:endParaRPr>
+          </a:p>
+          <a:p>
+            <a:pPr marL="228600" marR="0" lvl="0" indent="-228600" algn="l" defTabSz="914400" rtl="0" eaLnBrk="0" fontAlgn="base" latinLnBrk="0" hangingPunct="0">
+              <a:lnSpc>
+                <a:spcPct val="100000"/>
+              </a:lnSpc>
+              <a:spcBef>
+                <a:spcPct val="0"/>
+              </a:spcBef>
+              <a:spcAft>
+                <a:spcPct val="0"/>
+              </a:spcAft>
+              <a:buClrTx/>
+              <a:buSzTx/>
+              <a:buFontTx/>
+              <a:buAutoNum type="arabicPlain"/>
+              <a:tabLst/>
+            </a:pPr>
+            <a:r>
+              <a:rPr kumimoji="0" lang="en-US" altLang="en-US" sz="1600" b="0" i="0" u="none" strike="noStrike" cap="none" normalizeH="0" baseline="0" dirty="0" smtClean="0">
+                <a:ln>
+                  <a:noFill/>
+                </a:ln>
+                <a:solidFill>
+                  <a:schemeClr val="tx1"/>
+                </a:solidFill>
+                <a:effectLst/>
+                <a:latin typeface="Courier New" panose="02070309020205020404" pitchFamily="49" charset="0"/>
+                <a:ea typeface="Times New Roman" panose="02020603050405020304" pitchFamily="18" charset="0"/>
+                <a:cs typeface="Courier New" panose="02070309020205020404" pitchFamily="49" charset="0"/>
+              </a:rPr>
+              <a:t>    </a:t>
+            </a:r>
+            <a:r>
+              <a:rPr kumimoji="0" lang="en-US" altLang="en-US" sz="1600" b="1" i="0" u="none" strike="noStrike" cap="none" normalizeH="0" baseline="0" dirty="0" err="1" smtClean="0">
+                <a:ln>
+                  <a:noFill/>
+                </a:ln>
+                <a:solidFill>
+                  <a:schemeClr val="tx1"/>
+                </a:solidFill>
+                <a:effectLst/>
+                <a:latin typeface="Courier New" panose="02070309020205020404" pitchFamily="49" charset="0"/>
+                <a:ea typeface="Times New Roman" panose="02020603050405020304" pitchFamily="18" charset="0"/>
+                <a:cs typeface="Courier New" panose="02070309020205020404" pitchFamily="49" charset="0"/>
+              </a:rPr>
+              <a:t>пока</a:t>
+            </a:r>
+            <a:r>
+              <a:rPr kumimoji="0" lang="en-US" altLang="en-US" sz="1600" b="0" i="0" u="none" strike="noStrike" cap="none" normalizeH="0" baseline="0" dirty="0" smtClean="0">
+                <a:ln>
+                  <a:noFill/>
+                </a:ln>
+                <a:solidFill>
+                  <a:schemeClr val="tx1"/>
+                </a:solidFill>
+                <a:effectLst/>
+                <a:latin typeface="Courier New" panose="02070309020205020404" pitchFamily="49" charset="0"/>
+                <a:ea typeface="Times New Roman" panose="02020603050405020304" pitchFamily="18" charset="0"/>
+                <a:cs typeface="Courier New" panose="02070309020205020404" pitchFamily="49" charset="0"/>
+              </a:rPr>
+              <a:t> points </a:t>
+            </a:r>
+            <a:r>
+              <a:rPr kumimoji="0" lang="en-US" altLang="en-US" sz="1600" b="0" i="0" u="none" strike="noStrike" cap="none" normalizeH="0" baseline="0" dirty="0" err="1" smtClean="0">
+                <a:ln>
+                  <a:noFill/>
+                </a:ln>
+                <a:solidFill>
+                  <a:schemeClr val="tx1"/>
+                </a:solidFill>
+                <a:effectLst/>
+                <a:latin typeface="Courier New" panose="02070309020205020404" pitchFamily="49" charset="0"/>
+                <a:ea typeface="Times New Roman" panose="02020603050405020304" pitchFamily="18" charset="0"/>
+                <a:cs typeface="Courier New" panose="02070309020205020404" pitchFamily="49" charset="0"/>
+              </a:rPr>
+              <a:t>не</a:t>
+            </a:r>
+            <a:r>
+              <a:rPr kumimoji="0" lang="en-US" altLang="en-US" sz="1600" b="0" i="0" u="none" strike="noStrike" cap="none" normalizeH="0" baseline="0" dirty="0" smtClean="0">
+                <a:ln>
+                  <a:noFill/>
+                </a:ln>
+                <a:solidFill>
+                  <a:schemeClr val="tx1"/>
+                </a:solidFill>
+                <a:effectLst/>
+                <a:latin typeface="Courier New" panose="02070309020205020404" pitchFamily="49" charset="0"/>
+                <a:ea typeface="Times New Roman" panose="02020603050405020304" pitchFamily="18" charset="0"/>
+                <a:cs typeface="Courier New" panose="02070309020205020404" pitchFamily="49" charset="0"/>
+              </a:rPr>
+              <a:t> </a:t>
+            </a:r>
+            <a:r>
+              <a:rPr kumimoji="0" lang="en-US" altLang="en-US" sz="1600" b="0" i="0" u="none" strike="noStrike" cap="none" normalizeH="0" baseline="0" dirty="0" err="1" smtClean="0">
+                <a:ln>
+                  <a:noFill/>
+                </a:ln>
+                <a:solidFill>
+                  <a:schemeClr val="tx1"/>
+                </a:solidFill>
+                <a:effectLst/>
+                <a:latin typeface="Courier New" panose="02070309020205020404" pitchFamily="49" charset="0"/>
+                <a:ea typeface="Times New Roman" panose="02020603050405020304" pitchFamily="18" charset="0"/>
+                <a:cs typeface="Courier New" panose="02070309020205020404" pitchFamily="49" charset="0"/>
+              </a:rPr>
+              <a:t>пусто</a:t>
+            </a:r>
+            <a:endParaRPr kumimoji="0" lang="ru-RU" altLang="en-US" sz="1600" b="0" i="0" u="none" strike="noStrike" cap="none" normalizeH="0" baseline="0" dirty="0" smtClean="0">
+              <a:ln>
+                <a:noFill/>
+              </a:ln>
+              <a:solidFill>
+                <a:schemeClr val="tx1"/>
+              </a:solidFill>
+              <a:effectLst/>
+              <a:latin typeface="Courier New" panose="02070309020205020404" pitchFamily="49" charset="0"/>
+              <a:ea typeface="Times New Roman" panose="02020603050405020304" pitchFamily="18" charset="0"/>
+              <a:cs typeface="Courier New" panose="02070309020205020404" pitchFamily="49" charset="0"/>
+            </a:endParaRPr>
+          </a:p>
+          <a:p>
+            <a:pPr marL="228600" marR="0" lvl="0" indent="-228600" algn="l" defTabSz="914400" rtl="0" eaLnBrk="0" fontAlgn="base" latinLnBrk="0" hangingPunct="0">
+              <a:lnSpc>
+                <a:spcPct val="100000"/>
+              </a:lnSpc>
+              <a:spcBef>
+                <a:spcPct val="0"/>
+              </a:spcBef>
+              <a:spcAft>
+                <a:spcPct val="0"/>
+              </a:spcAft>
+              <a:buClrTx/>
+              <a:buSzTx/>
+              <a:buFontTx/>
+              <a:buAutoNum type="arabicPlain"/>
+              <a:tabLst/>
+            </a:pPr>
+            <a:r>
+              <a:rPr kumimoji="0" lang="en-US" altLang="en-US" sz="1600" b="0" i="0" u="none" strike="noStrike" cap="none" normalizeH="0" baseline="0" dirty="0" smtClean="0">
+                <a:ln>
+                  <a:noFill/>
+                </a:ln>
+                <a:solidFill>
+                  <a:schemeClr val="tx1"/>
+                </a:solidFill>
+                <a:effectLst/>
+                <a:latin typeface="Courier New" panose="02070309020205020404" pitchFamily="49" charset="0"/>
+                <a:ea typeface="Times New Roman" panose="02020603050405020304" pitchFamily="18" charset="0"/>
+                <a:cs typeface="Courier New" panose="02070309020205020404" pitchFamily="49" charset="0"/>
+              </a:rPr>
+              <a:t>        </a:t>
+            </a:r>
+            <a:r>
+              <a:rPr kumimoji="0" lang="en-US" altLang="en-US" sz="1600" b="0" i="0" u="none" strike="noStrike" cap="none" normalizeH="0" baseline="0" dirty="0" err="1" smtClean="0">
+                <a:ln>
+                  <a:noFill/>
+                </a:ln>
+                <a:solidFill>
+                  <a:schemeClr val="tx1"/>
+                </a:solidFill>
+                <a:effectLst/>
+                <a:latin typeface="Courier New" panose="02070309020205020404" pitchFamily="49" charset="0"/>
+                <a:ea typeface="Times New Roman" panose="02020603050405020304" pitchFamily="18" charset="0"/>
+                <a:cs typeface="Courier New" panose="02070309020205020404" pitchFamily="49" charset="0"/>
+              </a:rPr>
+              <a:t>ближайшая_точка</a:t>
+            </a:r>
+            <a:r>
+              <a:rPr kumimoji="0" lang="en-US" altLang="en-US" sz="1600" b="0" i="0" u="none" strike="noStrike" cap="none" normalizeH="0" baseline="0" dirty="0" smtClean="0">
+                <a:ln>
+                  <a:noFill/>
+                </a:ln>
+                <a:solidFill>
+                  <a:schemeClr val="tx1"/>
+                </a:solidFill>
+                <a:effectLst/>
+                <a:latin typeface="Courier New" panose="02070309020205020404" pitchFamily="49" charset="0"/>
+                <a:ea typeface="Times New Roman" panose="02020603050405020304" pitchFamily="18" charset="0"/>
+                <a:cs typeface="Courier New" panose="02070309020205020404" pitchFamily="49" charset="0"/>
+              </a:rPr>
+              <a:t> ← min(points, </a:t>
+            </a:r>
+            <a:r>
+              <a:rPr kumimoji="0" lang="en-US" altLang="en-US" sz="1600" b="0" i="0" u="none" strike="noStrike" cap="none" normalizeH="0" baseline="0" dirty="0" err="1" smtClean="0">
+                <a:ln>
+                  <a:noFill/>
+                </a:ln>
+                <a:solidFill>
+                  <a:schemeClr val="tx1"/>
+                </a:solidFill>
+                <a:effectLst/>
+                <a:latin typeface="Courier New" panose="02070309020205020404" pitchFamily="49" charset="0"/>
+                <a:ea typeface="Times New Roman" panose="02020603050405020304" pitchFamily="18" charset="0"/>
+                <a:cs typeface="Courier New" panose="02070309020205020404" pitchFamily="49" charset="0"/>
+              </a:rPr>
+              <a:t>по</a:t>
+            </a:r>
+            <a:r>
+              <a:rPr kumimoji="0" lang="en-US" altLang="en-US" sz="1600" b="0" i="0" u="none" strike="noStrike" cap="none" normalizeH="0" baseline="0" dirty="0" smtClean="0">
+                <a:ln>
+                  <a:noFill/>
+                </a:ln>
+                <a:solidFill>
+                  <a:schemeClr val="tx1"/>
+                </a:solidFill>
+                <a:effectLst/>
+                <a:latin typeface="Courier New" panose="02070309020205020404" pitchFamily="49" charset="0"/>
+                <a:ea typeface="Times New Roman" panose="02020603050405020304" pitchFamily="18" charset="0"/>
+                <a:cs typeface="Courier New" panose="02070309020205020404" pitchFamily="49" charset="0"/>
+              </a:rPr>
+              <a:t> </a:t>
+            </a:r>
+            <a:r>
+              <a:rPr kumimoji="0" lang="en-US" altLang="en-US" sz="1600" b="0" i="0" u="none" strike="noStrike" cap="none" normalizeH="0" baseline="0" dirty="0" err="1" smtClean="0">
+                <a:ln>
+                  <a:noFill/>
+                </a:ln>
+                <a:solidFill>
+                  <a:schemeClr val="tx1"/>
+                </a:solidFill>
+                <a:effectLst/>
+                <a:latin typeface="Courier New" panose="02070309020205020404" pitchFamily="49" charset="0"/>
+                <a:ea typeface="Times New Roman" panose="02020603050405020304" pitchFamily="18" charset="0"/>
+                <a:cs typeface="Courier New" panose="02070309020205020404" pitchFamily="49" charset="0"/>
+              </a:rPr>
+              <a:t>расстоянию</a:t>
+            </a:r>
+            <a:r>
+              <a:rPr kumimoji="0" lang="en-US" altLang="en-US" sz="1600" b="0" i="0" u="none" strike="noStrike" cap="none" normalizeH="0" baseline="0" dirty="0" smtClean="0">
+                <a:ln>
+                  <a:noFill/>
+                </a:ln>
+                <a:solidFill>
+                  <a:schemeClr val="tx1"/>
+                </a:solidFill>
+                <a:effectLst/>
+                <a:latin typeface="Courier New" panose="02070309020205020404" pitchFamily="49" charset="0"/>
+                <a:ea typeface="Times New Roman" panose="02020603050405020304" pitchFamily="18" charset="0"/>
+                <a:cs typeface="Courier New" panose="02070309020205020404" pitchFamily="49" charset="0"/>
+              </a:rPr>
+              <a:t> </a:t>
+            </a:r>
+            <a:r>
+              <a:rPr kumimoji="0" lang="en-US" altLang="en-US" sz="1600" b="0" i="0" u="none" strike="noStrike" cap="none" normalizeH="0" baseline="0" dirty="0" err="1" smtClean="0">
+                <a:ln>
+                  <a:noFill/>
+                </a:ln>
+                <a:solidFill>
+                  <a:schemeClr val="tx1"/>
+                </a:solidFill>
+                <a:effectLst/>
+                <a:latin typeface="Courier New" panose="02070309020205020404" pitchFamily="49" charset="0"/>
+                <a:ea typeface="Times New Roman" panose="02020603050405020304" pitchFamily="18" charset="0"/>
+                <a:cs typeface="Courier New" panose="02070309020205020404" pitchFamily="49" charset="0"/>
+              </a:rPr>
+              <a:t>до</a:t>
+            </a:r>
+            <a:r>
+              <a:rPr kumimoji="0" lang="en-US" altLang="en-US" sz="1600" b="0" i="0" u="none" strike="noStrike" cap="none" normalizeH="0" baseline="0" dirty="0" smtClean="0">
+                <a:ln>
+                  <a:noFill/>
+                </a:ln>
+                <a:solidFill>
+                  <a:schemeClr val="tx1"/>
+                </a:solidFill>
+                <a:effectLst/>
+                <a:latin typeface="Courier New" panose="02070309020205020404" pitchFamily="49" charset="0"/>
+                <a:ea typeface="Times New Roman" panose="02020603050405020304" pitchFamily="18" charset="0"/>
+                <a:cs typeface="Courier New" panose="02070309020205020404" pitchFamily="49" charset="0"/>
+              </a:rPr>
+              <a:t> </a:t>
+            </a:r>
+            <a:r>
+              <a:rPr kumimoji="0" lang="en-US" altLang="en-US" sz="1600" b="0" i="0" u="none" strike="noStrike" cap="none" normalizeH="0" baseline="0" dirty="0" err="1" smtClean="0">
+                <a:ln>
+                  <a:noFill/>
+                </a:ln>
+                <a:solidFill>
+                  <a:schemeClr val="tx1"/>
+                </a:solidFill>
+                <a:effectLst/>
+                <a:latin typeface="Courier New" panose="02070309020205020404" pitchFamily="49" charset="0"/>
+                <a:ea typeface="Times New Roman" panose="02020603050405020304" pitchFamily="18" charset="0"/>
+                <a:cs typeface="Courier New" panose="02070309020205020404" pitchFamily="49" charset="0"/>
+              </a:rPr>
+              <a:t>текущей</a:t>
+            </a:r>
+            <a:r>
+              <a:rPr kumimoji="0" lang="en-US" altLang="en-US" sz="1600" b="0" i="0" u="none" strike="noStrike" cap="none" normalizeH="0" baseline="0" dirty="0" smtClean="0">
+                <a:ln>
+                  <a:noFill/>
+                </a:ln>
+                <a:solidFill>
+                  <a:schemeClr val="tx1"/>
+                </a:solidFill>
+                <a:effectLst/>
+                <a:latin typeface="Courier New" panose="02070309020205020404" pitchFamily="49" charset="0"/>
+                <a:ea typeface="Times New Roman" panose="02020603050405020304" pitchFamily="18" charset="0"/>
+                <a:cs typeface="Courier New" panose="02070309020205020404" pitchFamily="49" charset="0"/>
+              </a:rPr>
+              <a:t>)</a:t>
+            </a:r>
+            <a:endParaRPr kumimoji="0" lang="ru-RU" altLang="en-US" sz="1600" b="0" i="0" u="none" strike="noStrike" cap="none" normalizeH="0" baseline="0" dirty="0" smtClean="0">
+              <a:ln>
+                <a:noFill/>
+              </a:ln>
+              <a:solidFill>
+                <a:schemeClr val="tx1"/>
+              </a:solidFill>
+              <a:effectLst/>
+              <a:latin typeface="Courier New" panose="02070309020205020404" pitchFamily="49" charset="0"/>
+              <a:ea typeface="Times New Roman" panose="02020603050405020304" pitchFamily="18" charset="0"/>
+              <a:cs typeface="Courier New" panose="02070309020205020404" pitchFamily="49" charset="0"/>
+            </a:endParaRPr>
+          </a:p>
+          <a:p>
+            <a:pPr marL="228600" marR="0" lvl="0" indent="-228600" algn="l" defTabSz="914400" rtl="0" eaLnBrk="0" fontAlgn="base" latinLnBrk="0" hangingPunct="0">
+              <a:lnSpc>
+                <a:spcPct val="100000"/>
+              </a:lnSpc>
+              <a:spcBef>
+                <a:spcPct val="0"/>
+              </a:spcBef>
+              <a:spcAft>
+                <a:spcPct val="0"/>
+              </a:spcAft>
+              <a:buClrTx/>
+              <a:buSzTx/>
+              <a:buFontTx/>
+              <a:buAutoNum type="arabicPlain"/>
+              <a:tabLst/>
+            </a:pPr>
+            <a:r>
+              <a:rPr kumimoji="0" lang="en-US" altLang="en-US" sz="1600" b="0" i="0" u="none" strike="noStrike" cap="none" normalizeH="0" baseline="0" dirty="0" smtClean="0">
+                <a:ln>
+                  <a:noFill/>
+                </a:ln>
+                <a:solidFill>
+                  <a:schemeClr val="tx1"/>
+                </a:solidFill>
+                <a:effectLst/>
+                <a:latin typeface="Courier New" panose="02070309020205020404" pitchFamily="49" charset="0"/>
+                <a:ea typeface="Times New Roman" panose="02020603050405020304" pitchFamily="18" charset="0"/>
+                <a:cs typeface="Courier New" panose="02070309020205020404" pitchFamily="49" charset="0"/>
+              </a:rPr>
+              <a:t>        </a:t>
+            </a:r>
+            <a:r>
+              <a:rPr kumimoji="0" lang="en-US" altLang="en-US" sz="1600" b="0" i="0" u="none" strike="noStrike" cap="none" normalizeH="0" baseline="0" dirty="0" err="1" smtClean="0">
+                <a:ln>
+                  <a:noFill/>
+                </a:ln>
+                <a:solidFill>
+                  <a:schemeClr val="tx1"/>
+                </a:solidFill>
+                <a:effectLst/>
+                <a:latin typeface="Courier New" panose="02070309020205020404" pitchFamily="49" charset="0"/>
+                <a:ea typeface="Times New Roman" panose="02020603050405020304" pitchFamily="18" charset="0"/>
+                <a:cs typeface="Courier New" panose="02070309020205020404" pitchFamily="49" charset="0"/>
+              </a:rPr>
+              <a:t>добавить</a:t>
+            </a:r>
+            <a:r>
+              <a:rPr kumimoji="0" lang="en-US" altLang="en-US" sz="1600" b="0" i="0" u="none" strike="noStrike" cap="none" normalizeH="0" baseline="0" dirty="0" smtClean="0">
+                <a:ln>
+                  <a:noFill/>
+                </a:ln>
+                <a:solidFill>
+                  <a:schemeClr val="tx1"/>
+                </a:solidFill>
+                <a:effectLst/>
+                <a:latin typeface="Courier New" panose="02070309020205020404" pitchFamily="49" charset="0"/>
+                <a:ea typeface="Times New Roman" panose="02020603050405020304" pitchFamily="18" charset="0"/>
+                <a:cs typeface="Courier New" panose="02070309020205020404" pitchFamily="49" charset="0"/>
+              </a:rPr>
+              <a:t> </a:t>
+            </a:r>
+            <a:r>
+              <a:rPr kumimoji="0" lang="en-US" altLang="en-US" sz="1600" b="0" i="0" u="none" strike="noStrike" cap="none" normalizeH="0" baseline="0" dirty="0" err="1" smtClean="0">
+                <a:ln>
+                  <a:noFill/>
+                </a:ln>
+                <a:solidFill>
+                  <a:schemeClr val="tx1"/>
+                </a:solidFill>
+                <a:effectLst/>
+                <a:latin typeface="Courier New" panose="02070309020205020404" pitchFamily="49" charset="0"/>
+                <a:ea typeface="Times New Roman" panose="02020603050405020304" pitchFamily="18" charset="0"/>
+                <a:cs typeface="Courier New" panose="02070309020205020404" pitchFamily="49" charset="0"/>
+              </a:rPr>
+              <a:t>ближайшую_точку</a:t>
+            </a:r>
+            <a:r>
+              <a:rPr kumimoji="0" lang="en-US" altLang="en-US" sz="1600" b="0" i="0" u="none" strike="noStrike" cap="none" normalizeH="0" baseline="0" dirty="0" smtClean="0">
+                <a:ln>
+                  <a:noFill/>
+                </a:ln>
+                <a:solidFill>
+                  <a:schemeClr val="tx1"/>
+                </a:solidFill>
+                <a:effectLst/>
+                <a:latin typeface="Courier New" panose="02070309020205020404" pitchFamily="49" charset="0"/>
+                <a:ea typeface="Times New Roman" panose="02020603050405020304" pitchFamily="18" charset="0"/>
+                <a:cs typeface="Courier New" panose="02070309020205020404" pitchFamily="49" charset="0"/>
+              </a:rPr>
+              <a:t> в </a:t>
+            </a:r>
+            <a:r>
+              <a:rPr kumimoji="0" lang="en-US" altLang="en-US" sz="1600" b="0" i="0" u="none" strike="noStrike" cap="none" normalizeH="0" baseline="0" dirty="0" err="1" smtClean="0">
+                <a:ln>
+                  <a:noFill/>
+                </a:ln>
+                <a:solidFill>
+                  <a:schemeClr val="tx1"/>
+                </a:solidFill>
+                <a:effectLst/>
+                <a:latin typeface="Courier New" panose="02070309020205020404" pitchFamily="49" charset="0"/>
+                <a:ea typeface="Times New Roman" panose="02020603050405020304" pitchFamily="18" charset="0"/>
+                <a:cs typeface="Courier New" panose="02070309020205020404" pitchFamily="49" charset="0"/>
+              </a:rPr>
+              <a:t>маршрут</a:t>
+            </a:r>
+            <a:endParaRPr kumimoji="0" lang="ru-RU" altLang="en-US" sz="1600" b="0" i="0" u="none" strike="noStrike" cap="none" normalizeH="0" baseline="0" dirty="0" smtClean="0">
+              <a:ln>
+                <a:noFill/>
+              </a:ln>
+              <a:solidFill>
+                <a:schemeClr val="tx1"/>
+              </a:solidFill>
+              <a:effectLst/>
+              <a:latin typeface="Courier New" panose="02070309020205020404" pitchFamily="49" charset="0"/>
+              <a:ea typeface="Times New Roman" panose="02020603050405020304" pitchFamily="18" charset="0"/>
+              <a:cs typeface="Courier New" panose="02070309020205020404" pitchFamily="49" charset="0"/>
+            </a:endParaRPr>
+          </a:p>
+          <a:p>
+            <a:pPr marL="228600" marR="0" lvl="0" indent="-228600" algn="l" defTabSz="914400" rtl="0" eaLnBrk="0" fontAlgn="base" latinLnBrk="0" hangingPunct="0">
+              <a:lnSpc>
+                <a:spcPct val="100000"/>
+              </a:lnSpc>
+              <a:spcBef>
+                <a:spcPct val="0"/>
+              </a:spcBef>
+              <a:spcAft>
+                <a:spcPct val="0"/>
+              </a:spcAft>
+              <a:buClrTx/>
+              <a:buSzTx/>
+              <a:buFontTx/>
+              <a:buAutoNum type="arabicPlain"/>
+              <a:tabLst/>
+            </a:pPr>
+            <a:r>
+              <a:rPr kumimoji="0" lang="en-US" altLang="en-US" sz="1600" b="0" i="0" u="none" strike="noStrike" cap="none" normalizeH="0" baseline="0" dirty="0" smtClean="0">
+                <a:ln>
+                  <a:noFill/>
+                </a:ln>
+                <a:solidFill>
+                  <a:schemeClr val="tx1"/>
+                </a:solidFill>
+                <a:effectLst/>
+                <a:latin typeface="Courier New" panose="02070309020205020404" pitchFamily="49" charset="0"/>
+                <a:ea typeface="Times New Roman" panose="02020603050405020304" pitchFamily="18" charset="0"/>
+                <a:cs typeface="Courier New" panose="02070309020205020404" pitchFamily="49" charset="0"/>
+              </a:rPr>
+              <a:t>        </a:t>
+            </a:r>
+            <a:r>
+              <a:rPr kumimoji="0" lang="en-US" altLang="en-US" sz="1600" b="0" i="0" u="none" strike="noStrike" cap="none" normalizeH="0" baseline="0" dirty="0" err="1" smtClean="0">
+                <a:ln>
+                  <a:noFill/>
+                </a:ln>
+                <a:solidFill>
+                  <a:schemeClr val="tx1"/>
+                </a:solidFill>
+                <a:effectLst/>
+                <a:latin typeface="Courier New" panose="02070309020205020404" pitchFamily="49" charset="0"/>
+                <a:ea typeface="Times New Roman" panose="02020603050405020304" pitchFamily="18" charset="0"/>
+                <a:cs typeface="Courier New" panose="02070309020205020404" pitchFamily="49" charset="0"/>
+              </a:rPr>
+              <a:t>удалить</a:t>
+            </a:r>
+            <a:r>
+              <a:rPr kumimoji="0" lang="en-US" altLang="en-US" sz="1600" b="0" i="0" u="none" strike="noStrike" cap="none" normalizeH="0" baseline="0" dirty="0" smtClean="0">
+                <a:ln>
+                  <a:noFill/>
+                </a:ln>
+                <a:solidFill>
+                  <a:schemeClr val="tx1"/>
+                </a:solidFill>
+                <a:effectLst/>
+                <a:latin typeface="Courier New" panose="02070309020205020404" pitchFamily="49" charset="0"/>
+                <a:ea typeface="Times New Roman" panose="02020603050405020304" pitchFamily="18" charset="0"/>
+                <a:cs typeface="Courier New" panose="02070309020205020404" pitchFamily="49" charset="0"/>
+              </a:rPr>
+              <a:t> </a:t>
+            </a:r>
+            <a:r>
+              <a:rPr kumimoji="0" lang="en-US" altLang="en-US" sz="1600" b="0" i="0" u="none" strike="noStrike" cap="none" normalizeH="0" baseline="0" dirty="0" err="1" smtClean="0">
+                <a:ln>
+                  <a:noFill/>
+                </a:ln>
+                <a:solidFill>
+                  <a:schemeClr val="tx1"/>
+                </a:solidFill>
+                <a:effectLst/>
+                <a:latin typeface="Courier New" panose="02070309020205020404" pitchFamily="49" charset="0"/>
+                <a:ea typeface="Times New Roman" panose="02020603050405020304" pitchFamily="18" charset="0"/>
+                <a:cs typeface="Courier New" panose="02070309020205020404" pitchFamily="49" charset="0"/>
+              </a:rPr>
+              <a:t>ближайшую_точку</a:t>
+            </a:r>
+            <a:r>
+              <a:rPr kumimoji="0" lang="en-US" altLang="en-US" sz="1600" b="0" i="0" u="none" strike="noStrike" cap="none" normalizeH="0" baseline="0" dirty="0" smtClean="0">
+                <a:ln>
+                  <a:noFill/>
+                </a:ln>
+                <a:solidFill>
+                  <a:schemeClr val="tx1"/>
+                </a:solidFill>
+                <a:effectLst/>
+                <a:latin typeface="Courier New" panose="02070309020205020404" pitchFamily="49" charset="0"/>
+                <a:ea typeface="Times New Roman" panose="02020603050405020304" pitchFamily="18" charset="0"/>
+                <a:cs typeface="Courier New" panose="02070309020205020404" pitchFamily="49" charset="0"/>
+              </a:rPr>
+              <a:t> </a:t>
+            </a:r>
+            <a:r>
+              <a:rPr kumimoji="0" lang="en-US" altLang="en-US" sz="1600" b="0" i="0" u="none" strike="noStrike" cap="none" normalizeH="0" baseline="0" dirty="0" err="1" smtClean="0">
+                <a:ln>
+                  <a:noFill/>
+                </a:ln>
+                <a:solidFill>
+                  <a:schemeClr val="tx1"/>
+                </a:solidFill>
+                <a:effectLst/>
+                <a:latin typeface="Courier New" panose="02070309020205020404" pitchFamily="49" charset="0"/>
+                <a:ea typeface="Times New Roman" panose="02020603050405020304" pitchFamily="18" charset="0"/>
+                <a:cs typeface="Courier New" panose="02070309020205020404" pitchFamily="49" charset="0"/>
+              </a:rPr>
+              <a:t>из</a:t>
+            </a:r>
+            <a:r>
+              <a:rPr kumimoji="0" lang="en-US" altLang="en-US" sz="1600" b="0" i="0" u="none" strike="noStrike" cap="none" normalizeH="0" baseline="0" dirty="0" smtClean="0">
+                <a:ln>
+                  <a:noFill/>
+                </a:ln>
+                <a:solidFill>
+                  <a:schemeClr val="tx1"/>
+                </a:solidFill>
+                <a:effectLst/>
+                <a:latin typeface="Courier New" panose="02070309020205020404" pitchFamily="49" charset="0"/>
+                <a:ea typeface="Times New Roman" panose="02020603050405020304" pitchFamily="18" charset="0"/>
+                <a:cs typeface="Courier New" panose="02070309020205020404" pitchFamily="49" charset="0"/>
+              </a:rPr>
+              <a:t> points</a:t>
+            </a:r>
+            <a:endParaRPr kumimoji="0" lang="ru-RU" altLang="en-US" sz="1600" b="0" i="0" u="none" strike="noStrike" cap="none" normalizeH="0" baseline="0" dirty="0" smtClean="0">
+              <a:ln>
+                <a:noFill/>
+              </a:ln>
+              <a:solidFill>
+                <a:schemeClr val="tx1"/>
+              </a:solidFill>
+              <a:effectLst/>
+              <a:latin typeface="Courier New" panose="02070309020205020404" pitchFamily="49" charset="0"/>
+              <a:ea typeface="Times New Roman" panose="02020603050405020304" pitchFamily="18" charset="0"/>
+              <a:cs typeface="Courier New" panose="02070309020205020404" pitchFamily="49" charset="0"/>
+            </a:endParaRPr>
+          </a:p>
+          <a:p>
+            <a:pPr marL="228600" marR="0" lvl="0" indent="-228600" algn="l" defTabSz="914400" rtl="0" eaLnBrk="0" fontAlgn="base" latinLnBrk="0" hangingPunct="0">
+              <a:lnSpc>
+                <a:spcPct val="100000"/>
+              </a:lnSpc>
+              <a:spcBef>
+                <a:spcPct val="0"/>
+              </a:spcBef>
+              <a:spcAft>
+                <a:spcPct val="0"/>
+              </a:spcAft>
+              <a:buClrTx/>
+              <a:buSzTx/>
+              <a:buFontTx/>
+              <a:buAutoNum type="arabicPlain"/>
+              <a:tabLst/>
+            </a:pPr>
+            <a:r>
+              <a:rPr kumimoji="0" lang="en-US" altLang="en-US" sz="1600" b="0" i="0" u="none" strike="noStrike" cap="none" normalizeH="0" baseline="0" dirty="0" smtClean="0">
+                <a:ln>
+                  <a:noFill/>
+                </a:ln>
+                <a:solidFill>
+                  <a:schemeClr val="tx1"/>
+                </a:solidFill>
+                <a:effectLst/>
+                <a:latin typeface="Courier New" panose="02070309020205020404" pitchFamily="49" charset="0"/>
+                <a:ea typeface="Times New Roman" panose="02020603050405020304" pitchFamily="18" charset="0"/>
+                <a:cs typeface="Courier New" panose="02070309020205020404" pitchFamily="49" charset="0"/>
+              </a:rPr>
+              <a:t>    </a:t>
+            </a:r>
+            <a:r>
+              <a:rPr kumimoji="0" lang="en-US" altLang="en-US" sz="1600" b="0" i="0" u="none" strike="noStrike" cap="none" normalizeH="0" baseline="0" dirty="0" err="1" smtClean="0">
+                <a:ln>
+                  <a:noFill/>
+                </a:ln>
+                <a:solidFill>
+                  <a:schemeClr val="tx1"/>
+                </a:solidFill>
+                <a:effectLst/>
+                <a:latin typeface="Courier New" panose="02070309020205020404" pitchFamily="49" charset="0"/>
+                <a:ea typeface="Times New Roman" panose="02020603050405020304" pitchFamily="18" charset="0"/>
+                <a:cs typeface="Courier New" panose="02070309020205020404" pitchFamily="49" charset="0"/>
+              </a:rPr>
+              <a:t>добавить</a:t>
+            </a:r>
+            <a:r>
+              <a:rPr kumimoji="0" lang="en-US" altLang="en-US" sz="1600" b="0" i="0" u="none" strike="noStrike" cap="none" normalizeH="0" baseline="0" dirty="0" smtClean="0">
+                <a:ln>
+                  <a:noFill/>
+                </a:ln>
+                <a:solidFill>
+                  <a:schemeClr val="tx1"/>
+                </a:solidFill>
+                <a:effectLst/>
+                <a:latin typeface="Courier New" panose="02070309020205020404" pitchFamily="49" charset="0"/>
+                <a:ea typeface="Times New Roman" panose="02020603050405020304" pitchFamily="18" charset="0"/>
+                <a:cs typeface="Courier New" panose="02070309020205020404" pitchFamily="49" charset="0"/>
+              </a:rPr>
+              <a:t> goal в </a:t>
+            </a:r>
+            <a:r>
+              <a:rPr kumimoji="0" lang="en-US" altLang="en-US" sz="1600" b="0" i="0" u="none" strike="noStrike" cap="none" normalizeH="0" baseline="0" dirty="0" err="1" smtClean="0">
+                <a:ln>
+                  <a:noFill/>
+                </a:ln>
+                <a:solidFill>
+                  <a:schemeClr val="tx1"/>
+                </a:solidFill>
+                <a:effectLst/>
+                <a:latin typeface="Courier New" panose="02070309020205020404" pitchFamily="49" charset="0"/>
+                <a:ea typeface="Times New Roman" panose="02020603050405020304" pitchFamily="18" charset="0"/>
+                <a:cs typeface="Courier New" panose="02070309020205020404" pitchFamily="49" charset="0"/>
+              </a:rPr>
+              <a:t>маршрут</a:t>
+            </a:r>
+            <a:endParaRPr kumimoji="0" lang="ru-RU" altLang="en-US" sz="1600" b="0" i="0" u="none" strike="noStrike" cap="none" normalizeH="0" baseline="0" dirty="0" smtClean="0">
+              <a:ln>
+                <a:noFill/>
+              </a:ln>
+              <a:solidFill>
+                <a:schemeClr val="tx1"/>
+              </a:solidFill>
+              <a:effectLst/>
+              <a:latin typeface="Courier New" panose="02070309020205020404" pitchFamily="49" charset="0"/>
+              <a:ea typeface="Times New Roman" panose="02020603050405020304" pitchFamily="18" charset="0"/>
+              <a:cs typeface="Courier New" panose="02070309020205020404" pitchFamily="49" charset="0"/>
+            </a:endParaRPr>
+          </a:p>
+          <a:p>
+            <a:pPr marL="228600" marR="0" lvl="0" indent="-228600" algn="l" defTabSz="914400" rtl="0" eaLnBrk="0" fontAlgn="base" latinLnBrk="0" hangingPunct="0">
+              <a:lnSpc>
+                <a:spcPct val="100000"/>
+              </a:lnSpc>
+              <a:spcBef>
+                <a:spcPct val="0"/>
+              </a:spcBef>
+              <a:spcAft>
+                <a:spcPct val="0"/>
+              </a:spcAft>
+              <a:buClrTx/>
+              <a:buSzTx/>
+              <a:buFontTx/>
+              <a:buAutoNum type="arabicPlain"/>
+              <a:tabLst/>
+            </a:pPr>
+            <a:r>
+              <a:rPr kumimoji="0" lang="en-US" altLang="en-US" sz="1600" b="0" i="0" u="none" strike="noStrike" cap="none" normalizeH="0" baseline="0" dirty="0" smtClean="0">
+                <a:ln>
+                  <a:noFill/>
+                </a:ln>
+                <a:solidFill>
+                  <a:schemeClr val="tx1"/>
+                </a:solidFill>
+                <a:effectLst/>
+                <a:latin typeface="Courier New" panose="02070309020205020404" pitchFamily="49" charset="0"/>
+                <a:ea typeface="Times New Roman" panose="02020603050405020304" pitchFamily="18" charset="0"/>
+                <a:cs typeface="Courier New" panose="02070309020205020404" pitchFamily="49" charset="0"/>
+              </a:rPr>
+              <a:t>    </a:t>
+            </a:r>
+            <a:r>
+              <a:rPr kumimoji="0" lang="en-US" altLang="en-US" sz="1600" b="1" i="0" u="none" strike="noStrike" cap="none" normalizeH="0" baseline="0" dirty="0" err="1" smtClean="0">
+                <a:ln>
+                  <a:noFill/>
+                </a:ln>
+                <a:solidFill>
+                  <a:schemeClr val="tx1"/>
+                </a:solidFill>
+                <a:effectLst/>
+                <a:latin typeface="Courier New" panose="02070309020205020404" pitchFamily="49" charset="0"/>
+                <a:ea typeface="Times New Roman" panose="02020603050405020304" pitchFamily="18" charset="0"/>
+                <a:cs typeface="Courier New" panose="02070309020205020404" pitchFamily="49" charset="0"/>
+              </a:rPr>
+              <a:t>вернуть</a:t>
+            </a:r>
+            <a:r>
+              <a:rPr kumimoji="0" lang="en-US" altLang="en-US" sz="1600" b="0" i="0" u="none" strike="noStrike" cap="none" normalizeH="0" baseline="0" dirty="0" smtClean="0">
+                <a:ln>
+                  <a:noFill/>
+                </a:ln>
+                <a:solidFill>
+                  <a:schemeClr val="tx1"/>
+                </a:solidFill>
+                <a:effectLst/>
+                <a:latin typeface="Courier New" panose="02070309020205020404" pitchFamily="49" charset="0"/>
+                <a:ea typeface="Times New Roman" panose="02020603050405020304" pitchFamily="18" charset="0"/>
+                <a:cs typeface="Courier New" panose="02070309020205020404" pitchFamily="49" charset="0"/>
+              </a:rPr>
+              <a:t> </a:t>
+            </a:r>
+            <a:r>
+              <a:rPr kumimoji="0" lang="en-US" altLang="en-US" sz="1600" b="0" i="0" u="none" strike="noStrike" cap="none" normalizeH="0" baseline="0" dirty="0" err="1" smtClean="0">
+                <a:ln>
+                  <a:noFill/>
+                </a:ln>
+                <a:solidFill>
+                  <a:schemeClr val="tx1"/>
+                </a:solidFill>
+                <a:effectLst/>
+                <a:latin typeface="Courier New" panose="02070309020205020404" pitchFamily="49" charset="0"/>
+                <a:ea typeface="Times New Roman" panose="02020603050405020304" pitchFamily="18" charset="0"/>
+                <a:cs typeface="Courier New" panose="02070309020205020404" pitchFamily="49" charset="0"/>
+              </a:rPr>
+              <a:t>маршрут</a:t>
+            </a:r>
+            <a:r>
+              <a:rPr kumimoji="0" lang="en-US" altLang="en-US" sz="800" b="0" i="0" u="none" strike="noStrike" cap="none" normalizeH="0" baseline="0" dirty="0" smtClean="0">
+                <a:ln>
+                  <a:noFill/>
+                </a:ln>
+                <a:solidFill>
+                  <a:schemeClr val="tx1"/>
+                </a:solidFill>
+                <a:effectLst/>
+              </a:rPr>
+              <a:t> </a:t>
+            </a:r>
+            <a:endParaRPr kumimoji="0" lang="en-US" altLang="en-US" sz="2400" b="0" i="0" u="none" strike="noStrike" cap="none" normalizeH="0" baseline="0" dirty="0" smtClean="0">
+              <a:ln>
+                <a:noFill/>
+              </a:ln>
+              <a:solidFill>
+                <a:schemeClr val="tx1"/>
+              </a:solidFill>
+              <a:effectLst/>
+              <a:latin typeface="Arial" panose="020B0604020202020204" pitchFamily="34" charset="0"/>
+            </a:endParaRPr>
+          </a:p>
+        </p:txBody>
+      </p:sp>
+      <p:sp>
+        <p:nvSpPr>
+          <p:cNvPr id="2" name="Заголовок 1"/>
+          <p:cNvSpPr>
+            <a:spLocks noGrp="1"/>
+          </p:cNvSpPr>
+          <p:nvPr>
+            <p:ph type="title"/>
+          </p:nvPr>
+        </p:nvSpPr>
+        <p:spPr>
+          <a:xfrm>
+            <a:off x="155985" y="450588"/>
+            <a:ext cx="7718367" cy="996696"/>
+          </a:xfrm>
+        </p:spPr>
+        <p:txBody>
+          <a:bodyPr>
+            <a:normAutofit/>
+          </a:bodyPr>
+          <a:lstStyle/>
+          <a:p>
+            <a:r>
+              <a:rPr lang="ru-RU" sz="3200" dirty="0" smtClean="0"/>
+              <a:t>Алгоритм ближайшего соседа</a:t>
+            </a:r>
+            <a:endParaRPr lang="en-US" sz="3200" dirty="0"/>
           </a:p>
         </p:txBody>
       </p:sp>
@@ -6075,7 +7298,7 @@
         <p:spPr>
           <a:xfrm>
             <a:off x="231926" y="533033"/>
-            <a:ext cx="5071594" cy="2359794"/>
+            <a:ext cx="5071594" cy="1909388"/>
           </a:xfrm>
           <a:prstGeom prst="rect">
             <a:avLst/>
@@ -6179,6 +7402,273 @@
           </a:p>
         </p:txBody>
       </p:sp>
+      <mc:AlternateContent xmlns:mc="http://schemas.openxmlformats.org/markup-compatibility/2006">
+        <mc:Choice xmlns:a14="http://schemas.microsoft.com/office/drawing/2010/main" Requires="a14">
+          <p:sp>
+            <p:nvSpPr>
+              <p:cNvPr id="4" name="Прямоугольник 3"/>
+              <p:cNvSpPr/>
+              <p:nvPr/>
+            </p:nvSpPr>
+            <p:spPr>
+              <a:xfrm>
+                <a:off x="148798" y="2185680"/>
+                <a:ext cx="4159024" cy="572401"/>
+              </a:xfrm>
+              <a:prstGeom prst="rect">
+                <a:avLst/>
+              </a:prstGeom>
+            </p:spPr>
+            <p:txBody>
+              <a:bodyPr wrap="none">
+                <a:spAutoFit/>
+              </a:bodyPr>
+              <a:lstStyle/>
+              <a:p>
+                <a14:m>
+                  <m:oMathPara xmlns:m="http://schemas.openxmlformats.org/officeDocument/2006/math">
+                    <m:oMathParaPr>
+                      <m:jc m:val="centerGroup"/>
+                    </m:oMathParaPr>
+                    <m:oMath xmlns:m="http://schemas.openxmlformats.org/officeDocument/2006/math">
+                      <m:sSub>
+                        <m:sSubPr>
+                          <m:ctrlPr>
+                            <a:rPr lang="en-US" b="0" i="1" smtClean="0">
+                              <a:latin typeface="Cambria Math" panose="02040503050406030204" pitchFamily="18" charset="0"/>
+                            </a:rPr>
+                          </m:ctrlPr>
+                        </m:sSubPr>
+                        <m:e>
+                          <m:r>
+                            <a:rPr lang="en-US" b="0" i="1" smtClean="0">
+                              <a:latin typeface="Cambria Math" panose="02040503050406030204" pitchFamily="18" charset="0"/>
+                            </a:rPr>
+                            <m:t>𝑃</m:t>
+                          </m:r>
+                        </m:e>
+                        <m:sub>
+                          <m:r>
+                            <a:rPr lang="ru-RU" b="0" i="1" smtClean="0">
+                              <a:latin typeface="Cambria Math" panose="02040503050406030204" pitchFamily="18" charset="0"/>
+                            </a:rPr>
+                            <m:t>принятия</m:t>
+                          </m:r>
+                          <m:d>
+                            <m:dPr>
+                              <m:ctrlPr>
+                                <a:rPr lang="en-US" b="0" i="1" smtClean="0">
+                                  <a:latin typeface="Cambria Math" panose="02040503050406030204" pitchFamily="18" charset="0"/>
+                                </a:rPr>
+                              </m:ctrlPr>
+                            </m:dPr>
+                            <m:e>
+                              <m:r>
+                                <a:rPr lang="en-US" b="0" i="1" smtClean="0">
+                                  <a:latin typeface="Cambria Math" panose="02040503050406030204" pitchFamily="18" charset="0"/>
+                                </a:rPr>
+                                <m:t>𝑝𝑎𝑡</m:t>
+                              </m:r>
+                              <m:sSub>
+                                <m:sSubPr>
+                                  <m:ctrlPr>
+                                    <a:rPr lang="en-US" b="0" i="1" smtClean="0">
+                                      <a:latin typeface="Cambria Math" panose="02040503050406030204" pitchFamily="18" charset="0"/>
+                                    </a:rPr>
+                                  </m:ctrlPr>
+                                </m:sSubPr>
+                                <m:e>
+                                  <m:r>
+                                    <a:rPr lang="en-US" b="0" i="1" smtClean="0">
+                                      <a:latin typeface="Cambria Math" panose="02040503050406030204" pitchFamily="18" charset="0"/>
+                                    </a:rPr>
+                                    <m:t>h</m:t>
+                                  </m:r>
+                                </m:e>
+                                <m:sub>
+                                  <m:r>
+                                    <a:rPr lang="en-US" b="0" i="1" smtClean="0">
+                                      <a:latin typeface="Cambria Math" panose="02040503050406030204" pitchFamily="18" charset="0"/>
+                                    </a:rPr>
+                                    <m:t>𝑛𝑒𝑤</m:t>
+                                  </m:r>
+                                </m:sub>
+                              </m:sSub>
+                            </m:e>
+                          </m:d>
+                        </m:sub>
+                      </m:sSub>
+                      <m:r>
+                        <a:rPr lang="ru-RU">
+                          <a:latin typeface="Cambria Math" panose="02040503050406030204" pitchFamily="18" charset="0"/>
+                        </a:rPr>
+                        <m:t>=</m:t>
+                      </m:r>
+                      <m:sSup>
+                        <m:sSupPr>
+                          <m:ctrlPr>
+                            <a:rPr lang="ru-RU" i="1" smtClean="0">
+                              <a:latin typeface="Cambria Math" panose="02040503050406030204" pitchFamily="18" charset="0"/>
+                            </a:rPr>
+                          </m:ctrlPr>
+                        </m:sSupPr>
+                        <m:e>
+                          <m:r>
+                            <a:rPr lang="en-US" b="0" i="1" smtClean="0">
+                              <a:latin typeface="Cambria Math" panose="02040503050406030204" pitchFamily="18" charset="0"/>
+                            </a:rPr>
+                            <m:t>𝑒</m:t>
+                          </m:r>
+                        </m:e>
+                        <m:sup>
+                          <m:f>
+                            <m:fPr>
+                              <m:ctrlPr>
+                                <a:rPr lang="ru-RU" i="1" smtClean="0">
+                                  <a:latin typeface="Cambria Math" panose="02040503050406030204" pitchFamily="18" charset="0"/>
+                                </a:rPr>
+                              </m:ctrlPr>
+                            </m:fPr>
+                            <m:num>
+                              <m:r>
+                                <a:rPr lang="en-US" b="0" i="1" smtClean="0">
+                                  <a:latin typeface="Cambria Math" panose="02040503050406030204" pitchFamily="18" charset="0"/>
+                                </a:rPr>
+                                <m:t>−(</m:t>
+                              </m:r>
+                              <m:r>
+                                <a:rPr lang="en-US" b="0" i="1" smtClean="0">
+                                  <a:latin typeface="Cambria Math" panose="02040503050406030204" pitchFamily="18" charset="0"/>
+                                </a:rPr>
+                                <m:t>𝑐𝑜𝑠</m:t>
+                              </m:r>
+                              <m:sSub>
+                                <m:sSubPr>
+                                  <m:ctrlPr>
+                                    <a:rPr lang="en-US" b="0" i="1" smtClean="0">
+                                      <a:latin typeface="Cambria Math" panose="02040503050406030204" pitchFamily="18" charset="0"/>
+                                    </a:rPr>
+                                  </m:ctrlPr>
+                                </m:sSubPr>
+                                <m:e>
+                                  <m:r>
+                                    <a:rPr lang="en-US" b="0" i="1" smtClean="0">
+                                      <a:latin typeface="Cambria Math" panose="02040503050406030204" pitchFamily="18" charset="0"/>
+                                    </a:rPr>
+                                    <m:t>𝑡</m:t>
+                                  </m:r>
+                                </m:e>
+                                <m:sub>
+                                  <m:r>
+                                    <a:rPr lang="en-US" b="0" i="1" smtClean="0">
+                                      <a:latin typeface="Cambria Math" panose="02040503050406030204" pitchFamily="18" charset="0"/>
+                                    </a:rPr>
+                                    <m:t>𝑛𝑒𝑤</m:t>
+                                  </m:r>
+                                </m:sub>
+                              </m:sSub>
+                              <m:r>
+                                <a:rPr lang="en-US" b="0" i="1" smtClean="0">
+                                  <a:latin typeface="Cambria Math" panose="02040503050406030204" pitchFamily="18" charset="0"/>
+                                </a:rPr>
+                                <m:t>−</m:t>
+                              </m:r>
+                              <m:r>
+                                <a:rPr lang="en-US" b="0" i="1" smtClean="0">
+                                  <a:latin typeface="Cambria Math" panose="02040503050406030204" pitchFamily="18" charset="0"/>
+                                </a:rPr>
+                                <m:t>𝑐𝑜𝑠</m:t>
+                              </m:r>
+                              <m:sSub>
+                                <m:sSubPr>
+                                  <m:ctrlPr>
+                                    <a:rPr lang="en-US" b="0" i="1" smtClean="0">
+                                      <a:latin typeface="Cambria Math" panose="02040503050406030204" pitchFamily="18" charset="0"/>
+                                    </a:rPr>
+                                  </m:ctrlPr>
+                                </m:sSubPr>
+                                <m:e>
+                                  <m:r>
+                                    <a:rPr lang="en-US" b="0" i="1" smtClean="0">
+                                      <a:latin typeface="Cambria Math" panose="02040503050406030204" pitchFamily="18" charset="0"/>
+                                    </a:rPr>
+                                    <m:t>𝑡</m:t>
+                                  </m:r>
+                                </m:e>
+                                <m:sub>
+                                  <m:r>
+                                    <a:rPr lang="en-US" b="0" i="1" smtClean="0">
+                                      <a:latin typeface="Cambria Math" panose="02040503050406030204" pitchFamily="18" charset="0"/>
+                                    </a:rPr>
+                                    <m:t>𝑜𝑙𝑑</m:t>
+                                  </m:r>
+                                </m:sub>
+                              </m:sSub>
+                              <m:r>
+                                <a:rPr lang="en-US" b="0" i="1" smtClean="0">
+                                  <a:latin typeface="Cambria Math" panose="02040503050406030204" pitchFamily="18" charset="0"/>
+                                </a:rPr>
+                                <m:t>)</m:t>
+                              </m:r>
+                            </m:num>
+                            <m:den>
+                              <m:r>
+                                <a:rPr lang="en-US" b="0" i="1" smtClean="0">
+                                  <a:latin typeface="Cambria Math" panose="02040503050406030204" pitchFamily="18" charset="0"/>
+                                </a:rPr>
+                                <m:t>𝑡𝑒𝑚𝑝𝑒𝑟𝑎𝑡𝑢𝑟𝑒</m:t>
+                              </m:r>
+                            </m:den>
+                          </m:f>
+                        </m:sup>
+                      </m:sSup>
+                    </m:oMath>
+                  </m:oMathPara>
+                </a14:m>
+                <a:endParaRPr lang="en-US" dirty="0"/>
+              </a:p>
+            </p:txBody>
+          </p:sp>
+        </mc:Choice>
+        <mc:Fallback>
+          <p:sp>
+            <p:nvSpPr>
+              <p:cNvPr id="4" name="Прямоугольник 3"/>
+              <p:cNvSpPr>
+                <a:spLocks noRot="1" noChangeAspect="1" noMove="1" noResize="1" noEditPoints="1" noAdjustHandles="1" noChangeArrowheads="1" noChangeShapeType="1" noTextEdit="1"/>
+              </p:cNvSpPr>
+              <p:nvPr/>
+            </p:nvSpPr>
+            <p:spPr>
+              <a:xfrm>
+                <a:off x="148798" y="2185680"/>
+                <a:ext cx="4159024" cy="572401"/>
+              </a:xfrm>
+              <a:prstGeom prst="rect">
+                <a:avLst/>
+              </a:prstGeom>
+              <a:blipFill>
+                <a:blip r:embed="rId6"/>
+                <a:stretch>
+                  <a:fillRect/>
+                </a:stretch>
+              </a:blipFill>
+            </p:spPr>
+            <p:txBody>
+              <a:bodyPr/>
+              <a:lstStyle/>
+              <a:p>
+                <a:r>
+                  <a:rPr lang="en-US">
+                    <a:noFill/>
+                  </a:rPr>
+                  <a:t> </a:t>
+                </a:r>
+              </a:p>
+            </p:txBody>
+          </p:sp>
+        </mc:Fallback>
+      </mc:AlternateContent>
     </p:spTree>
     <p:extLst>
       <p:ext uri="{BB962C8B-B14F-4D97-AF65-F5344CB8AC3E}">

--- a/НечаевМаршрут.pptx
+++ b/НечаевМаршрут.pptx
@@ -5316,8 +5316,8 @@
           </a:prstGeom>
         </p:spPr>
       </p:pic>
-      <mc:AlternateContent xmlns:mc="http://schemas.openxmlformats.org/markup-compatibility/2006">
-        <mc:Choice xmlns:a14="http://schemas.microsoft.com/office/drawing/2010/main" Requires="a14">
+      <mc:AlternateContent xmlns:mc="http://schemas.openxmlformats.org/markup-compatibility/2006" xmlns:a14="http://schemas.microsoft.com/office/drawing/2010/main">
+        <mc:Choice Requires="a14">
           <p:sp>
             <p:nvSpPr>
               <p:cNvPr id="9" name="Прямоугольник 8"/>
@@ -5419,7 +5419,9 @@
                         <m:t>𝑚𝑎𝑛h𝑎𝑡𝑡𝑒𝑛</m:t>
                       </m:r>
                       <m:r>
-                        <a:rPr lang="ru-RU" sz="1600"/>
+                        <a:rPr lang="ru-RU" sz="1600">
+                          <a:latin typeface="Cambria Math" panose="02040503050406030204" pitchFamily="18" charset="0"/>
+                        </a:rPr>
                         <m:t>=</m:t>
                       </m:r>
                       <m:d>
@@ -5427,48 +5429,64 @@
                           <m:begChr m:val="|"/>
                           <m:endChr m:val="|"/>
                           <m:ctrlPr>
-                            <a:rPr lang="en-US" sz="1600" i="1"/>
+                            <a:rPr lang="en-US" sz="1600" i="1">
+                              <a:latin typeface="Cambria Math" panose="02040503050406030204" pitchFamily="18" charset="0"/>
+                            </a:rPr>
                           </m:ctrlPr>
                         </m:dPr>
                         <m:e>
                           <m:sSub>
                             <m:sSubPr>
                               <m:ctrlPr>
-                                <a:rPr lang="en-US" sz="1600" i="1"/>
+                                <a:rPr lang="en-US" sz="1600" i="1">
+                                  <a:latin typeface="Cambria Math" panose="02040503050406030204" pitchFamily="18" charset="0"/>
+                                </a:rPr>
                               </m:ctrlPr>
                             </m:sSubPr>
                             <m:e>
                               <m:r>
-                                <a:rPr lang="ru-RU" sz="1600" i="1"/>
+                                <a:rPr lang="ru-RU" sz="1600" i="1">
+                                  <a:latin typeface="Cambria Math" panose="02040503050406030204" pitchFamily="18" charset="0"/>
+                                </a:rPr>
                                 <m:t>𝑥</m:t>
                               </m:r>
                             </m:e>
                             <m:sub>
                               <m:r>
-                                <a:rPr lang="ru-RU" sz="1600"/>
+                                <a:rPr lang="ru-RU" sz="1600">
+                                  <a:latin typeface="Cambria Math" panose="02040503050406030204" pitchFamily="18" charset="0"/>
+                                </a:rPr>
                                 <m:t>1</m:t>
                               </m:r>
                             </m:sub>
                           </m:sSub>
                           <m:r>
-                            <a:rPr lang="ru-RU" sz="1600" i="1"/>
+                            <a:rPr lang="ru-RU" sz="1600" i="1">
+                              <a:latin typeface="Cambria Math" panose="02040503050406030204" pitchFamily="18" charset="0"/>
+                            </a:rPr>
                             <m:t>−</m:t>
                           </m:r>
                           <m:sSub>
                             <m:sSubPr>
                               <m:ctrlPr>
-                                <a:rPr lang="en-US" sz="1600" i="1"/>
+                                <a:rPr lang="en-US" sz="1600" i="1">
+                                  <a:latin typeface="Cambria Math" panose="02040503050406030204" pitchFamily="18" charset="0"/>
+                                </a:rPr>
                               </m:ctrlPr>
                             </m:sSubPr>
                             <m:e>
                               <m:r>
-                                <a:rPr lang="ru-RU" sz="1600" i="1"/>
+                                <a:rPr lang="ru-RU" sz="1600" i="1">
+                                  <a:latin typeface="Cambria Math" panose="02040503050406030204" pitchFamily="18" charset="0"/>
+                                </a:rPr>
                                 <m:t>𝑥</m:t>
                               </m:r>
                             </m:e>
                             <m:sub>
                               <m:r>
-                                <a:rPr lang="ru-RU" sz="1600"/>
+                                <a:rPr lang="ru-RU" sz="1600">
+                                  <a:latin typeface="Cambria Math" panose="02040503050406030204" pitchFamily="18" charset="0"/>
+                                </a:rPr>
                                 <m:t>2</m:t>
                               </m:r>
                             </m:sub>
@@ -5476,7 +5494,9 @@
                         </m:e>
                       </m:d>
                       <m:r>
-                        <a:rPr lang="ru-RU" sz="1600"/>
+                        <a:rPr lang="ru-RU" sz="1600">
+                          <a:latin typeface="Cambria Math" panose="02040503050406030204" pitchFamily="18" charset="0"/>
+                        </a:rPr>
                         <m:t>+</m:t>
                       </m:r>
                       <m:d>
@@ -5484,48 +5504,64 @@
                           <m:begChr m:val="|"/>
                           <m:endChr m:val="|"/>
                           <m:ctrlPr>
-                            <a:rPr lang="en-US" sz="1600" i="1"/>
+                            <a:rPr lang="en-US" sz="1600" i="1">
+                              <a:latin typeface="Cambria Math" panose="02040503050406030204" pitchFamily="18" charset="0"/>
+                            </a:rPr>
                           </m:ctrlPr>
                         </m:dPr>
                         <m:e>
                           <m:sSub>
                             <m:sSubPr>
                               <m:ctrlPr>
-                                <a:rPr lang="en-US" sz="1600" i="1"/>
+                                <a:rPr lang="en-US" sz="1600" i="1">
+                                  <a:latin typeface="Cambria Math" panose="02040503050406030204" pitchFamily="18" charset="0"/>
+                                </a:rPr>
                               </m:ctrlPr>
                             </m:sSubPr>
                             <m:e>
                               <m:r>
-                                <a:rPr lang="ru-RU" sz="1600" i="1"/>
+                                <a:rPr lang="ru-RU" sz="1600" i="1">
+                                  <a:latin typeface="Cambria Math" panose="02040503050406030204" pitchFamily="18" charset="0"/>
+                                </a:rPr>
                                 <m:t>𝑦</m:t>
                               </m:r>
                             </m:e>
                             <m:sub>
                               <m:r>
-                                <a:rPr lang="ru-RU" sz="1600"/>
+                                <a:rPr lang="ru-RU" sz="1600">
+                                  <a:latin typeface="Cambria Math" panose="02040503050406030204" pitchFamily="18" charset="0"/>
+                                </a:rPr>
                                 <m:t>1</m:t>
                               </m:r>
                             </m:sub>
                           </m:sSub>
                           <m:r>
-                            <a:rPr lang="ru-RU" sz="1600" i="1"/>
+                            <a:rPr lang="ru-RU" sz="1600" i="1">
+                              <a:latin typeface="Cambria Math" panose="02040503050406030204" pitchFamily="18" charset="0"/>
+                            </a:rPr>
                             <m:t>−</m:t>
                           </m:r>
                           <m:sSub>
                             <m:sSubPr>
                               <m:ctrlPr>
-                                <a:rPr lang="en-US" sz="1600" i="1"/>
+                                <a:rPr lang="en-US" sz="1600" i="1">
+                                  <a:latin typeface="Cambria Math" panose="02040503050406030204" pitchFamily="18" charset="0"/>
+                                </a:rPr>
                               </m:ctrlPr>
                             </m:sSubPr>
                             <m:e>
                               <m:r>
-                                <a:rPr lang="ru-RU" sz="1600" i="1"/>
+                                <a:rPr lang="ru-RU" sz="1600" i="1">
+                                  <a:latin typeface="Cambria Math" panose="02040503050406030204" pitchFamily="18" charset="0"/>
+                                </a:rPr>
                                 <m:t>𝑦</m:t>
                               </m:r>
                             </m:e>
                             <m:sub>
                               <m:r>
-                                <a:rPr lang="ru-RU" sz="1600"/>
+                                <a:rPr lang="ru-RU" sz="1600">
+                                  <a:latin typeface="Cambria Math" panose="02040503050406030204" pitchFamily="18" charset="0"/>
+                                </a:rPr>
                                 <m:t>2</m:t>
                               </m:r>
                             </m:sub>
@@ -5661,14 +5697,7 @@
                     <a:latin typeface="Times New Roman" panose="02020603050405020304" pitchFamily="18" charset="0"/>
                     <a:ea typeface="Times New Roman" panose="02020603050405020304" pitchFamily="18" charset="0"/>
                   </a:rPr>
-                  <a:t>, </a:t>
-                </a:r>
-                <a:r>
-                  <a:rPr lang="ru-RU" dirty="0" smtClean="0">
-                    <a:latin typeface="Times New Roman" panose="02020603050405020304" pitchFamily="18" charset="0"/>
-                    <a:ea typeface="Times New Roman" panose="02020603050405020304" pitchFamily="18" charset="0"/>
-                  </a:rPr>
-                  <a:t>где </a:t>
+                  <a:t>, где </a:t>
                 </a:r>
               </a:p>
               <a:p>
@@ -5899,14 +5928,7 @@
                     <a:latin typeface="Times New Roman" panose="02020603050405020304" pitchFamily="18" charset="0"/>
                     <a:ea typeface="Times New Roman" panose="02020603050405020304" pitchFamily="18" charset="0"/>
                   </a:rPr>
-                  <a:t>эвристическая </a:t>
-                </a:r>
-                <a:r>
-                  <a:rPr lang="ru-RU" dirty="0" smtClean="0">
-                    <a:latin typeface="Times New Roman" panose="02020603050405020304" pitchFamily="18" charset="0"/>
-                    <a:ea typeface="Times New Roman" panose="02020603050405020304" pitchFamily="18" charset="0"/>
-                  </a:rPr>
-                  <a:t>оценка </a:t>
+                  <a:t>эвристическая оценка </a:t>
                 </a:r>
                 <a:r>
                   <a:rPr lang="ru-RU" dirty="0">
@@ -5981,7 +6003,7 @@
             </p:txBody>
           </p:sp>
         </mc:Choice>
-        <mc:Fallback>
+        <mc:Fallback xmlns="">
           <p:sp>
             <p:nvSpPr>
               <p:cNvPr id="9" name="Прямоугольник 8"/>
@@ -7413,7 +7435,7 @@
             <p:spPr>
               <a:xfrm>
                 <a:off x="148798" y="2185680"/>
-                <a:ext cx="4159024" cy="572401"/>
+                <a:ext cx="4488985" cy="626775"/>
               </a:xfrm>
               <a:prstGeom prst="rect">
                 <a:avLst/>
@@ -7425,6 +7447,7 @@
               </a:bodyPr>
               <a:lstStyle/>
               <a:p>
+                <a:pPr/>
                 <a14:m>
                   <m:oMathPara xmlns:m="http://schemas.openxmlformats.org/officeDocument/2006/math">
                     <m:oMathParaPr>
@@ -7434,14 +7457,14 @@
                       <m:sSub>
                         <m:sSubPr>
                           <m:ctrlPr>
-                            <a:rPr lang="en-US" b="0" i="1" smtClean="0">
+                            <a:rPr lang="en-US" sz="2000" b="0" i="1" smtClean="0">
                               <a:latin typeface="Cambria Math" panose="02040503050406030204" pitchFamily="18" charset="0"/>
                             </a:rPr>
                           </m:ctrlPr>
                         </m:sSubPr>
                         <m:e>
                           <m:r>
-                            <a:rPr lang="en-US" b="0" i="1" smtClean="0">
+                            <a:rPr lang="en-US" sz="2000" b="0" i="1" smtClean="0">
                               <a:latin typeface="Cambria Math" panose="02040503050406030204" pitchFamily="18" charset="0"/>
                             </a:rPr>
                             <m:t>𝑃</m:t>
@@ -7449,7 +7472,7 @@
                         </m:e>
                         <m:sub>
                           <m:r>
-                            <a:rPr lang="ru-RU" b="0" i="1" smtClean="0">
+                            <a:rPr lang="ru-RU" sz="2000" b="0" i="1" smtClean="0">
                               <a:latin typeface="Cambria Math" panose="02040503050406030204" pitchFamily="18" charset="0"/>
                             </a:rPr>
                             <m:t>принятия</m:t>
@@ -7457,14 +7480,14 @@
                           <m:d>
                             <m:dPr>
                               <m:ctrlPr>
-                                <a:rPr lang="en-US" b="0" i="1" smtClean="0">
+                                <a:rPr lang="en-US" sz="2000" b="0" i="1" smtClean="0">
                                   <a:latin typeface="Cambria Math" panose="02040503050406030204" pitchFamily="18" charset="0"/>
                                 </a:rPr>
                               </m:ctrlPr>
                             </m:dPr>
                             <m:e>
                               <m:r>
-                                <a:rPr lang="en-US" b="0" i="1" smtClean="0">
+                                <a:rPr lang="en-US" sz="2000" b="0" i="1" smtClean="0">
                                   <a:latin typeface="Cambria Math" panose="02040503050406030204" pitchFamily="18" charset="0"/>
                                 </a:rPr>
                                 <m:t>𝑝𝑎𝑡</m:t>
@@ -7472,14 +7495,14 @@
                               <m:sSub>
                                 <m:sSubPr>
                                   <m:ctrlPr>
-                                    <a:rPr lang="en-US" b="0" i="1" smtClean="0">
+                                    <a:rPr lang="en-US" sz="2000" b="0" i="1" smtClean="0">
                                       <a:latin typeface="Cambria Math" panose="02040503050406030204" pitchFamily="18" charset="0"/>
                                     </a:rPr>
                                   </m:ctrlPr>
                                 </m:sSubPr>
                                 <m:e>
                                   <m:r>
-                                    <a:rPr lang="en-US" b="0" i="1" smtClean="0">
+                                    <a:rPr lang="en-US" sz="2000" b="0" i="1" smtClean="0">
                                       <a:latin typeface="Cambria Math" panose="02040503050406030204" pitchFamily="18" charset="0"/>
                                     </a:rPr>
                                     <m:t>h</m:t>
@@ -7487,7 +7510,7 @@
                                 </m:e>
                                 <m:sub>
                                   <m:r>
-                                    <a:rPr lang="en-US" b="0" i="1" smtClean="0">
+                                    <a:rPr lang="en-US" sz="2000" b="0" i="1" smtClean="0">
                                       <a:latin typeface="Cambria Math" panose="02040503050406030204" pitchFamily="18" charset="0"/>
                                     </a:rPr>
                                     <m:t>𝑛𝑒𝑤</m:t>
@@ -7499,7 +7522,7 @@
                         </m:sub>
                       </m:sSub>
                       <m:r>
-                        <a:rPr lang="ru-RU">
+                        <a:rPr lang="ru-RU" sz="2000">
                           <a:latin typeface="Cambria Math" panose="02040503050406030204" pitchFamily="18" charset="0"/>
                         </a:rPr>
                         <m:t>=</m:t>
@@ -7507,14 +7530,14 @@
                       <m:sSup>
                         <m:sSupPr>
                           <m:ctrlPr>
-                            <a:rPr lang="ru-RU" i="1" smtClean="0">
+                            <a:rPr lang="ru-RU" sz="2000" i="1" smtClean="0">
                               <a:latin typeface="Cambria Math" panose="02040503050406030204" pitchFamily="18" charset="0"/>
                             </a:rPr>
                           </m:ctrlPr>
                         </m:sSupPr>
                         <m:e>
                           <m:r>
-                            <a:rPr lang="en-US" b="0" i="1" smtClean="0">
+                            <a:rPr lang="en-US" sz="2000" b="0" i="1" smtClean="0">
                               <a:latin typeface="Cambria Math" panose="02040503050406030204" pitchFamily="18" charset="0"/>
                             </a:rPr>
                             <m:t>𝑒</m:t>
@@ -7524,20 +7547,20 @@
                           <m:f>
                             <m:fPr>
                               <m:ctrlPr>
-                                <a:rPr lang="ru-RU" i="1" smtClean="0">
+                                <a:rPr lang="ru-RU" sz="2000" i="1" smtClean="0">
                                   <a:latin typeface="Cambria Math" panose="02040503050406030204" pitchFamily="18" charset="0"/>
                                 </a:rPr>
                               </m:ctrlPr>
                             </m:fPr>
                             <m:num>
                               <m:r>
-                                <a:rPr lang="en-US" b="0" i="1" smtClean="0">
+                                <a:rPr lang="en-US" sz="2000" b="0" i="1" smtClean="0">
                                   <a:latin typeface="Cambria Math" panose="02040503050406030204" pitchFamily="18" charset="0"/>
                                 </a:rPr>
                                 <m:t>−(</m:t>
                               </m:r>
                               <m:r>
-                                <a:rPr lang="en-US" b="0" i="1" smtClean="0">
+                                <a:rPr lang="en-US" sz="2000" b="0" i="1" smtClean="0">
                                   <a:latin typeface="Cambria Math" panose="02040503050406030204" pitchFamily="18" charset="0"/>
                                 </a:rPr>
                                 <m:t>𝑐𝑜𝑠</m:t>
@@ -7545,14 +7568,14 @@
                               <m:sSub>
                                 <m:sSubPr>
                                   <m:ctrlPr>
-                                    <a:rPr lang="en-US" b="0" i="1" smtClean="0">
+                                    <a:rPr lang="en-US" sz="2000" b="0" i="1" smtClean="0">
                                       <a:latin typeface="Cambria Math" panose="02040503050406030204" pitchFamily="18" charset="0"/>
                                     </a:rPr>
                                   </m:ctrlPr>
                                 </m:sSubPr>
                                 <m:e>
                                   <m:r>
-                                    <a:rPr lang="en-US" b="0" i="1" smtClean="0">
+                                    <a:rPr lang="en-US" sz="2000" b="0" i="1" smtClean="0">
                                       <a:latin typeface="Cambria Math" panose="02040503050406030204" pitchFamily="18" charset="0"/>
                                     </a:rPr>
                                     <m:t>𝑡</m:t>
@@ -7560,7 +7583,7 @@
                                 </m:e>
                                 <m:sub>
                                   <m:r>
-                                    <a:rPr lang="en-US" b="0" i="1" smtClean="0">
+                                    <a:rPr lang="en-US" sz="2000" b="0" i="1" smtClean="0">
                                       <a:latin typeface="Cambria Math" panose="02040503050406030204" pitchFamily="18" charset="0"/>
                                     </a:rPr>
                                     <m:t>𝑛𝑒𝑤</m:t>
@@ -7568,13 +7591,13 @@
                                 </m:sub>
                               </m:sSub>
                               <m:r>
-                                <a:rPr lang="en-US" b="0" i="1" smtClean="0">
+                                <a:rPr lang="en-US" sz="2000" b="0" i="1" smtClean="0">
                                   <a:latin typeface="Cambria Math" panose="02040503050406030204" pitchFamily="18" charset="0"/>
                                 </a:rPr>
                                 <m:t>−</m:t>
                               </m:r>
                               <m:r>
-                                <a:rPr lang="en-US" b="0" i="1" smtClean="0">
+                                <a:rPr lang="en-US" sz="2000" b="0" i="1" smtClean="0">
                                   <a:latin typeface="Cambria Math" panose="02040503050406030204" pitchFamily="18" charset="0"/>
                                 </a:rPr>
                                 <m:t>𝑐𝑜𝑠</m:t>
@@ -7582,14 +7605,14 @@
                               <m:sSub>
                                 <m:sSubPr>
                                   <m:ctrlPr>
-                                    <a:rPr lang="en-US" b="0" i="1" smtClean="0">
+                                    <a:rPr lang="en-US" sz="2000" b="0" i="1" smtClean="0">
                                       <a:latin typeface="Cambria Math" panose="02040503050406030204" pitchFamily="18" charset="0"/>
                                     </a:rPr>
                                   </m:ctrlPr>
                                 </m:sSubPr>
                                 <m:e>
                                   <m:r>
-                                    <a:rPr lang="en-US" b="0" i="1" smtClean="0">
+                                    <a:rPr lang="en-US" sz="2000" b="0" i="1" smtClean="0">
                                       <a:latin typeface="Cambria Math" panose="02040503050406030204" pitchFamily="18" charset="0"/>
                                     </a:rPr>
                                     <m:t>𝑡</m:t>
@@ -7597,7 +7620,7 @@
                                 </m:e>
                                 <m:sub>
                                   <m:r>
-                                    <a:rPr lang="en-US" b="0" i="1" smtClean="0">
+                                    <a:rPr lang="en-US" sz="2000" b="0" i="1" smtClean="0">
                                       <a:latin typeface="Cambria Math" panose="02040503050406030204" pitchFamily="18" charset="0"/>
                                     </a:rPr>
                                     <m:t>𝑜𝑙𝑑</m:t>
@@ -7605,7 +7628,7 @@
                                 </m:sub>
                               </m:sSub>
                               <m:r>
-                                <a:rPr lang="en-US" b="0" i="1" smtClean="0">
+                                <a:rPr lang="en-US" sz="2000" b="0" i="1" smtClean="0">
                                   <a:latin typeface="Cambria Math" panose="02040503050406030204" pitchFamily="18" charset="0"/>
                                 </a:rPr>
                                 <m:t>)</m:t>
@@ -7613,7 +7636,7 @@
                             </m:num>
                             <m:den>
                               <m:r>
-                                <a:rPr lang="en-US" b="0" i="1" smtClean="0">
+                                <a:rPr lang="en-US" sz="2000" b="0" i="1" smtClean="0">
                                   <a:latin typeface="Cambria Math" panose="02040503050406030204" pitchFamily="18" charset="0"/>
                                 </a:rPr>
                                 <m:t>𝑡𝑒𝑚𝑝𝑒𝑟𝑎𝑡𝑢𝑟𝑒</m:t>
@@ -7642,7 +7665,7 @@
             <p:spPr>
               <a:xfrm>
                 <a:off x="148798" y="2185680"/>
-                <a:ext cx="4159024" cy="572401"/>
+                <a:ext cx="4488985" cy="626775"/>
               </a:xfrm>
               <a:prstGeom prst="rect">
                 <a:avLst/>

--- a/НечаевМаршрут.pptx
+++ b/НечаевМаршрут.pptx
@@ -2,10 +2,10 @@
 <file path=ppt/presentation.xml><?xml version="1.0" encoding="utf-8"?>
 <p:presentation xmlns:a="http://schemas.openxmlformats.org/drawingml/2006/main" xmlns:r="http://schemas.openxmlformats.org/officeDocument/2006/relationships" xmlns:p="http://schemas.openxmlformats.org/presentationml/2006/main" autoCompressPictures="0">
   <p:sldMasterIdLst>
-    <p:sldMasterId id="2147483852" r:id="rId1"/>
+    <p:sldMasterId id="2147483876" r:id="rId1"/>
   </p:sldMasterIdLst>
   <p:notesMasterIdLst>
-    <p:notesMasterId r:id="rId8"/>
+    <p:notesMasterId r:id="rId9"/>
   </p:notesMasterIdLst>
   <p:sldIdLst>
     <p:sldId id="256" r:id="rId2"/>
@@ -13,7 +13,8 @@
     <p:sldId id="267" r:id="rId4"/>
     <p:sldId id="258" r:id="rId5"/>
     <p:sldId id="259" r:id="rId6"/>
-    <p:sldId id="268" r:id="rId7"/>
+    <p:sldId id="269" r:id="rId7"/>
+    <p:sldId id="268" r:id="rId8"/>
   </p:sldIdLst>
   <p:sldSz cx="9144000" cy="6858000" type="screen4x3"/>
   <p:notesSz cx="6858000" cy="9144000"/>
@@ -941,7 +942,7 @@
     </p:spTree>
     <p:extLst>
       <p:ext uri="{BB962C8B-B14F-4D97-AF65-F5344CB8AC3E}">
-        <p14:creationId xmlns:p14="http://schemas.microsoft.com/office/powerpoint/2010/main" val="1525918921"/>
+        <p14:creationId xmlns:p14="http://schemas.microsoft.com/office/powerpoint/2010/main" val="1046473730"/>
       </p:ext>
     </p:extLst>
   </p:cSld>
@@ -1111,7 +1112,7 @@
     </p:spTree>
     <p:extLst>
       <p:ext uri="{BB962C8B-B14F-4D97-AF65-F5344CB8AC3E}">
-        <p14:creationId xmlns:p14="http://schemas.microsoft.com/office/powerpoint/2010/main" val="1889486499"/>
+        <p14:creationId xmlns:p14="http://schemas.microsoft.com/office/powerpoint/2010/main" val="2912578504"/>
       </p:ext>
     </p:extLst>
   </p:cSld>
@@ -1295,7 +1296,7 @@
     </p:spTree>
     <p:extLst>
       <p:ext uri="{BB962C8B-B14F-4D97-AF65-F5344CB8AC3E}">
-        <p14:creationId xmlns:p14="http://schemas.microsoft.com/office/powerpoint/2010/main" val="3730821687"/>
+        <p14:creationId xmlns:p14="http://schemas.microsoft.com/office/powerpoint/2010/main" val="2528988706"/>
       </p:ext>
     </p:extLst>
   </p:cSld>
@@ -1465,7 +1466,7 @@
     </p:spTree>
     <p:extLst>
       <p:ext uri="{BB962C8B-B14F-4D97-AF65-F5344CB8AC3E}">
-        <p14:creationId xmlns:p14="http://schemas.microsoft.com/office/powerpoint/2010/main" val="2515715210"/>
+        <p14:creationId xmlns:p14="http://schemas.microsoft.com/office/powerpoint/2010/main" val="364234986"/>
       </p:ext>
     </p:extLst>
   </p:cSld>
@@ -1901,7 +1902,7 @@
     </p:spTree>
     <p:extLst>
       <p:ext uri="{BB962C8B-B14F-4D97-AF65-F5344CB8AC3E}">
-        <p14:creationId xmlns:p14="http://schemas.microsoft.com/office/powerpoint/2010/main" val="2954610479"/>
+        <p14:creationId xmlns:p14="http://schemas.microsoft.com/office/powerpoint/2010/main" val="668329158"/>
       </p:ext>
     </p:extLst>
   </p:cSld>
@@ -2189,7 +2190,7 @@
     </p:spTree>
     <p:extLst>
       <p:ext uri="{BB962C8B-B14F-4D97-AF65-F5344CB8AC3E}">
-        <p14:creationId xmlns:p14="http://schemas.microsoft.com/office/powerpoint/2010/main" val="1410953065"/>
+        <p14:creationId xmlns:p14="http://schemas.microsoft.com/office/powerpoint/2010/main" val="3895283905"/>
       </p:ext>
     </p:extLst>
   </p:cSld>
@@ -2623,7 +2624,7 @@
     </p:spTree>
     <p:extLst>
       <p:ext uri="{BB962C8B-B14F-4D97-AF65-F5344CB8AC3E}">
-        <p14:creationId xmlns:p14="http://schemas.microsoft.com/office/powerpoint/2010/main" val="3678229408"/>
+        <p14:creationId xmlns:p14="http://schemas.microsoft.com/office/powerpoint/2010/main" val="2963676588"/>
       </p:ext>
     </p:extLst>
   </p:cSld>
@@ -2761,7 +2762,7 @@
     </p:spTree>
     <p:extLst>
       <p:ext uri="{BB962C8B-B14F-4D97-AF65-F5344CB8AC3E}">
-        <p14:creationId xmlns:p14="http://schemas.microsoft.com/office/powerpoint/2010/main" val="586341746"/>
+        <p14:creationId xmlns:p14="http://schemas.microsoft.com/office/powerpoint/2010/main" val="2176476107"/>
       </p:ext>
     </p:extLst>
   </p:cSld>
@@ -2856,7 +2857,7 @@
     </p:spTree>
     <p:extLst>
       <p:ext uri="{BB962C8B-B14F-4D97-AF65-F5344CB8AC3E}">
-        <p14:creationId xmlns:p14="http://schemas.microsoft.com/office/powerpoint/2010/main" val="75648437"/>
+        <p14:creationId xmlns:p14="http://schemas.microsoft.com/office/powerpoint/2010/main" val="618232952"/>
       </p:ext>
     </p:extLst>
   </p:cSld>
@@ -3297,7 +3298,7 @@
     </p:spTree>
     <p:extLst>
       <p:ext uri="{BB962C8B-B14F-4D97-AF65-F5344CB8AC3E}">
-        <p14:creationId xmlns:p14="http://schemas.microsoft.com/office/powerpoint/2010/main" val="2202310272"/>
+        <p14:creationId xmlns:p14="http://schemas.microsoft.com/office/powerpoint/2010/main" val="1981569762"/>
       </p:ext>
     </p:extLst>
   </p:cSld>
@@ -3705,7 +3706,7 @@
     </p:spTree>
     <p:extLst>
       <p:ext uri="{BB962C8B-B14F-4D97-AF65-F5344CB8AC3E}">
-        <p14:creationId xmlns:p14="http://schemas.microsoft.com/office/powerpoint/2010/main" val="2098969159"/>
+        <p14:creationId xmlns:p14="http://schemas.microsoft.com/office/powerpoint/2010/main" val="4257268878"/>
       </p:ext>
     </p:extLst>
   </p:cSld>
@@ -4045,23 +4046,23 @@
     </p:spTree>
     <p:extLst>
       <p:ext uri="{BB962C8B-B14F-4D97-AF65-F5344CB8AC3E}">
-        <p14:creationId xmlns:p14="http://schemas.microsoft.com/office/powerpoint/2010/main" val="2689157936"/>
+        <p14:creationId xmlns:p14="http://schemas.microsoft.com/office/powerpoint/2010/main" val="479402984"/>
       </p:ext>
     </p:extLst>
   </p:cSld>
   <p:clrMap bg1="lt1" tx1="dk1" bg2="lt2" tx2="dk2" accent1="accent1" accent2="accent2" accent3="accent3" accent4="accent4" accent5="accent5" accent6="accent6" hlink="hlink" folHlink="folHlink"/>
   <p:sldLayoutIdLst>
-    <p:sldLayoutId id="2147483853" r:id="rId1"/>
-    <p:sldLayoutId id="2147483854" r:id="rId2"/>
-    <p:sldLayoutId id="2147483855" r:id="rId3"/>
-    <p:sldLayoutId id="2147483856" r:id="rId4"/>
-    <p:sldLayoutId id="2147483857" r:id="rId5"/>
-    <p:sldLayoutId id="2147483858" r:id="rId6"/>
-    <p:sldLayoutId id="2147483859" r:id="rId7"/>
-    <p:sldLayoutId id="2147483860" r:id="rId8"/>
-    <p:sldLayoutId id="2147483861" r:id="rId9"/>
-    <p:sldLayoutId id="2147483862" r:id="rId10"/>
-    <p:sldLayoutId id="2147483863" r:id="rId11"/>
+    <p:sldLayoutId id="2147483877" r:id="rId1"/>
+    <p:sldLayoutId id="2147483878" r:id="rId2"/>
+    <p:sldLayoutId id="2147483879" r:id="rId3"/>
+    <p:sldLayoutId id="2147483880" r:id="rId4"/>
+    <p:sldLayoutId id="2147483881" r:id="rId5"/>
+    <p:sldLayoutId id="2147483882" r:id="rId6"/>
+    <p:sldLayoutId id="2147483883" r:id="rId7"/>
+    <p:sldLayoutId id="2147483884" r:id="rId8"/>
+    <p:sldLayoutId id="2147483885" r:id="rId9"/>
+    <p:sldLayoutId id="2147483886" r:id="rId10"/>
+    <p:sldLayoutId id="2147483887" r:id="rId11"/>
   </p:sldLayoutIdLst>
   <p:hf hdr="0" ftr="0" dt="0"/>
   <p:txStyles>
@@ -4461,8 +4462,8 @@
         </p:nvSpPr>
         <p:spPr>
           <a:xfrm>
-            <a:off x="722168" y="1731482"/>
-            <a:ext cx="7593330" cy="3035808"/>
+            <a:off x="692210" y="1353312"/>
+            <a:ext cx="7593331" cy="3035808"/>
           </a:xfrm>
         </p:spPr>
         <p:txBody>
@@ -4471,15 +4472,16 @@
           <a:p>
             <a:r>
               <a:rPr lang="ru-RU" sz="4000" dirty="0"/>
-              <a:t>Сравнительный анализ алгоритмов для планирования маршрутов транспортных средств с учетом рельефа местности</a:t>
-            </a:r>
-            <a:r>
-              <a:rPr lang="en-US" dirty="0"/>
-              <a:t/>
-            </a:r>
-            <a:br>
-              <a:rPr lang="en-US" dirty="0"/>
-            </a:br>
+              <a:t>Сравнительный </a:t>
+            </a:r>
+            <a:r>
+              <a:rPr lang="ru-RU" sz="4000" dirty="0"/>
+              <a:t>анализ алгоритмов для планирования маршрутов транспортных средств с учетом рельефа </a:t>
+            </a:r>
+            <a:r>
+              <a:rPr lang="ru-RU" sz="4000" dirty="0"/>
+              <a:t>местности</a:t>
+            </a:r>
             <a:endParaRPr lang="en-US" dirty="0"/>
           </a:p>
         </p:txBody>
@@ -4797,22 +4799,22 @@
           <a:p>
             <a:pPr algn="ctr"/>
             <a:r>
-              <a:rPr lang="ru-RU" sz="1600" dirty="0" err="1" smtClean="0"/>
+              <a:rPr lang="ru-RU" sz="1600" dirty="0" err="1"/>
               <a:t>УУНиТ</a:t>
             </a:r>
-            <a:endParaRPr lang="ru-RU" sz="1600" dirty="0" smtClean="0"/>
+            <a:endParaRPr lang="ru-RU" sz="1600" dirty="0"/>
           </a:p>
           <a:p>
             <a:pPr algn="ctr"/>
             <a:r>
-              <a:rPr lang="ru-RU" sz="1600" dirty="0" smtClean="0"/>
+              <a:rPr lang="ru-RU" sz="1600" dirty="0"/>
               <a:t>Уфа 2024</a:t>
             </a:r>
           </a:p>
           <a:p>
             <a:pPr algn="ctr"/>
             <a:r>
-              <a:rPr lang="ru-RU" sz="900" dirty="0" smtClean="0"/>
+              <a:rPr lang="ru-RU" sz="900" dirty="0"/>
               <a:t> </a:t>
             </a:r>
             <a:endParaRPr lang="en-US" sz="900" dirty="0"/>
@@ -4864,8 +4866,8 @@
         </p:nvSpPr>
         <p:spPr>
           <a:xfrm>
-            <a:off x="365761" y="465877"/>
-            <a:ext cx="8470668" cy="1366528"/>
+            <a:off x="684756" y="427777"/>
+            <a:ext cx="6339838" cy="2215991"/>
           </a:xfrm>
           <a:prstGeom prst="rect">
             <a:avLst/>
@@ -4877,15 +4879,12 @@
           </a:bodyPr>
           <a:lstStyle/>
           <a:p>
-            <a:pPr lvl="0">
+            <a:pPr>
               <a:lnSpc>
                 <a:spcPct val="115000"/>
               </a:lnSpc>
-              <a:spcAft>
-                <a:spcPts val="0"/>
-              </a:spcAft>
               <a:tabLst>
-                <a:tab pos="183515" algn="l"/>
+                <a:tab pos="183506" algn="l"/>
               </a:tabLst>
             </a:pPr>
             <a:r>
@@ -4897,21 +4896,21 @@
               <a:t>Цель работы:  </a:t>
             </a:r>
             <a:r>
-              <a:rPr lang="ru-RU" sz="2400" dirty="0" smtClean="0">
-                <a:latin typeface="Times New Roman" panose="02020603050405020304" pitchFamily="18" charset="0"/>
-                <a:ea typeface="Times New Roman" panose="02020603050405020304" pitchFamily="18" charset="0"/>
-              </a:rPr>
-              <a:t>Сравнительный </a:t>
-            </a:r>
-            <a:r>
               <a:rPr lang="ru-RU" sz="2400" dirty="0">
                 <a:latin typeface="Times New Roman" panose="02020603050405020304" pitchFamily="18" charset="0"/>
                 <a:ea typeface="Times New Roman" panose="02020603050405020304" pitchFamily="18" charset="0"/>
               </a:rPr>
+              <a:t>Сравнительный </a:t>
+            </a:r>
+            <a:r>
+              <a:rPr lang="ru-RU" sz="2400" dirty="0">
+                <a:latin typeface="Times New Roman" panose="02020603050405020304" pitchFamily="18" charset="0"/>
+                <a:ea typeface="Times New Roman" panose="02020603050405020304" pitchFamily="18" charset="0"/>
+              </a:rPr>
               <a:t>анализ и реализация алгоритмов маршрутизации транспортных средств с учетом рельефа местности, оценка их эффективности для задачи VRP</a:t>
             </a:r>
             <a:r>
-              <a:rPr lang="ru-RU" sz="2400" dirty="0" smtClean="0">
+              <a:rPr lang="ru-RU" sz="2400" dirty="0">
                 <a:latin typeface="Times New Roman" panose="02020603050405020304" pitchFamily="18" charset="0"/>
                 <a:ea typeface="Times New Roman" panose="02020603050405020304" pitchFamily="18" charset="0"/>
               </a:rPr>
@@ -4955,7 +4954,7 @@
         </p:nvSpPr>
         <p:spPr>
           <a:xfrm>
-            <a:off x="365761" y="2059074"/>
+            <a:off x="684756" y="2518350"/>
             <a:ext cx="5444835" cy="4339650"/>
           </a:xfrm>
           <a:prstGeom prst="rect">
@@ -4968,16 +4967,13 @@
           </a:bodyPr>
           <a:lstStyle/>
           <a:p>
-            <a:pPr indent="450215">
+            <a:pPr indent="450191">
               <a:lnSpc>
                 <a:spcPct val="115000"/>
               </a:lnSpc>
-              <a:spcAft>
-                <a:spcPts val="0"/>
-              </a:spcAft>
             </a:pPr>
             <a:r>
-              <a:rPr lang="ru-RU" sz="2400" b="1" dirty="0" smtClean="0">
+              <a:rPr lang="ru-RU" sz="2400" b="1" dirty="0">
                 <a:latin typeface="Times New Roman" panose="02020603050405020304" pitchFamily="18" charset="0"/>
                 <a:ea typeface="Times New Roman" panose="02020603050405020304" pitchFamily="18" charset="0"/>
                 <a:cs typeface="Times New Roman" panose="02020603050405020304" pitchFamily="18" charset="0"/>
@@ -4999,79 +4995,70 @@
             </a:endParaRPr>
           </a:p>
           <a:p>
-            <a:pPr marL="342900" lvl="0" indent="-342900">
+            <a:pPr marL="342882" indent="-342882">
               <a:lnSpc>
                 <a:spcPct val="115000"/>
               </a:lnSpc>
-              <a:spcAft>
-                <a:spcPts val="0"/>
-              </a:spcAft>
               <a:buFont typeface="Symbol" panose="05050102010706020507" pitchFamily="18" charset="2"/>
               <a:buChar char=""/>
               <a:tabLst>
-                <a:tab pos="183515" algn="l"/>
+                <a:tab pos="183506" algn="l"/>
               </a:tabLst>
             </a:pPr>
             <a:r>
-              <a:rPr lang="ru-RU" sz="2400" dirty="0" smtClean="0">
-                <a:latin typeface="Times New Roman" panose="02020603050405020304" pitchFamily="18" charset="0"/>
-                <a:ea typeface="Times New Roman" panose="02020603050405020304" pitchFamily="18" charset="0"/>
-              </a:rPr>
-              <a:t>Изучить </a:t>
-            </a:r>
-            <a:r>
               <a:rPr lang="ru-RU" sz="2400" dirty="0">
                 <a:latin typeface="Times New Roman" panose="02020603050405020304" pitchFamily="18" charset="0"/>
                 <a:ea typeface="Times New Roman" panose="02020603050405020304" pitchFamily="18" charset="0"/>
               </a:rPr>
+              <a:t>Изучить </a:t>
+            </a:r>
+            <a:r>
+              <a:rPr lang="ru-RU" sz="2400" dirty="0">
+                <a:latin typeface="Times New Roman" panose="02020603050405020304" pitchFamily="18" charset="0"/>
+                <a:ea typeface="Times New Roman" panose="02020603050405020304" pitchFamily="18" charset="0"/>
+              </a:rPr>
               <a:t>алгоритмы для планирования маршрутов с учетом рельефа.</a:t>
             </a:r>
           </a:p>
           <a:p>
-            <a:pPr marL="342900" lvl="0" indent="-342900">
+            <a:pPr marL="342882" indent="-342882">
               <a:lnSpc>
                 <a:spcPct val="115000"/>
               </a:lnSpc>
-              <a:spcAft>
-                <a:spcPts val="0"/>
-              </a:spcAft>
               <a:buFont typeface="Symbol" panose="05050102010706020507" pitchFamily="18" charset="2"/>
               <a:buChar char=""/>
               <a:tabLst>
-                <a:tab pos="183515" algn="l"/>
+                <a:tab pos="183506" algn="l"/>
               </a:tabLst>
             </a:pPr>
             <a:r>
-              <a:rPr lang="ru-RU" sz="2400" dirty="0" smtClean="0">
-                <a:latin typeface="Times New Roman" panose="02020603050405020304" pitchFamily="18" charset="0"/>
-                <a:ea typeface="Times New Roman" panose="02020603050405020304" pitchFamily="18" charset="0"/>
-              </a:rPr>
-              <a:t>Реализовать </a:t>
-            </a:r>
-            <a:r>
               <a:rPr lang="ru-RU" sz="2400" dirty="0">
                 <a:latin typeface="Times New Roman" panose="02020603050405020304" pitchFamily="18" charset="0"/>
                 <a:ea typeface="Times New Roman" panose="02020603050405020304" pitchFamily="18" charset="0"/>
               </a:rPr>
+              <a:t>Реализовать </a:t>
+            </a:r>
+            <a:r>
+              <a:rPr lang="ru-RU" sz="2400" dirty="0">
+                <a:latin typeface="Times New Roman" panose="02020603050405020304" pitchFamily="18" charset="0"/>
+                <a:ea typeface="Times New Roman" panose="02020603050405020304" pitchFamily="18" charset="0"/>
+              </a:rPr>
               <a:t>алгоритмы маршрутизации с учетом перепадов высот.</a:t>
             </a:r>
           </a:p>
           <a:p>
-            <a:pPr marL="342900" lvl="0" indent="-342900">
+            <a:pPr marL="342882" indent="-342882">
               <a:lnSpc>
                 <a:spcPct val="115000"/>
               </a:lnSpc>
-              <a:spcAft>
-                <a:spcPts val="0"/>
-              </a:spcAft>
               <a:buFont typeface="Symbol" panose="05050102010706020507" pitchFamily="18" charset="2"/>
               <a:buChar char=""/>
               <a:tabLst>
-                <a:tab pos="183515" algn="l"/>
+                <a:tab pos="183506" algn="l"/>
               </a:tabLst>
             </a:pPr>
             <a:r>
-              <a:rPr lang="ru-RU" sz="2400" dirty="0" smtClean="0">
+              <a:rPr lang="ru-RU" sz="2400" dirty="0">
                 <a:latin typeface="Times New Roman" panose="02020603050405020304" pitchFamily="18" charset="0"/>
                 <a:ea typeface="Times New Roman" panose="02020603050405020304" pitchFamily="18" charset="0"/>
               </a:rPr>
@@ -5090,17 +5077,14 @@
             </a:endParaRPr>
           </a:p>
           <a:p>
-            <a:pPr marL="342900" lvl="0" indent="-342900">
+            <a:pPr marL="342882" indent="-342882">
               <a:lnSpc>
                 <a:spcPct val="115000"/>
               </a:lnSpc>
-              <a:spcAft>
-                <a:spcPts val="0"/>
-              </a:spcAft>
               <a:buFont typeface="Symbol" panose="05050102010706020507" pitchFamily="18" charset="2"/>
               <a:buChar char=""/>
               <a:tabLst>
-                <a:tab pos="183515" algn="l"/>
+                <a:tab pos="183506" algn="l"/>
               </a:tabLst>
             </a:pPr>
             <a:endParaRPr lang="en-US" sz="2400" dirty="0">
@@ -5132,8 +5116,8 @@
         </p:blipFill>
         <p:spPr>
           <a:xfrm>
-            <a:off x="5473481" y="2059074"/>
-            <a:ext cx="3362948" cy="2229455"/>
+            <a:off x="6036592" y="2643768"/>
+            <a:ext cx="2871008" cy="1903325"/>
           </a:xfrm>
           <a:prstGeom prst="rect">
             <a:avLst/>
@@ -5199,7 +5183,7 @@
         </p:blipFill>
         <p:spPr>
           <a:xfrm>
-            <a:off x="6094725" y="2564223"/>
+            <a:off x="6094729" y="2564225"/>
             <a:ext cx="1711077" cy="1711077"/>
           </a:xfrm>
           <a:prstGeom prst="rect">
@@ -5219,12 +5203,14 @@
         </p:nvSpPr>
         <p:spPr>
           <a:xfrm>
-            <a:off x="317008" y="321564"/>
-            <a:ext cx="3727704" cy="1234440"/>
+            <a:off x="516540" y="197826"/>
+            <a:ext cx="4369292" cy="1234440"/>
           </a:xfrm>
         </p:spPr>
         <p:txBody>
-          <a:bodyPr/>
+          <a:bodyPr>
+            <a:normAutofit/>
+          </a:bodyPr>
           <a:lstStyle/>
           <a:p>
             <a:r>
@@ -5281,7 +5267,7 @@
         </p:blipFill>
         <p:spPr bwMode="auto">
           <a:xfrm>
-            <a:off x="5361709" y="4511211"/>
+            <a:off x="5477196" y="4414268"/>
             <a:ext cx="2006748" cy="2006748"/>
           </a:xfrm>
           <a:prstGeom prst="rect">
@@ -5308,16 +5294,16 @@
         </p:blipFill>
         <p:spPr>
           <a:xfrm>
-            <a:off x="4771505" y="321564"/>
-            <a:ext cx="4191901" cy="4155530"/>
+            <a:off x="5037883" y="418511"/>
+            <a:ext cx="4065190" cy="4029919"/>
           </a:xfrm>
           <a:prstGeom prst="rect">
             <a:avLst/>
           </a:prstGeom>
         </p:spPr>
       </p:pic>
-      <mc:AlternateContent xmlns:mc="http://schemas.openxmlformats.org/markup-compatibility/2006" xmlns:a14="http://schemas.microsoft.com/office/drawing/2010/main">
-        <mc:Choice Requires="a14">
+      <mc:AlternateContent xmlns:mc="http://schemas.openxmlformats.org/markup-compatibility/2006">
+        <mc:Choice xmlns:a14="http://schemas.microsoft.com/office/drawing/2010/main" Requires="a14">
           <p:sp>
             <p:nvSpPr>
               <p:cNvPr id="9" name="Прямоугольник 8"/>
@@ -5326,8 +5312,8 @@
             </p:nvSpPr>
             <p:spPr>
               <a:xfrm>
-                <a:off x="0" y="1279557"/>
-                <a:ext cx="4892322" cy="5189113"/>
+                <a:off x="145560" y="1230630"/>
+                <a:ext cx="4892323" cy="5153719"/>
               </a:xfrm>
               <a:prstGeom prst="rect">
                 <a:avLst/>
@@ -5339,21 +5325,18 @@
               </a:bodyPr>
               <a:lstStyle/>
               <a:p>
-                <a:pPr marL="342900" lvl="0" indent="-342900">
+                <a:pPr marL="342882" indent="-342882">
                   <a:lnSpc>
                     <a:spcPct val="115000"/>
                   </a:lnSpc>
-                  <a:spcAft>
-                    <a:spcPts val="0"/>
-                  </a:spcAft>
                   <a:buFont typeface="Arial" panose="020B0604020202020204" pitchFamily="34" charset="0"/>
                   <a:buChar char="•"/>
                   <a:tabLst>
-                    <a:tab pos="183515" algn="l"/>
+                    <a:tab pos="183506" algn="l"/>
                   </a:tabLst>
                 </a:pPr>
                 <a:r>
-                  <a:rPr lang="ru-RU" dirty="0" smtClean="0">
+                  <a:rPr lang="ru-RU" dirty="0">
                     <a:latin typeface="Times New Roman" panose="02020603050405020304" pitchFamily="18" charset="0"/>
                     <a:ea typeface="Times New Roman" panose="02020603050405020304" pitchFamily="18" charset="0"/>
                   </a:rPr>
@@ -5367,7 +5350,7 @@
                   <a:t>путь через </a:t>
                 </a:r>
                 <a:r>
-                  <a:rPr lang="ru-RU" dirty="0" smtClean="0">
+                  <a:rPr lang="ru-RU" dirty="0">
                     <a:latin typeface="Times New Roman" panose="02020603050405020304" pitchFamily="18" charset="0"/>
                     <a:ea typeface="Times New Roman" panose="02020603050405020304" pitchFamily="18" charset="0"/>
                   </a:rPr>
@@ -5381,7 +5364,7 @@
                   <a:t>расстояние, добавляя перепады высот</a:t>
                 </a:r>
                 <a:r>
-                  <a:rPr lang="ru-RU" dirty="0" smtClean="0">
+                  <a:rPr lang="ru-RU" dirty="0">
                     <a:latin typeface="Times New Roman" panose="02020603050405020304" pitchFamily="18" charset="0"/>
                     <a:ea typeface="Times New Roman" panose="02020603050405020304" pitchFamily="18" charset="0"/>
                   </a:rPr>
@@ -5389,15 +5372,12 @@
                 </a:r>
               </a:p>
               <a:p>
-                <a:pPr lvl="0">
+                <a:pPr>
                   <a:lnSpc>
                     <a:spcPct val="115000"/>
                   </a:lnSpc>
-                  <a:spcAft>
-                    <a:spcPts val="0"/>
-                  </a:spcAft>
                   <a:tabLst>
-                    <a:tab pos="183515" algn="l"/>
+                    <a:tab pos="183506" algn="l"/>
                   </a:tabLst>
                 </a:pPr>
                 <a14:m>
@@ -5407,13 +5387,13 @@
                     </m:oMathParaPr>
                     <m:oMath xmlns:m="http://schemas.openxmlformats.org/officeDocument/2006/math">
                       <m:r>
-                        <a:rPr lang="ru-RU" sz="1600" b="0" i="0" smtClean="0">
+                        <a:rPr lang="ru-RU" sz="1600">
                           <a:latin typeface="Cambria Math" panose="02040503050406030204" pitchFamily="18" charset="0"/>
                         </a:rPr>
                         <m:t> </m:t>
                       </m:r>
                       <m:r>
-                        <a:rPr lang="en-US" sz="1600" b="0" i="1" smtClean="0">
+                        <a:rPr lang="en-US" sz="1600" i="1">
                           <a:latin typeface="Cambria Math" panose="02040503050406030204" pitchFamily="18" charset="0"/>
                         </a:rPr>
                         <m:t>𝑚𝑎𝑛h𝑎𝑡𝑡𝑒𝑛</m:t>
@@ -5571,27 +5551,24 @@
                     </m:oMath>
                   </m:oMathPara>
                 </a14:m>
-                <a:endParaRPr lang="ru-RU" dirty="0" smtClean="0">
+                <a:endParaRPr lang="ru-RU" dirty="0">
                   <a:latin typeface="Times New Roman" panose="02020603050405020304" pitchFamily="18" charset="0"/>
                   <a:ea typeface="Times New Roman" panose="02020603050405020304" pitchFamily="18" charset="0"/>
                 </a:endParaRPr>
               </a:p>
               <a:p>
-                <a:pPr marL="342900" lvl="0" indent="-342900">
+                <a:pPr marL="342882" indent="-342882">
                   <a:lnSpc>
                     <a:spcPct val="115000"/>
                   </a:lnSpc>
-                  <a:spcAft>
-                    <a:spcPts val="0"/>
-                  </a:spcAft>
                   <a:buFont typeface="Arial" panose="020B0604020202020204" pitchFamily="34" charset="0"/>
                   <a:buChar char="•"/>
                   <a:tabLst>
-                    <a:tab pos="183515" algn="l"/>
+                    <a:tab pos="183506" algn="l"/>
                   </a:tabLst>
                 </a:pPr>
                 <a:r>
-                  <a:rPr lang="ru-RU" dirty="0" smtClean="0">
+                  <a:rPr lang="ru-RU" dirty="0">
                     <a:latin typeface="Times New Roman" panose="02020603050405020304" pitchFamily="18" charset="0"/>
                     <a:ea typeface="Times New Roman" panose="02020603050405020304" pitchFamily="18" charset="0"/>
                   </a:rPr>
@@ -5610,7 +5587,7 @@
                       <m:rPr>
                         <m:sty m:val="p"/>
                       </m:rPr>
-                      <a:rPr lang="en-US" i="1" smtClean="0">
+                      <a:rPr lang="en-US" i="1">
                         <a:latin typeface="Cambria Math" panose="02040503050406030204" pitchFamily="18" charset="0"/>
                       </a:rPr>
                       <m:t>f</m:t>
@@ -5639,7 +5616,7 @@
                       <m:t>=</m:t>
                     </m:r>
                     <m:r>
-                      <a:rPr lang="en-US" b="0" i="1" smtClean="0">
+                      <a:rPr lang="en-US" i="1">
                         <a:latin typeface="Cambria Math" panose="02040503050406030204" pitchFamily="18" charset="0"/>
                       </a:rPr>
                       <m:t>𝑔</m:t>
@@ -5668,7 +5645,7 @@
                       <m:t>+</m:t>
                     </m:r>
                     <m:r>
-                      <a:rPr lang="en-US" b="0" i="1" smtClean="0">
+                      <a:rPr lang="en-US" i="1">
                         <a:latin typeface="Cambria Math" panose="02040503050406030204" pitchFamily="18" charset="0"/>
                       </a:rPr>
                       <m:t>h</m:t>
@@ -5693,7 +5670,7 @@
                   </m:oMath>
                 </a14:m>
                 <a:r>
-                  <a:rPr lang="ru-RU" dirty="0" smtClean="0">
+                  <a:rPr lang="ru-RU" dirty="0">
                     <a:latin typeface="Times New Roman" panose="02020603050405020304" pitchFamily="18" charset="0"/>
                     <a:ea typeface="Times New Roman" panose="02020603050405020304" pitchFamily="18" charset="0"/>
                   </a:rPr>
@@ -5706,11 +5683,11 @@
                     <a:spcPct val="115000"/>
                   </a:lnSpc>
                   <a:tabLst>
-                    <a:tab pos="183515" algn="l"/>
+                    <a:tab pos="183506" algn="l"/>
                   </a:tabLst>
                 </a:pPr>
                 <a:r>
-                  <a:rPr lang="ru-RU" dirty="0" smtClean="0">
+                  <a:rPr lang="ru-RU" dirty="0">
                     <a:latin typeface="Times New Roman" panose="02020603050405020304" pitchFamily="18" charset="0"/>
                     <a:ea typeface="Times New Roman" panose="02020603050405020304" pitchFamily="18" charset="0"/>
                   </a:rPr>
@@ -5723,7 +5700,7 @@
                   </a:rPr>
                   <a:t>) — стоимость пути от старта до текущей точки, </a:t>
                 </a:r>
-                <a:endParaRPr lang="en-US" dirty="0" smtClean="0">
+                <a:endParaRPr lang="en-US" dirty="0">
                   <a:latin typeface="Times New Roman" panose="02020603050405020304" pitchFamily="18" charset="0"/>
                   <a:ea typeface="Times New Roman" panose="02020603050405020304" pitchFamily="18" charset="0"/>
                 </a:endParaRPr>
@@ -5734,11 +5711,11 @@
                     <a:spcPct val="115000"/>
                   </a:lnSpc>
                   <a:tabLst>
-                    <a:tab pos="183515" algn="l"/>
+                    <a:tab pos="183506" algn="l"/>
                   </a:tabLst>
                 </a:pPr>
                 <a:r>
-                  <a:rPr lang="en-US" sz="1600" dirty="0" smtClean="0"/>
+                  <a:rPr lang="en-US" sz="1600" dirty="0"/>
                   <a:t>	</a:t>
                 </a:r>
                 <a14:m>
@@ -5750,7 +5727,7 @@
                       <m:t> </m:t>
                     </m:r>
                     <m:r>
-                      <a:rPr lang="en-US" sz="1600" b="0" i="1" smtClean="0">
+                      <a:rPr lang="en-US" sz="1600" i="1">
                         <a:latin typeface="Cambria Math" panose="02040503050406030204" pitchFamily="18" charset="0"/>
                       </a:rPr>
                       <m:t>𝑔</m:t>
@@ -5758,14 +5735,14 @@
                     <m:d>
                       <m:dPr>
                         <m:ctrlPr>
-                          <a:rPr lang="en-US" sz="1600" b="0" i="1" smtClean="0">
+                          <a:rPr lang="en-US" sz="1600" i="1">
                             <a:latin typeface="Cambria Math" panose="02040503050406030204" pitchFamily="18" charset="0"/>
                           </a:rPr>
                         </m:ctrlPr>
                       </m:dPr>
                       <m:e>
                         <m:r>
-                          <a:rPr lang="en-US" sz="1600" b="0" i="1" smtClean="0">
+                          <a:rPr lang="en-US" sz="1600" i="1">
                             <a:latin typeface="Cambria Math" panose="02040503050406030204" pitchFamily="18" charset="0"/>
                           </a:rPr>
                           <m:t>𝑛</m:t>
@@ -5773,13 +5750,13 @@
                       </m:e>
                     </m:d>
                     <m:r>
-                      <a:rPr lang="ru-RU" sz="1600" i="1" smtClean="0">
+                      <a:rPr lang="ru-RU" sz="1600" i="1">
                         <a:latin typeface="Cambria Math" panose="02040503050406030204" pitchFamily="18" charset="0"/>
                       </a:rPr>
                       <m:t>=</m:t>
                     </m:r>
                     <m:r>
-                      <a:rPr lang="en-US" sz="1600" b="0" i="1" smtClean="0">
+                      <a:rPr lang="en-US" sz="1600" i="1">
                         <a:latin typeface="Cambria Math" panose="02040503050406030204" pitchFamily="18" charset="0"/>
                       </a:rPr>
                       <m:t>𝑔</m:t>
@@ -5787,20 +5764,20 @@
                     <m:d>
                       <m:dPr>
                         <m:ctrlPr>
-                          <a:rPr lang="en-US" sz="1600" b="0" i="1" smtClean="0">
+                          <a:rPr lang="en-US" sz="1600" i="1">
                             <a:latin typeface="Cambria Math" panose="02040503050406030204" pitchFamily="18" charset="0"/>
                           </a:rPr>
                         </m:ctrlPr>
                       </m:dPr>
                       <m:e>
                         <m:r>
-                          <a:rPr lang="en-US" sz="1600" b="0" i="1" smtClean="0">
+                          <a:rPr lang="en-US" sz="1600" i="1">
                             <a:latin typeface="Cambria Math" panose="02040503050406030204" pitchFamily="18" charset="0"/>
                           </a:rPr>
                           <m:t>𝑛</m:t>
                         </m:r>
                         <m:r>
-                          <a:rPr lang="en-US" sz="1600" b="0" i="1" smtClean="0">
+                          <a:rPr lang="en-US" sz="1600" i="1">
                             <a:latin typeface="Cambria Math" panose="02040503050406030204" pitchFamily="18" charset="0"/>
                           </a:rPr>
                           <m:t>−1</m:t>
@@ -5808,19 +5785,19 @@
                       </m:e>
                     </m:d>
                     <m:r>
-                      <a:rPr lang="en-US" sz="1600" b="0" i="1" smtClean="0">
+                      <a:rPr lang="en-US" sz="1600" i="1">
                         <a:latin typeface="Cambria Math" panose="02040503050406030204" pitchFamily="18" charset="0"/>
                       </a:rPr>
                       <m:t>+</m:t>
                     </m:r>
                     <m:r>
-                      <a:rPr lang="en-US" sz="1600" b="0" i="1" smtClean="0">
+                      <a:rPr lang="en-US" sz="1600" i="1">
                         <a:latin typeface="Cambria Math" panose="02040503050406030204" pitchFamily="18" charset="0"/>
                       </a:rPr>
                       <m:t>𝑤</m:t>
                     </m:r>
                     <m:r>
-                      <a:rPr lang="en-US" sz="1600" b="0" i="1" smtClean="0">
+                      <a:rPr lang="en-US" sz="1600" i="1">
                         <a:latin typeface="Cambria Math" panose="02040503050406030204" pitchFamily="18" charset="0"/>
                       </a:rPr>
                       <m:t>∗</m:t>
@@ -5846,7 +5823,7 @@
                           </m:sSubPr>
                           <m:e>
                             <m:r>
-                              <a:rPr lang="en-US" sz="1600" b="0" i="1" smtClean="0">
+                              <a:rPr lang="en-US" sz="1600" i="1">
                                 <a:latin typeface="Cambria Math" panose="02040503050406030204" pitchFamily="18" charset="0"/>
                               </a:rPr>
                               <m:t>h</m:t>
@@ -5877,7 +5854,7 @@
                           </m:sSubPr>
                           <m:e>
                             <m:r>
-                              <a:rPr lang="en-US" sz="1600" b="0" i="1" smtClean="0">
+                              <a:rPr lang="en-US" sz="1600" i="1">
                                 <a:latin typeface="Cambria Math" panose="02040503050406030204" pitchFamily="18" charset="0"/>
                               </a:rPr>
                               <m:t>h</m:t>
@@ -5906,11 +5883,11 @@
                     <a:spcPct val="115000"/>
                   </a:lnSpc>
                   <a:tabLst>
-                    <a:tab pos="183515" algn="l"/>
+                    <a:tab pos="183506" algn="l"/>
                   </a:tabLst>
                 </a:pPr>
                 <a:r>
-                  <a:rPr lang="ru-RU" dirty="0" smtClean="0">
+                  <a:rPr lang="ru-RU" dirty="0">
                     <a:latin typeface="Times New Roman" panose="02020603050405020304" pitchFamily="18" charset="0"/>
                     <a:ea typeface="Times New Roman" panose="02020603050405020304" pitchFamily="18" charset="0"/>
                   </a:rPr>
@@ -5924,7 +5901,7 @@
                   <a:t>) — </a:t>
                 </a:r>
                 <a:r>
-                  <a:rPr lang="ru-RU" dirty="0" smtClean="0">
+                  <a:rPr lang="ru-RU" dirty="0">
                     <a:latin typeface="Times New Roman" panose="02020603050405020304" pitchFamily="18" charset="0"/>
                     <a:ea typeface="Times New Roman" panose="02020603050405020304" pitchFamily="18" charset="0"/>
                   </a:rPr>
@@ -5938,7 +5915,7 @@
                   <a:t>оставшегося пути</a:t>
                 </a:r>
                 <a:r>
-                  <a:rPr lang="ru-RU" dirty="0" smtClean="0">
+                  <a:rPr lang="ru-RU" dirty="0">
                     <a:latin typeface="Times New Roman" panose="02020603050405020304" pitchFamily="18" charset="0"/>
                     <a:ea typeface="Times New Roman" panose="02020603050405020304" pitchFamily="18" charset="0"/>
                   </a:rPr>
@@ -5946,14 +5923,14 @@
                 </a:r>
               </a:p>
               <a:p>
-                <a:pPr marL="342900" indent="-342900">
+                <a:pPr marL="342882" indent="-342882">
                   <a:lnSpc>
                     <a:spcPct val="115000"/>
                   </a:lnSpc>
                   <a:buFont typeface="Arial" panose="020B0604020202020204" pitchFamily="34" charset="0"/>
                   <a:buChar char="•"/>
                   <a:tabLst>
-                    <a:tab pos="183515" algn="l"/>
+                    <a:tab pos="183506" algn="l"/>
                   </a:tabLst>
                 </a:pPr>
                 <a:r>
@@ -5982,17 +5959,14 @@
                 </a:endParaRPr>
               </a:p>
               <a:p>
-                <a:pPr marL="342900" lvl="0" indent="-342900">
+                <a:pPr marL="342882" indent="-342882">
                   <a:lnSpc>
                     <a:spcPct val="115000"/>
                   </a:lnSpc>
-                  <a:spcAft>
-                    <a:spcPts val="0"/>
-                  </a:spcAft>
                   <a:buFont typeface="Symbol" panose="05050102010706020507" pitchFamily="18" charset="2"/>
                   <a:buChar char=""/>
                   <a:tabLst>
-                    <a:tab pos="183515" algn="l"/>
+                    <a:tab pos="183506" algn="l"/>
                   </a:tabLst>
                 </a:pPr>
                 <a:endParaRPr lang="ru-RU" sz="2000" dirty="0">
@@ -6003,7 +5977,7 @@
             </p:txBody>
           </p:sp>
         </mc:Choice>
-        <mc:Fallback xmlns="">
+        <mc:Fallback>
           <p:sp>
             <p:nvSpPr>
               <p:cNvPr id="9" name="Прямоугольник 8"/>
@@ -6014,8 +5988,8 @@
             </p:nvSpPr>
             <p:spPr>
               <a:xfrm>
-                <a:off x="0" y="1279557"/>
-                <a:ext cx="4892322" cy="5189113"/>
+                <a:off x="145560" y="1230630"/>
+                <a:ext cx="4892323" cy="5153719"/>
               </a:xfrm>
               <a:prstGeom prst="rect">
                 <a:avLst/>
@@ -6023,7 +5997,7 @@
               <a:blipFill>
                 <a:blip r:embed="rId5"/>
                 <a:stretch>
-                  <a:fillRect l="-747" t="-353" r="-125"/>
+                  <a:fillRect l="-873" t="-355" r="-249"/>
                 </a:stretch>
               </a:blipFill>
             </p:spPr>
@@ -6081,6 +6055,36 @@
       </p:grpSpPr>
       <p:sp>
         <p:nvSpPr>
+          <p:cNvPr id="2" name="Заголовок 1"/>
+          <p:cNvSpPr>
+            <a:spLocks noGrp="1"/>
+          </p:cNvSpPr>
+          <p:nvPr>
+            <p:ph type="title"/>
+          </p:nvPr>
+        </p:nvSpPr>
+        <p:spPr>
+          <a:xfrm>
+            <a:off x="321723" y="227706"/>
+            <a:ext cx="7718367" cy="996696"/>
+          </a:xfrm>
+        </p:spPr>
+        <p:txBody>
+          <a:bodyPr>
+            <a:normAutofit/>
+          </a:bodyPr>
+          <a:lstStyle/>
+          <a:p>
+            <a:r>
+              <a:rPr lang="ru-RU" sz="3200" dirty="0"/>
+              <a:t>Алгоритм ближайшего соседа</a:t>
+            </a:r>
+            <a:endParaRPr lang="en-US" sz="3200" dirty="0"/>
+          </a:p>
+        </p:txBody>
+      </p:sp>
+      <p:sp>
+        <p:nvSpPr>
           <p:cNvPr id="3" name="Номер слайда 2"/>
           <p:cNvSpPr>
             <a:spLocks noGrp="1"/>
@@ -6117,7 +6121,7 @@
         </p:blipFill>
         <p:spPr>
           <a:xfrm>
-            <a:off x="4606670" y="861790"/>
+            <a:off x="4606671" y="861795"/>
             <a:ext cx="4356736" cy="4408479"/>
           </a:xfrm>
           <a:prstGeom prst="rect">
@@ -6133,8 +6137,8 @@
         </p:nvSpPr>
         <p:spPr>
           <a:xfrm>
-            <a:off x="300087" y="1447284"/>
-            <a:ext cx="3455049" cy="2569934"/>
+            <a:off x="321723" y="1102074"/>
+            <a:ext cx="4202652" cy="3631763"/>
           </a:xfrm>
           <a:prstGeom prst="rect">
             <a:avLst/>
@@ -6151,7 +6155,7 @@
                 <a:spcPct val="115000"/>
               </a:lnSpc>
               <a:tabLst>
-                <a:tab pos="183515" algn="l"/>
+                <a:tab pos="183506" algn="l"/>
               </a:tabLst>
             </a:pPr>
             <a:r>
@@ -6159,36 +6163,37 @@
                 <a:latin typeface="Times New Roman" panose="02020603050405020304" pitchFamily="18" charset="0"/>
                 <a:ea typeface="Times New Roman" panose="02020603050405020304" pitchFamily="18" charset="0"/>
               </a:rPr>
-              <a:t>Это жадный алгоритм, который всегда выбирает локально оптимальный путь, но не гарантирует глобального оптимума.</a:t>
-            </a:r>
-          </a:p>
-          <a:p>
-            <a:pPr lvl="0">
+              <a:t>Алгоритм </a:t>
+            </a:r>
+            <a:r>
+              <a:rPr lang="ru-RU" sz="2000" dirty="0">
+                <a:latin typeface="Times New Roman" panose="02020603050405020304" pitchFamily="18" charset="0"/>
+                <a:ea typeface="Times New Roman" panose="02020603050405020304" pitchFamily="18" charset="0"/>
+              </a:rPr>
+              <a:t>ближайшего соседа выбирает ближайшую к текущей точку и перемещается к ней, повторяя процесс, пока не посетит все точки. Это жадный алгоритм, который всегда выбирает локально оптимальный путь, но не гарантирует глобального оптимума.</a:t>
+            </a:r>
+          </a:p>
+          <a:p>
+            <a:pPr>
               <a:lnSpc>
                 <a:spcPct val="115000"/>
               </a:lnSpc>
-              <a:spcAft>
-                <a:spcPts val="0"/>
-              </a:spcAft>
               <a:tabLst>
-                <a:tab pos="183515" algn="l"/>
+                <a:tab pos="183506" algn="l"/>
               </a:tabLst>
             </a:pPr>
-            <a:endParaRPr lang="ru-RU" sz="2000" dirty="0" smtClean="0">
+            <a:endParaRPr lang="ru-RU" sz="2000" dirty="0">
               <a:latin typeface="Times New Roman" panose="02020603050405020304" pitchFamily="18" charset="0"/>
               <a:ea typeface="Times New Roman" panose="02020603050405020304" pitchFamily="18" charset="0"/>
             </a:endParaRPr>
           </a:p>
           <a:p>
-            <a:pPr lvl="0">
+            <a:pPr>
               <a:lnSpc>
                 <a:spcPct val="115000"/>
               </a:lnSpc>
-              <a:spcAft>
-                <a:spcPts val="0"/>
-              </a:spcAft>
               <a:tabLst>
-                <a:tab pos="183515" algn="l"/>
+                <a:tab pos="183506" algn="l"/>
               </a:tabLst>
             </a:pPr>
             <a:endParaRPr lang="ru-RU" sz="2000" dirty="0">
@@ -6208,8 +6213,8 @@
         </p:nvSpPr>
         <p:spPr bwMode="auto">
           <a:xfrm>
-            <a:off x="228339" y="4017218"/>
-            <a:ext cx="7905129" cy="2262158"/>
+            <a:off x="321723" y="4203085"/>
+            <a:ext cx="7905129" cy="2015936"/>
           </a:xfrm>
           <a:prstGeom prst="rect">
             <a:avLst/>
@@ -6257,31 +6262,16 @@
           </a:bodyPr>
           <a:lstStyle/>
           <a:p>
-            <a:pPr marL="0" marR="0" lvl="0" indent="0" algn="l" defTabSz="914400" rtl="0" eaLnBrk="0" fontAlgn="base" latinLnBrk="0" hangingPunct="0">
-              <a:lnSpc>
-                <a:spcPct val="100000"/>
-              </a:lnSpc>
+            <a:pPr defTabSz="914354" eaLnBrk="0" fontAlgn="base" hangingPunct="0">
               <a:spcBef>
                 <a:spcPct val="0"/>
               </a:spcBef>
               <a:spcAft>
                 <a:spcPct val="0"/>
               </a:spcAft>
-              <a:buClrTx/>
-              <a:buSzTx/>
-              <a:buFontTx/>
-              <a:buNone/>
-              <a:tabLst/>
             </a:pPr>
             <a:r>
-              <a:rPr kumimoji="0" lang="en-US" altLang="en-US" sz="1600" b="0" i="0" u="none" strike="noStrike" cap="none" normalizeH="0" baseline="0" dirty="0" err="1" smtClean="0">
-                <a:ln>
-                  <a:noFill/>
-                </a:ln>
-                <a:solidFill>
-                  <a:schemeClr val="tx1"/>
-                </a:solidFill>
-                <a:effectLst/>
+              <a:rPr lang="en-US" altLang="en-US" sz="1600" b="1" dirty="0" err="1">
                 <a:latin typeface="Courier New" panose="02070309020205020404" pitchFamily="49" charset="0"/>
                 <a:ea typeface="Times New Roman" panose="02020603050405020304" pitchFamily="18" charset="0"/>
                 <a:cs typeface="Courier New" panose="02070309020205020404" pitchFamily="49" charset="0"/>
@@ -6289,59 +6279,40 @@
               <a:t>NearestNeighbor</a:t>
             </a:r>
             <a:r>
-              <a:rPr kumimoji="0" lang="en-US" altLang="en-US" sz="1600" b="0" i="0" u="none" strike="noStrike" cap="none" normalizeH="0" baseline="0" dirty="0" smtClean="0">
-                <a:ln>
-                  <a:noFill/>
-                </a:ln>
-                <a:solidFill>
-                  <a:schemeClr val="tx1"/>
-                </a:solidFill>
-                <a:effectLst/>
+              <a:rPr lang="en-US" altLang="en-US" sz="1600" b="1" dirty="0">
                 <a:latin typeface="Courier New" panose="02070309020205020404" pitchFamily="49" charset="0"/>
                 <a:ea typeface="Times New Roman" panose="02020603050405020304" pitchFamily="18" charset="0"/>
                 <a:cs typeface="Courier New" panose="02070309020205020404" pitchFamily="49" charset="0"/>
               </a:rPr>
               <a:t>(start, points, goal)</a:t>
             </a:r>
-            <a:endParaRPr kumimoji="0" lang="ru-RU" altLang="en-US" sz="1600" b="0" i="0" u="none" strike="noStrike" cap="none" normalizeH="0" baseline="0" dirty="0" smtClean="0">
-              <a:ln>
-                <a:noFill/>
-              </a:ln>
-              <a:solidFill>
-                <a:schemeClr val="tx1"/>
-              </a:solidFill>
-              <a:effectLst/>
+            <a:endParaRPr lang="ru-RU" altLang="en-US" sz="1600" b="1" dirty="0">
               <a:latin typeface="Courier New" panose="02070309020205020404" pitchFamily="49" charset="0"/>
               <a:ea typeface="Times New Roman" panose="02020603050405020304" pitchFamily="18" charset="0"/>
               <a:cs typeface="Courier New" panose="02070309020205020404" pitchFamily="49" charset="0"/>
             </a:endParaRPr>
           </a:p>
           <a:p>
-            <a:pPr marL="228600" marR="0" lvl="0" indent="-228600" algn="l" defTabSz="914400" rtl="0" eaLnBrk="0" fontAlgn="base" latinLnBrk="0" hangingPunct="0">
-              <a:lnSpc>
-                <a:spcPct val="100000"/>
-              </a:lnSpc>
+            <a:pPr marL="228589" indent="-228589" defTabSz="914354" eaLnBrk="0" fontAlgn="base" hangingPunct="0">
               <a:spcBef>
                 <a:spcPct val="0"/>
               </a:spcBef>
               <a:spcAft>
                 <a:spcPct val="0"/>
               </a:spcAft>
-              <a:buClrTx/>
-              <a:buSzTx/>
               <a:buFontTx/>
               <a:buAutoNum type="arabicPlain"/>
-              <a:tabLst/>
             </a:pPr>
             <a:r>
-              <a:rPr kumimoji="0" lang="en-US" altLang="en-US" sz="1600" b="0" i="0" u="none" strike="noStrike" cap="none" normalizeH="0" baseline="0" dirty="0" err="1" smtClean="0">
-                <a:ln>
-                  <a:noFill/>
-                </a:ln>
-                <a:solidFill>
-                  <a:schemeClr val="tx1"/>
-                </a:solidFill>
-                <a:effectLst/>
+              <a:rPr lang="ru-RU" altLang="en-US" sz="1600" dirty="0">
+                <a:latin typeface="Courier New" panose="02070309020205020404" pitchFamily="49" charset="0"/>
+                <a:ea typeface="Times New Roman" panose="02020603050405020304" pitchFamily="18" charset="0"/>
+                <a:cs typeface="Courier New" panose="02070309020205020404" pitchFamily="49" charset="0"/>
+              </a:rPr>
+              <a:t> </a:t>
+            </a:r>
+            <a:r>
+              <a:rPr lang="en-US" altLang="en-US" sz="1600" dirty="0" err="1">
                 <a:latin typeface="Courier New" panose="02070309020205020404" pitchFamily="49" charset="0"/>
                 <a:ea typeface="Times New Roman" panose="02020603050405020304" pitchFamily="18" charset="0"/>
                 <a:cs typeface="Courier New" panose="02070309020205020404" pitchFamily="49" charset="0"/>
@@ -6349,74 +6320,40 @@
               <a:t>маршрут</a:t>
             </a:r>
             <a:r>
-              <a:rPr kumimoji="0" lang="en-US" altLang="en-US" sz="1600" b="0" i="0" u="none" strike="noStrike" cap="none" normalizeH="0" baseline="0" dirty="0" smtClean="0">
-                <a:ln>
-                  <a:noFill/>
-                </a:ln>
-                <a:solidFill>
-                  <a:schemeClr val="tx1"/>
-                </a:solidFill>
-                <a:effectLst/>
+              <a:rPr lang="en-US" altLang="en-US" sz="1600" dirty="0">
                 <a:latin typeface="Courier New" panose="02070309020205020404" pitchFamily="49" charset="0"/>
                 <a:ea typeface="Times New Roman" panose="02020603050405020304" pitchFamily="18" charset="0"/>
                 <a:cs typeface="Courier New" panose="02070309020205020404" pitchFamily="49" charset="0"/>
               </a:rPr>
               <a:t> ← [start]</a:t>
             </a:r>
-            <a:endParaRPr kumimoji="0" lang="ru-RU" altLang="en-US" sz="1600" b="0" i="0" u="none" strike="noStrike" cap="none" normalizeH="0" baseline="0" dirty="0" smtClean="0">
-              <a:ln>
-                <a:noFill/>
-              </a:ln>
-              <a:solidFill>
-                <a:schemeClr val="tx1"/>
-              </a:solidFill>
-              <a:effectLst/>
+            <a:endParaRPr lang="ru-RU" altLang="en-US" sz="1600" dirty="0">
               <a:latin typeface="Courier New" panose="02070309020205020404" pitchFamily="49" charset="0"/>
               <a:ea typeface="Times New Roman" panose="02020603050405020304" pitchFamily="18" charset="0"/>
               <a:cs typeface="Courier New" panose="02070309020205020404" pitchFamily="49" charset="0"/>
             </a:endParaRPr>
           </a:p>
           <a:p>
-            <a:pPr marL="228600" marR="0" lvl="0" indent="-228600" algn="l" defTabSz="914400" rtl="0" eaLnBrk="0" fontAlgn="base" latinLnBrk="0" hangingPunct="0">
-              <a:lnSpc>
-                <a:spcPct val="100000"/>
-              </a:lnSpc>
+            <a:pPr marL="228589" indent="-228589" defTabSz="914354" eaLnBrk="0" fontAlgn="base" hangingPunct="0">
               <a:spcBef>
                 <a:spcPct val="0"/>
               </a:spcBef>
               <a:spcAft>
                 <a:spcPct val="0"/>
               </a:spcAft>
-              <a:buClrTx/>
-              <a:buSzTx/>
               <a:buFontTx/>
               <a:buAutoNum type="arabicPlain"/>
-              <a:tabLst/>
             </a:pPr>
             <a:r>
-              <a:rPr kumimoji="0" lang="en-US" altLang="en-US" sz="1600" b="0" i="0" u="none" strike="noStrike" cap="none" normalizeH="0" baseline="0" dirty="0" smtClean="0">
-                <a:ln>
-                  <a:noFill/>
-                </a:ln>
-                <a:solidFill>
-                  <a:schemeClr val="tx1"/>
-                </a:solidFill>
-                <a:effectLst/>
-                <a:latin typeface="Courier New" panose="02070309020205020404" pitchFamily="49" charset="0"/>
-                <a:ea typeface="Times New Roman" panose="02020603050405020304" pitchFamily="18" charset="0"/>
-                <a:cs typeface="Courier New" panose="02070309020205020404" pitchFamily="49" charset="0"/>
-              </a:rPr>
-              <a:t>    </a:t>
-            </a:r>
-            <a:r>
-              <a:rPr kumimoji="0" lang="en-US" altLang="en-US" sz="1600" b="1" i="0" u="none" strike="noStrike" cap="none" normalizeH="0" baseline="0" dirty="0" err="1" smtClean="0">
-                <a:ln>
-                  <a:noFill/>
-                </a:ln>
-                <a:solidFill>
-                  <a:schemeClr val="tx1"/>
-                </a:solidFill>
-                <a:effectLst/>
+              <a:rPr lang="en-US" altLang="en-US" sz="1600" dirty="0">
+                <a:latin typeface="Courier New" panose="02070309020205020404" pitchFamily="49" charset="0"/>
+                <a:ea typeface="Times New Roman" panose="02020603050405020304" pitchFamily="18" charset="0"/>
+                <a:cs typeface="Courier New" panose="02070309020205020404" pitchFamily="49" charset="0"/>
+              </a:rPr>
+              <a:t> </a:t>
+            </a:r>
+            <a:r>
+              <a:rPr lang="en-US" altLang="en-US" sz="1600" b="1" dirty="0" err="1">
                 <a:latin typeface="Courier New" panose="02070309020205020404" pitchFamily="49" charset="0"/>
                 <a:ea typeface="Times New Roman" panose="02020603050405020304" pitchFamily="18" charset="0"/>
                 <a:cs typeface="Courier New" panose="02070309020205020404" pitchFamily="49" charset="0"/>
@@ -6424,14 +6361,7 @@
               <a:t>пока</a:t>
             </a:r>
             <a:r>
-              <a:rPr kumimoji="0" lang="en-US" altLang="en-US" sz="1600" b="0" i="0" u="none" strike="noStrike" cap="none" normalizeH="0" baseline="0" dirty="0" smtClean="0">
-                <a:ln>
-                  <a:noFill/>
-                </a:ln>
-                <a:solidFill>
-                  <a:schemeClr val="tx1"/>
-                </a:solidFill>
-                <a:effectLst/>
+              <a:rPr lang="en-US" altLang="en-US" sz="1600" dirty="0">
                 <a:latin typeface="Courier New" panose="02070309020205020404" pitchFamily="49" charset="0"/>
                 <a:ea typeface="Times New Roman" panose="02020603050405020304" pitchFamily="18" charset="0"/>
                 <a:cs typeface="Courier New" panose="02070309020205020404" pitchFamily="49" charset="0"/>
@@ -6439,14 +6369,7 @@
               <a:t> points </a:t>
             </a:r>
             <a:r>
-              <a:rPr kumimoji="0" lang="en-US" altLang="en-US" sz="1600" b="0" i="0" u="none" strike="noStrike" cap="none" normalizeH="0" baseline="0" dirty="0" err="1" smtClean="0">
-                <a:ln>
-                  <a:noFill/>
-                </a:ln>
-                <a:solidFill>
-                  <a:schemeClr val="tx1"/>
-                </a:solidFill>
-                <a:effectLst/>
+              <a:rPr lang="en-US" altLang="en-US" sz="1600" dirty="0" err="1">
                 <a:latin typeface="Courier New" panose="02070309020205020404" pitchFamily="49" charset="0"/>
                 <a:ea typeface="Times New Roman" panose="02020603050405020304" pitchFamily="18" charset="0"/>
                 <a:cs typeface="Courier New" panose="02070309020205020404" pitchFamily="49" charset="0"/>
@@ -6454,14 +6377,7 @@
               <a:t>не</a:t>
             </a:r>
             <a:r>
-              <a:rPr kumimoji="0" lang="en-US" altLang="en-US" sz="1600" b="0" i="0" u="none" strike="noStrike" cap="none" normalizeH="0" baseline="0" dirty="0" smtClean="0">
-                <a:ln>
-                  <a:noFill/>
-                </a:ln>
-                <a:solidFill>
-                  <a:schemeClr val="tx1"/>
-                </a:solidFill>
-                <a:effectLst/>
+              <a:rPr lang="en-US" altLang="en-US" sz="1600" dirty="0">
                 <a:latin typeface="Courier New" panose="02070309020205020404" pitchFamily="49" charset="0"/>
                 <a:ea typeface="Times New Roman" panose="02020603050405020304" pitchFamily="18" charset="0"/>
                 <a:cs typeface="Courier New" panose="02070309020205020404" pitchFamily="49" charset="0"/>
@@ -6469,74 +6385,40 @@
               <a:t> </a:t>
             </a:r>
             <a:r>
-              <a:rPr kumimoji="0" lang="en-US" altLang="en-US" sz="1600" b="0" i="0" u="none" strike="noStrike" cap="none" normalizeH="0" baseline="0" dirty="0" err="1" smtClean="0">
-                <a:ln>
-                  <a:noFill/>
-                </a:ln>
-                <a:solidFill>
-                  <a:schemeClr val="tx1"/>
-                </a:solidFill>
-                <a:effectLst/>
+              <a:rPr lang="en-US" altLang="en-US" sz="1600" dirty="0" err="1">
                 <a:latin typeface="Courier New" panose="02070309020205020404" pitchFamily="49" charset="0"/>
                 <a:ea typeface="Times New Roman" panose="02020603050405020304" pitchFamily="18" charset="0"/>
                 <a:cs typeface="Courier New" panose="02070309020205020404" pitchFamily="49" charset="0"/>
               </a:rPr>
               <a:t>пусто</a:t>
             </a:r>
-            <a:endParaRPr kumimoji="0" lang="ru-RU" altLang="en-US" sz="1600" b="0" i="0" u="none" strike="noStrike" cap="none" normalizeH="0" baseline="0" dirty="0" smtClean="0">
-              <a:ln>
-                <a:noFill/>
-              </a:ln>
-              <a:solidFill>
-                <a:schemeClr val="tx1"/>
-              </a:solidFill>
-              <a:effectLst/>
+            <a:endParaRPr lang="ru-RU" altLang="en-US" sz="1600" dirty="0">
               <a:latin typeface="Courier New" panose="02070309020205020404" pitchFamily="49" charset="0"/>
               <a:ea typeface="Times New Roman" panose="02020603050405020304" pitchFamily="18" charset="0"/>
               <a:cs typeface="Courier New" panose="02070309020205020404" pitchFamily="49" charset="0"/>
             </a:endParaRPr>
           </a:p>
           <a:p>
-            <a:pPr marL="228600" marR="0" lvl="0" indent="-228600" algn="l" defTabSz="914400" rtl="0" eaLnBrk="0" fontAlgn="base" latinLnBrk="0" hangingPunct="0">
-              <a:lnSpc>
-                <a:spcPct val="100000"/>
-              </a:lnSpc>
+            <a:pPr marL="228589" indent="-228589" defTabSz="914354" eaLnBrk="0" fontAlgn="base" hangingPunct="0">
               <a:spcBef>
                 <a:spcPct val="0"/>
               </a:spcBef>
               <a:spcAft>
                 <a:spcPct val="0"/>
               </a:spcAft>
-              <a:buClrTx/>
-              <a:buSzTx/>
               <a:buFontTx/>
               <a:buAutoNum type="arabicPlain"/>
-              <a:tabLst/>
             </a:pPr>
             <a:r>
-              <a:rPr kumimoji="0" lang="en-US" altLang="en-US" sz="1600" b="0" i="0" u="none" strike="noStrike" cap="none" normalizeH="0" baseline="0" dirty="0" smtClean="0">
-                <a:ln>
-                  <a:noFill/>
-                </a:ln>
-                <a:solidFill>
-                  <a:schemeClr val="tx1"/>
-                </a:solidFill>
-                <a:effectLst/>
-                <a:latin typeface="Courier New" panose="02070309020205020404" pitchFamily="49" charset="0"/>
-                <a:ea typeface="Times New Roman" panose="02020603050405020304" pitchFamily="18" charset="0"/>
-                <a:cs typeface="Courier New" panose="02070309020205020404" pitchFamily="49" charset="0"/>
-              </a:rPr>
-              <a:t>        </a:t>
-            </a:r>
-            <a:r>
-              <a:rPr kumimoji="0" lang="en-US" altLang="en-US" sz="1600" b="0" i="0" u="none" strike="noStrike" cap="none" normalizeH="0" baseline="0" dirty="0" err="1" smtClean="0">
-                <a:ln>
-                  <a:noFill/>
-                </a:ln>
-                <a:solidFill>
-                  <a:schemeClr val="tx1"/>
-                </a:solidFill>
-                <a:effectLst/>
+              <a:rPr lang="en-US" altLang="en-US" sz="1600" dirty="0">
+                <a:latin typeface="Courier New" panose="02070309020205020404" pitchFamily="49" charset="0"/>
+                <a:ea typeface="Times New Roman" panose="02020603050405020304" pitchFamily="18" charset="0"/>
+                <a:cs typeface="Courier New" panose="02070309020205020404" pitchFamily="49" charset="0"/>
+              </a:rPr>
+              <a:t>    </a:t>
+            </a:r>
+            <a:r>
+              <a:rPr lang="en-US" altLang="en-US" sz="1600" dirty="0" err="1">
                 <a:latin typeface="Courier New" panose="02070309020205020404" pitchFamily="49" charset="0"/>
                 <a:ea typeface="Times New Roman" panose="02020603050405020304" pitchFamily="18" charset="0"/>
                 <a:cs typeface="Courier New" panose="02070309020205020404" pitchFamily="49" charset="0"/>
@@ -6544,14 +6426,7 @@
               <a:t>ближайшая_точка</a:t>
             </a:r>
             <a:r>
-              <a:rPr kumimoji="0" lang="en-US" altLang="en-US" sz="1600" b="0" i="0" u="none" strike="noStrike" cap="none" normalizeH="0" baseline="0" dirty="0" smtClean="0">
-                <a:ln>
-                  <a:noFill/>
-                </a:ln>
-                <a:solidFill>
-                  <a:schemeClr val="tx1"/>
-                </a:solidFill>
-                <a:effectLst/>
+              <a:rPr lang="en-US" altLang="en-US" sz="1600" dirty="0">
                 <a:latin typeface="Courier New" panose="02070309020205020404" pitchFamily="49" charset="0"/>
                 <a:ea typeface="Times New Roman" panose="02020603050405020304" pitchFamily="18" charset="0"/>
                 <a:cs typeface="Courier New" panose="02070309020205020404" pitchFamily="49" charset="0"/>
@@ -6559,14 +6434,7 @@
               <a:t> ← min(points, </a:t>
             </a:r>
             <a:r>
-              <a:rPr kumimoji="0" lang="en-US" altLang="en-US" sz="1600" b="0" i="0" u="none" strike="noStrike" cap="none" normalizeH="0" baseline="0" dirty="0" err="1" smtClean="0">
-                <a:ln>
-                  <a:noFill/>
-                </a:ln>
-                <a:solidFill>
-                  <a:schemeClr val="tx1"/>
-                </a:solidFill>
-                <a:effectLst/>
+              <a:rPr lang="en-US" altLang="en-US" sz="1600" dirty="0" err="1">
                 <a:latin typeface="Courier New" panose="02070309020205020404" pitchFamily="49" charset="0"/>
                 <a:ea typeface="Times New Roman" panose="02020603050405020304" pitchFamily="18" charset="0"/>
                 <a:cs typeface="Courier New" panose="02070309020205020404" pitchFamily="49" charset="0"/>
@@ -6574,14 +6442,7 @@
               <a:t>по</a:t>
             </a:r>
             <a:r>
-              <a:rPr kumimoji="0" lang="en-US" altLang="en-US" sz="1600" b="0" i="0" u="none" strike="noStrike" cap="none" normalizeH="0" baseline="0" dirty="0" smtClean="0">
-                <a:ln>
-                  <a:noFill/>
-                </a:ln>
-                <a:solidFill>
-                  <a:schemeClr val="tx1"/>
-                </a:solidFill>
-                <a:effectLst/>
+              <a:rPr lang="en-US" altLang="en-US" sz="1600" dirty="0">
                 <a:latin typeface="Courier New" panose="02070309020205020404" pitchFamily="49" charset="0"/>
                 <a:ea typeface="Times New Roman" panose="02020603050405020304" pitchFamily="18" charset="0"/>
                 <a:cs typeface="Courier New" panose="02070309020205020404" pitchFamily="49" charset="0"/>
@@ -6589,14 +6450,7 @@
               <a:t> </a:t>
             </a:r>
             <a:r>
-              <a:rPr kumimoji="0" lang="en-US" altLang="en-US" sz="1600" b="0" i="0" u="none" strike="noStrike" cap="none" normalizeH="0" baseline="0" dirty="0" err="1" smtClean="0">
-                <a:ln>
-                  <a:noFill/>
-                </a:ln>
-                <a:solidFill>
-                  <a:schemeClr val="tx1"/>
-                </a:solidFill>
-                <a:effectLst/>
+              <a:rPr lang="en-US" altLang="en-US" sz="1600" dirty="0" err="1">
                 <a:latin typeface="Courier New" panose="02070309020205020404" pitchFamily="49" charset="0"/>
                 <a:ea typeface="Times New Roman" panose="02020603050405020304" pitchFamily="18" charset="0"/>
                 <a:cs typeface="Courier New" panose="02070309020205020404" pitchFamily="49" charset="0"/>
@@ -6604,14 +6458,7 @@
               <a:t>расстоянию</a:t>
             </a:r>
             <a:r>
-              <a:rPr kumimoji="0" lang="en-US" altLang="en-US" sz="1600" b="0" i="0" u="none" strike="noStrike" cap="none" normalizeH="0" baseline="0" dirty="0" smtClean="0">
-                <a:ln>
-                  <a:noFill/>
-                </a:ln>
-                <a:solidFill>
-                  <a:schemeClr val="tx1"/>
-                </a:solidFill>
-                <a:effectLst/>
+              <a:rPr lang="en-US" altLang="en-US" sz="1600" dirty="0">
                 <a:latin typeface="Courier New" panose="02070309020205020404" pitchFamily="49" charset="0"/>
                 <a:ea typeface="Times New Roman" panose="02020603050405020304" pitchFamily="18" charset="0"/>
                 <a:cs typeface="Courier New" panose="02070309020205020404" pitchFamily="49" charset="0"/>
@@ -6619,14 +6466,7 @@
               <a:t> </a:t>
             </a:r>
             <a:r>
-              <a:rPr kumimoji="0" lang="en-US" altLang="en-US" sz="1600" b="0" i="0" u="none" strike="noStrike" cap="none" normalizeH="0" baseline="0" dirty="0" err="1" smtClean="0">
-                <a:ln>
-                  <a:noFill/>
-                </a:ln>
-                <a:solidFill>
-                  <a:schemeClr val="tx1"/>
-                </a:solidFill>
-                <a:effectLst/>
+              <a:rPr lang="en-US" altLang="en-US" sz="1600" dirty="0" err="1">
                 <a:latin typeface="Courier New" panose="02070309020205020404" pitchFamily="49" charset="0"/>
                 <a:ea typeface="Times New Roman" panose="02020603050405020304" pitchFamily="18" charset="0"/>
                 <a:cs typeface="Courier New" panose="02070309020205020404" pitchFamily="49" charset="0"/>
@@ -6634,14 +6474,7 @@
               <a:t>до</a:t>
             </a:r>
             <a:r>
-              <a:rPr kumimoji="0" lang="en-US" altLang="en-US" sz="1600" b="0" i="0" u="none" strike="noStrike" cap="none" normalizeH="0" baseline="0" dirty="0" smtClean="0">
-                <a:ln>
-                  <a:noFill/>
-                </a:ln>
-                <a:solidFill>
-                  <a:schemeClr val="tx1"/>
-                </a:solidFill>
-                <a:effectLst/>
+              <a:rPr lang="en-US" altLang="en-US" sz="1600" dirty="0">
                 <a:latin typeface="Courier New" panose="02070309020205020404" pitchFamily="49" charset="0"/>
                 <a:ea typeface="Times New Roman" panose="02020603050405020304" pitchFamily="18" charset="0"/>
                 <a:cs typeface="Courier New" panose="02070309020205020404" pitchFamily="49" charset="0"/>
@@ -6649,14 +6482,7 @@
               <a:t> </a:t>
             </a:r>
             <a:r>
-              <a:rPr kumimoji="0" lang="en-US" altLang="en-US" sz="1600" b="0" i="0" u="none" strike="noStrike" cap="none" normalizeH="0" baseline="0" dirty="0" err="1" smtClean="0">
-                <a:ln>
-                  <a:noFill/>
-                </a:ln>
-                <a:solidFill>
-                  <a:schemeClr val="tx1"/>
-                </a:solidFill>
-                <a:effectLst/>
+              <a:rPr lang="en-US" altLang="en-US" sz="1600" dirty="0" err="1">
                 <a:latin typeface="Courier New" panose="02070309020205020404" pitchFamily="49" charset="0"/>
                 <a:ea typeface="Times New Roman" panose="02020603050405020304" pitchFamily="18" charset="0"/>
                 <a:cs typeface="Courier New" panose="02070309020205020404" pitchFamily="49" charset="0"/>
@@ -6664,74 +6490,40 @@
               <a:t>текущей</a:t>
             </a:r>
             <a:r>
-              <a:rPr kumimoji="0" lang="en-US" altLang="en-US" sz="1600" b="0" i="0" u="none" strike="noStrike" cap="none" normalizeH="0" baseline="0" dirty="0" smtClean="0">
-                <a:ln>
-                  <a:noFill/>
-                </a:ln>
-                <a:solidFill>
-                  <a:schemeClr val="tx1"/>
-                </a:solidFill>
-                <a:effectLst/>
+              <a:rPr lang="en-US" altLang="en-US" sz="1600" dirty="0">
                 <a:latin typeface="Courier New" panose="02070309020205020404" pitchFamily="49" charset="0"/>
                 <a:ea typeface="Times New Roman" panose="02020603050405020304" pitchFamily="18" charset="0"/>
                 <a:cs typeface="Courier New" panose="02070309020205020404" pitchFamily="49" charset="0"/>
               </a:rPr>
               <a:t>)</a:t>
             </a:r>
-            <a:endParaRPr kumimoji="0" lang="ru-RU" altLang="en-US" sz="1600" b="0" i="0" u="none" strike="noStrike" cap="none" normalizeH="0" baseline="0" dirty="0" smtClean="0">
-              <a:ln>
-                <a:noFill/>
-              </a:ln>
-              <a:solidFill>
-                <a:schemeClr val="tx1"/>
-              </a:solidFill>
-              <a:effectLst/>
+            <a:endParaRPr lang="ru-RU" altLang="en-US" sz="1600" dirty="0">
               <a:latin typeface="Courier New" panose="02070309020205020404" pitchFamily="49" charset="0"/>
               <a:ea typeface="Times New Roman" panose="02020603050405020304" pitchFamily="18" charset="0"/>
               <a:cs typeface="Courier New" panose="02070309020205020404" pitchFamily="49" charset="0"/>
             </a:endParaRPr>
           </a:p>
           <a:p>
-            <a:pPr marL="228600" marR="0" lvl="0" indent="-228600" algn="l" defTabSz="914400" rtl="0" eaLnBrk="0" fontAlgn="base" latinLnBrk="0" hangingPunct="0">
-              <a:lnSpc>
-                <a:spcPct val="100000"/>
-              </a:lnSpc>
+            <a:pPr marL="228589" indent="-228589" defTabSz="914354" eaLnBrk="0" fontAlgn="base" hangingPunct="0">
               <a:spcBef>
                 <a:spcPct val="0"/>
               </a:spcBef>
               <a:spcAft>
                 <a:spcPct val="0"/>
               </a:spcAft>
-              <a:buClrTx/>
-              <a:buSzTx/>
               <a:buFontTx/>
               <a:buAutoNum type="arabicPlain"/>
-              <a:tabLst/>
             </a:pPr>
             <a:r>
-              <a:rPr kumimoji="0" lang="en-US" altLang="en-US" sz="1600" b="0" i="0" u="none" strike="noStrike" cap="none" normalizeH="0" baseline="0" dirty="0" smtClean="0">
-                <a:ln>
-                  <a:noFill/>
-                </a:ln>
-                <a:solidFill>
-                  <a:schemeClr val="tx1"/>
-                </a:solidFill>
-                <a:effectLst/>
-                <a:latin typeface="Courier New" panose="02070309020205020404" pitchFamily="49" charset="0"/>
-                <a:ea typeface="Times New Roman" panose="02020603050405020304" pitchFamily="18" charset="0"/>
-                <a:cs typeface="Courier New" panose="02070309020205020404" pitchFamily="49" charset="0"/>
-              </a:rPr>
-              <a:t>        </a:t>
-            </a:r>
-            <a:r>
-              <a:rPr kumimoji="0" lang="en-US" altLang="en-US" sz="1600" b="0" i="0" u="none" strike="noStrike" cap="none" normalizeH="0" baseline="0" dirty="0" err="1" smtClean="0">
-                <a:ln>
-                  <a:noFill/>
-                </a:ln>
-                <a:solidFill>
-                  <a:schemeClr val="tx1"/>
-                </a:solidFill>
-                <a:effectLst/>
+              <a:rPr lang="en-US" altLang="en-US" sz="1600" dirty="0">
+                <a:latin typeface="Courier New" panose="02070309020205020404" pitchFamily="49" charset="0"/>
+                <a:ea typeface="Times New Roman" panose="02020603050405020304" pitchFamily="18" charset="0"/>
+                <a:cs typeface="Courier New" panose="02070309020205020404" pitchFamily="49" charset="0"/>
+              </a:rPr>
+              <a:t>    </a:t>
+            </a:r>
+            <a:r>
+              <a:rPr lang="en-US" altLang="en-US" sz="1600" dirty="0" err="1">
                 <a:latin typeface="Courier New" panose="02070309020205020404" pitchFamily="49" charset="0"/>
                 <a:ea typeface="Times New Roman" panose="02020603050405020304" pitchFamily="18" charset="0"/>
                 <a:cs typeface="Courier New" panose="02070309020205020404" pitchFamily="49" charset="0"/>
@@ -6739,14 +6531,7 @@
               <a:t>добавить</a:t>
             </a:r>
             <a:r>
-              <a:rPr kumimoji="0" lang="en-US" altLang="en-US" sz="1600" b="0" i="0" u="none" strike="noStrike" cap="none" normalizeH="0" baseline="0" dirty="0" smtClean="0">
-                <a:ln>
-                  <a:noFill/>
-                </a:ln>
-                <a:solidFill>
-                  <a:schemeClr val="tx1"/>
-                </a:solidFill>
-                <a:effectLst/>
+              <a:rPr lang="en-US" altLang="en-US" sz="1600" dirty="0">
                 <a:latin typeface="Courier New" panose="02070309020205020404" pitchFamily="49" charset="0"/>
                 <a:ea typeface="Times New Roman" panose="02020603050405020304" pitchFamily="18" charset="0"/>
                 <a:cs typeface="Courier New" panose="02070309020205020404" pitchFamily="49" charset="0"/>
@@ -6754,14 +6539,7 @@
               <a:t> </a:t>
             </a:r>
             <a:r>
-              <a:rPr kumimoji="0" lang="en-US" altLang="en-US" sz="1600" b="0" i="0" u="none" strike="noStrike" cap="none" normalizeH="0" baseline="0" dirty="0" err="1" smtClean="0">
-                <a:ln>
-                  <a:noFill/>
-                </a:ln>
-                <a:solidFill>
-                  <a:schemeClr val="tx1"/>
-                </a:solidFill>
-                <a:effectLst/>
+              <a:rPr lang="en-US" altLang="en-US" sz="1600" dirty="0" err="1">
                 <a:latin typeface="Courier New" panose="02070309020205020404" pitchFamily="49" charset="0"/>
                 <a:ea typeface="Times New Roman" panose="02020603050405020304" pitchFamily="18" charset="0"/>
                 <a:cs typeface="Courier New" panose="02070309020205020404" pitchFamily="49" charset="0"/>
@@ -6769,14 +6547,7 @@
               <a:t>ближайшую_точку</a:t>
             </a:r>
             <a:r>
-              <a:rPr kumimoji="0" lang="en-US" altLang="en-US" sz="1600" b="0" i="0" u="none" strike="noStrike" cap="none" normalizeH="0" baseline="0" dirty="0" smtClean="0">
-                <a:ln>
-                  <a:noFill/>
-                </a:ln>
-                <a:solidFill>
-                  <a:schemeClr val="tx1"/>
-                </a:solidFill>
-                <a:effectLst/>
+              <a:rPr lang="en-US" altLang="en-US" sz="1600" dirty="0">
                 <a:latin typeface="Courier New" panose="02070309020205020404" pitchFamily="49" charset="0"/>
                 <a:ea typeface="Times New Roman" panose="02020603050405020304" pitchFamily="18" charset="0"/>
                 <a:cs typeface="Courier New" panose="02070309020205020404" pitchFamily="49" charset="0"/>
@@ -6784,74 +6555,40 @@
               <a:t> в </a:t>
             </a:r>
             <a:r>
-              <a:rPr kumimoji="0" lang="en-US" altLang="en-US" sz="1600" b="0" i="0" u="none" strike="noStrike" cap="none" normalizeH="0" baseline="0" dirty="0" err="1" smtClean="0">
-                <a:ln>
-                  <a:noFill/>
-                </a:ln>
-                <a:solidFill>
-                  <a:schemeClr val="tx1"/>
-                </a:solidFill>
-                <a:effectLst/>
+              <a:rPr lang="en-US" altLang="en-US" sz="1600" dirty="0" err="1">
                 <a:latin typeface="Courier New" panose="02070309020205020404" pitchFamily="49" charset="0"/>
                 <a:ea typeface="Times New Roman" panose="02020603050405020304" pitchFamily="18" charset="0"/>
                 <a:cs typeface="Courier New" panose="02070309020205020404" pitchFamily="49" charset="0"/>
               </a:rPr>
               <a:t>маршрут</a:t>
             </a:r>
-            <a:endParaRPr kumimoji="0" lang="ru-RU" altLang="en-US" sz="1600" b="0" i="0" u="none" strike="noStrike" cap="none" normalizeH="0" baseline="0" dirty="0" smtClean="0">
-              <a:ln>
-                <a:noFill/>
-              </a:ln>
-              <a:solidFill>
-                <a:schemeClr val="tx1"/>
-              </a:solidFill>
-              <a:effectLst/>
+            <a:endParaRPr lang="ru-RU" altLang="en-US" sz="1600" dirty="0">
               <a:latin typeface="Courier New" panose="02070309020205020404" pitchFamily="49" charset="0"/>
               <a:ea typeface="Times New Roman" panose="02020603050405020304" pitchFamily="18" charset="0"/>
               <a:cs typeface="Courier New" panose="02070309020205020404" pitchFamily="49" charset="0"/>
             </a:endParaRPr>
           </a:p>
           <a:p>
-            <a:pPr marL="228600" marR="0" lvl="0" indent="-228600" algn="l" defTabSz="914400" rtl="0" eaLnBrk="0" fontAlgn="base" latinLnBrk="0" hangingPunct="0">
-              <a:lnSpc>
-                <a:spcPct val="100000"/>
-              </a:lnSpc>
+            <a:pPr marL="228589" indent="-228589" defTabSz="914354" eaLnBrk="0" fontAlgn="base" hangingPunct="0">
               <a:spcBef>
                 <a:spcPct val="0"/>
               </a:spcBef>
               <a:spcAft>
                 <a:spcPct val="0"/>
               </a:spcAft>
-              <a:buClrTx/>
-              <a:buSzTx/>
               <a:buFontTx/>
               <a:buAutoNum type="arabicPlain"/>
-              <a:tabLst/>
             </a:pPr>
             <a:r>
-              <a:rPr kumimoji="0" lang="en-US" altLang="en-US" sz="1600" b="0" i="0" u="none" strike="noStrike" cap="none" normalizeH="0" baseline="0" dirty="0" smtClean="0">
-                <a:ln>
-                  <a:noFill/>
-                </a:ln>
-                <a:solidFill>
-                  <a:schemeClr val="tx1"/>
-                </a:solidFill>
-                <a:effectLst/>
-                <a:latin typeface="Courier New" panose="02070309020205020404" pitchFamily="49" charset="0"/>
-                <a:ea typeface="Times New Roman" panose="02020603050405020304" pitchFamily="18" charset="0"/>
-                <a:cs typeface="Courier New" panose="02070309020205020404" pitchFamily="49" charset="0"/>
-              </a:rPr>
-              <a:t>        </a:t>
-            </a:r>
-            <a:r>
-              <a:rPr kumimoji="0" lang="en-US" altLang="en-US" sz="1600" b="0" i="0" u="none" strike="noStrike" cap="none" normalizeH="0" baseline="0" dirty="0" err="1" smtClean="0">
-                <a:ln>
-                  <a:noFill/>
-                </a:ln>
-                <a:solidFill>
-                  <a:schemeClr val="tx1"/>
-                </a:solidFill>
-                <a:effectLst/>
+              <a:rPr lang="en-US" altLang="en-US" sz="1600" dirty="0">
+                <a:latin typeface="Courier New" panose="02070309020205020404" pitchFamily="49" charset="0"/>
+                <a:ea typeface="Times New Roman" panose="02020603050405020304" pitchFamily="18" charset="0"/>
+                <a:cs typeface="Courier New" panose="02070309020205020404" pitchFamily="49" charset="0"/>
+              </a:rPr>
+              <a:t>    </a:t>
+            </a:r>
+            <a:r>
+              <a:rPr lang="en-US" altLang="en-US" sz="1600" dirty="0" err="1">
                 <a:latin typeface="Courier New" panose="02070309020205020404" pitchFamily="49" charset="0"/>
                 <a:ea typeface="Times New Roman" panose="02020603050405020304" pitchFamily="18" charset="0"/>
                 <a:cs typeface="Courier New" panose="02070309020205020404" pitchFamily="49" charset="0"/>
@@ -6859,14 +6596,7 @@
               <a:t>удалить</a:t>
             </a:r>
             <a:r>
-              <a:rPr kumimoji="0" lang="en-US" altLang="en-US" sz="1600" b="0" i="0" u="none" strike="noStrike" cap="none" normalizeH="0" baseline="0" dirty="0" smtClean="0">
-                <a:ln>
-                  <a:noFill/>
-                </a:ln>
-                <a:solidFill>
-                  <a:schemeClr val="tx1"/>
-                </a:solidFill>
-                <a:effectLst/>
+              <a:rPr lang="en-US" altLang="en-US" sz="1600" dirty="0">
                 <a:latin typeface="Courier New" panose="02070309020205020404" pitchFamily="49" charset="0"/>
                 <a:ea typeface="Times New Roman" panose="02020603050405020304" pitchFamily="18" charset="0"/>
                 <a:cs typeface="Courier New" panose="02070309020205020404" pitchFamily="49" charset="0"/>
@@ -6874,14 +6604,7 @@
               <a:t> </a:t>
             </a:r>
             <a:r>
-              <a:rPr kumimoji="0" lang="en-US" altLang="en-US" sz="1600" b="0" i="0" u="none" strike="noStrike" cap="none" normalizeH="0" baseline="0" dirty="0" err="1" smtClean="0">
-                <a:ln>
-                  <a:noFill/>
-                </a:ln>
-                <a:solidFill>
-                  <a:schemeClr val="tx1"/>
-                </a:solidFill>
-                <a:effectLst/>
+              <a:rPr lang="en-US" altLang="en-US" sz="1600" dirty="0" err="1">
                 <a:latin typeface="Courier New" panose="02070309020205020404" pitchFamily="49" charset="0"/>
                 <a:ea typeface="Times New Roman" panose="02020603050405020304" pitchFamily="18" charset="0"/>
                 <a:cs typeface="Courier New" panose="02070309020205020404" pitchFamily="49" charset="0"/>
@@ -6889,14 +6612,7 @@
               <a:t>ближайшую_точку</a:t>
             </a:r>
             <a:r>
-              <a:rPr kumimoji="0" lang="en-US" altLang="en-US" sz="1600" b="0" i="0" u="none" strike="noStrike" cap="none" normalizeH="0" baseline="0" dirty="0" smtClean="0">
-                <a:ln>
-                  <a:noFill/>
-                </a:ln>
-                <a:solidFill>
-                  <a:schemeClr val="tx1"/>
-                </a:solidFill>
-                <a:effectLst/>
+              <a:rPr lang="en-US" altLang="en-US" sz="1600" dirty="0">
                 <a:latin typeface="Courier New" panose="02070309020205020404" pitchFamily="49" charset="0"/>
                 <a:ea typeface="Times New Roman" panose="02020603050405020304" pitchFamily="18" charset="0"/>
                 <a:cs typeface="Courier New" panose="02070309020205020404" pitchFamily="49" charset="0"/>
@@ -6904,14 +6620,7 @@
               <a:t> </a:t>
             </a:r>
             <a:r>
-              <a:rPr kumimoji="0" lang="en-US" altLang="en-US" sz="1600" b="0" i="0" u="none" strike="noStrike" cap="none" normalizeH="0" baseline="0" dirty="0" err="1" smtClean="0">
-                <a:ln>
-                  <a:noFill/>
-                </a:ln>
-                <a:solidFill>
-                  <a:schemeClr val="tx1"/>
-                </a:solidFill>
-                <a:effectLst/>
+              <a:rPr lang="en-US" altLang="en-US" sz="1600" dirty="0" err="1">
                 <a:latin typeface="Courier New" panose="02070309020205020404" pitchFamily="49" charset="0"/>
                 <a:ea typeface="Times New Roman" panose="02020603050405020304" pitchFamily="18" charset="0"/>
                 <a:cs typeface="Courier New" panose="02070309020205020404" pitchFamily="49" charset="0"/>
@@ -6919,74 +6628,40 @@
               <a:t>из</a:t>
             </a:r>
             <a:r>
-              <a:rPr kumimoji="0" lang="en-US" altLang="en-US" sz="1600" b="0" i="0" u="none" strike="noStrike" cap="none" normalizeH="0" baseline="0" dirty="0" smtClean="0">
-                <a:ln>
-                  <a:noFill/>
-                </a:ln>
-                <a:solidFill>
-                  <a:schemeClr val="tx1"/>
-                </a:solidFill>
-                <a:effectLst/>
+              <a:rPr lang="en-US" altLang="en-US" sz="1600" dirty="0">
                 <a:latin typeface="Courier New" panose="02070309020205020404" pitchFamily="49" charset="0"/>
                 <a:ea typeface="Times New Roman" panose="02020603050405020304" pitchFamily="18" charset="0"/>
                 <a:cs typeface="Courier New" panose="02070309020205020404" pitchFamily="49" charset="0"/>
               </a:rPr>
               <a:t> points</a:t>
             </a:r>
-            <a:endParaRPr kumimoji="0" lang="ru-RU" altLang="en-US" sz="1600" b="0" i="0" u="none" strike="noStrike" cap="none" normalizeH="0" baseline="0" dirty="0" smtClean="0">
-              <a:ln>
-                <a:noFill/>
-              </a:ln>
-              <a:solidFill>
-                <a:schemeClr val="tx1"/>
-              </a:solidFill>
-              <a:effectLst/>
+            <a:endParaRPr lang="ru-RU" altLang="en-US" sz="1600" dirty="0">
               <a:latin typeface="Courier New" panose="02070309020205020404" pitchFamily="49" charset="0"/>
               <a:ea typeface="Times New Roman" panose="02020603050405020304" pitchFamily="18" charset="0"/>
               <a:cs typeface="Courier New" panose="02070309020205020404" pitchFamily="49" charset="0"/>
             </a:endParaRPr>
           </a:p>
           <a:p>
-            <a:pPr marL="228600" marR="0" lvl="0" indent="-228600" algn="l" defTabSz="914400" rtl="0" eaLnBrk="0" fontAlgn="base" latinLnBrk="0" hangingPunct="0">
-              <a:lnSpc>
-                <a:spcPct val="100000"/>
-              </a:lnSpc>
+            <a:pPr marL="228589" indent="-228589" defTabSz="914354" eaLnBrk="0" fontAlgn="base" hangingPunct="0">
               <a:spcBef>
                 <a:spcPct val="0"/>
               </a:spcBef>
               <a:spcAft>
                 <a:spcPct val="0"/>
               </a:spcAft>
-              <a:buClrTx/>
-              <a:buSzTx/>
               <a:buFontTx/>
               <a:buAutoNum type="arabicPlain"/>
-              <a:tabLst/>
             </a:pPr>
             <a:r>
-              <a:rPr kumimoji="0" lang="en-US" altLang="en-US" sz="1600" b="0" i="0" u="none" strike="noStrike" cap="none" normalizeH="0" baseline="0" dirty="0" smtClean="0">
-                <a:ln>
-                  <a:noFill/>
-                </a:ln>
-                <a:solidFill>
-                  <a:schemeClr val="tx1"/>
-                </a:solidFill>
-                <a:effectLst/>
-                <a:latin typeface="Courier New" panose="02070309020205020404" pitchFamily="49" charset="0"/>
-                <a:ea typeface="Times New Roman" panose="02020603050405020304" pitchFamily="18" charset="0"/>
-                <a:cs typeface="Courier New" panose="02070309020205020404" pitchFamily="49" charset="0"/>
-              </a:rPr>
-              <a:t>    </a:t>
-            </a:r>
-            <a:r>
-              <a:rPr kumimoji="0" lang="en-US" altLang="en-US" sz="1600" b="0" i="0" u="none" strike="noStrike" cap="none" normalizeH="0" baseline="0" dirty="0" err="1" smtClean="0">
-                <a:ln>
-                  <a:noFill/>
-                </a:ln>
-                <a:solidFill>
-                  <a:schemeClr val="tx1"/>
-                </a:solidFill>
-                <a:effectLst/>
+              <a:rPr lang="ru-RU" altLang="en-US" sz="1600" dirty="0">
+                <a:latin typeface="Courier New" panose="02070309020205020404" pitchFamily="49" charset="0"/>
+                <a:ea typeface="Times New Roman" panose="02020603050405020304" pitchFamily="18" charset="0"/>
+                <a:cs typeface="Courier New" panose="02070309020205020404" pitchFamily="49" charset="0"/>
+              </a:rPr>
+              <a:t> </a:t>
+            </a:r>
+            <a:r>
+              <a:rPr lang="en-US" altLang="en-US" sz="1600" dirty="0" err="1">
                 <a:latin typeface="Courier New" panose="02070309020205020404" pitchFamily="49" charset="0"/>
                 <a:ea typeface="Times New Roman" panose="02020603050405020304" pitchFamily="18" charset="0"/>
                 <a:cs typeface="Courier New" panose="02070309020205020404" pitchFamily="49" charset="0"/>
@@ -6994,14 +6669,7 @@
               <a:t>добавить</a:t>
             </a:r>
             <a:r>
-              <a:rPr kumimoji="0" lang="en-US" altLang="en-US" sz="1600" b="0" i="0" u="none" strike="noStrike" cap="none" normalizeH="0" baseline="0" dirty="0" smtClean="0">
-                <a:ln>
-                  <a:noFill/>
-                </a:ln>
-                <a:solidFill>
-                  <a:schemeClr val="tx1"/>
-                </a:solidFill>
-                <a:effectLst/>
+              <a:rPr lang="en-US" altLang="en-US" sz="1600" dirty="0">
                 <a:latin typeface="Courier New" panose="02070309020205020404" pitchFamily="49" charset="0"/>
                 <a:ea typeface="Times New Roman" panose="02020603050405020304" pitchFamily="18" charset="0"/>
                 <a:cs typeface="Courier New" panose="02070309020205020404" pitchFamily="49" charset="0"/>
@@ -7009,74 +6677,40 @@
               <a:t> goal в </a:t>
             </a:r>
             <a:r>
-              <a:rPr kumimoji="0" lang="en-US" altLang="en-US" sz="1600" b="0" i="0" u="none" strike="noStrike" cap="none" normalizeH="0" baseline="0" dirty="0" err="1" smtClean="0">
-                <a:ln>
-                  <a:noFill/>
-                </a:ln>
-                <a:solidFill>
-                  <a:schemeClr val="tx1"/>
-                </a:solidFill>
-                <a:effectLst/>
+              <a:rPr lang="en-US" altLang="en-US" sz="1600" dirty="0" err="1">
                 <a:latin typeface="Courier New" panose="02070309020205020404" pitchFamily="49" charset="0"/>
                 <a:ea typeface="Times New Roman" panose="02020603050405020304" pitchFamily="18" charset="0"/>
                 <a:cs typeface="Courier New" panose="02070309020205020404" pitchFamily="49" charset="0"/>
               </a:rPr>
               <a:t>маршрут</a:t>
             </a:r>
-            <a:endParaRPr kumimoji="0" lang="ru-RU" altLang="en-US" sz="1600" b="0" i="0" u="none" strike="noStrike" cap="none" normalizeH="0" baseline="0" dirty="0" smtClean="0">
-              <a:ln>
-                <a:noFill/>
-              </a:ln>
-              <a:solidFill>
-                <a:schemeClr val="tx1"/>
-              </a:solidFill>
-              <a:effectLst/>
+            <a:endParaRPr lang="ru-RU" altLang="en-US" sz="1600" dirty="0">
               <a:latin typeface="Courier New" panose="02070309020205020404" pitchFamily="49" charset="0"/>
               <a:ea typeface="Times New Roman" panose="02020603050405020304" pitchFamily="18" charset="0"/>
               <a:cs typeface="Courier New" panose="02070309020205020404" pitchFamily="49" charset="0"/>
             </a:endParaRPr>
           </a:p>
           <a:p>
-            <a:pPr marL="228600" marR="0" lvl="0" indent="-228600" algn="l" defTabSz="914400" rtl="0" eaLnBrk="0" fontAlgn="base" latinLnBrk="0" hangingPunct="0">
-              <a:lnSpc>
-                <a:spcPct val="100000"/>
-              </a:lnSpc>
+            <a:pPr marL="228589" indent="-228589" defTabSz="914354" eaLnBrk="0" fontAlgn="base" hangingPunct="0">
               <a:spcBef>
                 <a:spcPct val="0"/>
               </a:spcBef>
               <a:spcAft>
                 <a:spcPct val="0"/>
               </a:spcAft>
-              <a:buClrTx/>
-              <a:buSzTx/>
               <a:buFontTx/>
               <a:buAutoNum type="arabicPlain"/>
-              <a:tabLst/>
             </a:pPr>
             <a:r>
-              <a:rPr kumimoji="0" lang="en-US" altLang="en-US" sz="1600" b="0" i="0" u="none" strike="noStrike" cap="none" normalizeH="0" baseline="0" dirty="0" smtClean="0">
-                <a:ln>
-                  <a:noFill/>
-                </a:ln>
-                <a:solidFill>
-                  <a:schemeClr val="tx1"/>
-                </a:solidFill>
-                <a:effectLst/>
-                <a:latin typeface="Courier New" panose="02070309020205020404" pitchFamily="49" charset="0"/>
-                <a:ea typeface="Times New Roman" panose="02020603050405020304" pitchFamily="18" charset="0"/>
-                <a:cs typeface="Courier New" panose="02070309020205020404" pitchFamily="49" charset="0"/>
-              </a:rPr>
-              <a:t>    </a:t>
-            </a:r>
-            <a:r>
-              <a:rPr kumimoji="0" lang="en-US" altLang="en-US" sz="1600" b="1" i="0" u="none" strike="noStrike" cap="none" normalizeH="0" baseline="0" dirty="0" err="1" smtClean="0">
-                <a:ln>
-                  <a:noFill/>
-                </a:ln>
-                <a:solidFill>
-                  <a:schemeClr val="tx1"/>
-                </a:solidFill>
-                <a:effectLst/>
+              <a:rPr lang="ru-RU" altLang="en-US" sz="1600" dirty="0">
+                <a:latin typeface="Courier New" panose="02070309020205020404" pitchFamily="49" charset="0"/>
+                <a:ea typeface="Times New Roman" panose="02020603050405020304" pitchFamily="18" charset="0"/>
+                <a:cs typeface="Courier New" panose="02070309020205020404" pitchFamily="49" charset="0"/>
+              </a:rPr>
+              <a:t> </a:t>
+            </a:r>
+            <a:r>
+              <a:rPr lang="en-US" altLang="en-US" sz="1600" b="1" dirty="0" err="1">
                 <a:latin typeface="Courier New" panose="02070309020205020404" pitchFamily="49" charset="0"/>
                 <a:ea typeface="Times New Roman" panose="02020603050405020304" pitchFamily="18" charset="0"/>
                 <a:cs typeface="Courier New" panose="02070309020205020404" pitchFamily="49" charset="0"/>
@@ -7084,14 +6718,7 @@
               <a:t>вернуть</a:t>
             </a:r>
             <a:r>
-              <a:rPr kumimoji="0" lang="en-US" altLang="en-US" sz="1600" b="0" i="0" u="none" strike="noStrike" cap="none" normalizeH="0" baseline="0" dirty="0" smtClean="0">
-                <a:ln>
-                  <a:noFill/>
-                </a:ln>
-                <a:solidFill>
-                  <a:schemeClr val="tx1"/>
-                </a:solidFill>
-                <a:effectLst/>
+              <a:rPr lang="en-US" altLang="en-US" sz="1600" dirty="0">
                 <a:latin typeface="Courier New" panose="02070309020205020404" pitchFamily="49" charset="0"/>
                 <a:ea typeface="Times New Roman" panose="02020603050405020304" pitchFamily="18" charset="0"/>
                 <a:cs typeface="Courier New" panose="02070309020205020404" pitchFamily="49" charset="0"/>
@@ -7099,14 +6726,7 @@
               <a:t> </a:t>
             </a:r>
             <a:r>
-              <a:rPr kumimoji="0" lang="en-US" altLang="en-US" sz="1600" b="0" i="0" u="none" strike="noStrike" cap="none" normalizeH="0" baseline="0" dirty="0" err="1" smtClean="0">
-                <a:ln>
-                  <a:noFill/>
-                </a:ln>
-                <a:solidFill>
-                  <a:schemeClr val="tx1"/>
-                </a:solidFill>
-                <a:effectLst/>
+              <a:rPr lang="en-US" altLang="en-US" sz="1600" dirty="0" err="1">
                 <a:latin typeface="Courier New" panose="02070309020205020404" pitchFamily="49" charset="0"/>
                 <a:ea typeface="Times New Roman" panose="02020603050405020304" pitchFamily="18" charset="0"/>
                 <a:cs typeface="Courier New" panose="02070309020205020404" pitchFamily="49" charset="0"/>
@@ -7114,57 +6734,12 @@
               <a:t>маршрут</a:t>
             </a:r>
             <a:r>
-              <a:rPr kumimoji="0" lang="en-US" altLang="en-US" sz="800" b="0" i="0" u="none" strike="noStrike" cap="none" normalizeH="0" baseline="0" dirty="0" smtClean="0">
-                <a:ln>
-                  <a:noFill/>
-                </a:ln>
-                <a:solidFill>
-                  <a:schemeClr val="tx1"/>
-                </a:solidFill>
-                <a:effectLst/>
-              </a:rPr>
+              <a:rPr lang="en-US" altLang="en-US" sz="800" dirty="0"/>
               <a:t> </a:t>
             </a:r>
-            <a:endParaRPr kumimoji="0" lang="en-US" altLang="en-US" sz="2400" b="0" i="0" u="none" strike="noStrike" cap="none" normalizeH="0" baseline="0" dirty="0" smtClean="0">
-              <a:ln>
-                <a:noFill/>
-              </a:ln>
-              <a:solidFill>
-                <a:schemeClr val="tx1"/>
-              </a:solidFill>
-              <a:effectLst/>
+            <a:endParaRPr lang="en-US" altLang="en-US" sz="2400" dirty="0">
               <a:latin typeface="Arial" panose="020B0604020202020204" pitchFamily="34" charset="0"/>
             </a:endParaRPr>
-          </a:p>
-        </p:txBody>
-      </p:sp>
-      <p:sp>
-        <p:nvSpPr>
-          <p:cNvPr id="2" name="Заголовок 1"/>
-          <p:cNvSpPr>
-            <a:spLocks noGrp="1"/>
-          </p:cNvSpPr>
-          <p:nvPr>
-            <p:ph type="title"/>
-          </p:nvPr>
-        </p:nvSpPr>
-        <p:spPr>
-          <a:xfrm>
-            <a:off x="155985" y="450588"/>
-            <a:ext cx="7718367" cy="996696"/>
-          </a:xfrm>
-        </p:spPr>
-        <p:txBody>
-          <a:bodyPr>
-            <a:normAutofit/>
-          </a:bodyPr>
-          <a:lstStyle/>
-          <a:p>
-            <a:r>
-              <a:rPr lang="ru-RU" sz="3200" dirty="0" smtClean="0"/>
-              <a:t>Алгоритм ближайшего соседа</a:t>
-            </a:r>
-            <a:endParaRPr lang="en-US" sz="3200" dirty="0"/>
           </a:p>
         </p:txBody>
       </p:sp>
@@ -7243,8 +6818,8 @@
         </p:blipFill>
         <p:spPr bwMode="auto">
           <a:xfrm>
-            <a:off x="4562223" y="407824"/>
-            <a:ext cx="4401183" cy="2485003"/>
+            <a:off x="154396" y="1352648"/>
+            <a:ext cx="4577663" cy="2584647"/>
           </a:xfrm>
           <a:prstGeom prst="rect">
             <a:avLst/>
@@ -7259,56 +6834,6 @@
           </a:extLst>
         </p:spPr>
       </p:pic>
-      <p:pic>
-        <p:nvPicPr>
-          <p:cNvPr id="13" name="Рисунок 12"/>
-          <p:cNvPicPr>
-            <a:picLocks noChangeAspect="1"/>
-          </p:cNvPicPr>
-          <p:nvPr/>
-        </p:nvPicPr>
-        <p:blipFill>
-          <a:blip r:embed="rId3"/>
-          <a:stretch>
-            <a:fillRect/>
-          </a:stretch>
-        </p:blipFill>
-        <p:spPr>
-          <a:xfrm>
-            <a:off x="3962923" y="3036935"/>
-            <a:ext cx="5109153" cy="3065329"/>
-          </a:xfrm>
-          <a:prstGeom prst="rect">
-            <a:avLst/>
-          </a:prstGeom>
-        </p:spPr>
-      </p:pic>
-      <p:pic>
-        <p:nvPicPr>
-          <p:cNvPr id="15" name="Объект 14"/>
-          <p:cNvPicPr>
-            <a:picLocks noGrp="1" noChangeAspect="1"/>
-          </p:cNvPicPr>
-          <p:nvPr>
-            <p:ph idx="1"/>
-          </p:nvPr>
-        </p:nvPicPr>
-        <p:blipFill>
-          <a:blip r:embed="rId4"/>
-          <a:stretch>
-            <a:fillRect/>
-          </a:stretch>
-        </p:blipFill>
-        <p:spPr>
-          <a:xfrm>
-            <a:off x="315054" y="3262115"/>
-            <a:ext cx="3806032" cy="2614968"/>
-          </a:xfrm>
-          <a:prstGeom prst="rect">
-            <a:avLst/>
-          </a:prstGeom>
-        </p:spPr>
-      </p:pic>
       <p:sp>
         <p:nvSpPr>
           <p:cNvPr id="16" name="Заголовок 1"/>
@@ -7319,8 +6844,8 @@
         </p:nvSpPr>
         <p:spPr>
           <a:xfrm>
-            <a:off x="231926" y="533033"/>
-            <a:ext cx="5071594" cy="1909388"/>
+            <a:off x="625628" y="239227"/>
+            <a:ext cx="7356903" cy="1143016"/>
           </a:xfrm>
           <a:prstGeom prst="rect">
             <a:avLst/>
@@ -7341,7 +6866,7 @@
               <a:buNone/>
               <a:defRPr sz="4200" b="0" kern="1200" cap="all" baseline="0">
                 <a:blipFill>
-                  <a:blip r:embed="rId5">
+                  <a:blip r:embed="rId3">
                     <a:extLst>
                       <a:ext uri="{28A0092B-C50C-407E-A947-70E740481C1C}">
                         <a14:useLocalDpi xmlns:a14="http://schemas.microsoft.com/office/drawing/2010/main" val="0"/>
@@ -7358,16 +6883,9 @@
           </a:lstStyle>
           <a:p>
             <a:r>
-              <a:rPr lang="ru-RU" sz="3200" dirty="0" smtClean="0"/>
-              <a:t>Имитация отжига и </a:t>
-            </a:r>
-            <a:r>
               <a:rPr lang="ru-RU" sz="3200" dirty="0"/>
-              <a:t>Генетический алгоритм</a:t>
-            </a:r>
-            <a:endParaRPr lang="en-US" sz="3200" dirty="0"/>
-          </a:p>
-          <a:p>
+              <a:t>Алгоритм Имитации отжига</a:t>
+            </a:r>
             <a:endParaRPr lang="en-US" sz="3200" dirty="0"/>
           </a:p>
         </p:txBody>
@@ -7382,8 +6900,8 @@
         </p:nvSpPr>
         <p:spPr>
           <a:xfrm>
-            <a:off x="315054" y="1763427"/>
-            <a:ext cx="5071594" cy="2359794"/>
+            <a:off x="315054" y="1763429"/>
+            <a:ext cx="5071595" cy="2359795"/>
           </a:xfrm>
           <a:prstGeom prst="rect">
             <a:avLst/>
@@ -7404,7 +6922,7 @@
               <a:buNone/>
               <a:defRPr sz="4200" b="0" kern="1200" cap="all" baseline="0">
                 <a:blipFill>
-                  <a:blip r:embed="rId5">
+                  <a:blip r:embed="rId3">
                     <a:extLst>
                       <a:ext uri="{28A0092B-C50C-407E-A947-70E740481C1C}">
                         <a14:useLocalDpi xmlns:a14="http://schemas.microsoft.com/office/drawing/2010/main" val="0"/>
@@ -7434,8 +6952,8 @@
             </p:nvSpPr>
             <p:spPr>
               <a:xfrm>
-                <a:off x="148798" y="2185680"/>
-                <a:ext cx="4488985" cy="626775"/>
+                <a:off x="4473555" y="3033885"/>
+                <a:ext cx="4732642" cy="626775"/>
               </a:xfrm>
               <a:prstGeom prst="rect">
                 <a:avLst/>
@@ -7457,14 +6975,14 @@
                       <m:sSub>
                         <m:sSubPr>
                           <m:ctrlPr>
-                            <a:rPr lang="en-US" sz="2000" b="0" i="1" smtClean="0">
+                            <a:rPr lang="en-US" sz="2000" i="1">
                               <a:latin typeface="Cambria Math" panose="02040503050406030204" pitchFamily="18" charset="0"/>
                             </a:rPr>
                           </m:ctrlPr>
                         </m:sSubPr>
                         <m:e>
                           <m:r>
-                            <a:rPr lang="en-US" sz="2000" b="0" i="1" smtClean="0">
+                            <a:rPr lang="en-US" sz="2000" i="1">
                               <a:latin typeface="Cambria Math" panose="02040503050406030204" pitchFamily="18" charset="0"/>
                             </a:rPr>
                             <m:t>𝑃</m:t>
@@ -7472,7 +6990,7 @@
                         </m:e>
                         <m:sub>
                           <m:r>
-                            <a:rPr lang="ru-RU" sz="2000" b="0" i="1" smtClean="0">
+                            <a:rPr lang="ru-RU" sz="2000" i="1">
                               <a:latin typeface="Cambria Math" panose="02040503050406030204" pitchFamily="18" charset="0"/>
                             </a:rPr>
                             <m:t>принятия</m:t>
@@ -7480,14 +6998,14 @@
                           <m:d>
                             <m:dPr>
                               <m:ctrlPr>
-                                <a:rPr lang="en-US" sz="2000" b="0" i="1" smtClean="0">
+                                <a:rPr lang="en-US" sz="2000" i="1">
                                   <a:latin typeface="Cambria Math" panose="02040503050406030204" pitchFamily="18" charset="0"/>
                                 </a:rPr>
                               </m:ctrlPr>
                             </m:dPr>
                             <m:e>
                               <m:r>
-                                <a:rPr lang="en-US" sz="2000" b="0" i="1" smtClean="0">
+                                <a:rPr lang="en-US" sz="2000" i="1">
                                   <a:latin typeface="Cambria Math" panose="02040503050406030204" pitchFamily="18" charset="0"/>
                                 </a:rPr>
                                 <m:t>𝑝𝑎𝑡</m:t>
@@ -7495,14 +7013,14 @@
                               <m:sSub>
                                 <m:sSubPr>
                                   <m:ctrlPr>
-                                    <a:rPr lang="en-US" sz="2000" b="0" i="1" smtClean="0">
+                                    <a:rPr lang="en-US" sz="2000" i="1">
                                       <a:latin typeface="Cambria Math" panose="02040503050406030204" pitchFamily="18" charset="0"/>
                                     </a:rPr>
                                   </m:ctrlPr>
                                 </m:sSubPr>
                                 <m:e>
                                   <m:r>
-                                    <a:rPr lang="en-US" sz="2000" b="0" i="1" smtClean="0">
+                                    <a:rPr lang="en-US" sz="2000" i="1">
                                       <a:latin typeface="Cambria Math" panose="02040503050406030204" pitchFamily="18" charset="0"/>
                                     </a:rPr>
                                     <m:t>h</m:t>
@@ -7510,7 +7028,7 @@
                                 </m:e>
                                 <m:sub>
                                   <m:r>
-                                    <a:rPr lang="en-US" sz="2000" b="0" i="1" smtClean="0">
+                                    <a:rPr lang="en-US" sz="2000" i="1">
                                       <a:latin typeface="Cambria Math" panose="02040503050406030204" pitchFamily="18" charset="0"/>
                                     </a:rPr>
                                     <m:t>𝑛𝑒𝑤</m:t>
@@ -7530,14 +7048,14 @@
                       <m:sSup>
                         <m:sSupPr>
                           <m:ctrlPr>
-                            <a:rPr lang="ru-RU" sz="2000" i="1" smtClean="0">
+                            <a:rPr lang="ru-RU" sz="2000" i="1">
                               <a:latin typeface="Cambria Math" panose="02040503050406030204" pitchFamily="18" charset="0"/>
                             </a:rPr>
                           </m:ctrlPr>
                         </m:sSupPr>
                         <m:e>
                           <m:r>
-                            <a:rPr lang="en-US" sz="2000" b="0" i="1" smtClean="0">
+                            <a:rPr lang="en-US" sz="2000" i="1">
                               <a:latin typeface="Cambria Math" panose="02040503050406030204" pitchFamily="18" charset="0"/>
                             </a:rPr>
                             <m:t>𝑒</m:t>
@@ -7547,20 +7065,20 @@
                           <m:f>
                             <m:fPr>
                               <m:ctrlPr>
-                                <a:rPr lang="ru-RU" sz="2000" i="1" smtClean="0">
+                                <a:rPr lang="ru-RU" sz="2000" i="1">
                                   <a:latin typeface="Cambria Math" panose="02040503050406030204" pitchFamily="18" charset="0"/>
                                 </a:rPr>
                               </m:ctrlPr>
                             </m:fPr>
                             <m:num>
                               <m:r>
-                                <a:rPr lang="en-US" sz="2000" b="0" i="1" smtClean="0">
+                                <a:rPr lang="en-US" sz="2000" i="1">
                                   <a:latin typeface="Cambria Math" panose="02040503050406030204" pitchFamily="18" charset="0"/>
                                 </a:rPr>
-                                <m:t>−(</m:t>
+                                <m:t>(</m:t>
                               </m:r>
                               <m:r>
-                                <a:rPr lang="en-US" sz="2000" b="0" i="1" smtClean="0">
+                                <a:rPr lang="en-US" sz="2000" i="1">
                                   <a:latin typeface="Cambria Math" panose="02040503050406030204" pitchFamily="18" charset="0"/>
                                 </a:rPr>
                                 <m:t>𝑐𝑜𝑠</m:t>
@@ -7568,14 +7086,14 @@
                               <m:sSub>
                                 <m:sSubPr>
                                   <m:ctrlPr>
-                                    <a:rPr lang="en-US" sz="2000" b="0" i="1" smtClean="0">
+                                    <a:rPr lang="en-US" sz="2000" i="1">
                                       <a:latin typeface="Cambria Math" panose="02040503050406030204" pitchFamily="18" charset="0"/>
                                     </a:rPr>
                                   </m:ctrlPr>
                                 </m:sSubPr>
                                 <m:e>
                                   <m:r>
-                                    <a:rPr lang="en-US" sz="2000" b="0" i="1" smtClean="0">
+                                    <a:rPr lang="en-US" sz="2000" i="1">
                                       <a:latin typeface="Cambria Math" panose="02040503050406030204" pitchFamily="18" charset="0"/>
                                     </a:rPr>
                                     <m:t>𝑡</m:t>
@@ -7583,7 +7101,44 @@
                                 </m:e>
                                 <m:sub>
                                   <m:r>
-                                    <a:rPr lang="en-US" sz="2000" b="0" i="1" smtClean="0">
+                                    <a:rPr lang="en-US" sz="2000" i="1">
+                                      <a:latin typeface="Cambria Math" panose="02040503050406030204" pitchFamily="18" charset="0"/>
+                                    </a:rPr>
+                                    <m:t>𝑐𝑢𝑟𝑟𝑒𝑛𝑡</m:t>
+                                  </m:r>
+                                </m:sub>
+                              </m:sSub>
+                              <m:r>
+                                <a:rPr lang="en-US" sz="2000" i="1">
+                                  <a:latin typeface="Cambria Math" panose="02040503050406030204" pitchFamily="18" charset="0"/>
+                                </a:rPr>
+                                <m:t>−</m:t>
+                              </m:r>
+                              <m:r>
+                                <a:rPr lang="en-US" sz="2000" i="1">
+                                  <a:latin typeface="Cambria Math" panose="02040503050406030204" pitchFamily="18" charset="0"/>
+                                </a:rPr>
+                                <m:t>𝑐𝑜𝑠</m:t>
+                              </m:r>
+                              <m:sSub>
+                                <m:sSubPr>
+                                  <m:ctrlPr>
+                                    <a:rPr lang="en-US" sz="2000" i="1">
+                                      <a:latin typeface="Cambria Math" panose="02040503050406030204" pitchFamily="18" charset="0"/>
+                                    </a:rPr>
+                                  </m:ctrlPr>
+                                </m:sSubPr>
+                                <m:e>
+                                  <m:r>
+                                    <a:rPr lang="en-US" sz="2000" i="1">
+                                      <a:latin typeface="Cambria Math" panose="02040503050406030204" pitchFamily="18" charset="0"/>
+                                    </a:rPr>
+                                    <m:t>𝑡</m:t>
+                                  </m:r>
+                                </m:e>
+                                <m:sub>
+                                  <m:r>
+                                    <a:rPr lang="en-US" sz="2000" i="1">
                                       <a:latin typeface="Cambria Math" panose="02040503050406030204" pitchFamily="18" charset="0"/>
                                     </a:rPr>
                                     <m:t>𝑛𝑒𝑤</m:t>
@@ -7591,44 +7146,7 @@
                                 </m:sub>
                               </m:sSub>
                               <m:r>
-                                <a:rPr lang="en-US" sz="2000" b="0" i="1" smtClean="0">
-                                  <a:latin typeface="Cambria Math" panose="02040503050406030204" pitchFamily="18" charset="0"/>
-                                </a:rPr>
-                                <m:t>−</m:t>
-                              </m:r>
-                              <m:r>
-                                <a:rPr lang="en-US" sz="2000" b="0" i="1" smtClean="0">
-                                  <a:latin typeface="Cambria Math" panose="02040503050406030204" pitchFamily="18" charset="0"/>
-                                </a:rPr>
-                                <m:t>𝑐𝑜𝑠</m:t>
-                              </m:r>
-                              <m:sSub>
-                                <m:sSubPr>
-                                  <m:ctrlPr>
-                                    <a:rPr lang="en-US" sz="2000" b="0" i="1" smtClean="0">
-                                      <a:latin typeface="Cambria Math" panose="02040503050406030204" pitchFamily="18" charset="0"/>
-                                    </a:rPr>
-                                  </m:ctrlPr>
-                                </m:sSubPr>
-                                <m:e>
-                                  <m:r>
-                                    <a:rPr lang="en-US" sz="2000" b="0" i="1" smtClean="0">
-                                      <a:latin typeface="Cambria Math" panose="02040503050406030204" pitchFamily="18" charset="0"/>
-                                    </a:rPr>
-                                    <m:t>𝑡</m:t>
-                                  </m:r>
-                                </m:e>
-                                <m:sub>
-                                  <m:r>
-                                    <a:rPr lang="en-US" sz="2000" b="0" i="1" smtClean="0">
-                                      <a:latin typeface="Cambria Math" panose="02040503050406030204" pitchFamily="18" charset="0"/>
-                                    </a:rPr>
-                                    <m:t>𝑜𝑙𝑑</m:t>
-                                  </m:r>
-                                </m:sub>
-                              </m:sSub>
-                              <m:r>
-                                <a:rPr lang="en-US" sz="2000" b="0" i="1" smtClean="0">
+                                <a:rPr lang="en-US" sz="2000" i="1">
                                   <a:latin typeface="Cambria Math" panose="02040503050406030204" pitchFamily="18" charset="0"/>
                                 </a:rPr>
                                 <m:t>)</m:t>
@@ -7636,7 +7154,7 @@
                             </m:num>
                             <m:den>
                               <m:r>
-                                <a:rPr lang="en-US" sz="2000" b="0" i="1" smtClean="0">
+                                <a:rPr lang="en-US" sz="2000" i="1">
                                   <a:latin typeface="Cambria Math" panose="02040503050406030204" pitchFamily="18" charset="0"/>
                                 </a:rPr>
                                 <m:t>𝑡𝑒𝑚𝑝𝑒𝑟𝑎𝑡𝑢𝑟𝑒</m:t>
@@ -7664,14 +7182,14 @@
             </p:nvSpPr>
             <p:spPr>
               <a:xfrm>
-                <a:off x="148798" y="2185680"/>
-                <a:ext cx="4488985" cy="626775"/>
+                <a:off x="4473555" y="3033885"/>
+                <a:ext cx="4732642" cy="626775"/>
               </a:xfrm>
               <a:prstGeom prst="rect">
                 <a:avLst/>
               </a:prstGeom>
               <a:blipFill>
-                <a:blip r:embed="rId6"/>
+                <a:blip r:embed="rId4"/>
                 <a:stretch>
                   <a:fillRect/>
                 </a:stretch>
@@ -7692,6 +7210,714 @@
           </p:sp>
         </mc:Fallback>
       </mc:AlternateContent>
+      <p:sp>
+        <p:nvSpPr>
+          <p:cNvPr id="11" name="Прямоугольник 10"/>
+          <p:cNvSpPr/>
+          <p:nvPr/>
+        </p:nvSpPr>
+        <p:spPr>
+          <a:xfrm>
+            <a:off x="4523355" y="1130724"/>
+            <a:ext cx="4543516" cy="1685077"/>
+          </a:xfrm>
+          <a:prstGeom prst="rect">
+            <a:avLst/>
+          </a:prstGeom>
+        </p:spPr>
+        <p:txBody>
+          <a:bodyPr wrap="square">
+            <a:spAutoFit/>
+          </a:bodyPr>
+          <a:lstStyle/>
+          <a:p>
+            <a:pPr>
+              <a:lnSpc>
+                <a:spcPct val="115000"/>
+              </a:lnSpc>
+              <a:tabLst>
+                <a:tab pos="183506" algn="l"/>
+              </a:tabLst>
+            </a:pPr>
+            <a:r>
+              <a:rPr lang="ru-RU" dirty="0">
+                <a:latin typeface="Times New Roman" panose="02020603050405020304" pitchFamily="18" charset="0"/>
+                <a:ea typeface="Times New Roman" panose="02020603050405020304" pitchFamily="18" charset="0"/>
+              </a:rPr>
+              <a:t>Алгоритм имитации отжига моделирует процесс охлаждения материала, принимая улучшенные или ухудшенные решения с вероятностью, зависящей от температуры, чтобы избежать локальных минимумов.</a:t>
+            </a:r>
+            <a:endParaRPr lang="ru-RU" dirty="0">
+              <a:latin typeface="Times New Roman" panose="02020603050405020304" pitchFamily="18" charset="0"/>
+              <a:ea typeface="Times New Roman" panose="02020603050405020304" pitchFamily="18" charset="0"/>
+            </a:endParaRPr>
+          </a:p>
+        </p:txBody>
+      </p:sp>
+      <p:sp>
+        <p:nvSpPr>
+          <p:cNvPr id="18" name="Rectangle 2"/>
+          <p:cNvSpPr>
+            <a:spLocks noChangeArrowheads="1"/>
+          </p:cNvSpPr>
+          <p:nvPr/>
+        </p:nvSpPr>
+        <p:spPr bwMode="auto">
+          <a:xfrm>
+            <a:off x="315055" y="3903983"/>
+            <a:ext cx="7978047" cy="3000821"/>
+          </a:xfrm>
+          <a:prstGeom prst="rect">
+            <a:avLst/>
+          </a:prstGeom>
+          <a:noFill/>
+          <a:ln>
+            <a:noFill/>
+          </a:ln>
+          <a:effectLst/>
+          <a:extLst>
+            <a:ext uri="{909E8E84-426E-40DD-AFC4-6F175D3DCCD1}">
+              <a14:hiddenFill xmlns:a14="http://schemas.microsoft.com/office/drawing/2010/main">
+                <a:solidFill>
+                  <a:schemeClr val="accent1"/>
+                </a:solidFill>
+              </a14:hiddenFill>
+            </a:ext>
+            <a:ext uri="{91240B29-F687-4F45-9708-019B960494DF}">
+              <a14:hiddenLine xmlns:a14="http://schemas.microsoft.com/office/drawing/2010/main" w="9525">
+                <a:solidFill>
+                  <a:schemeClr val="tx1"/>
+                </a:solidFill>
+                <a:miter lim="800000"/>
+                <a:headEnd/>
+                <a:tailEnd/>
+              </a14:hiddenLine>
+            </a:ext>
+            <a:ext uri="{AF507438-7753-43E0-B8FC-AC1667EBCBE1}">
+              <a14:hiddenEffects xmlns:a14="http://schemas.microsoft.com/office/drawing/2010/main">
+                <a:effectLst>
+                  <a:outerShdw dist="35921" dir="2700000" algn="ctr" rotWithShape="0">
+                    <a:schemeClr val="bg2"/>
+                  </a:outerShdw>
+                </a:effectLst>
+              </a14:hiddenEffects>
+            </a:ext>
+          </a:extLst>
+        </p:spPr>
+        <p:txBody>
+          <a:bodyPr vert="horz" wrap="square" lIns="91440" tIns="45720" rIns="91440" bIns="0" numCol="1" anchor="ctr" anchorCtr="0" compatLnSpc="1">
+            <a:prstTxWarp prst="textNoShape">
+              <a:avLst/>
+            </a:prstTxWarp>
+            <a:spAutoFit/>
+          </a:bodyPr>
+          <a:lstStyle/>
+          <a:p>
+            <a:pPr defTabSz="914354" eaLnBrk="0" fontAlgn="base" hangingPunct="0">
+              <a:spcBef>
+                <a:spcPct val="0"/>
+              </a:spcBef>
+              <a:spcAft>
+                <a:spcPct val="0"/>
+              </a:spcAft>
+            </a:pPr>
+            <a:r>
+              <a:rPr lang="en-US" altLang="en-US" sz="1400" b="1" dirty="0" err="1">
+                <a:latin typeface="Courier New" panose="02070309020205020404" pitchFamily="49" charset="0"/>
+                <a:ea typeface="Times New Roman" panose="02020603050405020304" pitchFamily="18" charset="0"/>
+                <a:cs typeface="Courier New" panose="02070309020205020404" pitchFamily="49" charset="0"/>
+              </a:rPr>
+              <a:t>SimulatedAnnealing</a:t>
+            </a:r>
+            <a:r>
+              <a:rPr lang="en-US" altLang="en-US" sz="1400" b="1" dirty="0">
+                <a:latin typeface="Courier New" panose="02070309020205020404" pitchFamily="49" charset="0"/>
+                <a:ea typeface="Times New Roman" panose="02020603050405020304" pitchFamily="18" charset="0"/>
+                <a:cs typeface="Courier New" panose="02070309020205020404" pitchFamily="49" charset="0"/>
+              </a:rPr>
+              <a:t>(start, points, goal, T, alpha, iterations):</a:t>
+            </a:r>
+          </a:p>
+          <a:p>
+            <a:pPr marL="228589" indent="-228589" defTabSz="914354" eaLnBrk="0" fontAlgn="base" hangingPunct="0">
+              <a:spcBef>
+                <a:spcPct val="0"/>
+              </a:spcBef>
+              <a:spcAft>
+                <a:spcPct val="0"/>
+              </a:spcAft>
+              <a:buFontTx/>
+              <a:buAutoNum type="arabicPlain"/>
+            </a:pPr>
+            <a:r>
+              <a:rPr lang="ru-RU" altLang="en-US" sz="1400" dirty="0">
+                <a:latin typeface="Courier New" panose="02070309020205020404" pitchFamily="49" charset="0"/>
+                <a:ea typeface="Times New Roman" panose="02020603050405020304" pitchFamily="18" charset="0"/>
+                <a:cs typeface="Courier New" panose="02070309020205020404" pitchFamily="49" charset="0"/>
+              </a:rPr>
+              <a:t>маршрут ← [</a:t>
+            </a:r>
+            <a:r>
+              <a:rPr lang="en-US" altLang="en-US" sz="1400" dirty="0">
+                <a:latin typeface="Courier New" panose="02070309020205020404" pitchFamily="49" charset="0"/>
+                <a:ea typeface="Times New Roman" panose="02020603050405020304" pitchFamily="18" charset="0"/>
+                <a:cs typeface="Courier New" panose="02070309020205020404" pitchFamily="49" charset="0"/>
+              </a:rPr>
+              <a:t>start] + points + [goal]</a:t>
+            </a:r>
+          </a:p>
+          <a:p>
+            <a:pPr marL="228589" indent="-228589" defTabSz="914354" eaLnBrk="0" fontAlgn="base" hangingPunct="0">
+              <a:spcBef>
+                <a:spcPct val="0"/>
+              </a:spcBef>
+              <a:spcAft>
+                <a:spcPct val="0"/>
+              </a:spcAft>
+              <a:buFontTx/>
+              <a:buAutoNum type="arabicPlain"/>
+            </a:pPr>
+            <a:r>
+              <a:rPr lang="ru-RU" altLang="en-US" sz="1400" dirty="0">
+                <a:latin typeface="Courier New" panose="02070309020205020404" pitchFamily="49" charset="0"/>
+                <a:ea typeface="Times New Roman" panose="02020603050405020304" pitchFamily="18" charset="0"/>
+                <a:cs typeface="Courier New" panose="02070309020205020404" pitchFamily="49" charset="0"/>
+              </a:rPr>
+              <a:t>стоимость ← </a:t>
+            </a:r>
+            <a:r>
+              <a:rPr lang="en-US" altLang="en-US" sz="1400" dirty="0" err="1">
+                <a:latin typeface="Courier New" panose="02070309020205020404" pitchFamily="49" charset="0"/>
+                <a:ea typeface="Times New Roman" panose="02020603050405020304" pitchFamily="18" charset="0"/>
+                <a:cs typeface="Courier New" panose="02070309020205020404" pitchFamily="49" charset="0"/>
+              </a:rPr>
+              <a:t>calculate_cost</a:t>
+            </a:r>
+            <a:r>
+              <a:rPr lang="en-US" altLang="en-US" sz="1400" dirty="0">
+                <a:latin typeface="Courier New" panose="02070309020205020404" pitchFamily="49" charset="0"/>
+                <a:ea typeface="Times New Roman" panose="02020603050405020304" pitchFamily="18" charset="0"/>
+                <a:cs typeface="Courier New" panose="02070309020205020404" pitchFamily="49" charset="0"/>
+              </a:rPr>
+              <a:t>(</a:t>
+            </a:r>
+            <a:r>
+              <a:rPr lang="ru-RU" altLang="en-US" sz="1400" dirty="0">
+                <a:latin typeface="Courier New" panose="02070309020205020404" pitchFamily="49" charset="0"/>
+                <a:ea typeface="Times New Roman" panose="02020603050405020304" pitchFamily="18" charset="0"/>
+                <a:cs typeface="Courier New" panose="02070309020205020404" pitchFamily="49" charset="0"/>
+              </a:rPr>
+              <a:t>маршрут)    </a:t>
+            </a:r>
+          </a:p>
+          <a:p>
+            <a:pPr marL="228589" indent="-228589" defTabSz="914354" eaLnBrk="0" fontAlgn="base" hangingPunct="0">
+              <a:spcBef>
+                <a:spcPct val="0"/>
+              </a:spcBef>
+              <a:spcAft>
+                <a:spcPct val="0"/>
+              </a:spcAft>
+              <a:buFontTx/>
+              <a:buAutoNum type="arabicPlain"/>
+            </a:pPr>
+            <a:r>
+              <a:rPr lang="en-US" altLang="en-US" sz="1400" dirty="0">
+                <a:latin typeface="Courier New" panose="02070309020205020404" pitchFamily="49" charset="0"/>
+                <a:ea typeface="Times New Roman" panose="02020603050405020304" pitchFamily="18" charset="0"/>
+                <a:cs typeface="Courier New" panose="02070309020205020404" pitchFamily="49" charset="0"/>
+              </a:rPr>
+              <a:t> </a:t>
+            </a:r>
+            <a:r>
+              <a:rPr lang="ru-RU" altLang="en-US" sz="1400" b="1" dirty="0">
+                <a:latin typeface="Courier New" panose="02070309020205020404" pitchFamily="49" charset="0"/>
+                <a:ea typeface="Times New Roman" panose="02020603050405020304" pitchFamily="18" charset="0"/>
+                <a:cs typeface="Courier New" panose="02070309020205020404" pitchFamily="49" charset="0"/>
+              </a:rPr>
+              <a:t>для</a:t>
+            </a:r>
+            <a:r>
+              <a:rPr lang="ru-RU" altLang="en-US" sz="1400" dirty="0">
+                <a:latin typeface="Courier New" panose="02070309020205020404" pitchFamily="49" charset="0"/>
+                <a:ea typeface="Times New Roman" panose="02020603050405020304" pitchFamily="18" charset="0"/>
+                <a:cs typeface="Courier New" panose="02070309020205020404" pitchFamily="49" charset="0"/>
+              </a:rPr>
+              <a:t> </a:t>
+            </a:r>
+            <a:r>
+              <a:rPr lang="en-US" altLang="en-US" sz="1400" dirty="0" err="1">
+                <a:latin typeface="Courier New" panose="02070309020205020404" pitchFamily="49" charset="0"/>
+                <a:ea typeface="Times New Roman" panose="02020603050405020304" pitchFamily="18" charset="0"/>
+                <a:cs typeface="Courier New" panose="02070309020205020404" pitchFamily="49" charset="0"/>
+              </a:rPr>
+              <a:t>i</a:t>
+            </a:r>
+            <a:r>
+              <a:rPr lang="en-US" altLang="en-US" sz="1400" dirty="0">
+                <a:latin typeface="Courier New" panose="02070309020205020404" pitchFamily="49" charset="0"/>
+                <a:ea typeface="Times New Roman" panose="02020603050405020304" pitchFamily="18" charset="0"/>
+                <a:cs typeface="Courier New" panose="02070309020205020404" pitchFamily="49" charset="0"/>
+              </a:rPr>
+              <a:t> </a:t>
+            </a:r>
+            <a:r>
+              <a:rPr lang="ru-RU" altLang="en-US" sz="1400" dirty="0">
+                <a:latin typeface="Courier New" panose="02070309020205020404" pitchFamily="49" charset="0"/>
+                <a:ea typeface="Times New Roman" panose="02020603050405020304" pitchFamily="18" charset="0"/>
+                <a:cs typeface="Courier New" panose="02070309020205020404" pitchFamily="49" charset="0"/>
+              </a:rPr>
+              <a:t>от 1 до </a:t>
+            </a:r>
+            <a:r>
+              <a:rPr lang="en-US" altLang="en-US" sz="1400" dirty="0">
+                <a:latin typeface="Courier New" panose="02070309020205020404" pitchFamily="49" charset="0"/>
+                <a:ea typeface="Times New Roman" panose="02020603050405020304" pitchFamily="18" charset="0"/>
+                <a:cs typeface="Courier New" panose="02070309020205020404" pitchFamily="49" charset="0"/>
+              </a:rPr>
+              <a:t>iterations:</a:t>
+            </a:r>
+          </a:p>
+          <a:p>
+            <a:pPr marL="228589" indent="-228589" defTabSz="914354" eaLnBrk="0" fontAlgn="base" hangingPunct="0">
+              <a:spcBef>
+                <a:spcPct val="0"/>
+              </a:spcBef>
+              <a:spcAft>
+                <a:spcPct val="0"/>
+              </a:spcAft>
+              <a:buFontTx/>
+              <a:buAutoNum type="arabicPlain"/>
+            </a:pPr>
+            <a:r>
+              <a:rPr lang="en-US" altLang="en-US" sz="1400" dirty="0">
+                <a:latin typeface="Courier New" panose="02070309020205020404" pitchFamily="49" charset="0"/>
+                <a:ea typeface="Times New Roman" panose="02020603050405020304" pitchFamily="18" charset="0"/>
+                <a:cs typeface="Courier New" panose="02070309020205020404" pitchFamily="49" charset="0"/>
+              </a:rPr>
+              <a:t>    </a:t>
+            </a:r>
+            <a:r>
+              <a:rPr lang="ru-RU" altLang="en-US" sz="1400" dirty="0" err="1">
+                <a:latin typeface="Courier New" panose="02070309020205020404" pitchFamily="49" charset="0"/>
+                <a:ea typeface="Times New Roman" panose="02020603050405020304" pitchFamily="18" charset="0"/>
+                <a:cs typeface="Courier New" panose="02070309020205020404" pitchFamily="49" charset="0"/>
+              </a:rPr>
+              <a:t>новый_маршрут</a:t>
+            </a:r>
+            <a:r>
+              <a:rPr lang="ru-RU" altLang="en-US" sz="1400" dirty="0">
+                <a:latin typeface="Courier New" panose="02070309020205020404" pitchFamily="49" charset="0"/>
+                <a:ea typeface="Times New Roman" panose="02020603050405020304" pitchFamily="18" charset="0"/>
+                <a:cs typeface="Courier New" panose="02070309020205020404" pitchFamily="49" charset="0"/>
+              </a:rPr>
+              <a:t> ← </a:t>
+            </a:r>
+            <a:r>
+              <a:rPr lang="en-US" altLang="en-US" sz="1400" dirty="0" err="1">
+                <a:latin typeface="Courier New" panose="02070309020205020404" pitchFamily="49" charset="0"/>
+                <a:ea typeface="Times New Roman" panose="02020603050405020304" pitchFamily="18" charset="0"/>
+                <a:cs typeface="Courier New" panose="02070309020205020404" pitchFamily="49" charset="0"/>
+              </a:rPr>
+              <a:t>generate_neighbor</a:t>
+            </a:r>
+            <a:r>
+              <a:rPr lang="en-US" altLang="en-US" sz="1400" dirty="0">
+                <a:latin typeface="Courier New" panose="02070309020205020404" pitchFamily="49" charset="0"/>
+                <a:ea typeface="Times New Roman" panose="02020603050405020304" pitchFamily="18" charset="0"/>
+                <a:cs typeface="Courier New" panose="02070309020205020404" pitchFamily="49" charset="0"/>
+              </a:rPr>
+              <a:t>(</a:t>
+            </a:r>
+            <a:r>
+              <a:rPr lang="ru-RU" altLang="en-US" sz="1400" dirty="0">
+                <a:latin typeface="Courier New" panose="02070309020205020404" pitchFamily="49" charset="0"/>
+                <a:ea typeface="Times New Roman" panose="02020603050405020304" pitchFamily="18" charset="0"/>
+                <a:cs typeface="Courier New" panose="02070309020205020404" pitchFamily="49" charset="0"/>
+              </a:rPr>
+              <a:t>маршрут)</a:t>
+            </a:r>
+          </a:p>
+          <a:p>
+            <a:pPr marL="228589" indent="-228589" defTabSz="914354" eaLnBrk="0" fontAlgn="base" hangingPunct="0">
+              <a:spcBef>
+                <a:spcPct val="0"/>
+              </a:spcBef>
+              <a:spcAft>
+                <a:spcPct val="0"/>
+              </a:spcAft>
+              <a:buFontTx/>
+              <a:buAutoNum type="arabicPlain"/>
+            </a:pPr>
+            <a:r>
+              <a:rPr lang="ru-RU" altLang="en-US" sz="1400" dirty="0">
+                <a:latin typeface="Courier New" panose="02070309020205020404" pitchFamily="49" charset="0"/>
+                <a:ea typeface="Times New Roman" panose="02020603050405020304" pitchFamily="18" charset="0"/>
+                <a:cs typeface="Courier New" panose="02070309020205020404" pitchFamily="49" charset="0"/>
+              </a:rPr>
+              <a:t>    </a:t>
+            </a:r>
+            <a:r>
+              <a:rPr lang="ru-RU" altLang="en-US" sz="1400" dirty="0" err="1">
+                <a:latin typeface="Courier New" panose="02070309020205020404" pitchFamily="49" charset="0"/>
+                <a:ea typeface="Times New Roman" panose="02020603050405020304" pitchFamily="18" charset="0"/>
+                <a:cs typeface="Courier New" panose="02070309020205020404" pitchFamily="49" charset="0"/>
+              </a:rPr>
+              <a:t>новая_стоимость</a:t>
+            </a:r>
+            <a:r>
+              <a:rPr lang="ru-RU" altLang="en-US" sz="1400" dirty="0">
+                <a:latin typeface="Courier New" panose="02070309020205020404" pitchFamily="49" charset="0"/>
+                <a:ea typeface="Times New Roman" panose="02020603050405020304" pitchFamily="18" charset="0"/>
+                <a:cs typeface="Courier New" panose="02070309020205020404" pitchFamily="49" charset="0"/>
+              </a:rPr>
+              <a:t> ← </a:t>
+            </a:r>
+            <a:r>
+              <a:rPr lang="en-US" altLang="en-US" sz="1400" dirty="0" err="1">
+                <a:latin typeface="Courier New" panose="02070309020205020404" pitchFamily="49" charset="0"/>
+                <a:ea typeface="Times New Roman" panose="02020603050405020304" pitchFamily="18" charset="0"/>
+                <a:cs typeface="Courier New" panose="02070309020205020404" pitchFamily="49" charset="0"/>
+              </a:rPr>
+              <a:t>calculate_cost</a:t>
+            </a:r>
+            <a:r>
+              <a:rPr lang="en-US" altLang="en-US" sz="1400" dirty="0">
+                <a:latin typeface="Courier New" panose="02070309020205020404" pitchFamily="49" charset="0"/>
+                <a:ea typeface="Times New Roman" panose="02020603050405020304" pitchFamily="18" charset="0"/>
+                <a:cs typeface="Courier New" panose="02070309020205020404" pitchFamily="49" charset="0"/>
+              </a:rPr>
+              <a:t>(</a:t>
+            </a:r>
+            <a:r>
+              <a:rPr lang="ru-RU" altLang="en-US" sz="1400" dirty="0" err="1">
+                <a:latin typeface="Courier New" panose="02070309020205020404" pitchFamily="49" charset="0"/>
+                <a:ea typeface="Times New Roman" panose="02020603050405020304" pitchFamily="18" charset="0"/>
+                <a:cs typeface="Courier New" panose="02070309020205020404" pitchFamily="49" charset="0"/>
+              </a:rPr>
+              <a:t>новый_маршрут</a:t>
+            </a:r>
+            <a:r>
+              <a:rPr lang="ru-RU" altLang="en-US" sz="1400" dirty="0">
+                <a:latin typeface="Courier New" panose="02070309020205020404" pitchFamily="49" charset="0"/>
+                <a:ea typeface="Times New Roman" panose="02020603050405020304" pitchFamily="18" charset="0"/>
+                <a:cs typeface="Courier New" panose="02070309020205020404" pitchFamily="49" charset="0"/>
+              </a:rPr>
+              <a:t>)       </a:t>
+            </a:r>
+          </a:p>
+          <a:p>
+            <a:pPr marL="228589" indent="-228589" defTabSz="914354" eaLnBrk="0" fontAlgn="base" hangingPunct="0">
+              <a:spcBef>
+                <a:spcPct val="0"/>
+              </a:spcBef>
+              <a:spcAft>
+                <a:spcPct val="0"/>
+              </a:spcAft>
+              <a:buFontTx/>
+              <a:buAutoNum type="arabicPlain"/>
+            </a:pPr>
+            <a:r>
+              <a:rPr lang="ru-RU" altLang="en-US" sz="1400" dirty="0">
+                <a:latin typeface="Courier New" panose="02070309020205020404" pitchFamily="49" charset="0"/>
+                <a:ea typeface="Times New Roman" panose="02020603050405020304" pitchFamily="18" charset="0"/>
+                <a:cs typeface="Courier New" panose="02070309020205020404" pitchFamily="49" charset="0"/>
+              </a:rPr>
+              <a:t>    </a:t>
+            </a:r>
+            <a:r>
+              <a:rPr lang="ru-RU" altLang="en-US" sz="1400" b="1" dirty="0">
+                <a:latin typeface="Courier New" panose="02070309020205020404" pitchFamily="49" charset="0"/>
+                <a:ea typeface="Times New Roman" panose="02020603050405020304" pitchFamily="18" charset="0"/>
+                <a:cs typeface="Courier New" panose="02070309020205020404" pitchFamily="49" charset="0"/>
+              </a:rPr>
+              <a:t>если</a:t>
+            </a:r>
+            <a:r>
+              <a:rPr lang="ru-RU" altLang="en-US" sz="1400" dirty="0">
+                <a:latin typeface="Courier New" panose="02070309020205020404" pitchFamily="49" charset="0"/>
+                <a:ea typeface="Times New Roman" panose="02020603050405020304" pitchFamily="18" charset="0"/>
+                <a:cs typeface="Courier New" panose="02070309020205020404" pitchFamily="49" charset="0"/>
+              </a:rPr>
+              <a:t> </a:t>
+            </a:r>
+            <a:r>
+              <a:rPr lang="ru-RU" altLang="en-US" sz="1400" dirty="0" err="1">
+                <a:latin typeface="Courier New" panose="02070309020205020404" pitchFamily="49" charset="0"/>
+                <a:ea typeface="Times New Roman" panose="02020603050405020304" pitchFamily="18" charset="0"/>
+                <a:cs typeface="Courier New" panose="02070309020205020404" pitchFamily="49" charset="0"/>
+              </a:rPr>
+              <a:t>новая_стоимость</a:t>
+            </a:r>
+            <a:r>
+              <a:rPr lang="ru-RU" altLang="en-US" sz="1400" dirty="0">
+                <a:latin typeface="Courier New" panose="02070309020205020404" pitchFamily="49" charset="0"/>
+                <a:ea typeface="Times New Roman" panose="02020603050405020304" pitchFamily="18" charset="0"/>
+                <a:cs typeface="Courier New" panose="02070309020205020404" pitchFamily="49" charset="0"/>
+              </a:rPr>
+              <a:t> &lt; стоимость </a:t>
+            </a:r>
+          </a:p>
+          <a:p>
+            <a:pPr marL="228589" indent="-228589" defTabSz="914354" eaLnBrk="0" fontAlgn="base" hangingPunct="0">
+              <a:spcBef>
+                <a:spcPct val="0"/>
+              </a:spcBef>
+              <a:spcAft>
+                <a:spcPct val="0"/>
+              </a:spcAft>
+              <a:buFontTx/>
+              <a:buAutoNum type="arabicPlain"/>
+            </a:pPr>
+            <a:r>
+              <a:rPr lang="ru-RU" altLang="en-US" sz="1400" dirty="0">
+                <a:latin typeface="Courier New" panose="02070309020205020404" pitchFamily="49" charset="0"/>
+                <a:ea typeface="Times New Roman" panose="02020603050405020304" pitchFamily="18" charset="0"/>
+                <a:cs typeface="Courier New" panose="02070309020205020404" pitchFamily="49" charset="0"/>
+              </a:rPr>
+              <a:t>                 или </a:t>
+            </a:r>
+            <a:r>
+              <a:rPr lang="en-US" altLang="en-US" sz="1400" dirty="0">
+                <a:latin typeface="Courier New" panose="02070309020205020404" pitchFamily="49" charset="0"/>
+                <a:ea typeface="Times New Roman" panose="02020603050405020304" pitchFamily="18" charset="0"/>
+                <a:cs typeface="Courier New" panose="02070309020205020404" pitchFamily="49" charset="0"/>
+              </a:rPr>
+              <a:t>random() &lt; </a:t>
+            </a:r>
+            <a:r>
+              <a:rPr lang="en-US" altLang="en-US" sz="1400" dirty="0" err="1">
+                <a:latin typeface="Courier New" panose="02070309020205020404" pitchFamily="49" charset="0"/>
+                <a:ea typeface="Times New Roman" panose="02020603050405020304" pitchFamily="18" charset="0"/>
+                <a:cs typeface="Courier New" panose="02070309020205020404" pitchFamily="49" charset="0"/>
+              </a:rPr>
+              <a:t>exp</a:t>
+            </a:r>
+            <a:r>
+              <a:rPr lang="en-US" altLang="en-US" sz="1400" dirty="0">
+                <a:latin typeface="Courier New" panose="02070309020205020404" pitchFamily="49" charset="0"/>
+                <a:ea typeface="Times New Roman" panose="02020603050405020304" pitchFamily="18" charset="0"/>
+                <a:cs typeface="Courier New" panose="02070309020205020404" pitchFamily="49" charset="0"/>
+              </a:rPr>
+              <a:t>((</a:t>
+            </a:r>
+            <a:r>
+              <a:rPr lang="ru-RU" altLang="en-US" sz="1400" dirty="0">
+                <a:latin typeface="Courier New" panose="02070309020205020404" pitchFamily="49" charset="0"/>
+                <a:ea typeface="Times New Roman" panose="02020603050405020304" pitchFamily="18" charset="0"/>
+                <a:cs typeface="Courier New" panose="02070309020205020404" pitchFamily="49" charset="0"/>
+              </a:rPr>
+              <a:t>стоимость - </a:t>
+            </a:r>
+            <a:r>
+              <a:rPr lang="ru-RU" altLang="en-US" sz="1400" dirty="0" err="1">
+                <a:latin typeface="Courier New" panose="02070309020205020404" pitchFamily="49" charset="0"/>
+                <a:ea typeface="Times New Roman" panose="02020603050405020304" pitchFamily="18" charset="0"/>
+                <a:cs typeface="Courier New" panose="02070309020205020404" pitchFamily="49" charset="0"/>
+              </a:rPr>
+              <a:t>новая_стоимость</a:t>
+            </a:r>
+            <a:r>
+              <a:rPr lang="ru-RU" altLang="en-US" sz="1400" dirty="0">
+                <a:latin typeface="Courier New" panose="02070309020205020404" pitchFamily="49" charset="0"/>
+                <a:ea typeface="Times New Roman" panose="02020603050405020304" pitchFamily="18" charset="0"/>
+                <a:cs typeface="Courier New" panose="02070309020205020404" pitchFamily="49" charset="0"/>
+              </a:rPr>
+              <a:t>) / </a:t>
+            </a:r>
+            <a:r>
+              <a:rPr lang="en-US" altLang="en-US" sz="1400" dirty="0">
+                <a:latin typeface="Courier New" panose="02070309020205020404" pitchFamily="49" charset="0"/>
+                <a:ea typeface="Times New Roman" panose="02020603050405020304" pitchFamily="18" charset="0"/>
+                <a:cs typeface="Courier New" panose="02070309020205020404" pitchFamily="49" charset="0"/>
+              </a:rPr>
+              <a:t>T):</a:t>
+            </a:r>
+          </a:p>
+          <a:p>
+            <a:pPr marL="228589" indent="-228589" defTabSz="914354" eaLnBrk="0" fontAlgn="base" hangingPunct="0">
+              <a:spcBef>
+                <a:spcPct val="0"/>
+              </a:spcBef>
+              <a:spcAft>
+                <a:spcPct val="0"/>
+              </a:spcAft>
+              <a:buFontTx/>
+              <a:buAutoNum type="arabicPlain"/>
+            </a:pPr>
+            <a:r>
+              <a:rPr lang="en-US" altLang="en-US" sz="1400" dirty="0">
+                <a:latin typeface="Courier New" panose="02070309020205020404" pitchFamily="49" charset="0"/>
+                <a:ea typeface="Times New Roman" panose="02020603050405020304" pitchFamily="18" charset="0"/>
+                <a:cs typeface="Courier New" panose="02070309020205020404" pitchFamily="49" charset="0"/>
+              </a:rPr>
+              <a:t>        </a:t>
+            </a:r>
+            <a:r>
+              <a:rPr lang="ru-RU" altLang="en-US" sz="1400" dirty="0">
+                <a:latin typeface="Courier New" panose="02070309020205020404" pitchFamily="49" charset="0"/>
+                <a:ea typeface="Times New Roman" panose="02020603050405020304" pitchFamily="18" charset="0"/>
+                <a:cs typeface="Courier New" panose="02070309020205020404" pitchFamily="49" charset="0"/>
+              </a:rPr>
+              <a:t>маршрут ← </a:t>
+            </a:r>
+            <a:r>
+              <a:rPr lang="ru-RU" altLang="en-US" sz="1400" dirty="0" err="1">
+                <a:latin typeface="Courier New" panose="02070309020205020404" pitchFamily="49" charset="0"/>
+                <a:ea typeface="Times New Roman" panose="02020603050405020304" pitchFamily="18" charset="0"/>
+                <a:cs typeface="Courier New" panose="02070309020205020404" pitchFamily="49" charset="0"/>
+              </a:rPr>
+              <a:t>новый_маршрут</a:t>
+            </a:r>
+            <a:endParaRPr lang="ru-RU" altLang="en-US" sz="1400" dirty="0">
+              <a:latin typeface="Courier New" panose="02070309020205020404" pitchFamily="49" charset="0"/>
+              <a:ea typeface="Times New Roman" panose="02020603050405020304" pitchFamily="18" charset="0"/>
+              <a:cs typeface="Courier New" panose="02070309020205020404" pitchFamily="49" charset="0"/>
+            </a:endParaRPr>
+          </a:p>
+          <a:p>
+            <a:pPr marL="228589" indent="-228589" defTabSz="914354" eaLnBrk="0" fontAlgn="base" hangingPunct="0">
+              <a:spcBef>
+                <a:spcPct val="0"/>
+              </a:spcBef>
+              <a:spcAft>
+                <a:spcPct val="0"/>
+              </a:spcAft>
+              <a:buFontTx/>
+              <a:buAutoNum type="arabicPlain"/>
+            </a:pPr>
+            <a:r>
+              <a:rPr lang="ru-RU" altLang="en-US" sz="1400" dirty="0">
+                <a:latin typeface="Courier New" panose="02070309020205020404" pitchFamily="49" charset="0"/>
+                <a:ea typeface="Times New Roman" panose="02020603050405020304" pitchFamily="18" charset="0"/>
+                <a:cs typeface="Courier New" panose="02070309020205020404" pitchFamily="49" charset="0"/>
+              </a:rPr>
+              <a:t>        стоимость ← </a:t>
+            </a:r>
+            <a:r>
+              <a:rPr lang="ru-RU" altLang="en-US" sz="1400" dirty="0" err="1">
+                <a:latin typeface="Courier New" panose="02070309020205020404" pitchFamily="49" charset="0"/>
+                <a:ea typeface="Times New Roman" panose="02020603050405020304" pitchFamily="18" charset="0"/>
+                <a:cs typeface="Courier New" panose="02070309020205020404" pitchFamily="49" charset="0"/>
+              </a:rPr>
+              <a:t>новая_стоимость</a:t>
+            </a:r>
+            <a:r>
+              <a:rPr lang="ru-RU" altLang="en-US" sz="1400" dirty="0">
+                <a:latin typeface="Courier New" panose="02070309020205020404" pitchFamily="49" charset="0"/>
+                <a:ea typeface="Times New Roman" panose="02020603050405020304" pitchFamily="18" charset="0"/>
+                <a:cs typeface="Courier New" panose="02070309020205020404" pitchFamily="49" charset="0"/>
+              </a:rPr>
+              <a:t>     </a:t>
+            </a:r>
+          </a:p>
+          <a:p>
+            <a:pPr marL="228589" indent="-228589" defTabSz="914354" eaLnBrk="0" fontAlgn="base" hangingPunct="0">
+              <a:spcBef>
+                <a:spcPct val="0"/>
+              </a:spcBef>
+              <a:spcAft>
+                <a:spcPct val="0"/>
+              </a:spcAft>
+              <a:buFontTx/>
+              <a:buAutoNum type="arabicPlain"/>
+            </a:pPr>
+            <a:r>
+              <a:rPr lang="ru-RU" altLang="en-US" sz="1400" dirty="0">
+                <a:latin typeface="Courier New" panose="02070309020205020404" pitchFamily="49" charset="0"/>
+                <a:ea typeface="Times New Roman" panose="02020603050405020304" pitchFamily="18" charset="0"/>
+                <a:cs typeface="Courier New" panose="02070309020205020404" pitchFamily="49" charset="0"/>
+              </a:rPr>
+              <a:t>    </a:t>
+            </a:r>
+            <a:r>
+              <a:rPr lang="en-US" altLang="en-US" sz="1400" dirty="0">
+                <a:latin typeface="Courier New" panose="02070309020205020404" pitchFamily="49" charset="0"/>
+                <a:ea typeface="Times New Roman" panose="02020603050405020304" pitchFamily="18" charset="0"/>
+                <a:cs typeface="Courier New" panose="02070309020205020404" pitchFamily="49" charset="0"/>
+              </a:rPr>
+              <a:t>T ← T * alpha  # </a:t>
+            </a:r>
+            <a:r>
+              <a:rPr lang="ru-RU" altLang="en-US" sz="1400" dirty="0">
+                <a:latin typeface="Courier New" panose="02070309020205020404" pitchFamily="49" charset="0"/>
+                <a:ea typeface="Times New Roman" panose="02020603050405020304" pitchFamily="18" charset="0"/>
+                <a:cs typeface="Courier New" panose="02070309020205020404" pitchFamily="49" charset="0"/>
+              </a:rPr>
+              <a:t>Охлаждение</a:t>
+            </a:r>
+          </a:p>
+          <a:p>
+            <a:pPr marL="228589" indent="-228589" defTabSz="914354" eaLnBrk="0" fontAlgn="base" hangingPunct="0">
+              <a:spcBef>
+                <a:spcPct val="0"/>
+              </a:spcBef>
+              <a:spcAft>
+                <a:spcPct val="0"/>
+              </a:spcAft>
+              <a:buFontTx/>
+              <a:buAutoNum type="arabicPlain"/>
+            </a:pPr>
+            <a:r>
+              <a:rPr lang="en-US" altLang="en-US" sz="1400" dirty="0">
+                <a:latin typeface="Courier New" panose="02070309020205020404" pitchFamily="49" charset="0"/>
+                <a:ea typeface="Times New Roman" panose="02020603050405020304" pitchFamily="18" charset="0"/>
+                <a:cs typeface="Courier New" panose="02070309020205020404" pitchFamily="49" charset="0"/>
+              </a:rPr>
+              <a:t> </a:t>
+            </a:r>
+            <a:r>
+              <a:rPr lang="ru-RU" altLang="en-US" sz="1400" b="1" dirty="0">
+                <a:latin typeface="Courier New" panose="02070309020205020404" pitchFamily="49" charset="0"/>
+                <a:ea typeface="Times New Roman" panose="02020603050405020304" pitchFamily="18" charset="0"/>
+                <a:cs typeface="Courier New" panose="02070309020205020404" pitchFamily="49" charset="0"/>
+              </a:rPr>
+              <a:t>вернуть</a:t>
+            </a:r>
+            <a:r>
+              <a:rPr lang="ru-RU" altLang="en-US" sz="1400" dirty="0">
+                <a:latin typeface="Courier New" panose="02070309020205020404" pitchFamily="49" charset="0"/>
+                <a:ea typeface="Times New Roman" panose="02020603050405020304" pitchFamily="18" charset="0"/>
+                <a:cs typeface="Courier New" panose="02070309020205020404" pitchFamily="49" charset="0"/>
+              </a:rPr>
+              <a:t> маршрут</a:t>
+            </a:r>
+          </a:p>
+          <a:p>
+            <a:pPr marL="228589" indent="-228589" defTabSz="914354" eaLnBrk="0" fontAlgn="base" hangingPunct="0">
+              <a:spcBef>
+                <a:spcPct val="0"/>
+              </a:spcBef>
+              <a:spcAft>
+                <a:spcPct val="0"/>
+              </a:spcAft>
+              <a:buFontTx/>
+              <a:buAutoNum type="arabicPlain"/>
+            </a:pPr>
+            <a:endParaRPr lang="ru-RU" altLang="en-US" sz="1200" dirty="0">
+              <a:latin typeface="Courier New" panose="02070309020205020404" pitchFamily="49" charset="0"/>
+              <a:ea typeface="Times New Roman" panose="02020603050405020304" pitchFamily="18" charset="0"/>
+              <a:cs typeface="Courier New" panose="02070309020205020404" pitchFamily="49" charset="0"/>
+            </a:endParaRPr>
+          </a:p>
+          <a:p>
+            <a:pPr marL="228589" indent="-228589" defTabSz="914354" eaLnBrk="0" fontAlgn="base" hangingPunct="0">
+              <a:spcBef>
+                <a:spcPct val="0"/>
+              </a:spcBef>
+              <a:spcAft>
+                <a:spcPct val="0"/>
+              </a:spcAft>
+              <a:buFontTx/>
+              <a:buAutoNum type="arabicPlain"/>
+            </a:pPr>
+            <a:endParaRPr lang="en-US" altLang="en-US" sz="1200" b="1" dirty="0">
+              <a:latin typeface="Courier New" panose="02070309020205020404" pitchFamily="49" charset="0"/>
+              <a:ea typeface="Times New Roman" panose="02020603050405020304" pitchFamily="18" charset="0"/>
+              <a:cs typeface="Courier New" panose="02070309020205020404" pitchFamily="49" charset="0"/>
+            </a:endParaRPr>
+          </a:p>
+        </p:txBody>
+      </p:sp>
     </p:spTree>
     <p:extLst>
       <p:ext uri="{BB962C8B-B14F-4D97-AF65-F5344CB8AC3E}">
@@ -7729,6 +7955,1053 @@
           <a:chExt cx="0" cy="0"/>
         </a:xfrm>
       </p:grpSpPr>
+      <p:pic>
+        <p:nvPicPr>
+          <p:cNvPr id="15" name="Объект 14"/>
+          <p:cNvPicPr>
+            <a:picLocks noGrp="1" noChangeAspect="1"/>
+          </p:cNvPicPr>
+          <p:nvPr>
+            <p:ph idx="1"/>
+          </p:nvPr>
+        </p:nvPicPr>
+        <p:blipFill>
+          <a:blip r:embed="rId2"/>
+          <a:stretch>
+            <a:fillRect/>
+          </a:stretch>
+        </p:blipFill>
+        <p:spPr>
+          <a:xfrm>
+            <a:off x="5919710" y="3699749"/>
+            <a:ext cx="3224289" cy="2215276"/>
+          </a:xfrm>
+          <a:prstGeom prst="rect">
+            <a:avLst/>
+          </a:prstGeom>
+        </p:spPr>
+      </p:pic>
+      <p:sp>
+        <p:nvSpPr>
+          <p:cNvPr id="2" name="Номер слайда 1"/>
+          <p:cNvSpPr>
+            <a:spLocks noGrp="1"/>
+          </p:cNvSpPr>
+          <p:nvPr>
+            <p:ph type="sldNum" sz="quarter" idx="12"/>
+          </p:nvPr>
+        </p:nvSpPr>
+        <p:spPr/>
+        <p:txBody>
+          <a:bodyPr/>
+          <a:lstStyle/>
+          <a:p>
+            <a:fld id="{4FAB73BC-B049-4115-A692-8D63A059BFB8}" type="slidenum">
+              <a:rPr lang="en-US" smtClean="0"/>
+              <a:t>6</a:t>
+            </a:fld>
+            <a:endParaRPr lang="en-US" dirty="0"/>
+          </a:p>
+        </p:txBody>
+      </p:sp>
+      <p:pic>
+        <p:nvPicPr>
+          <p:cNvPr id="13" name="Рисунок 12"/>
+          <p:cNvPicPr>
+            <a:picLocks noChangeAspect="1"/>
+          </p:cNvPicPr>
+          <p:nvPr/>
+        </p:nvPicPr>
+        <p:blipFill rotWithShape="1">
+          <a:blip r:embed="rId3"/>
+          <a:srcRect l="3837" t="4417" r="7922"/>
+          <a:stretch/>
+        </p:blipFill>
+        <p:spPr>
+          <a:xfrm>
+            <a:off x="4966349" y="756812"/>
+            <a:ext cx="3997057" cy="2597628"/>
+          </a:xfrm>
+          <a:prstGeom prst="rect">
+            <a:avLst/>
+          </a:prstGeom>
+        </p:spPr>
+      </p:pic>
+      <p:sp>
+        <p:nvSpPr>
+          <p:cNvPr id="16" name="Заголовок 1"/>
+          <p:cNvSpPr txBox="1">
+            <a:spLocks/>
+          </p:cNvSpPr>
+          <p:nvPr/>
+        </p:nvSpPr>
+        <p:spPr>
+          <a:xfrm>
+            <a:off x="427938" y="-104786"/>
+            <a:ext cx="5643332" cy="1723196"/>
+          </a:xfrm>
+          <a:prstGeom prst="rect">
+            <a:avLst/>
+          </a:prstGeom>
+        </p:spPr>
+        <p:txBody>
+          <a:bodyPr vert="horz" lIns="91440" tIns="45720" rIns="91440" bIns="45720" rtlCol="0" anchor="ctr">
+            <a:normAutofit/>
+          </a:bodyPr>
+          <a:lstStyle>
+            <a:lvl1pPr algn="l" defTabSz="914400" rtl="0" eaLnBrk="1" latinLnBrk="0" hangingPunct="1">
+              <a:lnSpc>
+                <a:spcPct val="90000"/>
+              </a:lnSpc>
+              <a:spcBef>
+                <a:spcPct val="0"/>
+              </a:spcBef>
+              <a:buNone/>
+              <a:defRPr sz="4200" b="0" kern="1200" cap="all" baseline="0">
+                <a:blipFill>
+                  <a:blip r:embed="rId4">
+                    <a:extLst>
+                      <a:ext uri="{28A0092B-C50C-407E-A947-70E740481C1C}">
+                        <a14:useLocalDpi xmlns:a14="http://schemas.microsoft.com/office/drawing/2010/main" val="0"/>
+                      </a:ext>
+                    </a:extLst>
+                  </a:blip>
+                  <a:tile tx="6350" ty="-127000" sx="65000" sy="64000" flip="none" algn="tl"/>
+                </a:blipFill>
+                <a:latin typeface="+mj-lt"/>
+                <a:ea typeface="+mj-ea"/>
+                <a:cs typeface="+mj-cs"/>
+              </a:defRPr>
+            </a:lvl1pPr>
+          </a:lstStyle>
+          <a:p>
+            <a:r>
+              <a:rPr lang="ru-RU" sz="3200" dirty="0"/>
+              <a:t>Генетический </a:t>
+            </a:r>
+            <a:r>
+              <a:rPr lang="ru-RU" sz="3200" dirty="0"/>
+              <a:t>алгоритм</a:t>
+            </a:r>
+            <a:endParaRPr lang="en-US" sz="3200" dirty="0"/>
+          </a:p>
+          <a:p>
+            <a:endParaRPr lang="en-US" sz="3200" dirty="0"/>
+          </a:p>
+        </p:txBody>
+      </p:sp>
+      <p:sp>
+        <p:nvSpPr>
+          <p:cNvPr id="17" name="Заголовок 1"/>
+          <p:cNvSpPr txBox="1">
+            <a:spLocks/>
+          </p:cNvSpPr>
+          <p:nvPr/>
+        </p:nvSpPr>
+        <p:spPr>
+          <a:xfrm>
+            <a:off x="315054" y="1763429"/>
+            <a:ext cx="5071595" cy="2359795"/>
+          </a:xfrm>
+          <a:prstGeom prst="rect">
+            <a:avLst/>
+          </a:prstGeom>
+        </p:spPr>
+        <p:txBody>
+          <a:bodyPr vert="horz" lIns="91440" tIns="45720" rIns="91440" bIns="45720" rtlCol="0" anchor="ctr">
+            <a:normAutofit/>
+          </a:bodyPr>
+          <a:lstStyle>
+            <a:lvl1pPr algn="l" defTabSz="914400" rtl="0" eaLnBrk="1" latinLnBrk="0" hangingPunct="1">
+              <a:lnSpc>
+                <a:spcPct val="90000"/>
+              </a:lnSpc>
+              <a:spcBef>
+                <a:spcPct val="0"/>
+              </a:spcBef>
+              <a:buNone/>
+              <a:defRPr sz="4200" b="0" kern="1200" cap="all" baseline="0">
+                <a:blipFill>
+                  <a:blip r:embed="rId4">
+                    <a:extLst>
+                      <a:ext uri="{28A0092B-C50C-407E-A947-70E740481C1C}">
+                        <a14:useLocalDpi xmlns:a14="http://schemas.microsoft.com/office/drawing/2010/main" val="0"/>
+                      </a:ext>
+                    </a:extLst>
+                  </a:blip>
+                  <a:tile tx="6350" ty="-127000" sx="65000" sy="64000" flip="none" algn="tl"/>
+                </a:blipFill>
+                <a:latin typeface="+mj-lt"/>
+                <a:ea typeface="+mj-ea"/>
+                <a:cs typeface="+mj-cs"/>
+              </a:defRPr>
+            </a:lvl1pPr>
+          </a:lstStyle>
+          <a:p>
+            <a:endParaRPr lang="en-US" sz="3200" dirty="0"/>
+          </a:p>
+        </p:txBody>
+      </p:sp>
+      <p:sp>
+        <p:nvSpPr>
+          <p:cNvPr id="9" name="Прямоугольник 8"/>
+          <p:cNvSpPr/>
+          <p:nvPr/>
+        </p:nvSpPr>
+        <p:spPr>
+          <a:xfrm>
+            <a:off x="427938" y="794912"/>
+            <a:ext cx="4538411" cy="1508105"/>
+          </a:xfrm>
+          <a:prstGeom prst="rect">
+            <a:avLst/>
+          </a:prstGeom>
+        </p:spPr>
+        <p:txBody>
+          <a:bodyPr wrap="square">
+            <a:spAutoFit/>
+          </a:bodyPr>
+          <a:lstStyle/>
+          <a:p>
+            <a:pPr>
+              <a:lnSpc>
+                <a:spcPct val="115000"/>
+              </a:lnSpc>
+              <a:tabLst>
+                <a:tab pos="183506" algn="l"/>
+              </a:tabLst>
+            </a:pPr>
+            <a:r>
+              <a:rPr lang="ru-RU" sz="1600" dirty="0">
+                <a:latin typeface="Times New Roman" panose="02020603050405020304" pitchFamily="18" charset="0"/>
+                <a:ea typeface="Times New Roman" panose="02020603050405020304" pitchFamily="18" charset="0"/>
+              </a:rPr>
+              <a:t>Генетический алгоритм использует механизмы естественного отбора для эволюции популяции решений, что позволяет находить оптимальные или близкие к оптимальным маршруты в задаче маршрутизации.</a:t>
+            </a:r>
+            <a:endParaRPr lang="ru-RU" sz="1600" dirty="0">
+              <a:latin typeface="Times New Roman" panose="02020603050405020304" pitchFamily="18" charset="0"/>
+              <a:ea typeface="Times New Roman" panose="02020603050405020304" pitchFamily="18" charset="0"/>
+            </a:endParaRPr>
+          </a:p>
+        </p:txBody>
+      </p:sp>
+      <p:sp>
+        <p:nvSpPr>
+          <p:cNvPr id="10" name="Rectangle 2"/>
+          <p:cNvSpPr>
+            <a:spLocks noChangeArrowheads="1"/>
+          </p:cNvSpPr>
+          <p:nvPr/>
+        </p:nvSpPr>
+        <p:spPr bwMode="auto">
+          <a:xfrm>
+            <a:off x="315054" y="2677493"/>
+            <a:ext cx="5756216" cy="4508927"/>
+          </a:xfrm>
+          <a:prstGeom prst="rect">
+            <a:avLst/>
+          </a:prstGeom>
+          <a:noFill/>
+          <a:ln>
+            <a:noFill/>
+          </a:ln>
+          <a:effectLst/>
+          <a:extLst>
+            <a:ext uri="{909E8E84-426E-40DD-AFC4-6F175D3DCCD1}">
+              <a14:hiddenFill xmlns:a14="http://schemas.microsoft.com/office/drawing/2010/main">
+                <a:solidFill>
+                  <a:schemeClr val="accent1"/>
+                </a:solidFill>
+              </a14:hiddenFill>
+            </a:ext>
+            <a:ext uri="{91240B29-F687-4F45-9708-019B960494DF}">
+              <a14:hiddenLine xmlns:a14="http://schemas.microsoft.com/office/drawing/2010/main" w="9525">
+                <a:solidFill>
+                  <a:schemeClr val="tx1"/>
+                </a:solidFill>
+                <a:miter lim="800000"/>
+                <a:headEnd/>
+                <a:tailEnd/>
+              </a14:hiddenLine>
+            </a:ext>
+            <a:ext uri="{AF507438-7753-43E0-B8FC-AC1667EBCBE1}">
+              <a14:hiddenEffects xmlns:a14="http://schemas.microsoft.com/office/drawing/2010/main">
+                <a:effectLst>
+                  <a:outerShdw dist="35921" dir="2700000" algn="ctr" rotWithShape="0">
+                    <a:schemeClr val="bg2"/>
+                  </a:outerShdw>
+                </a:effectLst>
+              </a14:hiddenEffects>
+            </a:ext>
+          </a:extLst>
+        </p:spPr>
+        <p:txBody>
+          <a:bodyPr vert="horz" wrap="square" lIns="91440" tIns="45720" rIns="91440" bIns="0" numCol="1" anchor="ctr" anchorCtr="0" compatLnSpc="1">
+            <a:prstTxWarp prst="textNoShape">
+              <a:avLst/>
+            </a:prstTxWarp>
+            <a:spAutoFit/>
+          </a:bodyPr>
+          <a:lstStyle/>
+          <a:p>
+            <a:pPr defTabSz="914354" eaLnBrk="0" fontAlgn="base" hangingPunct="0">
+              <a:spcBef>
+                <a:spcPct val="0"/>
+              </a:spcBef>
+              <a:spcAft>
+                <a:spcPct val="0"/>
+              </a:spcAft>
+            </a:pPr>
+            <a:r>
+              <a:rPr lang="en-US" altLang="en-US" sz="1400" b="1" dirty="0" err="1">
+                <a:latin typeface="Courier New" panose="02070309020205020404" pitchFamily="49" charset="0"/>
+                <a:ea typeface="Times New Roman" panose="02020603050405020304" pitchFamily="18" charset="0"/>
+                <a:cs typeface="Courier New" panose="02070309020205020404" pitchFamily="49" charset="0"/>
+              </a:rPr>
+              <a:t>GeneticAlgorithmRouting</a:t>
+            </a:r>
+            <a:r>
+              <a:rPr lang="en-US" altLang="en-US" sz="1400" b="1" dirty="0">
+                <a:latin typeface="Courier New" panose="02070309020205020404" pitchFamily="49" charset="0"/>
+                <a:ea typeface="Times New Roman" panose="02020603050405020304" pitchFamily="18" charset="0"/>
+                <a:cs typeface="Courier New" panose="02070309020205020404" pitchFamily="49" charset="0"/>
+              </a:rPr>
+              <a:t>(start, points, goal, </a:t>
+            </a:r>
+            <a:r>
+              <a:rPr lang="en-US" altLang="en-US" sz="1400" b="1" dirty="0" err="1">
+                <a:latin typeface="Courier New" panose="02070309020205020404" pitchFamily="49" charset="0"/>
+                <a:ea typeface="Times New Roman" panose="02020603050405020304" pitchFamily="18" charset="0"/>
+                <a:cs typeface="Courier New" panose="02070309020205020404" pitchFamily="49" charset="0"/>
+              </a:rPr>
+              <a:t>population_size</a:t>
+            </a:r>
+            <a:r>
+              <a:rPr lang="en-US" altLang="en-US" sz="1400" b="1" dirty="0">
+                <a:latin typeface="Courier New" panose="02070309020205020404" pitchFamily="49" charset="0"/>
+                <a:ea typeface="Times New Roman" panose="02020603050405020304" pitchFamily="18" charset="0"/>
+                <a:cs typeface="Courier New" panose="02070309020205020404" pitchFamily="49" charset="0"/>
+              </a:rPr>
+              <a:t>, generations, </a:t>
+            </a:r>
+            <a:r>
+              <a:rPr lang="en-US" altLang="en-US" sz="1400" b="1" dirty="0" err="1">
+                <a:latin typeface="Courier New" panose="02070309020205020404" pitchFamily="49" charset="0"/>
+                <a:ea typeface="Times New Roman" panose="02020603050405020304" pitchFamily="18" charset="0"/>
+                <a:cs typeface="Courier New" panose="02070309020205020404" pitchFamily="49" charset="0"/>
+              </a:rPr>
+              <a:t>mutation_rate</a:t>
+            </a:r>
+            <a:r>
+              <a:rPr lang="en-US" altLang="en-US" sz="1400" b="1" dirty="0">
+                <a:latin typeface="Courier New" panose="02070309020205020404" pitchFamily="49" charset="0"/>
+                <a:ea typeface="Times New Roman" panose="02020603050405020304" pitchFamily="18" charset="0"/>
+                <a:cs typeface="Courier New" panose="02070309020205020404" pitchFamily="49" charset="0"/>
+              </a:rPr>
+              <a:t>):</a:t>
+            </a:r>
+          </a:p>
+          <a:p>
+            <a:pPr marL="228589" indent="-228589" defTabSz="914354" eaLnBrk="0" fontAlgn="base" hangingPunct="0">
+              <a:spcBef>
+                <a:spcPct val="0"/>
+              </a:spcBef>
+              <a:spcAft>
+                <a:spcPct val="0"/>
+              </a:spcAft>
+              <a:buFontTx/>
+              <a:buAutoNum type="arabicPlain"/>
+            </a:pPr>
+            <a:r>
+              <a:rPr lang="en-US" altLang="en-US" sz="1400" dirty="0">
+                <a:latin typeface="Courier New" panose="02070309020205020404" pitchFamily="49" charset="0"/>
+                <a:ea typeface="Times New Roman" panose="02020603050405020304" pitchFamily="18" charset="0"/>
+                <a:cs typeface="Courier New" panose="02070309020205020404" pitchFamily="49" charset="0"/>
+              </a:rPr>
+              <a:t>population ← </a:t>
+            </a:r>
+            <a:r>
+              <a:rPr lang="ru-RU" altLang="en-US" sz="1400" dirty="0">
+                <a:latin typeface="Courier New" panose="02070309020205020404" pitchFamily="49" charset="0"/>
+                <a:ea typeface="Times New Roman" panose="02020603050405020304" pitchFamily="18" charset="0"/>
+                <a:cs typeface="Courier New" panose="02070309020205020404" pitchFamily="49" charset="0"/>
+              </a:rPr>
+              <a:t>случайная популяция маршрутов</a:t>
+            </a:r>
+          </a:p>
+          <a:p>
+            <a:pPr marL="228589" indent="-228589" defTabSz="914354" eaLnBrk="0" fontAlgn="base" hangingPunct="0">
+              <a:spcBef>
+                <a:spcPct val="0"/>
+              </a:spcBef>
+              <a:spcAft>
+                <a:spcPct val="0"/>
+              </a:spcAft>
+              <a:buFontTx/>
+              <a:buAutoNum type="arabicPlain"/>
+            </a:pPr>
+            <a:r>
+              <a:rPr lang="ru-RU" altLang="en-US" sz="1400" b="1" dirty="0">
+                <a:latin typeface="Courier New" panose="02070309020205020404" pitchFamily="49" charset="0"/>
+                <a:ea typeface="Times New Roman" panose="02020603050405020304" pitchFamily="18" charset="0"/>
+                <a:cs typeface="Courier New" panose="02070309020205020404" pitchFamily="49" charset="0"/>
+              </a:rPr>
+              <a:t>для</a:t>
+            </a:r>
+            <a:r>
+              <a:rPr lang="ru-RU" altLang="en-US" sz="1400" dirty="0">
+                <a:latin typeface="Courier New" panose="02070309020205020404" pitchFamily="49" charset="0"/>
+                <a:ea typeface="Times New Roman" panose="02020603050405020304" pitchFamily="18" charset="0"/>
+                <a:cs typeface="Courier New" panose="02070309020205020404" pitchFamily="49" charset="0"/>
+              </a:rPr>
+              <a:t> поколения от 1 до </a:t>
+            </a:r>
+            <a:r>
+              <a:rPr lang="en-US" altLang="en-US" sz="1400" dirty="0">
+                <a:latin typeface="Courier New" panose="02070309020205020404" pitchFamily="49" charset="0"/>
+                <a:ea typeface="Times New Roman" panose="02020603050405020304" pitchFamily="18" charset="0"/>
+                <a:cs typeface="Courier New" panose="02070309020205020404" pitchFamily="49" charset="0"/>
+              </a:rPr>
+              <a:t>generations:</a:t>
+            </a:r>
+          </a:p>
+          <a:p>
+            <a:pPr marL="228589" indent="-228589" defTabSz="914354" eaLnBrk="0" fontAlgn="base" hangingPunct="0">
+              <a:spcBef>
+                <a:spcPct val="0"/>
+              </a:spcBef>
+              <a:spcAft>
+                <a:spcPct val="0"/>
+              </a:spcAft>
+              <a:buFontTx/>
+              <a:buAutoNum type="arabicPlain"/>
+            </a:pPr>
+            <a:r>
+              <a:rPr lang="en-US" altLang="en-US" sz="1400" dirty="0">
+                <a:latin typeface="Courier New" panose="02070309020205020404" pitchFamily="49" charset="0"/>
+                <a:ea typeface="Times New Roman" panose="02020603050405020304" pitchFamily="18" charset="0"/>
+                <a:cs typeface="Courier New" panose="02070309020205020404" pitchFamily="49" charset="0"/>
+              </a:rPr>
+              <a:t>    </a:t>
+            </a:r>
+            <a:r>
+              <a:rPr lang="ru-RU" altLang="en-US" sz="1400" dirty="0">
+                <a:latin typeface="Courier New" panose="02070309020205020404" pitchFamily="49" charset="0"/>
+                <a:ea typeface="Times New Roman" panose="02020603050405020304" pitchFamily="18" charset="0"/>
+                <a:cs typeface="Courier New" panose="02070309020205020404" pitchFamily="49" charset="0"/>
+              </a:rPr>
+              <a:t>оценить все маршруты</a:t>
+            </a:r>
+          </a:p>
+          <a:p>
+            <a:pPr marL="228589" indent="-228589" defTabSz="914354" eaLnBrk="0" fontAlgn="base" hangingPunct="0">
+              <a:spcBef>
+                <a:spcPct val="0"/>
+              </a:spcBef>
+              <a:spcAft>
+                <a:spcPct val="0"/>
+              </a:spcAft>
+              <a:buFontTx/>
+              <a:buAutoNum type="arabicPlain"/>
+            </a:pPr>
+            <a:r>
+              <a:rPr lang="ru-RU" altLang="en-US" sz="1400" dirty="0">
+                <a:latin typeface="Courier New" panose="02070309020205020404" pitchFamily="49" charset="0"/>
+                <a:ea typeface="Times New Roman" panose="02020603050405020304" pitchFamily="18" charset="0"/>
+                <a:cs typeface="Courier New" panose="02070309020205020404" pitchFamily="49" charset="0"/>
+              </a:rPr>
+              <a:t>    </a:t>
+            </a:r>
+            <a:r>
+              <a:rPr lang="ru-RU" altLang="en-US" sz="1400" dirty="0" err="1">
+                <a:latin typeface="Courier New" panose="02070309020205020404" pitchFamily="49" charset="0"/>
+                <a:ea typeface="Times New Roman" panose="02020603050405020304" pitchFamily="18" charset="0"/>
+                <a:cs typeface="Courier New" panose="02070309020205020404" pitchFamily="49" charset="0"/>
+              </a:rPr>
+              <a:t>лучший_маршрут</a:t>
+            </a:r>
+            <a:r>
+              <a:rPr lang="ru-RU" altLang="en-US" sz="1400" dirty="0">
+                <a:latin typeface="Courier New" panose="02070309020205020404" pitchFamily="49" charset="0"/>
+                <a:ea typeface="Times New Roman" panose="02020603050405020304" pitchFamily="18" charset="0"/>
+                <a:cs typeface="Courier New" panose="02070309020205020404" pitchFamily="49" charset="0"/>
+              </a:rPr>
+              <a:t> ← лучший из </a:t>
+            </a:r>
+            <a:r>
+              <a:rPr lang="en-US" altLang="en-US" sz="1400" dirty="0">
+                <a:latin typeface="Courier New" panose="02070309020205020404" pitchFamily="49" charset="0"/>
+                <a:ea typeface="Times New Roman" panose="02020603050405020304" pitchFamily="18" charset="0"/>
+                <a:cs typeface="Courier New" panose="02070309020205020404" pitchFamily="49" charset="0"/>
+              </a:rPr>
+              <a:t>population</a:t>
+            </a:r>
+          </a:p>
+          <a:p>
+            <a:pPr marL="228589" indent="-228589" defTabSz="914354" eaLnBrk="0" fontAlgn="base" hangingPunct="0">
+              <a:spcBef>
+                <a:spcPct val="0"/>
+              </a:spcBef>
+              <a:spcAft>
+                <a:spcPct val="0"/>
+              </a:spcAft>
+              <a:buFontTx/>
+              <a:buAutoNum type="arabicPlain"/>
+            </a:pPr>
+            <a:r>
+              <a:rPr lang="en-US" altLang="en-US" sz="1400" dirty="0">
+                <a:latin typeface="Courier New" panose="02070309020205020404" pitchFamily="49" charset="0"/>
+                <a:ea typeface="Times New Roman" panose="02020603050405020304" pitchFamily="18" charset="0"/>
+                <a:cs typeface="Courier New" panose="02070309020205020404" pitchFamily="49" charset="0"/>
+              </a:rPr>
+              <a:t>    </a:t>
+            </a:r>
+            <a:r>
+              <a:rPr lang="ru-RU" altLang="en-US" sz="1400" dirty="0" err="1">
+                <a:latin typeface="Courier New" panose="02070309020205020404" pitchFamily="49" charset="0"/>
+                <a:ea typeface="Times New Roman" panose="02020603050405020304" pitchFamily="18" charset="0"/>
+                <a:cs typeface="Courier New" panose="02070309020205020404" pitchFamily="49" charset="0"/>
+              </a:rPr>
+              <a:t>лучшие_маршруты</a:t>
+            </a:r>
+            <a:r>
+              <a:rPr lang="ru-RU" altLang="en-US" sz="1400" dirty="0">
+                <a:latin typeface="Courier New" panose="02070309020205020404" pitchFamily="49" charset="0"/>
+                <a:ea typeface="Times New Roman" panose="02020603050405020304" pitchFamily="18" charset="0"/>
+                <a:cs typeface="Courier New" panose="02070309020205020404" pitchFamily="49" charset="0"/>
+              </a:rPr>
+              <a:t> ← первые 10% </a:t>
+            </a:r>
+            <a:r>
+              <a:rPr lang="en-US" altLang="en-US" sz="1400" dirty="0">
+                <a:latin typeface="Courier New" panose="02070309020205020404" pitchFamily="49" charset="0"/>
+                <a:ea typeface="Times New Roman" panose="02020603050405020304" pitchFamily="18" charset="0"/>
+                <a:cs typeface="Courier New" panose="02070309020205020404" pitchFamily="49" charset="0"/>
+              </a:rPr>
+              <a:t>population</a:t>
+            </a:r>
+          </a:p>
+          <a:p>
+            <a:pPr marL="228589" indent="-228589" defTabSz="914354" eaLnBrk="0" fontAlgn="base" hangingPunct="0">
+              <a:spcBef>
+                <a:spcPct val="0"/>
+              </a:spcBef>
+              <a:spcAft>
+                <a:spcPct val="0"/>
+              </a:spcAft>
+              <a:buFontTx/>
+              <a:buAutoNum type="arabicPlain"/>
+            </a:pPr>
+            <a:r>
+              <a:rPr lang="en-US" altLang="en-US" sz="1400" dirty="0">
+                <a:latin typeface="Courier New" panose="02070309020205020404" pitchFamily="49" charset="0"/>
+                <a:ea typeface="Times New Roman" panose="02020603050405020304" pitchFamily="18" charset="0"/>
+                <a:cs typeface="Courier New" panose="02070309020205020404" pitchFamily="49" charset="0"/>
+              </a:rPr>
+              <a:t>    </a:t>
+            </a:r>
+            <a:r>
+              <a:rPr lang="en-US" altLang="en-US" sz="1400" dirty="0" err="1">
+                <a:latin typeface="Courier New" panose="02070309020205020404" pitchFamily="49" charset="0"/>
+                <a:ea typeface="Times New Roman" panose="02020603050405020304" pitchFamily="18" charset="0"/>
+                <a:cs typeface="Courier New" panose="02070309020205020404" pitchFamily="49" charset="0"/>
+              </a:rPr>
+              <a:t>new_population</a:t>
+            </a:r>
+            <a:r>
+              <a:rPr lang="en-US" altLang="en-US" sz="1400" dirty="0">
+                <a:latin typeface="Courier New" panose="02070309020205020404" pitchFamily="49" charset="0"/>
+                <a:ea typeface="Times New Roman" panose="02020603050405020304" pitchFamily="18" charset="0"/>
+                <a:cs typeface="Courier New" panose="02070309020205020404" pitchFamily="49" charset="0"/>
+              </a:rPr>
+              <a:t> ← </a:t>
+            </a:r>
+            <a:r>
+              <a:rPr lang="ru-RU" altLang="en-US" sz="1400" dirty="0" err="1">
+                <a:latin typeface="Courier New" panose="02070309020205020404" pitchFamily="49" charset="0"/>
+                <a:ea typeface="Times New Roman" panose="02020603050405020304" pitchFamily="18" charset="0"/>
+                <a:cs typeface="Courier New" panose="02070309020205020404" pitchFamily="49" charset="0"/>
+              </a:rPr>
+              <a:t>лучшие_маршруты</a:t>
+            </a:r>
+            <a:endParaRPr lang="ru-RU" altLang="en-US" sz="1400" dirty="0">
+              <a:latin typeface="Courier New" panose="02070309020205020404" pitchFamily="49" charset="0"/>
+              <a:ea typeface="Times New Roman" panose="02020603050405020304" pitchFamily="18" charset="0"/>
+              <a:cs typeface="Courier New" panose="02070309020205020404" pitchFamily="49" charset="0"/>
+            </a:endParaRPr>
+          </a:p>
+          <a:p>
+            <a:pPr marL="228589" indent="-228589" defTabSz="914354" eaLnBrk="0" fontAlgn="base" hangingPunct="0">
+              <a:spcBef>
+                <a:spcPct val="0"/>
+              </a:spcBef>
+              <a:spcAft>
+                <a:spcPct val="0"/>
+              </a:spcAft>
+              <a:buFontTx/>
+              <a:buAutoNum type="arabicPlain"/>
+            </a:pPr>
+            <a:r>
+              <a:rPr lang="ru-RU" altLang="en-US" sz="1400" dirty="0">
+                <a:latin typeface="Courier New" panose="02070309020205020404" pitchFamily="49" charset="0"/>
+                <a:ea typeface="Times New Roman" panose="02020603050405020304" pitchFamily="18" charset="0"/>
+                <a:cs typeface="Courier New" panose="02070309020205020404" pitchFamily="49" charset="0"/>
+              </a:rPr>
+              <a:t>    </a:t>
+            </a:r>
+            <a:r>
+              <a:rPr lang="ru-RU" altLang="en-US" sz="1400" b="1" dirty="0">
+                <a:latin typeface="Courier New" panose="02070309020205020404" pitchFamily="49" charset="0"/>
+                <a:ea typeface="Times New Roman" panose="02020603050405020304" pitchFamily="18" charset="0"/>
+                <a:cs typeface="Courier New" panose="02070309020205020404" pitchFamily="49" charset="0"/>
+              </a:rPr>
+              <a:t>пока</a:t>
+            </a:r>
+            <a:r>
+              <a:rPr lang="ru-RU" altLang="en-US" sz="1400" dirty="0">
+                <a:latin typeface="Courier New" panose="02070309020205020404" pitchFamily="49" charset="0"/>
+                <a:ea typeface="Times New Roman" panose="02020603050405020304" pitchFamily="18" charset="0"/>
+                <a:cs typeface="Courier New" panose="02070309020205020404" pitchFamily="49" charset="0"/>
+              </a:rPr>
+              <a:t> длина </a:t>
+            </a:r>
+            <a:r>
+              <a:rPr lang="en-US" altLang="en-US" sz="1400" dirty="0" err="1">
+                <a:latin typeface="Courier New" panose="02070309020205020404" pitchFamily="49" charset="0"/>
+                <a:ea typeface="Times New Roman" panose="02020603050405020304" pitchFamily="18" charset="0"/>
+                <a:cs typeface="Courier New" panose="02070309020205020404" pitchFamily="49" charset="0"/>
+              </a:rPr>
+              <a:t>new_population</a:t>
+            </a:r>
+            <a:r>
+              <a:rPr lang="en-US" altLang="en-US" sz="1400" dirty="0">
+                <a:latin typeface="Courier New" panose="02070309020205020404" pitchFamily="49" charset="0"/>
+                <a:ea typeface="Times New Roman" panose="02020603050405020304" pitchFamily="18" charset="0"/>
+                <a:cs typeface="Courier New" panose="02070309020205020404" pitchFamily="49" charset="0"/>
+              </a:rPr>
+              <a:t> &lt; </a:t>
+            </a:r>
+            <a:r>
+              <a:rPr lang="en-US" altLang="en-US" sz="1400" dirty="0" err="1">
+                <a:latin typeface="Courier New" panose="02070309020205020404" pitchFamily="49" charset="0"/>
+                <a:ea typeface="Times New Roman" panose="02020603050405020304" pitchFamily="18" charset="0"/>
+                <a:cs typeface="Courier New" panose="02070309020205020404" pitchFamily="49" charset="0"/>
+              </a:rPr>
+              <a:t>population_size</a:t>
+            </a:r>
+            <a:r>
+              <a:rPr lang="en-US" altLang="en-US" sz="1400" dirty="0">
+                <a:latin typeface="Courier New" panose="02070309020205020404" pitchFamily="49" charset="0"/>
+                <a:ea typeface="Times New Roman" panose="02020603050405020304" pitchFamily="18" charset="0"/>
+                <a:cs typeface="Courier New" panose="02070309020205020404" pitchFamily="49" charset="0"/>
+              </a:rPr>
+              <a:t>:</a:t>
+            </a:r>
+          </a:p>
+          <a:p>
+            <a:pPr marL="228589" indent="-228589" defTabSz="914354" eaLnBrk="0" fontAlgn="base" hangingPunct="0">
+              <a:spcBef>
+                <a:spcPct val="0"/>
+              </a:spcBef>
+              <a:spcAft>
+                <a:spcPct val="0"/>
+              </a:spcAft>
+              <a:buFontTx/>
+              <a:buAutoNum type="arabicPlain"/>
+            </a:pPr>
+            <a:r>
+              <a:rPr lang="en-US" altLang="en-US" sz="1400" dirty="0">
+                <a:latin typeface="Courier New" panose="02070309020205020404" pitchFamily="49" charset="0"/>
+                <a:ea typeface="Times New Roman" panose="02020603050405020304" pitchFamily="18" charset="0"/>
+                <a:cs typeface="Courier New" panose="02070309020205020404" pitchFamily="49" charset="0"/>
+              </a:rPr>
+              <a:t>        </a:t>
+            </a:r>
+            <a:r>
+              <a:rPr lang="ru-RU" altLang="en-US" sz="1400" dirty="0">
+                <a:latin typeface="Courier New" panose="02070309020205020404" pitchFamily="49" charset="0"/>
+                <a:ea typeface="Times New Roman" panose="02020603050405020304" pitchFamily="18" charset="0"/>
+                <a:cs typeface="Courier New" panose="02070309020205020404" pitchFamily="49" charset="0"/>
+              </a:rPr>
+              <a:t>родитель1 ← случайный отбор</a:t>
+            </a:r>
+          </a:p>
+          <a:p>
+            <a:pPr marL="228589" indent="-228589" defTabSz="914354" eaLnBrk="0" fontAlgn="base" hangingPunct="0">
+              <a:spcBef>
+                <a:spcPct val="0"/>
+              </a:spcBef>
+              <a:spcAft>
+                <a:spcPct val="0"/>
+              </a:spcAft>
+              <a:buFontTx/>
+              <a:buAutoNum type="arabicPlain"/>
+            </a:pPr>
+            <a:r>
+              <a:rPr lang="ru-RU" altLang="en-US" sz="1400" dirty="0">
+                <a:latin typeface="Courier New" panose="02070309020205020404" pitchFamily="49" charset="0"/>
+                <a:ea typeface="Times New Roman" panose="02020603050405020304" pitchFamily="18" charset="0"/>
+                <a:cs typeface="Courier New" panose="02070309020205020404" pitchFamily="49" charset="0"/>
+              </a:rPr>
+              <a:t>        родитель2 ← случайный отбор</a:t>
+            </a:r>
+          </a:p>
+          <a:p>
+            <a:pPr marL="228589" indent="-228589" defTabSz="914354" eaLnBrk="0" fontAlgn="base" hangingPunct="0">
+              <a:spcBef>
+                <a:spcPct val="0"/>
+              </a:spcBef>
+              <a:spcAft>
+                <a:spcPct val="0"/>
+              </a:spcAft>
+              <a:buFontTx/>
+              <a:buAutoNum type="arabicPlain"/>
+            </a:pPr>
+            <a:r>
+              <a:rPr lang="ru-RU" altLang="en-US" sz="1400" dirty="0">
+                <a:latin typeface="Courier New" panose="02070309020205020404" pitchFamily="49" charset="0"/>
+                <a:ea typeface="Times New Roman" panose="02020603050405020304" pitchFamily="18" charset="0"/>
+                <a:cs typeface="Courier New" panose="02070309020205020404" pitchFamily="49" charset="0"/>
+              </a:rPr>
+              <a:t>        потомок ← </a:t>
+            </a:r>
+            <a:r>
+              <a:rPr lang="en-US" altLang="en-US" sz="1400" dirty="0" err="1">
+                <a:latin typeface="Courier New" panose="02070309020205020404" pitchFamily="49" charset="0"/>
+                <a:ea typeface="Times New Roman" panose="02020603050405020304" pitchFamily="18" charset="0"/>
+                <a:cs typeface="Courier New" panose="02070309020205020404" pitchFamily="49" charset="0"/>
+              </a:rPr>
+              <a:t>PMXcrossover</a:t>
+            </a:r>
+            <a:r>
+              <a:rPr lang="en-US" altLang="en-US" sz="1400" dirty="0">
+                <a:latin typeface="Courier New" panose="02070309020205020404" pitchFamily="49" charset="0"/>
+                <a:ea typeface="Times New Roman" panose="02020603050405020304" pitchFamily="18" charset="0"/>
+                <a:cs typeface="Courier New" panose="02070309020205020404" pitchFamily="49" charset="0"/>
+              </a:rPr>
+              <a:t>(</a:t>
+            </a:r>
+            <a:r>
+              <a:rPr lang="ru-RU" altLang="en-US" sz="1400" dirty="0">
+                <a:latin typeface="Courier New" panose="02070309020205020404" pitchFamily="49" charset="0"/>
+                <a:ea typeface="Times New Roman" panose="02020603050405020304" pitchFamily="18" charset="0"/>
+                <a:cs typeface="Courier New" panose="02070309020205020404" pitchFamily="49" charset="0"/>
+              </a:rPr>
+              <a:t>родитель1, родитель2)</a:t>
+            </a:r>
+          </a:p>
+          <a:p>
+            <a:pPr marL="228589" indent="-228589" defTabSz="914354" eaLnBrk="0" fontAlgn="base" hangingPunct="0">
+              <a:spcBef>
+                <a:spcPct val="0"/>
+              </a:spcBef>
+              <a:spcAft>
+                <a:spcPct val="0"/>
+              </a:spcAft>
+              <a:buFontTx/>
+              <a:buAutoNum type="arabicPlain"/>
+            </a:pPr>
+            <a:r>
+              <a:rPr lang="ru-RU" altLang="en-US" sz="1400" dirty="0">
+                <a:latin typeface="Courier New" panose="02070309020205020404" pitchFamily="49" charset="0"/>
+                <a:ea typeface="Times New Roman" panose="02020603050405020304" pitchFamily="18" charset="0"/>
+                <a:cs typeface="Courier New" panose="02070309020205020404" pitchFamily="49" charset="0"/>
+              </a:rPr>
+              <a:t>        </a:t>
+            </a:r>
+            <a:r>
+              <a:rPr lang="ru-RU" altLang="en-US" sz="1400" b="1" dirty="0">
+                <a:latin typeface="Courier New" panose="02070309020205020404" pitchFamily="49" charset="0"/>
+                <a:ea typeface="Times New Roman" panose="02020603050405020304" pitchFamily="18" charset="0"/>
+                <a:cs typeface="Courier New" panose="02070309020205020404" pitchFamily="49" charset="0"/>
+              </a:rPr>
+              <a:t>если</a:t>
+            </a:r>
+            <a:r>
+              <a:rPr lang="ru-RU" altLang="en-US" sz="1400" dirty="0">
+                <a:latin typeface="Courier New" panose="02070309020205020404" pitchFamily="49" charset="0"/>
+                <a:ea typeface="Times New Roman" panose="02020603050405020304" pitchFamily="18" charset="0"/>
+                <a:cs typeface="Courier New" panose="02070309020205020404" pitchFamily="49" charset="0"/>
+              </a:rPr>
+              <a:t> </a:t>
+            </a:r>
+            <a:r>
+              <a:rPr lang="en-US" altLang="en-US" sz="1400" dirty="0">
+                <a:latin typeface="Courier New" panose="02070309020205020404" pitchFamily="49" charset="0"/>
+                <a:ea typeface="Times New Roman" panose="02020603050405020304" pitchFamily="18" charset="0"/>
+                <a:cs typeface="Courier New" panose="02070309020205020404" pitchFamily="49" charset="0"/>
+              </a:rPr>
+              <a:t>random() &lt; </a:t>
+            </a:r>
+            <a:r>
+              <a:rPr lang="en-US" altLang="en-US" sz="1400" dirty="0" err="1">
+                <a:latin typeface="Courier New" panose="02070309020205020404" pitchFamily="49" charset="0"/>
+                <a:ea typeface="Times New Roman" panose="02020603050405020304" pitchFamily="18" charset="0"/>
+                <a:cs typeface="Courier New" panose="02070309020205020404" pitchFamily="49" charset="0"/>
+              </a:rPr>
+              <a:t>mutation_rate</a:t>
+            </a:r>
+            <a:r>
+              <a:rPr lang="en-US" altLang="en-US" sz="1400" dirty="0">
+                <a:latin typeface="Courier New" panose="02070309020205020404" pitchFamily="49" charset="0"/>
+                <a:ea typeface="Times New Roman" panose="02020603050405020304" pitchFamily="18" charset="0"/>
+                <a:cs typeface="Courier New" panose="02070309020205020404" pitchFamily="49" charset="0"/>
+              </a:rPr>
+              <a:t>:</a:t>
+            </a:r>
+          </a:p>
+          <a:p>
+            <a:pPr marL="228589" indent="-228589" defTabSz="914354" eaLnBrk="0" fontAlgn="base" hangingPunct="0">
+              <a:spcBef>
+                <a:spcPct val="0"/>
+              </a:spcBef>
+              <a:spcAft>
+                <a:spcPct val="0"/>
+              </a:spcAft>
+              <a:buFontTx/>
+              <a:buAutoNum type="arabicPlain"/>
+            </a:pPr>
+            <a:r>
+              <a:rPr lang="en-US" altLang="en-US" sz="1400" dirty="0">
+                <a:latin typeface="Courier New" panose="02070309020205020404" pitchFamily="49" charset="0"/>
+                <a:ea typeface="Times New Roman" panose="02020603050405020304" pitchFamily="18" charset="0"/>
+                <a:cs typeface="Courier New" panose="02070309020205020404" pitchFamily="49" charset="0"/>
+              </a:rPr>
+              <a:t>            </a:t>
+            </a:r>
+            <a:r>
+              <a:rPr lang="ru-RU" altLang="en-US" sz="1400" dirty="0">
+                <a:latin typeface="Courier New" panose="02070309020205020404" pitchFamily="49" charset="0"/>
+                <a:ea typeface="Times New Roman" panose="02020603050405020304" pitchFamily="18" charset="0"/>
+                <a:cs typeface="Courier New" panose="02070309020205020404" pitchFamily="49" charset="0"/>
+              </a:rPr>
+              <a:t>потомок ← мутация(потомок)</a:t>
+            </a:r>
+          </a:p>
+          <a:p>
+            <a:pPr marL="228589" indent="-228589" defTabSz="914354" eaLnBrk="0" fontAlgn="base" hangingPunct="0">
+              <a:spcBef>
+                <a:spcPct val="0"/>
+              </a:spcBef>
+              <a:spcAft>
+                <a:spcPct val="0"/>
+              </a:spcAft>
+              <a:buFontTx/>
+              <a:buAutoNum type="arabicPlain"/>
+            </a:pPr>
+            <a:r>
+              <a:rPr lang="ru-RU" altLang="en-US" sz="1400" dirty="0">
+                <a:latin typeface="Courier New" panose="02070309020205020404" pitchFamily="49" charset="0"/>
+                <a:ea typeface="Times New Roman" panose="02020603050405020304" pitchFamily="18" charset="0"/>
+                <a:cs typeface="Courier New" panose="02070309020205020404" pitchFamily="49" charset="0"/>
+              </a:rPr>
+              <a:t>        добавь(в </a:t>
+            </a:r>
+            <a:r>
+              <a:rPr lang="en-US" altLang="en-US" sz="1400" dirty="0" err="1">
+                <a:latin typeface="Courier New" panose="02070309020205020404" pitchFamily="49" charset="0"/>
+                <a:ea typeface="Times New Roman" panose="02020603050405020304" pitchFamily="18" charset="0"/>
+                <a:cs typeface="Courier New" panose="02070309020205020404" pitchFamily="49" charset="0"/>
+              </a:rPr>
+              <a:t>new_population</a:t>
+            </a:r>
+            <a:r>
+              <a:rPr lang="en-US" altLang="en-US" sz="1400" dirty="0">
+                <a:latin typeface="Courier New" panose="02070309020205020404" pitchFamily="49" charset="0"/>
+                <a:ea typeface="Times New Roman" panose="02020603050405020304" pitchFamily="18" charset="0"/>
+                <a:cs typeface="Courier New" panose="02070309020205020404" pitchFamily="49" charset="0"/>
+              </a:rPr>
+              <a:t>, </a:t>
+            </a:r>
+            <a:r>
+              <a:rPr lang="ru-RU" altLang="en-US" sz="1400" dirty="0">
+                <a:latin typeface="Courier New" panose="02070309020205020404" pitchFamily="49" charset="0"/>
+                <a:ea typeface="Times New Roman" panose="02020603050405020304" pitchFamily="18" charset="0"/>
+                <a:cs typeface="Courier New" panose="02070309020205020404" pitchFamily="49" charset="0"/>
+              </a:rPr>
+              <a:t>потомок)</a:t>
+            </a:r>
+          </a:p>
+          <a:p>
+            <a:pPr marL="228589" indent="-228589" defTabSz="914354" eaLnBrk="0" fontAlgn="base" hangingPunct="0">
+              <a:spcBef>
+                <a:spcPct val="0"/>
+              </a:spcBef>
+              <a:spcAft>
+                <a:spcPct val="0"/>
+              </a:spcAft>
+              <a:buFontTx/>
+              <a:buAutoNum type="arabicPlain"/>
+            </a:pPr>
+            <a:r>
+              <a:rPr lang="ru-RU" altLang="en-US" sz="1400" dirty="0">
+                <a:latin typeface="Courier New" panose="02070309020205020404" pitchFamily="49" charset="0"/>
+                <a:ea typeface="Times New Roman" panose="02020603050405020304" pitchFamily="18" charset="0"/>
+                <a:cs typeface="Courier New" panose="02070309020205020404" pitchFamily="49" charset="0"/>
+              </a:rPr>
+              <a:t>     </a:t>
+            </a:r>
+            <a:r>
+              <a:rPr lang="en-US" altLang="en-US" sz="1400" dirty="0">
+                <a:latin typeface="Courier New" panose="02070309020205020404" pitchFamily="49" charset="0"/>
+                <a:ea typeface="Times New Roman" panose="02020603050405020304" pitchFamily="18" charset="0"/>
+                <a:cs typeface="Courier New" panose="02070309020205020404" pitchFamily="49" charset="0"/>
+              </a:rPr>
+              <a:t>population ← </a:t>
+            </a:r>
+            <a:r>
+              <a:rPr lang="en-US" altLang="en-US" sz="1400" dirty="0" err="1">
+                <a:latin typeface="Courier New" panose="02070309020205020404" pitchFamily="49" charset="0"/>
+                <a:ea typeface="Times New Roman" panose="02020603050405020304" pitchFamily="18" charset="0"/>
+                <a:cs typeface="Courier New" panose="02070309020205020404" pitchFamily="49" charset="0"/>
+              </a:rPr>
+              <a:t>new_population</a:t>
+            </a:r>
+            <a:endParaRPr lang="en-US" altLang="en-US" sz="1400" dirty="0">
+              <a:latin typeface="Courier New" panose="02070309020205020404" pitchFamily="49" charset="0"/>
+              <a:ea typeface="Times New Roman" panose="02020603050405020304" pitchFamily="18" charset="0"/>
+              <a:cs typeface="Courier New" panose="02070309020205020404" pitchFamily="49" charset="0"/>
+            </a:endParaRPr>
+          </a:p>
+          <a:p>
+            <a:pPr marL="228589" indent="-228589" defTabSz="914354" eaLnBrk="0" fontAlgn="base" hangingPunct="0">
+              <a:spcBef>
+                <a:spcPct val="0"/>
+              </a:spcBef>
+              <a:spcAft>
+                <a:spcPct val="0"/>
+              </a:spcAft>
+              <a:buFontTx/>
+              <a:buAutoNum type="arabicPlain"/>
+            </a:pPr>
+            <a:r>
+              <a:rPr lang="en-US" altLang="en-US" sz="1400" dirty="0">
+                <a:latin typeface="Courier New" panose="02070309020205020404" pitchFamily="49" charset="0"/>
+                <a:ea typeface="Times New Roman" panose="02020603050405020304" pitchFamily="18" charset="0"/>
+                <a:cs typeface="Courier New" panose="02070309020205020404" pitchFamily="49" charset="0"/>
+              </a:rPr>
+              <a:t> </a:t>
+            </a:r>
+            <a:r>
+              <a:rPr lang="ru-RU" altLang="en-US" sz="1400" b="1" dirty="0">
+                <a:latin typeface="Courier New" panose="02070309020205020404" pitchFamily="49" charset="0"/>
+                <a:ea typeface="Times New Roman" panose="02020603050405020304" pitchFamily="18" charset="0"/>
+                <a:cs typeface="Courier New" panose="02070309020205020404" pitchFamily="49" charset="0"/>
+              </a:rPr>
+              <a:t>вернуть</a:t>
+            </a:r>
+            <a:r>
+              <a:rPr lang="ru-RU" altLang="en-US" sz="1400" dirty="0">
+                <a:latin typeface="Courier New" panose="02070309020205020404" pitchFamily="49" charset="0"/>
+                <a:ea typeface="Times New Roman" panose="02020603050405020304" pitchFamily="18" charset="0"/>
+                <a:cs typeface="Courier New" panose="02070309020205020404" pitchFamily="49" charset="0"/>
+              </a:rPr>
+              <a:t> </a:t>
+            </a:r>
+            <a:r>
+              <a:rPr lang="ru-RU" altLang="en-US" sz="1400" dirty="0" err="1">
+                <a:latin typeface="Courier New" panose="02070309020205020404" pitchFamily="49" charset="0"/>
+                <a:ea typeface="Times New Roman" panose="02020603050405020304" pitchFamily="18" charset="0"/>
+                <a:cs typeface="Courier New" panose="02070309020205020404" pitchFamily="49" charset="0"/>
+              </a:rPr>
+              <a:t>лучший_маршрут</a:t>
+            </a:r>
+            <a:endParaRPr lang="ru-RU" altLang="en-US" sz="1400" dirty="0">
+              <a:latin typeface="Courier New" panose="02070309020205020404" pitchFamily="49" charset="0"/>
+              <a:ea typeface="Times New Roman" panose="02020603050405020304" pitchFamily="18" charset="0"/>
+              <a:cs typeface="Courier New" panose="02070309020205020404" pitchFamily="49" charset="0"/>
+            </a:endParaRPr>
+          </a:p>
+          <a:p>
+            <a:pPr marL="228589" indent="-228589" defTabSz="914354" eaLnBrk="0" fontAlgn="base" hangingPunct="0">
+              <a:spcBef>
+                <a:spcPct val="0"/>
+              </a:spcBef>
+              <a:spcAft>
+                <a:spcPct val="0"/>
+              </a:spcAft>
+              <a:buFontTx/>
+              <a:buAutoNum type="arabicPlain"/>
+            </a:pPr>
+            <a:endParaRPr lang="ru-RU" altLang="en-US" sz="1400" dirty="0">
+              <a:latin typeface="Courier New" panose="02070309020205020404" pitchFamily="49" charset="0"/>
+              <a:ea typeface="Times New Roman" panose="02020603050405020304" pitchFamily="18" charset="0"/>
+              <a:cs typeface="Courier New" panose="02070309020205020404" pitchFamily="49" charset="0"/>
+            </a:endParaRPr>
+          </a:p>
+          <a:p>
+            <a:pPr marL="228589" indent="-228589" defTabSz="914354" eaLnBrk="0" fontAlgn="base" hangingPunct="0">
+              <a:spcBef>
+                <a:spcPct val="0"/>
+              </a:spcBef>
+              <a:spcAft>
+                <a:spcPct val="0"/>
+              </a:spcAft>
+              <a:buFontTx/>
+              <a:buAutoNum type="arabicPlain"/>
+            </a:pPr>
+            <a:endParaRPr lang="ru-RU" altLang="en-US" sz="1200" dirty="0">
+              <a:latin typeface="Courier New" panose="02070309020205020404" pitchFamily="49" charset="0"/>
+              <a:ea typeface="Times New Roman" panose="02020603050405020304" pitchFamily="18" charset="0"/>
+              <a:cs typeface="Courier New" panose="02070309020205020404" pitchFamily="49" charset="0"/>
+            </a:endParaRPr>
+          </a:p>
+          <a:p>
+            <a:pPr marL="228589" indent="-228589" defTabSz="914354" eaLnBrk="0" fontAlgn="base" hangingPunct="0">
+              <a:spcBef>
+                <a:spcPct val="0"/>
+              </a:spcBef>
+              <a:spcAft>
+                <a:spcPct val="0"/>
+              </a:spcAft>
+              <a:buFontTx/>
+              <a:buAutoNum type="arabicPlain"/>
+            </a:pPr>
+            <a:endParaRPr lang="en-US" altLang="en-US" sz="1200" b="1" dirty="0">
+              <a:latin typeface="Courier New" panose="02070309020205020404" pitchFamily="49" charset="0"/>
+              <a:ea typeface="Times New Roman" panose="02020603050405020304" pitchFamily="18" charset="0"/>
+              <a:cs typeface="Courier New" panose="02070309020205020404" pitchFamily="49" charset="0"/>
+            </a:endParaRPr>
+          </a:p>
+        </p:txBody>
+      </p:sp>
+    </p:spTree>
+    <p:extLst>
+      <p:ext uri="{BB962C8B-B14F-4D97-AF65-F5344CB8AC3E}">
+        <p14:creationId xmlns:p14="http://schemas.microsoft.com/office/powerpoint/2010/main" val="1262897724"/>
+      </p:ext>
+    </p:extLst>
+  </p:cSld>
+  <p:clrMapOvr>
+    <a:masterClrMapping/>
+  </p:clrMapOvr>
+  <p:timing>
+    <p:tnLst>
+      <p:par>
+        <p:cTn id="1" dur="indefinite" restart="never" nodeType="tmRoot"/>
+      </p:par>
+    </p:tnLst>
+  </p:timing>
+</p:sld>
+</file>
+
+<file path=ppt/slides/slide7.xml><?xml version="1.0" encoding="utf-8"?>
+<p:sld xmlns:a="http://schemas.openxmlformats.org/drawingml/2006/main" xmlns:r="http://schemas.openxmlformats.org/officeDocument/2006/relationships" xmlns:p="http://schemas.openxmlformats.org/presentationml/2006/main">
+  <p:cSld>
+    <p:spTree>
+      <p:nvGrpSpPr>
+        <p:cNvPr id="1" name=""/>
+        <p:cNvGrpSpPr/>
+        <p:nvPr/>
+      </p:nvGrpSpPr>
+      <p:grpSpPr>
+        <a:xfrm>
+          <a:off x="0" y="0"/>
+          <a:ext cx="0" cy="0"/>
+          <a:chOff x="0" y="0"/>
+          <a:chExt cx="0" cy="0"/>
+        </a:xfrm>
+      </p:grpSpPr>
       <p:graphicFrame>
         <p:nvGraphicFramePr>
           <p:cNvPr id="4" name="Объект 3"/>
@@ -7739,14 +9012,14 @@
             <p:ph idx="1"/>
             <p:extLst>
               <p:ext uri="{D42A27DB-BD31-4B8C-83A1-F6EECF244321}">
-                <p14:modId xmlns:p14="http://schemas.microsoft.com/office/powerpoint/2010/main" val="3076093909"/>
+                <p14:modId xmlns:p14="http://schemas.microsoft.com/office/powerpoint/2010/main" val="2455795044"/>
               </p:ext>
             </p:extLst>
           </p:nvPr>
         </p:nvGraphicFramePr>
         <p:xfrm>
-          <a:off x="806336" y="515390"/>
-          <a:ext cx="7764087" cy="5262752"/>
+          <a:off x="806339" y="515388"/>
+          <a:ext cx="7764087" cy="5513936"/>
         </p:xfrm>
         <a:graphic>
           <a:graphicData uri="http://schemas.openxmlformats.org/drawingml/2006/table">
@@ -7791,7 +9064,7 @@
                   </a:extLst>
                 </a:gridCol>
               </a:tblGrid>
-              <a:tr h="739832">
+              <a:tr h="1110229">
                 <a:tc>
                   <a:txBody>
                     <a:bodyPr/>
@@ -7806,14 +9079,15 @@
                         </a:spcAft>
                       </a:pPr>
                       <a:r>
-                        <a:rPr lang="ru-RU" sz="1100" dirty="0">
+                        <a:rPr lang="ru-RU" sz="1400" dirty="0">
                           <a:effectLst/>
+                          <a:latin typeface="+mn-lt"/>
                         </a:rPr>
                         <a:t>Количество точек</a:t>
                       </a:r>
-                      <a:endParaRPr lang="en-US" sz="1100" dirty="0">
+                      <a:endParaRPr lang="en-US" sz="1400" dirty="0">
                         <a:effectLst/>
-                        <a:latin typeface="Calibri" panose="020F0502020204030204" pitchFamily="34" charset="0"/>
+                        <a:latin typeface="+mn-lt"/>
                         <a:ea typeface="Times New Roman" panose="02020603050405020304" pitchFamily="18" charset="0"/>
                         <a:cs typeface="Times New Roman" panose="02020603050405020304" pitchFamily="18" charset="0"/>
                       </a:endParaRPr>
@@ -7835,14 +9109,15 @@
                         </a:spcAft>
                       </a:pPr>
                       <a:r>
-                        <a:rPr lang="ru-RU" sz="1100" dirty="0">
+                        <a:rPr lang="ru-RU" sz="1400" dirty="0">
                           <a:effectLst/>
+                          <a:latin typeface="+mn-lt"/>
                         </a:rPr>
                         <a:t>Использованный алгоритм</a:t>
                       </a:r>
-                      <a:endParaRPr lang="en-US" sz="1100" dirty="0">
+                      <a:endParaRPr lang="en-US" sz="1400" dirty="0">
                         <a:effectLst/>
-                        <a:latin typeface="Calibri" panose="020F0502020204030204" pitchFamily="34" charset="0"/>
+                        <a:latin typeface="+mn-lt"/>
                         <a:ea typeface="Times New Roman" panose="02020603050405020304" pitchFamily="18" charset="0"/>
                         <a:cs typeface="Times New Roman" panose="02020603050405020304" pitchFamily="18" charset="0"/>
                       </a:endParaRPr>
@@ -7864,14 +9139,15 @@
                         </a:spcAft>
                       </a:pPr>
                       <a:r>
-                        <a:rPr lang="ru-RU" sz="1100">
+                        <a:rPr lang="ru-RU" sz="1400">
                           <a:effectLst/>
+                          <a:latin typeface="+mn-lt"/>
                         </a:rPr>
                         <a:t>Количество проверок</a:t>
                       </a:r>
-                      <a:endParaRPr lang="en-US" sz="1100">
+                      <a:endParaRPr lang="en-US" sz="1400">
                         <a:effectLst/>
-                        <a:latin typeface="Calibri" panose="020F0502020204030204" pitchFamily="34" charset="0"/>
+                        <a:latin typeface="+mn-lt"/>
                         <a:ea typeface="Times New Roman" panose="02020603050405020304" pitchFamily="18" charset="0"/>
                         <a:cs typeface="Times New Roman" panose="02020603050405020304" pitchFamily="18" charset="0"/>
                       </a:endParaRPr>
@@ -7893,14 +9169,15 @@
                         </a:spcAft>
                       </a:pPr>
                       <a:r>
-                        <a:rPr lang="ru-RU" sz="1100">
+                        <a:rPr lang="ru-RU" sz="1400">
                           <a:effectLst/>
+                          <a:latin typeface="+mn-lt"/>
                         </a:rPr>
                         <a:t>Количество просчитанных путей</a:t>
                       </a:r>
-                      <a:endParaRPr lang="en-US" sz="1100">
+                      <a:endParaRPr lang="en-US" sz="1400">
                         <a:effectLst/>
-                        <a:latin typeface="Calibri" panose="020F0502020204030204" pitchFamily="34" charset="0"/>
+                        <a:latin typeface="+mn-lt"/>
                         <a:ea typeface="Times New Roman" panose="02020603050405020304" pitchFamily="18" charset="0"/>
                         <a:cs typeface="Times New Roman" panose="02020603050405020304" pitchFamily="18" charset="0"/>
                       </a:endParaRPr>
@@ -7922,14 +9199,15 @@
                         </a:spcAft>
                       </a:pPr>
                       <a:r>
-                        <a:rPr lang="ru-RU" sz="1100" dirty="0">
+                        <a:rPr lang="ru-RU" sz="1400" dirty="0">
                           <a:effectLst/>
+                          <a:latin typeface="+mn-lt"/>
                         </a:rPr>
                         <a:t>Длина вычисленного маршрута</a:t>
                       </a:r>
-                      <a:endParaRPr lang="en-US" sz="1100" dirty="0">
+                      <a:endParaRPr lang="en-US" sz="1400" dirty="0">
                         <a:effectLst/>
-                        <a:latin typeface="Calibri" panose="020F0502020204030204" pitchFamily="34" charset="0"/>
+                        <a:latin typeface="+mn-lt"/>
                         <a:ea typeface="Times New Roman" panose="02020603050405020304" pitchFamily="18" charset="0"/>
                         <a:cs typeface="Times New Roman" panose="02020603050405020304" pitchFamily="18" charset="0"/>
                       </a:endParaRPr>
@@ -7943,7 +9221,7 @@
                   </a:ext>
                 </a:extLst>
               </a:tr>
-              <a:tr h="351806">
+              <a:tr h="527940">
                 <a:tc>
                   <a:txBody>
                     <a:bodyPr/>
@@ -7958,14 +9236,15 @@
                         </a:spcAft>
                       </a:pPr>
                       <a:r>
-                        <a:rPr lang="en-US" sz="1100">
+                        <a:rPr lang="en-US" sz="1400">
                           <a:effectLst/>
+                          <a:latin typeface="+mn-lt"/>
                         </a:rPr>
                         <a:t>8</a:t>
                       </a:r>
-                      <a:endParaRPr lang="en-US" sz="1100">
+                      <a:endParaRPr lang="en-US" sz="1400">
                         <a:effectLst/>
-                        <a:latin typeface="Calibri" panose="020F0502020204030204" pitchFamily="34" charset="0"/>
+                        <a:latin typeface="+mn-lt"/>
                         <a:ea typeface="Times New Roman" panose="02020603050405020304" pitchFamily="18" charset="0"/>
                         <a:cs typeface="Times New Roman" panose="02020603050405020304" pitchFamily="18" charset="0"/>
                       </a:endParaRPr>
@@ -7987,14 +9266,15 @@
                         </a:spcAft>
                       </a:pPr>
                       <a:r>
-                        <a:rPr lang="ru-RU" sz="1100">
+                        <a:rPr lang="ru-RU" sz="1400" dirty="0">
                           <a:effectLst/>
+                          <a:latin typeface="+mn-lt"/>
                         </a:rPr>
                         <a:t>Грубой силы</a:t>
                       </a:r>
-                      <a:endParaRPr lang="en-US" sz="1100">
+                      <a:endParaRPr lang="en-US" sz="1400" dirty="0">
                         <a:effectLst/>
-                        <a:latin typeface="Calibri" panose="020F0502020204030204" pitchFamily="34" charset="0"/>
+                        <a:latin typeface="+mn-lt"/>
                         <a:ea typeface="Times New Roman" panose="02020603050405020304" pitchFamily="18" charset="0"/>
                         <a:cs typeface="Times New Roman" panose="02020603050405020304" pitchFamily="18" charset="0"/>
                       </a:endParaRPr>
@@ -8016,14 +9296,15 @@
                         </a:spcAft>
                       </a:pPr>
                       <a:r>
-                        <a:rPr lang="en-US" sz="1100">
+                        <a:rPr lang="en-US" sz="1400">
                           <a:effectLst/>
+                          <a:latin typeface="+mn-lt"/>
                         </a:rPr>
                         <a:t>362880</a:t>
                       </a:r>
-                      <a:endParaRPr lang="en-US" sz="1100">
+                      <a:endParaRPr lang="en-US" sz="1400">
                         <a:effectLst/>
-                        <a:latin typeface="Calibri" panose="020F0502020204030204" pitchFamily="34" charset="0"/>
+                        <a:latin typeface="+mn-lt"/>
                         <a:ea typeface="Times New Roman" panose="02020603050405020304" pitchFamily="18" charset="0"/>
                         <a:cs typeface="Times New Roman" panose="02020603050405020304" pitchFamily="18" charset="0"/>
                       </a:endParaRPr>
@@ -8045,14 +9326,15 @@
                         </a:spcAft>
                       </a:pPr>
                       <a:r>
-                        <a:rPr lang="en-US" sz="1100">
+                        <a:rPr lang="en-US" sz="1400">
                           <a:effectLst/>
+                          <a:latin typeface="+mn-lt"/>
                         </a:rPr>
                         <a:t>72</a:t>
                       </a:r>
-                      <a:endParaRPr lang="en-US" sz="1100">
+                      <a:endParaRPr lang="en-US" sz="1400">
                         <a:effectLst/>
-                        <a:latin typeface="Calibri" panose="020F0502020204030204" pitchFamily="34" charset="0"/>
+                        <a:latin typeface="+mn-lt"/>
                         <a:ea typeface="Times New Roman" panose="02020603050405020304" pitchFamily="18" charset="0"/>
                         <a:cs typeface="Times New Roman" panose="02020603050405020304" pitchFamily="18" charset="0"/>
                       </a:endParaRPr>
@@ -8074,14 +9356,15 @@
                         </a:spcAft>
                       </a:pPr>
                       <a:r>
-                        <a:rPr lang="en-US" sz="1100">
+                        <a:rPr lang="en-US" sz="1400">
                           <a:effectLst/>
+                          <a:latin typeface="+mn-lt"/>
                         </a:rPr>
                         <a:t>3299.90139</a:t>
                       </a:r>
-                      <a:endParaRPr lang="en-US" sz="1100">
+                      <a:endParaRPr lang="en-US" sz="1400">
                         <a:effectLst/>
-                        <a:latin typeface="Calibri" panose="020F0502020204030204" pitchFamily="34" charset="0"/>
+                        <a:latin typeface="+mn-lt"/>
                         <a:ea typeface="Times New Roman" panose="02020603050405020304" pitchFamily="18" charset="0"/>
                         <a:cs typeface="Times New Roman" panose="02020603050405020304" pitchFamily="18" charset="0"/>
                       </a:endParaRPr>
@@ -8095,7 +9378,7 @@
                   </a:ext>
                 </a:extLst>
               </a:tr>
-              <a:tr h="351806">
+              <a:tr h="527940">
                 <a:tc>
                   <a:txBody>
                     <a:bodyPr/>
@@ -8110,14 +9393,15 @@
                         </a:spcAft>
                       </a:pPr>
                       <a:r>
-                        <a:rPr lang="en-US" sz="1100">
+                        <a:rPr lang="en-US" sz="1400">
                           <a:effectLst/>
+                          <a:latin typeface="+mn-lt"/>
                         </a:rPr>
                         <a:t>8</a:t>
                       </a:r>
-                      <a:endParaRPr lang="en-US" sz="1100">
+                      <a:endParaRPr lang="en-US" sz="1400">
                         <a:effectLst/>
-                        <a:latin typeface="Calibri" panose="020F0502020204030204" pitchFamily="34" charset="0"/>
+                        <a:latin typeface="+mn-lt"/>
                         <a:ea typeface="Times New Roman" panose="02020603050405020304" pitchFamily="18" charset="0"/>
                         <a:cs typeface="Times New Roman" panose="02020603050405020304" pitchFamily="18" charset="0"/>
                       </a:endParaRPr>
@@ -8139,14 +9423,15 @@
                         </a:spcAft>
                       </a:pPr>
                       <a:r>
-                        <a:rPr lang="ru-RU" sz="1100">
+                        <a:rPr lang="ru-RU" sz="1400" dirty="0">
                           <a:effectLst/>
+                          <a:latin typeface="+mn-lt"/>
                         </a:rPr>
                         <a:t>Ближайшего соседа</a:t>
                       </a:r>
-                      <a:endParaRPr lang="en-US" sz="1100">
+                      <a:endParaRPr lang="en-US" sz="1400" dirty="0">
                         <a:effectLst/>
-                        <a:latin typeface="Calibri" panose="020F0502020204030204" pitchFamily="34" charset="0"/>
+                        <a:latin typeface="+mn-lt"/>
                         <a:ea typeface="Times New Roman" panose="02020603050405020304" pitchFamily="18" charset="0"/>
                         <a:cs typeface="Times New Roman" panose="02020603050405020304" pitchFamily="18" charset="0"/>
                       </a:endParaRPr>
@@ -8168,14 +9453,15 @@
                         </a:spcAft>
                       </a:pPr>
                       <a:r>
-                        <a:rPr lang="en-US" sz="1100">
+                        <a:rPr lang="en-US" sz="1400">
                           <a:effectLst/>
+                          <a:latin typeface="+mn-lt"/>
                         </a:rPr>
                         <a:t>45</a:t>
                       </a:r>
-                      <a:endParaRPr lang="en-US" sz="1100">
+                      <a:endParaRPr lang="en-US" sz="1400">
                         <a:effectLst/>
-                        <a:latin typeface="Calibri" panose="020F0502020204030204" pitchFamily="34" charset="0"/>
+                        <a:latin typeface="+mn-lt"/>
                         <a:ea typeface="Times New Roman" panose="02020603050405020304" pitchFamily="18" charset="0"/>
                         <a:cs typeface="Times New Roman" panose="02020603050405020304" pitchFamily="18" charset="0"/>
                       </a:endParaRPr>
@@ -8197,14 +9483,15 @@
                         </a:spcAft>
                       </a:pPr>
                       <a:r>
-                        <a:rPr lang="en-US" sz="1100">
+                        <a:rPr lang="en-US" sz="1400">
                           <a:effectLst/>
+                          <a:latin typeface="+mn-lt"/>
                         </a:rPr>
                         <a:t>37</a:t>
                       </a:r>
-                      <a:endParaRPr lang="en-US" sz="1100">
+                      <a:endParaRPr lang="en-US" sz="1400">
                         <a:effectLst/>
-                        <a:latin typeface="Calibri" panose="020F0502020204030204" pitchFamily="34" charset="0"/>
+                        <a:latin typeface="+mn-lt"/>
                         <a:ea typeface="Times New Roman" panose="02020603050405020304" pitchFamily="18" charset="0"/>
                         <a:cs typeface="Times New Roman" panose="02020603050405020304" pitchFamily="18" charset="0"/>
                       </a:endParaRPr>
@@ -8226,14 +9513,15 @@
                         </a:spcAft>
                       </a:pPr>
                       <a:r>
-                        <a:rPr lang="en-US" sz="1100">
+                        <a:rPr lang="en-US" sz="1400">
                           <a:effectLst/>
+                          <a:latin typeface="+mn-lt"/>
                         </a:rPr>
                         <a:t>4029.61587</a:t>
                       </a:r>
-                      <a:endParaRPr lang="en-US" sz="1100">
+                      <a:endParaRPr lang="en-US" sz="1400">
                         <a:effectLst/>
-                        <a:latin typeface="Calibri" panose="020F0502020204030204" pitchFamily="34" charset="0"/>
+                        <a:latin typeface="+mn-lt"/>
                         <a:ea typeface="Times New Roman" panose="02020603050405020304" pitchFamily="18" charset="0"/>
                         <a:cs typeface="Times New Roman" panose="02020603050405020304" pitchFamily="18" charset="0"/>
                       </a:endParaRPr>
@@ -8247,7 +9535,7 @@
                   </a:ext>
                 </a:extLst>
               </a:tr>
-              <a:tr h="351806">
+              <a:tr h="527940">
                 <a:tc>
                   <a:txBody>
                     <a:bodyPr/>
@@ -8262,14 +9550,15 @@
                         </a:spcAft>
                       </a:pPr>
                       <a:r>
-                        <a:rPr lang="en-US" sz="1100">
+                        <a:rPr lang="en-US" sz="1400" dirty="0">
                           <a:effectLst/>
+                          <a:latin typeface="+mn-lt"/>
                         </a:rPr>
                         <a:t>20</a:t>
                       </a:r>
-                      <a:endParaRPr lang="en-US" sz="1100">
+                      <a:endParaRPr lang="en-US" sz="1400" dirty="0">
                         <a:effectLst/>
-                        <a:latin typeface="Calibri" panose="020F0502020204030204" pitchFamily="34" charset="0"/>
+                        <a:latin typeface="+mn-lt"/>
                         <a:ea typeface="Times New Roman" panose="02020603050405020304" pitchFamily="18" charset="0"/>
                         <a:cs typeface="Times New Roman" panose="02020603050405020304" pitchFamily="18" charset="0"/>
                       </a:endParaRPr>
@@ -8291,14 +9580,15 @@
                         </a:spcAft>
                       </a:pPr>
                       <a:r>
-                        <a:rPr lang="ru-RU" sz="1100">
+                        <a:rPr lang="ru-RU" sz="1400" dirty="0">
                           <a:effectLst/>
+                          <a:latin typeface="+mn-lt"/>
                         </a:rPr>
                         <a:t>Ближайшего соседа</a:t>
                       </a:r>
-                      <a:endParaRPr lang="en-US" sz="1100">
+                      <a:endParaRPr lang="en-US" sz="1400" dirty="0">
                         <a:effectLst/>
-                        <a:latin typeface="Calibri" panose="020F0502020204030204" pitchFamily="34" charset="0"/>
+                        <a:latin typeface="+mn-lt"/>
                         <a:ea typeface="Times New Roman" panose="02020603050405020304" pitchFamily="18" charset="0"/>
                         <a:cs typeface="Times New Roman" panose="02020603050405020304" pitchFamily="18" charset="0"/>
                       </a:endParaRPr>
@@ -8320,14 +9610,15 @@
                         </a:spcAft>
                       </a:pPr>
                       <a:r>
-                        <a:rPr lang="en-US" sz="1100">
+                        <a:rPr lang="en-US" sz="1400">
                           <a:effectLst/>
+                          <a:latin typeface="+mn-lt"/>
                         </a:rPr>
                         <a:t>231</a:t>
                       </a:r>
-                      <a:endParaRPr lang="en-US" sz="1100">
+                      <a:endParaRPr lang="en-US" sz="1400">
                         <a:effectLst/>
-                        <a:latin typeface="Calibri" panose="020F0502020204030204" pitchFamily="34" charset="0"/>
+                        <a:latin typeface="+mn-lt"/>
                         <a:ea typeface="Times New Roman" panose="02020603050405020304" pitchFamily="18" charset="0"/>
                         <a:cs typeface="Times New Roman" panose="02020603050405020304" pitchFamily="18" charset="0"/>
                       </a:endParaRPr>
@@ -8349,14 +9640,15 @@
                         </a:spcAft>
                       </a:pPr>
                       <a:r>
-                        <a:rPr lang="en-US" sz="1100">
+                        <a:rPr lang="en-US" sz="1400">
                           <a:effectLst/>
+                          <a:latin typeface="+mn-lt"/>
                         </a:rPr>
                         <a:t>211</a:t>
                       </a:r>
-                      <a:endParaRPr lang="en-US" sz="1100">
+                      <a:endParaRPr lang="en-US" sz="1400">
                         <a:effectLst/>
-                        <a:latin typeface="Calibri" panose="020F0502020204030204" pitchFamily="34" charset="0"/>
+                        <a:latin typeface="+mn-lt"/>
                         <a:ea typeface="Times New Roman" panose="02020603050405020304" pitchFamily="18" charset="0"/>
                         <a:cs typeface="Times New Roman" panose="02020603050405020304" pitchFamily="18" charset="0"/>
                       </a:endParaRPr>
@@ -8378,14 +9670,15 @@
                         </a:spcAft>
                       </a:pPr>
                       <a:r>
-                        <a:rPr lang="en-US" sz="1100">
+                        <a:rPr lang="en-US" sz="1400">
                           <a:effectLst/>
+                          <a:latin typeface="+mn-lt"/>
                         </a:rPr>
                         <a:t>6933.30831</a:t>
                       </a:r>
-                      <a:endParaRPr lang="en-US" sz="1100">
+                      <a:endParaRPr lang="en-US" sz="1400">
                         <a:effectLst/>
-                        <a:latin typeface="Calibri" panose="020F0502020204030204" pitchFamily="34" charset="0"/>
+                        <a:latin typeface="+mn-lt"/>
                         <a:ea typeface="Times New Roman" panose="02020603050405020304" pitchFamily="18" charset="0"/>
                         <a:cs typeface="Times New Roman" panose="02020603050405020304" pitchFamily="18" charset="0"/>
                       </a:endParaRPr>
@@ -8399,7 +9692,7 @@
                   </a:ext>
                 </a:extLst>
               </a:tr>
-              <a:tr h="1039110">
+              <a:tr h="740017">
                 <a:tc>
                   <a:txBody>
                     <a:bodyPr/>
@@ -8414,14 +9707,15 @@
                         </a:spcAft>
                       </a:pPr>
                       <a:r>
-                        <a:rPr lang="en-US" sz="1100">
+                        <a:rPr lang="en-US" sz="1400" dirty="0">
                           <a:effectLst/>
+                          <a:latin typeface="+mn-lt"/>
                         </a:rPr>
                         <a:t>20</a:t>
                       </a:r>
-                      <a:endParaRPr lang="en-US" sz="1100">
+                      <a:endParaRPr lang="en-US" sz="1400" dirty="0">
                         <a:effectLst/>
-                        <a:latin typeface="Calibri" panose="020F0502020204030204" pitchFamily="34" charset="0"/>
+                        <a:latin typeface="+mn-lt"/>
                         <a:ea typeface="Times New Roman" panose="02020603050405020304" pitchFamily="18" charset="0"/>
                         <a:cs typeface="Times New Roman" panose="02020603050405020304" pitchFamily="18" charset="0"/>
                       </a:endParaRPr>
@@ -8443,20 +9737,68 @@
                         </a:spcAft>
                       </a:pPr>
                       <a:r>
-                        <a:rPr lang="ru-RU" sz="1100">
+                        <a:rPr lang="ru-RU" sz="1400" kern="1200" dirty="0">
+                          <a:solidFill>
+                            <a:schemeClr val="dk1"/>
+                          </a:solidFill>
                           <a:effectLst/>
+                          <a:latin typeface="+mn-lt"/>
+                          <a:ea typeface="+mn-ea"/>
+                          <a:cs typeface="+mn-cs"/>
                         </a:rPr>
                         <a:t>Имитации отжига</a:t>
                       </a:r>
                       <a:r>
-                        <a:rPr lang="en-US" sz="1100">
+                        <a:rPr lang="en-US" sz="1400" kern="1200" dirty="0">
+                          <a:solidFill>
+                            <a:schemeClr val="dk1"/>
+                          </a:solidFill>
                           <a:effectLst/>
+                          <a:latin typeface="+mn-lt"/>
+                          <a:ea typeface="+mn-ea"/>
+                          <a:cs typeface="+mn-cs"/>
                         </a:rPr>
-                        <a:t>, cooling_rate = 0,990</a:t>
+                        <a:t>, </a:t>
                       </a:r>
-                      <a:endParaRPr lang="en-US" sz="1100">
+                      <a:r>
+                        <a:rPr lang="en-US" sz="1400" kern="1200" dirty="0">
+                          <a:solidFill>
+                            <a:schemeClr val="dk1"/>
+                          </a:solidFill>
+                          <a:effectLst/>
+                          <a:latin typeface="Cambria" panose="02040503050406030204" pitchFamily="18" charset="0"/>
+                          <a:ea typeface="Cambria" panose="02040503050406030204" pitchFamily="18" charset="0"/>
+                          <a:cs typeface="+mn-cs"/>
+                        </a:rPr>
+                        <a:t>cooling_rate = 0,990</a:t>
+                      </a:r>
+                    </a:p>
+                  </a:txBody>
+                  <a:tcPr marL="68580" marR="68580" marT="0" marB="0" anchor="b"/>
+                </a:tc>
+                <a:tc>
+                  <a:txBody>
+                    <a:bodyPr/>
+                    <a:lstStyle/>
+                    <a:p>
+                      <a:pPr algn="r">
+                        <a:lnSpc>
+                          <a:spcPct val="115000"/>
+                        </a:lnSpc>
+                        <a:spcAft>
+                          <a:spcPts val="0"/>
+                        </a:spcAft>
+                      </a:pPr>
+                      <a:r>
+                        <a:rPr lang="en-US" sz="1400" dirty="0">
+                          <a:effectLst/>
+                          <a:latin typeface="+mn-lt"/>
+                        </a:rPr>
+                        <a:t>21021</a:t>
+                      </a:r>
+                      <a:endParaRPr lang="en-US" sz="1400" dirty="0">
                         <a:effectLst/>
-                        <a:latin typeface="Calibri" panose="020F0502020204030204" pitchFamily="34" charset="0"/>
+                        <a:latin typeface="+mn-lt"/>
                         <a:ea typeface="Times New Roman" panose="02020603050405020304" pitchFamily="18" charset="0"/>
                         <a:cs typeface="Times New Roman" panose="02020603050405020304" pitchFamily="18" charset="0"/>
                       </a:endParaRPr>
@@ -8478,14 +9820,15 @@
                         </a:spcAft>
                       </a:pPr>
                       <a:r>
-                        <a:rPr lang="en-US" sz="1100" dirty="0">
+                        <a:rPr lang="en-US" sz="1400">
                           <a:effectLst/>
+                          <a:latin typeface="+mn-lt"/>
                         </a:rPr>
-                        <a:t>21021</a:t>
+                        <a:t>420</a:t>
                       </a:r>
-                      <a:endParaRPr lang="en-US" sz="1100" dirty="0">
+                      <a:endParaRPr lang="en-US" sz="1400">
                         <a:effectLst/>
-                        <a:latin typeface="Calibri" panose="020F0502020204030204" pitchFamily="34" charset="0"/>
+                        <a:latin typeface="+mn-lt"/>
                         <a:ea typeface="Times New Roman" panose="02020603050405020304" pitchFamily="18" charset="0"/>
                         <a:cs typeface="Times New Roman" panose="02020603050405020304" pitchFamily="18" charset="0"/>
                       </a:endParaRPr>
@@ -8507,14 +9850,146 @@
                         </a:spcAft>
                       </a:pPr>
                       <a:r>
-                        <a:rPr lang="en-US" sz="1100">
+                        <a:rPr lang="en-US" sz="1400">
                           <a:effectLst/>
+                          <a:latin typeface="+mn-lt"/>
                         </a:rPr>
-                        <a:t>420</a:t>
+                        <a:t>6013.01482</a:t>
                       </a:r>
-                      <a:endParaRPr lang="en-US" sz="1100">
+                      <a:endParaRPr lang="en-US" sz="1400">
                         <a:effectLst/>
-                        <a:latin typeface="Calibri" panose="020F0502020204030204" pitchFamily="34" charset="0"/>
+                        <a:latin typeface="+mn-lt"/>
+                        <a:ea typeface="Times New Roman" panose="02020603050405020304" pitchFamily="18" charset="0"/>
+                        <a:cs typeface="Times New Roman" panose="02020603050405020304" pitchFamily="18" charset="0"/>
+                      </a:endParaRPr>
+                    </a:p>
+                  </a:txBody>
+                  <a:tcPr marL="68580" marR="68580" marT="0" marB="0" anchor="b"/>
+                </a:tc>
+                <a:extLst>
+                  <a:ext uri="{0D108BD9-81ED-4DB2-BD59-A6C34878D82A}">
+                    <a16:rowId xmlns:a16="http://schemas.microsoft.com/office/drawing/2014/main" val="2260916789"/>
+                  </a:ext>
+                </a:extLst>
+              </a:tr>
+              <a:tr h="749093">
+                <a:tc>
+                  <a:txBody>
+                    <a:bodyPr/>
+                    <a:lstStyle/>
+                    <a:p>
+                      <a:pPr algn="r">
+                        <a:lnSpc>
+                          <a:spcPct val="115000"/>
+                        </a:lnSpc>
+                        <a:spcAft>
+                          <a:spcPts val="0"/>
+                        </a:spcAft>
+                      </a:pPr>
+                      <a:r>
+                        <a:rPr lang="en-US" sz="1400" dirty="0">
+                          <a:effectLst/>
+                          <a:latin typeface="+mn-lt"/>
+                        </a:rPr>
+                        <a:t>20</a:t>
+                      </a:r>
+                      <a:endParaRPr lang="en-US" sz="1400" dirty="0">
+                        <a:effectLst/>
+                        <a:latin typeface="+mn-lt"/>
+                        <a:ea typeface="Times New Roman" panose="02020603050405020304" pitchFamily="18" charset="0"/>
+                        <a:cs typeface="Times New Roman" panose="02020603050405020304" pitchFamily="18" charset="0"/>
+                      </a:endParaRPr>
+                    </a:p>
+                  </a:txBody>
+                  <a:tcPr marL="68580" marR="68580" marT="0" marB="0" anchor="b"/>
+                </a:tc>
+                <a:tc>
+                  <a:txBody>
+                    <a:bodyPr/>
+                    <a:lstStyle/>
+                    <a:p>
+                      <a:pPr>
+                        <a:lnSpc>
+                          <a:spcPct val="115000"/>
+                        </a:lnSpc>
+                        <a:spcAft>
+                          <a:spcPts val="0"/>
+                        </a:spcAft>
+                      </a:pPr>
+                      <a:r>
+                        <a:rPr lang="ru-RU" sz="1400" dirty="0">
+                          <a:effectLst/>
+                          <a:latin typeface="+mn-lt"/>
+                        </a:rPr>
+                        <a:t>Имитации отжига</a:t>
+                      </a:r>
+                      <a:r>
+                        <a:rPr lang="en-US" sz="1400" dirty="0">
+                          <a:effectLst/>
+                          <a:latin typeface="+mn-lt"/>
+                        </a:rPr>
+                        <a:t>, </a:t>
+                      </a:r>
+                      <a:r>
+                        <a:rPr lang="en-US" sz="1400" kern="1200" dirty="0">
+                          <a:solidFill>
+                            <a:schemeClr val="dk1"/>
+                          </a:solidFill>
+                          <a:effectLst/>
+                          <a:latin typeface="Cambria" panose="02040503050406030204" pitchFamily="18" charset="0"/>
+                          <a:ea typeface="Cambria" panose="02040503050406030204" pitchFamily="18" charset="0"/>
+                          <a:cs typeface="+mn-cs"/>
+                        </a:rPr>
+                        <a:t>cooling_rate = 0,99</a:t>
+                      </a:r>
+                      <a:r>
+                        <a:rPr lang="ru-RU" sz="1400" kern="1200" dirty="0">
+                          <a:solidFill>
+                            <a:schemeClr val="dk1"/>
+                          </a:solidFill>
+                          <a:effectLst/>
+                          <a:latin typeface="Cambria" panose="02040503050406030204" pitchFamily="18" charset="0"/>
+                          <a:ea typeface="Cambria" panose="02040503050406030204" pitchFamily="18" charset="0"/>
+                          <a:cs typeface="+mn-cs"/>
+                        </a:rPr>
+                        <a:t>5</a:t>
+                      </a:r>
+                      <a:endParaRPr lang="en-US" sz="1400" kern="1200" dirty="0">
+                        <a:solidFill>
+                          <a:schemeClr val="dk1"/>
+                        </a:solidFill>
+                        <a:effectLst/>
+                        <a:latin typeface="Cambria" panose="02040503050406030204" pitchFamily="18" charset="0"/>
+                        <a:ea typeface="Cambria" panose="02040503050406030204" pitchFamily="18" charset="0"/>
+                        <a:cs typeface="+mn-cs"/>
+                      </a:endParaRPr>
+                    </a:p>
+                  </a:txBody>
+                  <a:tcPr marL="68580" marR="68580" marT="0" marB="0" anchor="b"/>
+                </a:tc>
+                <a:tc>
+                  <a:txBody>
+                    <a:bodyPr/>
+                    <a:lstStyle/>
+                    <a:p>
+                      <a:pPr algn="r">
+                        <a:lnSpc>
+                          <a:spcPct val="115000"/>
+                        </a:lnSpc>
+                        <a:spcAft>
+                          <a:spcPts val="0"/>
+                        </a:spcAft>
+                      </a:pPr>
+                      <a:r>
+                        <a:rPr lang="en-US" sz="1400" dirty="0">
+                          <a:effectLst/>
+                          <a:latin typeface="+mn-lt"/>
+                        </a:rPr>
+                        <a:t>21021</a:t>
+                      </a:r>
+                      <a:endParaRPr lang="en-US" sz="1400" dirty="0">
+                        <a:effectLst/>
+                        <a:latin typeface="+mn-lt"/>
                         <a:ea typeface="Times New Roman" panose="02020603050405020304" pitchFamily="18" charset="0"/>
                         <a:cs typeface="Times New Roman" panose="02020603050405020304" pitchFamily="18" charset="0"/>
                       </a:endParaRPr>
@@ -8536,14 +10011,15 @@
                         </a:spcAft>
                       </a:pPr>
                       <a:r>
-                        <a:rPr lang="en-US" sz="1100">
+                        <a:rPr lang="en-US" sz="1400">
                           <a:effectLst/>
+                          <a:latin typeface="+mn-lt"/>
                         </a:rPr>
-                        <a:t>6013.01482</a:t>
+                        <a:t>419</a:t>
                       </a:r>
-                      <a:endParaRPr lang="en-US" sz="1100">
+                      <a:endParaRPr lang="en-US" sz="1400">
                         <a:effectLst/>
-                        <a:latin typeface="Calibri" panose="020F0502020204030204" pitchFamily="34" charset="0"/>
+                        <a:latin typeface="+mn-lt"/>
                         <a:ea typeface="Times New Roman" panose="02020603050405020304" pitchFamily="18" charset="0"/>
                         <a:cs typeface="Times New Roman" panose="02020603050405020304" pitchFamily="18" charset="0"/>
                       </a:endParaRPr>
@@ -8551,13 +10027,6 @@
                   </a:txBody>
                   <a:tcPr marL="68580" marR="68580" marT="0" marB="0" anchor="b"/>
                 </a:tc>
-                <a:extLst>
-                  <a:ext uri="{0D108BD9-81ED-4DB2-BD59-A6C34878D82A}">
-                    <a16:rowId xmlns:a16="http://schemas.microsoft.com/office/drawing/2014/main" val="2260916789"/>
-                  </a:ext>
-                </a:extLst>
-              </a:tr>
-              <a:tr h="1038293">
                 <a:tc>
                   <a:txBody>
                     <a:bodyPr/>
@@ -8572,14 +10041,52 @@
                         </a:spcAft>
                       </a:pPr>
                       <a:r>
-                        <a:rPr lang="en-US" sz="1100">
+                        <a:rPr lang="en-US" sz="1400" dirty="0">
                           <a:effectLst/>
+                          <a:latin typeface="+mn-lt"/>
+                        </a:rPr>
+                        <a:t>6171.60487</a:t>
+                      </a:r>
+                      <a:endParaRPr lang="en-US" sz="1400" dirty="0">
+                        <a:effectLst/>
+                        <a:latin typeface="+mn-lt"/>
+                        <a:ea typeface="Times New Roman" panose="02020603050405020304" pitchFamily="18" charset="0"/>
+                        <a:cs typeface="Times New Roman" panose="02020603050405020304" pitchFamily="18" charset="0"/>
+                      </a:endParaRPr>
+                    </a:p>
+                  </a:txBody>
+                  <a:tcPr marL="68580" marR="68580" marT="0" marB="0" anchor="b"/>
+                </a:tc>
+                <a:extLst>
+                  <a:ext uri="{0D108BD9-81ED-4DB2-BD59-A6C34878D82A}">
+                    <a16:rowId xmlns:a16="http://schemas.microsoft.com/office/drawing/2014/main" val="289611337"/>
+                  </a:ext>
+                </a:extLst>
+              </a:tr>
+              <a:tr h="802837">
+                <a:tc>
+                  <a:txBody>
+                    <a:bodyPr/>
+                    <a:lstStyle/>
+                    <a:p>
+                      <a:pPr algn="r">
+                        <a:lnSpc>
+                          <a:spcPct val="115000"/>
+                        </a:lnSpc>
+                        <a:spcAft>
+                          <a:spcPts val="0"/>
+                        </a:spcAft>
+                      </a:pPr>
+                      <a:r>
+                        <a:rPr lang="en-US" sz="1400" dirty="0">
+                          <a:effectLst/>
+                          <a:latin typeface="+mn-lt"/>
                         </a:rPr>
                         <a:t>20</a:t>
                       </a:r>
-                      <a:endParaRPr lang="en-US" sz="1100">
+                      <a:endParaRPr lang="en-US" sz="1400" dirty="0">
                         <a:effectLst/>
-                        <a:latin typeface="Calibri" panose="020F0502020204030204" pitchFamily="34" charset="0"/>
+                        <a:latin typeface="+mn-lt"/>
                         <a:ea typeface="Times New Roman" panose="02020603050405020304" pitchFamily="18" charset="0"/>
                         <a:cs typeface="Times New Roman" panose="02020603050405020304" pitchFamily="18" charset="0"/>
                       </a:endParaRPr>
@@ -8601,26 +10108,79 @@
                         </a:spcAft>
                       </a:pPr>
                       <a:r>
-                        <a:rPr lang="ru-RU" sz="1100">
+                        <a:rPr lang="ru-RU" sz="1400" dirty="0">
                           <a:effectLst/>
+                          <a:latin typeface="+mn-lt"/>
                         </a:rPr>
                         <a:t>Имитации отжига</a:t>
                       </a:r>
                       <a:r>
-                        <a:rPr lang="en-US" sz="1100">
+                        <a:rPr lang="en-US" sz="1400" dirty="0">
                           <a:effectLst/>
+                          <a:latin typeface="+mn-lt"/>
                         </a:rPr>
-                        <a:t>, cooling_rate = 0,99</a:t>
+                        <a:t>, </a:t>
                       </a:r>
                       <a:r>
-                        <a:rPr lang="ru-RU" sz="1100">
+                        <a:rPr lang="en-US" sz="1400" kern="1200" dirty="0">
+                          <a:solidFill>
+                            <a:schemeClr val="dk1"/>
+                          </a:solidFill>
                           <a:effectLst/>
+                          <a:latin typeface="Cambria" panose="02040503050406030204" pitchFamily="18" charset="0"/>
+                          <a:ea typeface="Cambria" panose="02040503050406030204" pitchFamily="18" charset="0"/>
+                          <a:cs typeface="+mn-cs"/>
                         </a:rPr>
-                        <a:t>5</a:t>
+                        <a:t>cooling_rate = 0,99</a:t>
                       </a:r>
-                      <a:endParaRPr lang="en-US" sz="1100">
+                      <a:r>
+                        <a:rPr lang="ru-RU" sz="1400" kern="1200" dirty="0">
+                          <a:solidFill>
+                            <a:schemeClr val="dk1"/>
+                          </a:solidFill>
+                          <a:effectLst/>
+                          <a:latin typeface="Cambria" panose="02040503050406030204" pitchFamily="18" charset="0"/>
+                          <a:ea typeface="Cambria" panose="02040503050406030204" pitchFamily="18" charset="0"/>
+                          <a:cs typeface="+mn-cs"/>
+                        </a:rPr>
+                        <a:t>7</a:t>
+                      </a:r>
+                      <a:endParaRPr lang="en-US" sz="1400" kern="1200" dirty="0">
+                        <a:solidFill>
+                          <a:schemeClr val="dk1"/>
+                        </a:solidFill>
                         <a:effectLst/>
-                        <a:latin typeface="Calibri" panose="020F0502020204030204" pitchFamily="34" charset="0"/>
+                        <a:latin typeface="Cambria" panose="02040503050406030204" pitchFamily="18" charset="0"/>
+                        <a:ea typeface="Cambria" panose="02040503050406030204" pitchFamily="18" charset="0"/>
+                        <a:cs typeface="+mn-cs"/>
+                      </a:endParaRPr>
+                    </a:p>
+                  </a:txBody>
+                  <a:tcPr marL="68580" marR="68580" marT="0" marB="0" anchor="b"/>
+                </a:tc>
+                <a:tc>
+                  <a:txBody>
+                    <a:bodyPr/>
+                    <a:lstStyle/>
+                    <a:p>
+                      <a:pPr algn="r">
+                        <a:lnSpc>
+                          <a:spcPct val="115000"/>
+                        </a:lnSpc>
+                        <a:spcAft>
+                          <a:spcPts val="0"/>
+                        </a:spcAft>
+                      </a:pPr>
+                      <a:r>
+                        <a:rPr lang="en-US" sz="1400">
+                          <a:effectLst/>
+                          <a:latin typeface="+mn-lt"/>
+                        </a:rPr>
+                        <a:t>21021</a:t>
+                      </a:r>
+                      <a:endParaRPr lang="en-US" sz="1400">
+                        <a:effectLst/>
+                        <a:latin typeface="+mn-lt"/>
                         <a:ea typeface="Times New Roman" panose="02020603050405020304" pitchFamily="18" charset="0"/>
                         <a:cs typeface="Times New Roman" panose="02020603050405020304" pitchFamily="18" charset="0"/>
                       </a:endParaRPr>
@@ -8642,14 +10202,15 @@
                         </a:spcAft>
                       </a:pPr>
                       <a:r>
-                        <a:rPr lang="en-US" sz="1100" dirty="0">
+                        <a:rPr lang="en-US" sz="1400">
                           <a:effectLst/>
+                          <a:latin typeface="+mn-lt"/>
                         </a:rPr>
-                        <a:t>21021</a:t>
+                        <a:t>420</a:t>
                       </a:r>
-                      <a:endParaRPr lang="en-US" sz="1100" dirty="0">
+                      <a:endParaRPr lang="en-US" sz="1400">
                         <a:effectLst/>
-                        <a:latin typeface="Calibri" panose="020F0502020204030204" pitchFamily="34" charset="0"/>
+                        <a:latin typeface="+mn-lt"/>
                         <a:ea typeface="Times New Roman" panose="02020603050405020304" pitchFamily="18" charset="0"/>
                         <a:cs typeface="Times New Roman" panose="02020603050405020304" pitchFamily="18" charset="0"/>
                       </a:endParaRPr>
@@ -8671,14 +10232,82 @@
                         </a:spcAft>
                       </a:pPr>
                       <a:r>
-                        <a:rPr lang="en-US" sz="1100">
+                        <a:rPr lang="en-US" sz="1400">
                           <a:effectLst/>
+                          <a:latin typeface="+mn-lt"/>
                         </a:rPr>
-                        <a:t>419</a:t>
+                        <a:t>7403.65433</a:t>
                       </a:r>
-                      <a:endParaRPr lang="en-US" sz="1100">
+                      <a:endParaRPr lang="en-US" sz="1400">
                         <a:effectLst/>
-                        <a:latin typeface="Calibri" panose="020F0502020204030204" pitchFamily="34" charset="0"/>
+                        <a:latin typeface="+mn-lt"/>
+                        <a:ea typeface="Times New Roman" panose="02020603050405020304" pitchFamily="18" charset="0"/>
+                        <a:cs typeface="Times New Roman" panose="02020603050405020304" pitchFamily="18" charset="0"/>
+                      </a:endParaRPr>
+                    </a:p>
+                  </a:txBody>
+                  <a:tcPr marL="68580" marR="68580" marT="0" marB="0" anchor="b"/>
+                </a:tc>
+                <a:extLst>
+                  <a:ext uri="{0D108BD9-81ED-4DB2-BD59-A6C34878D82A}">
+                    <a16:rowId xmlns:a16="http://schemas.microsoft.com/office/drawing/2014/main" val="671405704"/>
+                  </a:ext>
+                </a:extLst>
+              </a:tr>
+              <a:tr h="527940">
+                <a:tc>
+                  <a:txBody>
+                    <a:bodyPr/>
+                    <a:lstStyle/>
+                    <a:p>
+                      <a:pPr algn="r">
+                        <a:lnSpc>
+                          <a:spcPct val="115000"/>
+                        </a:lnSpc>
+                        <a:spcAft>
+                          <a:spcPts val="0"/>
+                        </a:spcAft>
+                      </a:pPr>
+                      <a:r>
+                        <a:rPr lang="en-US" sz="1400">
+                          <a:effectLst/>
+                          <a:latin typeface="+mn-lt"/>
+                        </a:rPr>
+                        <a:t>20</a:t>
+                      </a:r>
+                      <a:endParaRPr lang="en-US" sz="1400">
+                        <a:effectLst/>
+                        <a:latin typeface="+mn-lt"/>
+                        <a:ea typeface="Times New Roman" panose="02020603050405020304" pitchFamily="18" charset="0"/>
+                        <a:cs typeface="Times New Roman" panose="02020603050405020304" pitchFamily="18" charset="0"/>
+                      </a:endParaRPr>
+                    </a:p>
+                  </a:txBody>
+                  <a:tcPr marL="68580" marR="68580" marT="0" marB="0" anchor="b"/>
+                </a:tc>
+                <a:tc>
+                  <a:txBody>
+                    <a:bodyPr/>
+                    <a:lstStyle/>
+                    <a:p>
+                      <a:pPr>
+                        <a:lnSpc>
+                          <a:spcPct val="115000"/>
+                        </a:lnSpc>
+                        <a:spcAft>
+                          <a:spcPts val="0"/>
+                        </a:spcAft>
+                      </a:pPr>
+                      <a:r>
+                        <a:rPr lang="ru-RU" sz="1400" dirty="0">
+                          <a:effectLst/>
+                          <a:latin typeface="+mn-lt"/>
+                        </a:rPr>
+                        <a:t>Генетический  </a:t>
+                      </a:r>
+                      <a:endParaRPr lang="en-US" sz="1400" dirty="0">
+                        <a:effectLst/>
+                        <a:latin typeface="+mn-lt"/>
                         <a:ea typeface="Times New Roman" panose="02020603050405020304" pitchFamily="18" charset="0"/>
                         <a:cs typeface="Times New Roman" panose="02020603050405020304" pitchFamily="18" charset="0"/>
                       </a:endParaRPr>
@@ -8700,103 +10329,15 @@
                         </a:spcAft>
                       </a:pPr>
                       <a:r>
-                        <a:rPr lang="en-US" sz="1100">
+                        <a:rPr lang="en-US" sz="1400">
                           <a:effectLst/>
+                          <a:latin typeface="+mn-lt"/>
                         </a:rPr>
-                        <a:t>6171.60487</a:t>
+                        <a:t>345800</a:t>
                       </a:r>
-                      <a:endParaRPr lang="en-US" sz="1100">
+                      <a:endParaRPr lang="en-US" sz="1400">
                         <a:effectLst/>
-                        <a:latin typeface="Calibri" panose="020F0502020204030204" pitchFamily="34" charset="0"/>
-                        <a:ea typeface="Times New Roman" panose="02020603050405020304" pitchFamily="18" charset="0"/>
-                        <a:cs typeface="Times New Roman" panose="02020603050405020304" pitchFamily="18" charset="0"/>
-                      </a:endParaRPr>
-                    </a:p>
-                  </a:txBody>
-                  <a:tcPr marL="68580" marR="68580" marT="0" marB="0" anchor="b"/>
-                </a:tc>
-                <a:extLst>
-                  <a:ext uri="{0D108BD9-81ED-4DB2-BD59-A6C34878D82A}">
-                    <a16:rowId xmlns:a16="http://schemas.microsoft.com/office/drawing/2014/main" val="289611337"/>
-                  </a:ext>
-                </a:extLst>
-              </a:tr>
-              <a:tr h="1038293">
-                <a:tc>
-                  <a:txBody>
-                    <a:bodyPr/>
-                    <a:lstStyle/>
-                    <a:p>
-                      <a:pPr algn="r">
-                        <a:lnSpc>
-                          <a:spcPct val="115000"/>
-                        </a:lnSpc>
-                        <a:spcAft>
-                          <a:spcPts val="0"/>
-                        </a:spcAft>
-                      </a:pPr>
-                      <a:r>
-                        <a:rPr lang="en-US" sz="1100">
-                          <a:effectLst/>
-                        </a:rPr>
-                        <a:t>20</a:t>
-                      </a:r>
-                      <a:endParaRPr lang="en-US" sz="1100">
-                        <a:effectLst/>
-                        <a:latin typeface="Calibri" panose="020F0502020204030204" pitchFamily="34" charset="0"/>
-                        <a:ea typeface="Times New Roman" panose="02020603050405020304" pitchFamily="18" charset="0"/>
-                        <a:cs typeface="Times New Roman" panose="02020603050405020304" pitchFamily="18" charset="0"/>
-                      </a:endParaRPr>
-                    </a:p>
-                  </a:txBody>
-                  <a:tcPr marL="68580" marR="68580" marT="0" marB="0" anchor="b"/>
-                </a:tc>
-                <a:tc>
-                  <a:txBody>
-                    <a:bodyPr/>
-                    <a:lstStyle/>
-                    <a:p>
-                      <a:pPr>
-                        <a:lnSpc>
-                          <a:spcPct val="115000"/>
-                        </a:lnSpc>
-                        <a:spcAft>
-                          <a:spcPts val="0"/>
-                        </a:spcAft>
-                      </a:pPr>
-                      <a:r>
-                        <a:rPr lang="ru-RU" sz="1100" dirty="0">
-                          <a:effectLst/>
-                        </a:rPr>
-                        <a:t>Имитации отжига</a:t>
-                      </a:r>
-                      <a:r>
-                        <a:rPr lang="en-US" sz="1100" dirty="0">
-                          <a:effectLst/>
-                        </a:rPr>
-                        <a:t>, </a:t>
-                      </a:r>
-                      <a:r>
-                        <a:rPr lang="en-US" sz="1100" dirty="0" err="1">
-                          <a:effectLst/>
-                        </a:rPr>
-                        <a:t>cooling_rate</a:t>
-                      </a:r>
-                      <a:r>
-                        <a:rPr lang="en-US" sz="1100" dirty="0">
-                          <a:effectLst/>
-                        </a:rPr>
-                        <a:t> = 0,99</a:t>
-                      </a:r>
-                      <a:r>
-                        <a:rPr lang="ru-RU" sz="1100" dirty="0">
-                          <a:effectLst/>
-                        </a:rPr>
-                        <a:t>7</a:t>
-                      </a:r>
-                      <a:endParaRPr lang="en-US" sz="1100" dirty="0">
-                        <a:effectLst/>
-                        <a:latin typeface="Calibri" panose="020F0502020204030204" pitchFamily="34" charset="0"/>
+                        <a:latin typeface="+mn-lt"/>
                         <a:ea typeface="Times New Roman" panose="02020603050405020304" pitchFamily="18" charset="0"/>
                         <a:cs typeface="Times New Roman" panose="02020603050405020304" pitchFamily="18" charset="0"/>
                       </a:endParaRPr>
@@ -8818,14 +10359,15 @@
                         </a:spcAft>
                       </a:pPr>
                       <a:r>
-                        <a:rPr lang="en-US" sz="1100">
+                        <a:rPr lang="en-US" sz="1400">
                           <a:effectLst/>
+                          <a:latin typeface="+mn-lt"/>
                         </a:rPr>
-                        <a:t>21021</a:t>
+                        <a:t>37454</a:t>
                       </a:r>
-                      <a:endParaRPr lang="en-US" sz="1100">
+                      <a:endParaRPr lang="en-US" sz="1400">
                         <a:effectLst/>
-                        <a:latin typeface="Calibri" panose="020F0502020204030204" pitchFamily="34" charset="0"/>
+                        <a:latin typeface="+mn-lt"/>
                         <a:ea typeface="Times New Roman" panose="02020603050405020304" pitchFamily="18" charset="0"/>
                         <a:cs typeface="Times New Roman" panose="02020603050405020304" pitchFamily="18" charset="0"/>
                       </a:endParaRPr>
@@ -8847,195 +10389,15 @@
                         </a:spcAft>
                       </a:pPr>
                       <a:r>
-                        <a:rPr lang="en-US" sz="1100">
+                        <a:rPr lang="en-US" sz="1400" dirty="0">
                           <a:effectLst/>
-                        </a:rPr>
-                        <a:t>420</a:t>
-                      </a:r>
-                      <a:endParaRPr lang="en-US" sz="1100">
-                        <a:effectLst/>
-                        <a:latin typeface="Calibri" panose="020F0502020204030204" pitchFamily="34" charset="0"/>
-                        <a:ea typeface="Times New Roman" panose="02020603050405020304" pitchFamily="18" charset="0"/>
-                        <a:cs typeface="Times New Roman" panose="02020603050405020304" pitchFamily="18" charset="0"/>
-                      </a:endParaRPr>
-                    </a:p>
-                  </a:txBody>
-                  <a:tcPr marL="68580" marR="68580" marT="0" marB="0" anchor="b"/>
-                </a:tc>
-                <a:tc>
-                  <a:txBody>
-                    <a:bodyPr/>
-                    <a:lstStyle/>
-                    <a:p>
-                      <a:pPr algn="r">
-                        <a:lnSpc>
-                          <a:spcPct val="115000"/>
-                        </a:lnSpc>
-                        <a:spcAft>
-                          <a:spcPts val="0"/>
-                        </a:spcAft>
-                      </a:pPr>
-                      <a:r>
-                        <a:rPr lang="en-US" sz="1100">
-                          <a:effectLst/>
-                        </a:rPr>
-                        <a:t>7403.65433</a:t>
-                      </a:r>
-                      <a:endParaRPr lang="en-US" sz="1100">
-                        <a:effectLst/>
-                        <a:latin typeface="Calibri" panose="020F0502020204030204" pitchFamily="34" charset="0"/>
-                        <a:ea typeface="Times New Roman" panose="02020603050405020304" pitchFamily="18" charset="0"/>
-                        <a:cs typeface="Times New Roman" panose="02020603050405020304" pitchFamily="18" charset="0"/>
-                      </a:endParaRPr>
-                    </a:p>
-                  </a:txBody>
-                  <a:tcPr marL="68580" marR="68580" marT="0" marB="0" anchor="b"/>
-                </a:tc>
-                <a:extLst>
-                  <a:ext uri="{0D108BD9-81ED-4DB2-BD59-A6C34878D82A}">
-                    <a16:rowId xmlns:a16="http://schemas.microsoft.com/office/drawing/2014/main" val="671405704"/>
-                  </a:ext>
-                </a:extLst>
-              </a:tr>
-              <a:tr h="351806">
-                <a:tc>
-                  <a:txBody>
-                    <a:bodyPr/>
-                    <a:lstStyle/>
-                    <a:p>
-                      <a:pPr algn="r">
-                        <a:lnSpc>
-                          <a:spcPct val="115000"/>
-                        </a:lnSpc>
-                        <a:spcAft>
-                          <a:spcPts val="0"/>
-                        </a:spcAft>
-                      </a:pPr>
-                      <a:r>
-                        <a:rPr lang="en-US" sz="1100">
-                          <a:effectLst/>
-                        </a:rPr>
-                        <a:t>20</a:t>
-                      </a:r>
-                      <a:endParaRPr lang="en-US" sz="1100">
-                        <a:effectLst/>
-                        <a:latin typeface="Calibri" panose="020F0502020204030204" pitchFamily="34" charset="0"/>
-                        <a:ea typeface="Times New Roman" panose="02020603050405020304" pitchFamily="18" charset="0"/>
-                        <a:cs typeface="Times New Roman" panose="02020603050405020304" pitchFamily="18" charset="0"/>
-                      </a:endParaRPr>
-                    </a:p>
-                  </a:txBody>
-                  <a:tcPr marL="68580" marR="68580" marT="0" marB="0" anchor="b"/>
-                </a:tc>
-                <a:tc>
-                  <a:txBody>
-                    <a:bodyPr/>
-                    <a:lstStyle/>
-                    <a:p>
-                      <a:pPr>
-                        <a:lnSpc>
-                          <a:spcPct val="115000"/>
-                        </a:lnSpc>
-                        <a:spcAft>
-                          <a:spcPts val="0"/>
-                        </a:spcAft>
-                      </a:pPr>
-                      <a:r>
-                        <a:rPr lang="ru-RU" sz="1100">
-                          <a:effectLst/>
-                        </a:rPr>
-                        <a:t>Генетический  </a:t>
-                      </a:r>
-                      <a:endParaRPr lang="en-US" sz="1100">
-                        <a:effectLst/>
-                        <a:latin typeface="Calibri" panose="020F0502020204030204" pitchFamily="34" charset="0"/>
-                        <a:ea typeface="Times New Roman" panose="02020603050405020304" pitchFamily="18" charset="0"/>
-                        <a:cs typeface="Times New Roman" panose="02020603050405020304" pitchFamily="18" charset="0"/>
-                      </a:endParaRPr>
-                    </a:p>
-                  </a:txBody>
-                  <a:tcPr marL="68580" marR="68580" marT="0" marB="0" anchor="b"/>
-                </a:tc>
-                <a:tc>
-                  <a:txBody>
-                    <a:bodyPr/>
-                    <a:lstStyle/>
-                    <a:p>
-                      <a:pPr algn="r">
-                        <a:lnSpc>
-                          <a:spcPct val="115000"/>
-                        </a:lnSpc>
-                        <a:spcAft>
-                          <a:spcPts val="0"/>
-                        </a:spcAft>
-                      </a:pPr>
-                      <a:r>
-                        <a:rPr lang="en-US" sz="1100">
-                          <a:effectLst/>
-                        </a:rPr>
-                        <a:t>345800</a:t>
-                      </a:r>
-                      <a:endParaRPr lang="en-US" sz="1100">
-                        <a:effectLst/>
-                        <a:latin typeface="Calibri" panose="020F0502020204030204" pitchFamily="34" charset="0"/>
-                        <a:ea typeface="Times New Roman" panose="02020603050405020304" pitchFamily="18" charset="0"/>
-                        <a:cs typeface="Times New Roman" panose="02020603050405020304" pitchFamily="18" charset="0"/>
-                      </a:endParaRPr>
-                    </a:p>
-                  </a:txBody>
-                  <a:tcPr marL="68580" marR="68580" marT="0" marB="0" anchor="b"/>
-                </a:tc>
-                <a:tc>
-                  <a:txBody>
-                    <a:bodyPr/>
-                    <a:lstStyle/>
-                    <a:p>
-                      <a:pPr algn="r">
-                        <a:lnSpc>
-                          <a:spcPct val="115000"/>
-                        </a:lnSpc>
-                        <a:spcAft>
-                          <a:spcPts val="0"/>
-                        </a:spcAft>
-                      </a:pPr>
-                      <a:r>
-                        <a:rPr lang="en-US" sz="1100">
-                          <a:effectLst/>
-                        </a:rPr>
-                        <a:t>37454</a:t>
-                      </a:r>
-                      <a:endParaRPr lang="en-US" sz="1100">
-                        <a:effectLst/>
-                        <a:latin typeface="Calibri" panose="020F0502020204030204" pitchFamily="34" charset="0"/>
-                        <a:ea typeface="Times New Roman" panose="02020603050405020304" pitchFamily="18" charset="0"/>
-                        <a:cs typeface="Times New Roman" panose="02020603050405020304" pitchFamily="18" charset="0"/>
-                      </a:endParaRPr>
-                    </a:p>
-                  </a:txBody>
-                  <a:tcPr marL="68580" marR="68580" marT="0" marB="0" anchor="b"/>
-                </a:tc>
-                <a:tc>
-                  <a:txBody>
-                    <a:bodyPr/>
-                    <a:lstStyle/>
-                    <a:p>
-                      <a:pPr algn="r">
-                        <a:lnSpc>
-                          <a:spcPct val="115000"/>
-                        </a:lnSpc>
-                        <a:spcAft>
-                          <a:spcPts val="0"/>
-                        </a:spcAft>
-                      </a:pPr>
-                      <a:r>
-                        <a:rPr lang="en-US" sz="1100" dirty="0">
-                          <a:effectLst/>
+                          <a:latin typeface="+mn-lt"/>
                         </a:rPr>
                         <a:t>4922.94295</a:t>
                       </a:r>
-                      <a:endParaRPr lang="en-US" sz="1100" dirty="0">
+                      <a:endParaRPr lang="en-US" sz="1400" dirty="0">
                         <a:effectLst/>
-                        <a:latin typeface="Calibri" panose="020F0502020204030204" pitchFamily="34" charset="0"/>
+                        <a:latin typeface="+mn-lt"/>
                         <a:ea typeface="Times New Roman" panose="02020603050405020304" pitchFamily="18" charset="0"/>
                         <a:cs typeface="Times New Roman" panose="02020603050405020304" pitchFamily="18" charset="0"/>
                       </a:endParaRPr>
@@ -9070,7 +10432,7 @@
           <a:p>
             <a:fld id="{4FAB73BC-B049-4115-A692-8D63A059BFB8}" type="slidenum">
               <a:rPr lang="en-US" smtClean="0"/>
-              <a:t>6</a:t>
+              <a:t>7</a:t>
             </a:fld>
             <a:endParaRPr lang="en-US" dirty="0"/>
           </a:p>

--- a/НечаевМаршрут.pptx
+++ b/НечаевМаршрут.pptx
@@ -4472,15 +4472,7 @@
           <a:p>
             <a:r>
               <a:rPr lang="ru-RU" sz="4000" dirty="0"/>
-              <a:t>Сравнительный </a:t>
-            </a:r>
-            <a:r>
-              <a:rPr lang="ru-RU" sz="4000" dirty="0"/>
-              <a:t>анализ алгоритмов для планирования маршрутов транспортных средств с учетом рельефа </a:t>
-            </a:r>
-            <a:r>
-              <a:rPr lang="ru-RU" sz="4000" dirty="0"/>
-              <a:t>местности</a:t>
+              <a:t>Сравнительный анализ алгоритмов для планирования маршрутов транспортных средств с учетом рельефа местности</a:t>
             </a:r>
             <a:endParaRPr lang="en-US" dirty="0"/>
           </a:p>
@@ -4900,26 +4892,8 @@
                 <a:latin typeface="Times New Roman" panose="02020603050405020304" pitchFamily="18" charset="0"/>
                 <a:ea typeface="Times New Roman" panose="02020603050405020304" pitchFamily="18" charset="0"/>
               </a:rPr>
-              <a:t>Сравнительный </a:t>
-            </a:r>
-            <a:r>
-              <a:rPr lang="ru-RU" sz="2400" dirty="0">
-                <a:latin typeface="Times New Roman" panose="02020603050405020304" pitchFamily="18" charset="0"/>
-                <a:ea typeface="Times New Roman" panose="02020603050405020304" pitchFamily="18" charset="0"/>
-              </a:rPr>
-              <a:t>анализ и реализация алгоритмов маршрутизации транспортных средств с учетом рельефа местности, оценка их эффективности для задачи VRP</a:t>
-            </a:r>
-            <a:r>
-              <a:rPr lang="ru-RU" sz="2400" dirty="0">
-                <a:latin typeface="Times New Roman" panose="02020603050405020304" pitchFamily="18" charset="0"/>
-                <a:ea typeface="Times New Roman" panose="02020603050405020304" pitchFamily="18" charset="0"/>
-              </a:rPr>
-              <a:t>.</a:t>
-            </a:r>
-            <a:endParaRPr lang="ru-RU" sz="2400" dirty="0">
-              <a:latin typeface="Times New Roman" panose="02020603050405020304" pitchFamily="18" charset="0"/>
-              <a:ea typeface="Times New Roman" panose="02020603050405020304" pitchFamily="18" charset="0"/>
-            </a:endParaRPr>
+              <a:t>Сравнительный анализ и реализация алгоритмов маршрутизации транспортных средств с учетом рельефа местности, оценка их эффективности для задачи VRP.</a:t>
+            </a:r>
           </a:p>
         </p:txBody>
       </p:sp>
@@ -4978,15 +4952,7 @@
                 <a:ea typeface="Times New Roman" panose="02020603050405020304" pitchFamily="18" charset="0"/>
                 <a:cs typeface="Times New Roman" panose="02020603050405020304" pitchFamily="18" charset="0"/>
               </a:rPr>
-              <a:t>Задачи </a:t>
-            </a:r>
-            <a:r>
-              <a:rPr lang="ru-RU" sz="2400" b="1" dirty="0">
-                <a:latin typeface="Times New Roman" panose="02020603050405020304" pitchFamily="18" charset="0"/>
-                <a:ea typeface="Times New Roman" panose="02020603050405020304" pitchFamily="18" charset="0"/>
-                <a:cs typeface="Times New Roman" panose="02020603050405020304" pitchFamily="18" charset="0"/>
-              </a:rPr>
-              <a:t>работы:</a:t>
+              <a:t>Задачи работы:</a:t>
             </a:r>
             <a:endParaRPr lang="en-US" sz="2400" dirty="0">
               <a:latin typeface="Calibri" panose="020F0502020204030204" pitchFamily="34" charset="0"/>
@@ -5010,14 +4976,7 @@
                 <a:latin typeface="Times New Roman" panose="02020603050405020304" pitchFamily="18" charset="0"/>
                 <a:ea typeface="Times New Roman" panose="02020603050405020304" pitchFamily="18" charset="0"/>
               </a:rPr>
-              <a:t>Изучить </a:t>
-            </a:r>
-            <a:r>
-              <a:rPr lang="ru-RU" sz="2400" dirty="0">
-                <a:latin typeface="Times New Roman" panose="02020603050405020304" pitchFamily="18" charset="0"/>
-                <a:ea typeface="Times New Roman" panose="02020603050405020304" pitchFamily="18" charset="0"/>
-              </a:rPr>
-              <a:t>алгоритмы для планирования маршрутов с учетом рельефа.</a:t>
+              <a:t>Изучить алгоритмы для планирования маршрутов с учетом рельефа.</a:t>
             </a:r>
           </a:p>
           <a:p>
@@ -5036,14 +4995,7 @@
                 <a:latin typeface="Times New Roman" panose="02020603050405020304" pitchFamily="18" charset="0"/>
                 <a:ea typeface="Times New Roman" panose="02020603050405020304" pitchFamily="18" charset="0"/>
               </a:rPr>
-              <a:t>Реализовать </a:t>
-            </a:r>
-            <a:r>
-              <a:rPr lang="ru-RU" sz="2400" dirty="0">
-                <a:latin typeface="Times New Roman" panose="02020603050405020304" pitchFamily="18" charset="0"/>
-                <a:ea typeface="Times New Roman" panose="02020603050405020304" pitchFamily="18" charset="0"/>
-              </a:rPr>
-              <a:t>алгоритмы маршрутизации с учетом перепадов высот.</a:t>
+              <a:t>Реализовать алгоритмы маршрутизации с учетом перепадов высот.</a:t>
             </a:r>
           </a:p>
           <a:p>
@@ -5062,14 +5014,7 @@
                 <a:latin typeface="Times New Roman" panose="02020603050405020304" pitchFamily="18" charset="0"/>
                 <a:ea typeface="Times New Roman" panose="02020603050405020304" pitchFamily="18" charset="0"/>
               </a:rPr>
-              <a:t>Оценить </a:t>
-            </a:r>
-            <a:r>
-              <a:rPr lang="ru-RU" sz="2400" dirty="0">
-                <a:latin typeface="Times New Roman" panose="02020603050405020304" pitchFamily="18" charset="0"/>
-                <a:ea typeface="Times New Roman" panose="02020603050405020304" pitchFamily="18" charset="0"/>
-              </a:rPr>
-              <a:t>быстродействие и точность алгоритмов.</a:t>
+              <a:t>Оценить быстродействие и точность алгоритмов.</a:t>
             </a:r>
             <a:endParaRPr lang="en-US" sz="2400" dirty="0">
               <a:latin typeface="Times New Roman" panose="02020603050405020304" pitchFamily="18" charset="0"/>
@@ -5302,8 +5247,8 @@
           </a:prstGeom>
         </p:spPr>
       </p:pic>
-      <mc:AlternateContent xmlns:mc="http://schemas.openxmlformats.org/markup-compatibility/2006">
-        <mc:Choice xmlns:a14="http://schemas.microsoft.com/office/drawing/2010/main" Requires="a14">
+      <mc:AlternateContent xmlns:mc="http://schemas.openxmlformats.org/markup-compatibility/2006" xmlns:a14="http://schemas.microsoft.com/office/drawing/2010/main">
+        <mc:Choice Requires="a14">
           <p:sp>
             <p:nvSpPr>
               <p:cNvPr id="9" name="Прямоугольник 8"/>
@@ -5340,35 +5285,7 @@
                     <a:latin typeface="Times New Roman" panose="02020603050405020304" pitchFamily="18" charset="0"/>
                     <a:ea typeface="Times New Roman" panose="02020603050405020304" pitchFamily="18" charset="0"/>
                   </a:rPr>
-                  <a:t>Пошагово рассчитывает </a:t>
-                </a:r>
-                <a:r>
-                  <a:rPr lang="ru-RU" dirty="0">
-                    <a:latin typeface="Times New Roman" panose="02020603050405020304" pitchFamily="18" charset="0"/>
-                    <a:ea typeface="Times New Roman" panose="02020603050405020304" pitchFamily="18" charset="0"/>
-                  </a:rPr>
-                  <a:t>путь через </a:t>
-                </a:r>
-                <a:r>
-                  <a:rPr lang="ru-RU" dirty="0">
-                    <a:latin typeface="Times New Roman" panose="02020603050405020304" pitchFamily="18" charset="0"/>
-                    <a:ea typeface="Times New Roman" panose="02020603050405020304" pitchFamily="18" charset="0"/>
-                  </a:rPr>
-                  <a:t>Манхэттенское </a:t>
-                </a:r>
-                <a:r>
-                  <a:rPr lang="ru-RU" dirty="0">
-                    <a:latin typeface="Times New Roman" panose="02020603050405020304" pitchFamily="18" charset="0"/>
-                    <a:ea typeface="Times New Roman" panose="02020603050405020304" pitchFamily="18" charset="0"/>
-                  </a:rPr>
-                  <a:t>расстояние, добавляя перепады высот</a:t>
-                </a:r>
-                <a:r>
-                  <a:rPr lang="ru-RU" dirty="0">
-                    <a:latin typeface="Times New Roman" panose="02020603050405020304" pitchFamily="18" charset="0"/>
-                    <a:ea typeface="Times New Roman" panose="02020603050405020304" pitchFamily="18" charset="0"/>
-                  </a:rPr>
-                  <a:t>.</a:t>
+                  <a:t>Пошагово рассчитывает путь через Манхэттенское расстояние, добавляя перепады высот.</a:t>
                 </a:r>
               </a:p>
               <a:p>
@@ -5572,14 +5489,7 @@
                     <a:latin typeface="Times New Roman" panose="02020603050405020304" pitchFamily="18" charset="0"/>
                     <a:ea typeface="Times New Roman" panose="02020603050405020304" pitchFamily="18" charset="0"/>
                   </a:rPr>
-                  <a:t>Оценка </a:t>
-                </a:r>
-                <a:r>
-                  <a:rPr lang="ru-RU" dirty="0">
-                    <a:latin typeface="Times New Roman" panose="02020603050405020304" pitchFamily="18" charset="0"/>
-                    <a:ea typeface="Times New Roman" panose="02020603050405020304" pitchFamily="18" charset="0"/>
-                  </a:rPr>
-                  <a:t>пути: </a:t>
+                  <a:t>Оценка пути: </a:t>
                 </a:r>
                 <a14:m>
                   <m:oMath xmlns:m="http://schemas.openxmlformats.org/officeDocument/2006/math">
@@ -5691,14 +5601,7 @@
                     <a:latin typeface="Times New Roman" panose="02020603050405020304" pitchFamily="18" charset="0"/>
                     <a:ea typeface="Times New Roman" panose="02020603050405020304" pitchFamily="18" charset="0"/>
                   </a:rPr>
-                  <a:t>g(n</a:t>
-                </a:r>
-                <a:r>
-                  <a:rPr lang="ru-RU" dirty="0">
-                    <a:latin typeface="Times New Roman" panose="02020603050405020304" pitchFamily="18" charset="0"/>
-                    <a:ea typeface="Times New Roman" panose="02020603050405020304" pitchFamily="18" charset="0"/>
-                  </a:rPr>
-                  <a:t>) — стоимость пути от старта до текущей точки, </a:t>
+                  <a:t>g(n) — стоимость пути от старта до текущей точки, </a:t>
                 </a:r>
                 <a:endParaRPr lang="en-US" dirty="0">
                   <a:latin typeface="Times New Roman" panose="02020603050405020304" pitchFamily="18" charset="0"/>
@@ -5891,35 +5794,7 @@
                     <a:latin typeface="Times New Roman" panose="02020603050405020304" pitchFamily="18" charset="0"/>
                     <a:ea typeface="Times New Roman" panose="02020603050405020304" pitchFamily="18" charset="0"/>
                   </a:rPr>
-                  <a:t>h(n</a:t>
-                </a:r>
-                <a:r>
-                  <a:rPr lang="ru-RU" dirty="0">
-                    <a:latin typeface="Times New Roman" panose="02020603050405020304" pitchFamily="18" charset="0"/>
-                    <a:ea typeface="Times New Roman" panose="02020603050405020304" pitchFamily="18" charset="0"/>
-                  </a:rPr>
-                  <a:t>) — </a:t>
-                </a:r>
-                <a:r>
-                  <a:rPr lang="ru-RU" dirty="0">
-                    <a:latin typeface="Times New Roman" panose="02020603050405020304" pitchFamily="18" charset="0"/>
-                    <a:ea typeface="Times New Roman" panose="02020603050405020304" pitchFamily="18" charset="0"/>
-                  </a:rPr>
-                  <a:t>эвристическая оценка </a:t>
-                </a:r>
-                <a:r>
-                  <a:rPr lang="ru-RU" dirty="0">
-                    <a:latin typeface="Times New Roman" panose="02020603050405020304" pitchFamily="18" charset="0"/>
-                    <a:ea typeface="Times New Roman" panose="02020603050405020304" pitchFamily="18" charset="0"/>
-                  </a:rPr>
-                  <a:t>оставшегося пути</a:t>
-                </a:r>
-                <a:r>
-                  <a:rPr lang="ru-RU" dirty="0">
-                    <a:latin typeface="Times New Roman" panose="02020603050405020304" pitchFamily="18" charset="0"/>
-                    <a:ea typeface="Times New Roman" panose="02020603050405020304" pitchFamily="18" charset="0"/>
-                  </a:rPr>
-                  <a:t>.</a:t>
+                  <a:t>h(n) — эвристическая оценка оставшегося пути.</a:t>
                 </a:r>
               </a:p>
               <a:p>
@@ -5977,7 +5852,7 @@
             </p:txBody>
           </p:sp>
         </mc:Choice>
-        <mc:Fallback>
+        <mc:Fallback xmlns="">
           <p:sp>
             <p:nvSpPr>
               <p:cNvPr id="9" name="Прямоугольник 8"/>
@@ -6121,8 +5996,8 @@
         </p:blipFill>
         <p:spPr>
           <a:xfrm>
-            <a:off x="4606671" y="861795"/>
-            <a:ext cx="4356736" cy="4408479"/>
+            <a:off x="4474663" y="861795"/>
+            <a:ext cx="4488744" cy="4542055"/>
           </a:xfrm>
           <a:prstGeom prst="rect">
             <a:avLst/>
@@ -6213,8 +6088,8 @@
         </p:nvSpPr>
         <p:spPr bwMode="auto">
           <a:xfrm>
-            <a:off x="321723" y="4203085"/>
-            <a:ext cx="7905129" cy="2015936"/>
+            <a:off x="321723" y="4503070"/>
+            <a:ext cx="7905129" cy="1769715"/>
           </a:xfrm>
           <a:prstGeom prst="rect">
             <a:avLst/>
@@ -6271,7 +6146,7 @@
               </a:spcAft>
             </a:pPr>
             <a:r>
-              <a:rPr lang="en-US" altLang="en-US" sz="1600" b="1" dirty="0" err="1">
+              <a:rPr lang="en-US" altLang="en-US" sz="1400" b="1" dirty="0" err="1">
                 <a:latin typeface="Courier New" panose="02070309020205020404" pitchFamily="49" charset="0"/>
                 <a:ea typeface="Times New Roman" panose="02020603050405020304" pitchFamily="18" charset="0"/>
                 <a:cs typeface="Courier New" panose="02070309020205020404" pitchFamily="49" charset="0"/>
@@ -6279,14 +6154,14 @@
               <a:t>NearestNeighbor</a:t>
             </a:r>
             <a:r>
-              <a:rPr lang="en-US" altLang="en-US" sz="1600" b="1" dirty="0">
+              <a:rPr lang="en-US" altLang="en-US" sz="1400" b="1" dirty="0">
                 <a:latin typeface="Courier New" panose="02070309020205020404" pitchFamily="49" charset="0"/>
                 <a:ea typeface="Times New Roman" panose="02020603050405020304" pitchFamily="18" charset="0"/>
                 <a:cs typeface="Courier New" panose="02070309020205020404" pitchFamily="49" charset="0"/>
               </a:rPr>
               <a:t>(start, points, goal)</a:t>
             </a:r>
-            <a:endParaRPr lang="ru-RU" altLang="en-US" sz="1600" b="1" dirty="0">
+            <a:endParaRPr lang="ru-RU" altLang="en-US" sz="1400" b="1" dirty="0">
               <a:latin typeface="Courier New" panose="02070309020205020404" pitchFamily="49" charset="0"/>
               <a:ea typeface="Times New Roman" panose="02020603050405020304" pitchFamily="18" charset="0"/>
               <a:cs typeface="Courier New" panose="02070309020205020404" pitchFamily="49" charset="0"/>
@@ -6304,7 +6179,7 @@
               <a:buAutoNum type="arabicPlain"/>
             </a:pPr>
             <a:r>
-              <a:rPr lang="ru-RU" altLang="en-US" sz="1600" dirty="0">
+              <a:rPr lang="ru-RU" altLang="en-US" sz="1400" dirty="0">
                 <a:latin typeface="Courier New" panose="02070309020205020404" pitchFamily="49" charset="0"/>
                 <a:ea typeface="Times New Roman" panose="02020603050405020304" pitchFamily="18" charset="0"/>
                 <a:cs typeface="Courier New" panose="02070309020205020404" pitchFamily="49" charset="0"/>
@@ -6312,7 +6187,7 @@
               <a:t> </a:t>
             </a:r>
             <a:r>
-              <a:rPr lang="en-US" altLang="en-US" sz="1600" dirty="0" err="1">
+              <a:rPr lang="en-US" altLang="en-US" sz="1400" dirty="0" err="1">
                 <a:latin typeface="Courier New" panose="02070309020205020404" pitchFamily="49" charset="0"/>
                 <a:ea typeface="Times New Roman" panose="02020603050405020304" pitchFamily="18" charset="0"/>
                 <a:cs typeface="Courier New" panose="02070309020205020404" pitchFamily="49" charset="0"/>
@@ -6320,14 +6195,14 @@
               <a:t>маршрут</a:t>
             </a:r>
             <a:r>
-              <a:rPr lang="en-US" altLang="en-US" sz="1600" dirty="0">
+              <a:rPr lang="en-US" altLang="en-US" sz="1400" dirty="0">
                 <a:latin typeface="Courier New" panose="02070309020205020404" pitchFamily="49" charset="0"/>
                 <a:ea typeface="Times New Roman" panose="02020603050405020304" pitchFamily="18" charset="0"/>
                 <a:cs typeface="Courier New" panose="02070309020205020404" pitchFamily="49" charset="0"/>
               </a:rPr>
               <a:t> ← [start]</a:t>
             </a:r>
-            <a:endParaRPr lang="ru-RU" altLang="en-US" sz="1600" dirty="0">
+            <a:endParaRPr lang="ru-RU" altLang="en-US" sz="1400" dirty="0">
               <a:latin typeface="Courier New" panose="02070309020205020404" pitchFamily="49" charset="0"/>
               <a:ea typeface="Times New Roman" panose="02020603050405020304" pitchFamily="18" charset="0"/>
               <a:cs typeface="Courier New" panose="02070309020205020404" pitchFamily="49" charset="0"/>
@@ -6345,7 +6220,7 @@
               <a:buAutoNum type="arabicPlain"/>
             </a:pPr>
             <a:r>
-              <a:rPr lang="en-US" altLang="en-US" sz="1600" dirty="0">
+              <a:rPr lang="en-US" altLang="en-US" sz="1400" dirty="0">
                 <a:latin typeface="Courier New" panose="02070309020205020404" pitchFamily="49" charset="0"/>
                 <a:ea typeface="Times New Roman" panose="02020603050405020304" pitchFamily="18" charset="0"/>
                 <a:cs typeface="Courier New" panose="02070309020205020404" pitchFamily="49" charset="0"/>
@@ -6353,7 +6228,7 @@
               <a:t> </a:t>
             </a:r>
             <a:r>
-              <a:rPr lang="en-US" altLang="en-US" sz="1600" b="1" dirty="0" err="1">
+              <a:rPr lang="en-US" altLang="en-US" sz="1400" b="1" dirty="0" err="1">
                 <a:latin typeface="Courier New" panose="02070309020205020404" pitchFamily="49" charset="0"/>
                 <a:ea typeface="Times New Roman" panose="02020603050405020304" pitchFamily="18" charset="0"/>
                 <a:cs typeface="Courier New" panose="02070309020205020404" pitchFamily="49" charset="0"/>
@@ -6361,7 +6236,7 @@
               <a:t>пока</a:t>
             </a:r>
             <a:r>
-              <a:rPr lang="en-US" altLang="en-US" sz="1600" dirty="0">
+              <a:rPr lang="en-US" altLang="en-US" sz="1400" dirty="0">
                 <a:latin typeface="Courier New" panose="02070309020205020404" pitchFamily="49" charset="0"/>
                 <a:ea typeface="Times New Roman" panose="02020603050405020304" pitchFamily="18" charset="0"/>
                 <a:cs typeface="Courier New" panose="02070309020205020404" pitchFamily="49" charset="0"/>
@@ -6369,7 +6244,7 @@
               <a:t> points </a:t>
             </a:r>
             <a:r>
-              <a:rPr lang="en-US" altLang="en-US" sz="1600" dirty="0" err="1">
+              <a:rPr lang="en-US" altLang="en-US" sz="1400" dirty="0" err="1">
                 <a:latin typeface="Courier New" panose="02070309020205020404" pitchFamily="49" charset="0"/>
                 <a:ea typeface="Times New Roman" panose="02020603050405020304" pitchFamily="18" charset="0"/>
                 <a:cs typeface="Courier New" panose="02070309020205020404" pitchFamily="49" charset="0"/>
@@ -6377,7 +6252,7 @@
               <a:t>не</a:t>
             </a:r>
             <a:r>
-              <a:rPr lang="en-US" altLang="en-US" sz="1600" dirty="0">
+              <a:rPr lang="en-US" altLang="en-US" sz="1400" dirty="0">
                 <a:latin typeface="Courier New" panose="02070309020205020404" pitchFamily="49" charset="0"/>
                 <a:ea typeface="Times New Roman" panose="02020603050405020304" pitchFamily="18" charset="0"/>
                 <a:cs typeface="Courier New" panose="02070309020205020404" pitchFamily="49" charset="0"/>
@@ -6385,14 +6260,14 @@
               <a:t> </a:t>
             </a:r>
             <a:r>
-              <a:rPr lang="en-US" altLang="en-US" sz="1600" dirty="0" err="1">
+              <a:rPr lang="en-US" altLang="en-US" sz="1400" dirty="0" err="1">
                 <a:latin typeface="Courier New" panose="02070309020205020404" pitchFamily="49" charset="0"/>
                 <a:ea typeface="Times New Roman" panose="02020603050405020304" pitchFamily="18" charset="0"/>
                 <a:cs typeface="Courier New" panose="02070309020205020404" pitchFamily="49" charset="0"/>
               </a:rPr>
               <a:t>пусто</a:t>
             </a:r>
-            <a:endParaRPr lang="ru-RU" altLang="en-US" sz="1600" dirty="0">
+            <a:endParaRPr lang="ru-RU" altLang="en-US" sz="1400" dirty="0">
               <a:latin typeface="Courier New" panose="02070309020205020404" pitchFamily="49" charset="0"/>
               <a:ea typeface="Times New Roman" panose="02020603050405020304" pitchFamily="18" charset="0"/>
               <a:cs typeface="Courier New" panose="02070309020205020404" pitchFamily="49" charset="0"/>
@@ -6410,7 +6285,7 @@
               <a:buAutoNum type="arabicPlain"/>
             </a:pPr>
             <a:r>
-              <a:rPr lang="en-US" altLang="en-US" sz="1600" dirty="0">
+              <a:rPr lang="en-US" altLang="en-US" sz="1400" dirty="0">
                 <a:latin typeface="Courier New" panose="02070309020205020404" pitchFamily="49" charset="0"/>
                 <a:ea typeface="Times New Roman" panose="02020603050405020304" pitchFamily="18" charset="0"/>
                 <a:cs typeface="Courier New" panose="02070309020205020404" pitchFamily="49" charset="0"/>
@@ -6418,7 +6293,7 @@
               <a:t>    </a:t>
             </a:r>
             <a:r>
-              <a:rPr lang="en-US" altLang="en-US" sz="1600" dirty="0" err="1">
+              <a:rPr lang="en-US" altLang="en-US" sz="1400" dirty="0" err="1">
                 <a:latin typeface="Courier New" panose="02070309020205020404" pitchFamily="49" charset="0"/>
                 <a:ea typeface="Times New Roman" panose="02020603050405020304" pitchFamily="18" charset="0"/>
                 <a:cs typeface="Courier New" panose="02070309020205020404" pitchFamily="49" charset="0"/>
@@ -6426,7 +6301,7 @@
               <a:t>ближайшая_точка</a:t>
             </a:r>
             <a:r>
-              <a:rPr lang="en-US" altLang="en-US" sz="1600" dirty="0">
+              <a:rPr lang="en-US" altLang="en-US" sz="1400" dirty="0">
                 <a:latin typeface="Courier New" panose="02070309020205020404" pitchFamily="49" charset="0"/>
                 <a:ea typeface="Times New Roman" panose="02020603050405020304" pitchFamily="18" charset="0"/>
                 <a:cs typeface="Courier New" panose="02070309020205020404" pitchFamily="49" charset="0"/>
@@ -6434,7 +6309,7 @@
               <a:t> ← min(points, </a:t>
             </a:r>
             <a:r>
-              <a:rPr lang="en-US" altLang="en-US" sz="1600" dirty="0" err="1">
+              <a:rPr lang="en-US" altLang="en-US" sz="1400" dirty="0" err="1">
                 <a:latin typeface="Courier New" panose="02070309020205020404" pitchFamily="49" charset="0"/>
                 <a:ea typeface="Times New Roman" panose="02020603050405020304" pitchFamily="18" charset="0"/>
                 <a:cs typeface="Courier New" panose="02070309020205020404" pitchFamily="49" charset="0"/>
@@ -6442,7 +6317,7 @@
               <a:t>по</a:t>
             </a:r>
             <a:r>
-              <a:rPr lang="en-US" altLang="en-US" sz="1600" dirty="0">
+              <a:rPr lang="en-US" altLang="en-US" sz="1400" dirty="0">
                 <a:latin typeface="Courier New" panose="02070309020205020404" pitchFamily="49" charset="0"/>
                 <a:ea typeface="Times New Roman" panose="02020603050405020304" pitchFamily="18" charset="0"/>
                 <a:cs typeface="Courier New" panose="02070309020205020404" pitchFamily="49" charset="0"/>
@@ -6450,7 +6325,7 @@
               <a:t> </a:t>
             </a:r>
             <a:r>
-              <a:rPr lang="en-US" altLang="en-US" sz="1600" dirty="0" err="1">
+              <a:rPr lang="en-US" altLang="en-US" sz="1400" dirty="0" err="1">
                 <a:latin typeface="Courier New" panose="02070309020205020404" pitchFamily="49" charset="0"/>
                 <a:ea typeface="Times New Roman" panose="02020603050405020304" pitchFamily="18" charset="0"/>
                 <a:cs typeface="Courier New" panose="02070309020205020404" pitchFamily="49" charset="0"/>
@@ -6458,7 +6333,7 @@
               <a:t>расстоянию</a:t>
             </a:r>
             <a:r>
-              <a:rPr lang="en-US" altLang="en-US" sz="1600" dirty="0">
+              <a:rPr lang="en-US" altLang="en-US" sz="1400" dirty="0">
                 <a:latin typeface="Courier New" panose="02070309020205020404" pitchFamily="49" charset="0"/>
                 <a:ea typeface="Times New Roman" panose="02020603050405020304" pitchFamily="18" charset="0"/>
                 <a:cs typeface="Courier New" panose="02070309020205020404" pitchFamily="49" charset="0"/>
@@ -6466,7 +6341,7 @@
               <a:t> </a:t>
             </a:r>
             <a:r>
-              <a:rPr lang="en-US" altLang="en-US" sz="1600" dirty="0" err="1">
+              <a:rPr lang="en-US" altLang="en-US" sz="1400" dirty="0" err="1">
                 <a:latin typeface="Courier New" panose="02070309020205020404" pitchFamily="49" charset="0"/>
                 <a:ea typeface="Times New Roman" panose="02020603050405020304" pitchFamily="18" charset="0"/>
                 <a:cs typeface="Courier New" panose="02070309020205020404" pitchFamily="49" charset="0"/>
@@ -6474,7 +6349,7 @@
               <a:t>до</a:t>
             </a:r>
             <a:r>
-              <a:rPr lang="en-US" altLang="en-US" sz="1600" dirty="0">
+              <a:rPr lang="en-US" altLang="en-US" sz="1400" dirty="0">
                 <a:latin typeface="Courier New" panose="02070309020205020404" pitchFamily="49" charset="0"/>
                 <a:ea typeface="Times New Roman" panose="02020603050405020304" pitchFamily="18" charset="0"/>
                 <a:cs typeface="Courier New" panose="02070309020205020404" pitchFamily="49" charset="0"/>
@@ -6482,7 +6357,7 @@
               <a:t> </a:t>
             </a:r>
             <a:r>
-              <a:rPr lang="en-US" altLang="en-US" sz="1600" dirty="0" err="1">
+              <a:rPr lang="en-US" altLang="en-US" sz="1400" dirty="0" err="1">
                 <a:latin typeface="Courier New" panose="02070309020205020404" pitchFamily="49" charset="0"/>
                 <a:ea typeface="Times New Roman" panose="02020603050405020304" pitchFamily="18" charset="0"/>
                 <a:cs typeface="Courier New" panose="02070309020205020404" pitchFamily="49" charset="0"/>
@@ -6490,14 +6365,14 @@
               <a:t>текущей</a:t>
             </a:r>
             <a:r>
-              <a:rPr lang="en-US" altLang="en-US" sz="1600" dirty="0">
+              <a:rPr lang="en-US" altLang="en-US" sz="1400" dirty="0">
                 <a:latin typeface="Courier New" panose="02070309020205020404" pitchFamily="49" charset="0"/>
                 <a:ea typeface="Times New Roman" panose="02020603050405020304" pitchFamily="18" charset="0"/>
                 <a:cs typeface="Courier New" panose="02070309020205020404" pitchFamily="49" charset="0"/>
               </a:rPr>
               <a:t>)</a:t>
             </a:r>
-            <a:endParaRPr lang="ru-RU" altLang="en-US" sz="1600" dirty="0">
+            <a:endParaRPr lang="ru-RU" altLang="en-US" sz="1400" dirty="0">
               <a:latin typeface="Courier New" panose="02070309020205020404" pitchFamily="49" charset="0"/>
               <a:ea typeface="Times New Roman" panose="02020603050405020304" pitchFamily="18" charset="0"/>
               <a:cs typeface="Courier New" panose="02070309020205020404" pitchFamily="49" charset="0"/>
@@ -6515,7 +6390,7 @@
               <a:buAutoNum type="arabicPlain"/>
             </a:pPr>
             <a:r>
-              <a:rPr lang="en-US" altLang="en-US" sz="1600" dirty="0">
+              <a:rPr lang="en-US" altLang="en-US" sz="1400" dirty="0">
                 <a:latin typeface="Courier New" panose="02070309020205020404" pitchFamily="49" charset="0"/>
                 <a:ea typeface="Times New Roman" panose="02020603050405020304" pitchFamily="18" charset="0"/>
                 <a:cs typeface="Courier New" panose="02070309020205020404" pitchFamily="49" charset="0"/>
@@ -6523,7 +6398,7 @@
               <a:t>    </a:t>
             </a:r>
             <a:r>
-              <a:rPr lang="en-US" altLang="en-US" sz="1600" dirty="0" err="1">
+              <a:rPr lang="en-US" altLang="en-US" sz="1400" dirty="0" err="1">
                 <a:latin typeface="Courier New" panose="02070309020205020404" pitchFamily="49" charset="0"/>
                 <a:ea typeface="Times New Roman" panose="02020603050405020304" pitchFamily="18" charset="0"/>
                 <a:cs typeface="Courier New" panose="02070309020205020404" pitchFamily="49" charset="0"/>
@@ -6531,7 +6406,7 @@
               <a:t>добавить</a:t>
             </a:r>
             <a:r>
-              <a:rPr lang="en-US" altLang="en-US" sz="1600" dirty="0">
+              <a:rPr lang="en-US" altLang="en-US" sz="1400" dirty="0">
                 <a:latin typeface="Courier New" panose="02070309020205020404" pitchFamily="49" charset="0"/>
                 <a:ea typeface="Times New Roman" panose="02020603050405020304" pitchFamily="18" charset="0"/>
                 <a:cs typeface="Courier New" panose="02070309020205020404" pitchFamily="49" charset="0"/>
@@ -6539,7 +6414,7 @@
               <a:t> </a:t>
             </a:r>
             <a:r>
-              <a:rPr lang="en-US" altLang="en-US" sz="1600" dirty="0" err="1">
+              <a:rPr lang="en-US" altLang="en-US" sz="1400" dirty="0" err="1">
                 <a:latin typeface="Courier New" panose="02070309020205020404" pitchFamily="49" charset="0"/>
                 <a:ea typeface="Times New Roman" panose="02020603050405020304" pitchFamily="18" charset="0"/>
                 <a:cs typeface="Courier New" panose="02070309020205020404" pitchFamily="49" charset="0"/>
@@ -6547,7 +6422,7 @@
               <a:t>ближайшую_точку</a:t>
             </a:r>
             <a:r>
-              <a:rPr lang="en-US" altLang="en-US" sz="1600" dirty="0">
+              <a:rPr lang="en-US" altLang="en-US" sz="1400" dirty="0">
                 <a:latin typeface="Courier New" panose="02070309020205020404" pitchFamily="49" charset="0"/>
                 <a:ea typeface="Times New Roman" panose="02020603050405020304" pitchFamily="18" charset="0"/>
                 <a:cs typeface="Courier New" panose="02070309020205020404" pitchFamily="49" charset="0"/>
@@ -6555,14 +6430,14 @@
               <a:t> в </a:t>
             </a:r>
             <a:r>
-              <a:rPr lang="en-US" altLang="en-US" sz="1600" dirty="0" err="1">
+              <a:rPr lang="en-US" altLang="en-US" sz="1400" dirty="0" err="1">
                 <a:latin typeface="Courier New" panose="02070309020205020404" pitchFamily="49" charset="0"/>
                 <a:ea typeface="Times New Roman" panose="02020603050405020304" pitchFamily="18" charset="0"/>
                 <a:cs typeface="Courier New" panose="02070309020205020404" pitchFamily="49" charset="0"/>
               </a:rPr>
               <a:t>маршрут</a:t>
             </a:r>
-            <a:endParaRPr lang="ru-RU" altLang="en-US" sz="1600" dirty="0">
+            <a:endParaRPr lang="ru-RU" altLang="en-US" sz="1400" dirty="0">
               <a:latin typeface="Courier New" panose="02070309020205020404" pitchFamily="49" charset="0"/>
               <a:ea typeface="Times New Roman" panose="02020603050405020304" pitchFamily="18" charset="0"/>
               <a:cs typeface="Courier New" panose="02070309020205020404" pitchFamily="49" charset="0"/>
@@ -6580,7 +6455,7 @@
               <a:buAutoNum type="arabicPlain"/>
             </a:pPr>
             <a:r>
-              <a:rPr lang="en-US" altLang="en-US" sz="1600" dirty="0">
+              <a:rPr lang="en-US" altLang="en-US" sz="1400" dirty="0">
                 <a:latin typeface="Courier New" panose="02070309020205020404" pitchFamily="49" charset="0"/>
                 <a:ea typeface="Times New Roman" panose="02020603050405020304" pitchFamily="18" charset="0"/>
                 <a:cs typeface="Courier New" panose="02070309020205020404" pitchFamily="49" charset="0"/>
@@ -6588,7 +6463,7 @@
               <a:t>    </a:t>
             </a:r>
             <a:r>
-              <a:rPr lang="en-US" altLang="en-US" sz="1600" dirty="0" err="1">
+              <a:rPr lang="en-US" altLang="en-US" sz="1400" dirty="0" err="1">
                 <a:latin typeface="Courier New" panose="02070309020205020404" pitchFamily="49" charset="0"/>
                 <a:ea typeface="Times New Roman" panose="02020603050405020304" pitchFamily="18" charset="0"/>
                 <a:cs typeface="Courier New" panose="02070309020205020404" pitchFamily="49" charset="0"/>
@@ -6596,7 +6471,7 @@
               <a:t>удалить</a:t>
             </a:r>
             <a:r>
-              <a:rPr lang="en-US" altLang="en-US" sz="1600" dirty="0">
+              <a:rPr lang="en-US" altLang="en-US" sz="1400" dirty="0">
                 <a:latin typeface="Courier New" panose="02070309020205020404" pitchFamily="49" charset="0"/>
                 <a:ea typeface="Times New Roman" panose="02020603050405020304" pitchFamily="18" charset="0"/>
                 <a:cs typeface="Courier New" panose="02070309020205020404" pitchFamily="49" charset="0"/>
@@ -6604,7 +6479,7 @@
               <a:t> </a:t>
             </a:r>
             <a:r>
-              <a:rPr lang="en-US" altLang="en-US" sz="1600" dirty="0" err="1">
+              <a:rPr lang="en-US" altLang="en-US" sz="1400" dirty="0" err="1">
                 <a:latin typeface="Courier New" panose="02070309020205020404" pitchFamily="49" charset="0"/>
                 <a:ea typeface="Times New Roman" panose="02020603050405020304" pitchFamily="18" charset="0"/>
                 <a:cs typeface="Courier New" panose="02070309020205020404" pitchFamily="49" charset="0"/>
@@ -6612,7 +6487,7 @@
               <a:t>ближайшую_точку</a:t>
             </a:r>
             <a:r>
-              <a:rPr lang="en-US" altLang="en-US" sz="1600" dirty="0">
+              <a:rPr lang="en-US" altLang="en-US" sz="1400" dirty="0">
                 <a:latin typeface="Courier New" panose="02070309020205020404" pitchFamily="49" charset="0"/>
                 <a:ea typeface="Times New Roman" panose="02020603050405020304" pitchFamily="18" charset="0"/>
                 <a:cs typeface="Courier New" panose="02070309020205020404" pitchFamily="49" charset="0"/>
@@ -6620,7 +6495,7 @@
               <a:t> </a:t>
             </a:r>
             <a:r>
-              <a:rPr lang="en-US" altLang="en-US" sz="1600" dirty="0" err="1">
+              <a:rPr lang="en-US" altLang="en-US" sz="1400" dirty="0" err="1">
                 <a:latin typeface="Courier New" panose="02070309020205020404" pitchFamily="49" charset="0"/>
                 <a:ea typeface="Times New Roman" panose="02020603050405020304" pitchFamily="18" charset="0"/>
                 <a:cs typeface="Courier New" panose="02070309020205020404" pitchFamily="49" charset="0"/>
@@ -6628,14 +6503,14 @@
               <a:t>из</a:t>
             </a:r>
             <a:r>
-              <a:rPr lang="en-US" altLang="en-US" sz="1600" dirty="0">
+              <a:rPr lang="en-US" altLang="en-US" sz="1400" dirty="0">
                 <a:latin typeface="Courier New" panose="02070309020205020404" pitchFamily="49" charset="0"/>
                 <a:ea typeface="Times New Roman" panose="02020603050405020304" pitchFamily="18" charset="0"/>
                 <a:cs typeface="Courier New" panose="02070309020205020404" pitchFamily="49" charset="0"/>
               </a:rPr>
               <a:t> points</a:t>
             </a:r>
-            <a:endParaRPr lang="ru-RU" altLang="en-US" sz="1600" dirty="0">
+            <a:endParaRPr lang="ru-RU" altLang="en-US" sz="1400" dirty="0">
               <a:latin typeface="Courier New" panose="02070309020205020404" pitchFamily="49" charset="0"/>
               <a:ea typeface="Times New Roman" panose="02020603050405020304" pitchFamily="18" charset="0"/>
               <a:cs typeface="Courier New" panose="02070309020205020404" pitchFamily="49" charset="0"/>
@@ -6653,7 +6528,7 @@
               <a:buAutoNum type="arabicPlain"/>
             </a:pPr>
             <a:r>
-              <a:rPr lang="ru-RU" altLang="en-US" sz="1600" dirty="0">
+              <a:rPr lang="ru-RU" altLang="en-US" sz="1400" dirty="0">
                 <a:latin typeface="Courier New" panose="02070309020205020404" pitchFamily="49" charset="0"/>
                 <a:ea typeface="Times New Roman" panose="02020603050405020304" pitchFamily="18" charset="0"/>
                 <a:cs typeface="Courier New" panose="02070309020205020404" pitchFamily="49" charset="0"/>
@@ -6661,7 +6536,7 @@
               <a:t> </a:t>
             </a:r>
             <a:r>
-              <a:rPr lang="en-US" altLang="en-US" sz="1600" dirty="0" err="1">
+              <a:rPr lang="en-US" altLang="en-US" sz="1400" dirty="0" err="1">
                 <a:latin typeface="Courier New" panose="02070309020205020404" pitchFamily="49" charset="0"/>
                 <a:ea typeface="Times New Roman" panose="02020603050405020304" pitchFamily="18" charset="0"/>
                 <a:cs typeface="Courier New" panose="02070309020205020404" pitchFamily="49" charset="0"/>
@@ -6669,7 +6544,7 @@
               <a:t>добавить</a:t>
             </a:r>
             <a:r>
-              <a:rPr lang="en-US" altLang="en-US" sz="1600" dirty="0">
+              <a:rPr lang="en-US" altLang="en-US" sz="1400" dirty="0">
                 <a:latin typeface="Courier New" panose="02070309020205020404" pitchFamily="49" charset="0"/>
                 <a:ea typeface="Times New Roman" panose="02020603050405020304" pitchFamily="18" charset="0"/>
                 <a:cs typeface="Courier New" panose="02070309020205020404" pitchFamily="49" charset="0"/>
@@ -6677,14 +6552,14 @@
               <a:t> goal в </a:t>
             </a:r>
             <a:r>
-              <a:rPr lang="en-US" altLang="en-US" sz="1600" dirty="0" err="1">
+              <a:rPr lang="en-US" altLang="en-US" sz="1400" dirty="0" err="1">
                 <a:latin typeface="Courier New" panose="02070309020205020404" pitchFamily="49" charset="0"/>
                 <a:ea typeface="Times New Roman" panose="02020603050405020304" pitchFamily="18" charset="0"/>
                 <a:cs typeface="Courier New" panose="02070309020205020404" pitchFamily="49" charset="0"/>
               </a:rPr>
               <a:t>маршрут</a:t>
             </a:r>
-            <a:endParaRPr lang="ru-RU" altLang="en-US" sz="1600" dirty="0">
+            <a:endParaRPr lang="ru-RU" altLang="en-US" sz="1400" dirty="0">
               <a:latin typeface="Courier New" panose="02070309020205020404" pitchFamily="49" charset="0"/>
               <a:ea typeface="Times New Roman" panose="02020603050405020304" pitchFamily="18" charset="0"/>
               <a:cs typeface="Courier New" panose="02070309020205020404" pitchFamily="49" charset="0"/>
@@ -6702,7 +6577,7 @@
               <a:buAutoNum type="arabicPlain"/>
             </a:pPr>
             <a:r>
-              <a:rPr lang="ru-RU" altLang="en-US" sz="1600" dirty="0">
+              <a:rPr lang="ru-RU" altLang="en-US" sz="1400" dirty="0">
                 <a:latin typeface="Courier New" panose="02070309020205020404" pitchFamily="49" charset="0"/>
                 <a:ea typeface="Times New Roman" panose="02020603050405020304" pitchFamily="18" charset="0"/>
                 <a:cs typeface="Courier New" panose="02070309020205020404" pitchFamily="49" charset="0"/>
@@ -6710,7 +6585,7 @@
               <a:t> </a:t>
             </a:r>
             <a:r>
-              <a:rPr lang="en-US" altLang="en-US" sz="1600" b="1" dirty="0" err="1">
+              <a:rPr lang="en-US" altLang="en-US" sz="1400" b="1" dirty="0" err="1">
                 <a:latin typeface="Courier New" panose="02070309020205020404" pitchFamily="49" charset="0"/>
                 <a:ea typeface="Times New Roman" panose="02020603050405020304" pitchFamily="18" charset="0"/>
                 <a:cs typeface="Courier New" panose="02070309020205020404" pitchFamily="49" charset="0"/>
@@ -6718,7 +6593,7 @@
               <a:t>вернуть</a:t>
             </a:r>
             <a:r>
-              <a:rPr lang="en-US" altLang="en-US" sz="1600" dirty="0">
+              <a:rPr lang="en-US" altLang="en-US" sz="1400" dirty="0">
                 <a:latin typeface="Courier New" panose="02070309020205020404" pitchFamily="49" charset="0"/>
                 <a:ea typeface="Times New Roman" panose="02020603050405020304" pitchFamily="18" charset="0"/>
                 <a:cs typeface="Courier New" panose="02070309020205020404" pitchFamily="49" charset="0"/>
@@ -6726,7 +6601,7 @@
               <a:t> </a:t>
             </a:r>
             <a:r>
-              <a:rPr lang="en-US" altLang="en-US" sz="1600" dirty="0" err="1">
+              <a:rPr lang="en-US" altLang="en-US" sz="1400" dirty="0" err="1">
                 <a:latin typeface="Courier New" panose="02070309020205020404" pitchFamily="49" charset="0"/>
                 <a:ea typeface="Times New Roman" panose="02020603050405020304" pitchFamily="18" charset="0"/>
                 <a:cs typeface="Courier New" panose="02070309020205020404" pitchFamily="49" charset="0"/>
@@ -6734,10 +6609,10 @@
               <a:t>маршрут</a:t>
             </a:r>
             <a:r>
-              <a:rPr lang="en-US" altLang="en-US" sz="800" dirty="0"/>
+              <a:rPr lang="en-US" altLang="en-US" sz="700" dirty="0"/>
               <a:t> </a:t>
             </a:r>
-            <a:endParaRPr lang="en-US" altLang="en-US" sz="2400" dirty="0">
+            <a:endParaRPr lang="en-US" altLang="en-US" sz="2000" dirty="0">
               <a:latin typeface="Arial" panose="020B0604020202020204" pitchFamily="34" charset="0"/>
             </a:endParaRPr>
           </a:p>
@@ -6942,8 +6817,8 @@
           </a:p>
         </p:txBody>
       </p:sp>
-      <mc:AlternateContent xmlns:mc="http://schemas.openxmlformats.org/markup-compatibility/2006">
-        <mc:Choice xmlns:a14="http://schemas.microsoft.com/office/drawing/2010/main" Requires="a14">
+      <mc:AlternateContent xmlns:mc="http://schemas.openxmlformats.org/markup-compatibility/2006" xmlns:a14="http://schemas.microsoft.com/office/drawing/2010/main">
+        <mc:Choice Requires="a14">
           <p:sp>
             <p:nvSpPr>
               <p:cNvPr id="4" name="Прямоугольник 3"/>
@@ -7171,7 +7046,7 @@
             </p:txBody>
           </p:sp>
         </mc:Choice>
-        <mc:Fallback>
+        <mc:Fallback xmlns="">
           <p:sp>
             <p:nvSpPr>
               <p:cNvPr id="4" name="Прямоугольник 3"/>
@@ -7246,10 +7121,6 @@
               </a:rPr>
               <a:t>Алгоритм имитации отжига моделирует процесс охлаждения материала, принимая улучшенные или ухудшенные решения с вероятностью, зависящей от температуры, чтобы избежать локальных минимумов.</a:t>
             </a:r>
-            <a:endParaRPr lang="ru-RU" dirty="0">
-              <a:latin typeface="Times New Roman" panose="02020603050405020304" pitchFamily="18" charset="0"/>
-              <a:ea typeface="Times New Roman" panose="02020603050405020304" pitchFamily="18" charset="0"/>
-            </a:endParaRPr>
           </a:p>
         </p:txBody>
       </p:sp>
@@ -7674,7 +7545,15 @@
                 <a:ea typeface="Times New Roman" panose="02020603050405020304" pitchFamily="18" charset="0"/>
                 <a:cs typeface="Courier New" panose="02070309020205020404" pitchFamily="49" charset="0"/>
               </a:rPr>
-              <a:t>                 или </a:t>
+              <a:t>         </a:t>
+            </a:r>
+            <a:r>
+              <a:rPr lang="ru-RU" altLang="en-US" sz="1400" dirty="0" smtClean="0">
+                <a:latin typeface="Courier New" panose="02070309020205020404" pitchFamily="49" charset="0"/>
+                <a:ea typeface="Times New Roman" panose="02020603050405020304" pitchFamily="18" charset="0"/>
+                <a:cs typeface="Courier New" panose="02070309020205020404" pitchFamily="49" charset="0"/>
+              </a:rPr>
+              <a:t>или </a:t>
             </a:r>
             <a:r>
               <a:rPr lang="en-US" altLang="en-US" sz="1400" dirty="0">
@@ -7973,8 +7852,8 @@
         </p:blipFill>
         <p:spPr>
           <a:xfrm>
-            <a:off x="5919710" y="3699749"/>
-            <a:ext cx="3224289" cy="2215276"/>
+            <a:off x="5815680" y="3268588"/>
+            <a:ext cx="3162299" cy="2215276"/>
           </a:xfrm>
           <a:prstGeom prst="rect">
             <a:avLst/>
@@ -8077,11 +7956,7 @@
           <a:p>
             <a:r>
               <a:rPr lang="ru-RU" sz="3200" dirty="0"/>
-              <a:t>Генетический </a:t>
-            </a:r>
-            <a:r>
-              <a:rPr lang="ru-RU" sz="3200" dirty="0"/>
-              <a:t>алгоритм</a:t>
+              <a:t>Генетический алгоритм</a:t>
             </a:r>
             <a:endParaRPr lang="en-US" sz="3200" dirty="0"/>
           </a:p>
@@ -8178,10 +8053,6 @@
               </a:rPr>
               <a:t>Генетический алгоритм использует механизмы естественного отбора для эволюции популяции решений, что позволяет находить оптимальные или близкие к оптимальным маршруты в задаче маршрутизации.</a:t>
             </a:r>
-            <a:endParaRPr lang="ru-RU" sz="1600" dirty="0">
-              <a:latin typeface="Times New Roman" panose="02020603050405020304" pitchFamily="18" charset="0"/>
-              <a:ea typeface="Times New Roman" panose="02020603050405020304" pitchFamily="18" charset="0"/>
-            </a:endParaRPr>
           </a:p>
         </p:txBody>
       </p:sp>
@@ -8195,8 +8066,8 @@
         </p:nvSpPr>
         <p:spPr bwMode="auto">
           <a:xfrm>
-            <a:off x="315054" y="2677493"/>
-            <a:ext cx="5756216" cy="4508927"/>
+            <a:off x="315053" y="2785215"/>
+            <a:ext cx="6174647" cy="4293483"/>
           </a:xfrm>
           <a:prstGeom prst="rect">
             <a:avLst/>
@@ -8341,7 +8212,15 @@
               <a:buAutoNum type="arabicPlain"/>
             </a:pPr>
             <a:r>
-              <a:rPr lang="ru-RU" altLang="en-US" sz="1400" b="1" dirty="0">
+              <a:rPr lang="ru-RU" altLang="en-US" sz="1400" dirty="0" smtClean="0">
+                <a:latin typeface="Courier New" panose="02070309020205020404" pitchFamily="49" charset="0"/>
+                <a:ea typeface="Times New Roman" panose="02020603050405020304" pitchFamily="18" charset="0"/>
+                <a:cs typeface="Courier New" panose="02070309020205020404" pitchFamily="49" charset="0"/>
+              </a:rPr>
+              <a:t> </a:t>
+            </a:r>
+            <a:r>
+              <a:rPr lang="ru-RU" altLang="en-US" sz="1400" b="1" dirty="0" smtClean="0">
                 <a:latin typeface="Courier New" panose="02070309020205020404" pitchFamily="49" charset="0"/>
                 <a:ea typeface="Times New Roman" panose="02020603050405020304" pitchFamily="18" charset="0"/>
                 <a:cs typeface="Courier New" panose="02070309020205020404" pitchFamily="49" charset="0"/>
@@ -8349,12 +8228,20 @@
               <a:t>для</a:t>
             </a:r>
             <a:r>
+              <a:rPr lang="ru-RU" altLang="en-US" sz="1400" dirty="0" smtClean="0">
+                <a:latin typeface="Courier New" panose="02070309020205020404" pitchFamily="49" charset="0"/>
+                <a:ea typeface="Times New Roman" panose="02020603050405020304" pitchFamily="18" charset="0"/>
+                <a:cs typeface="Courier New" panose="02070309020205020404" pitchFamily="49" charset="0"/>
+              </a:rPr>
+              <a:t> </a:t>
+            </a:r>
+            <a:r>
               <a:rPr lang="ru-RU" altLang="en-US" sz="1400" dirty="0">
                 <a:latin typeface="Courier New" panose="02070309020205020404" pitchFamily="49" charset="0"/>
                 <a:ea typeface="Times New Roman" panose="02020603050405020304" pitchFamily="18" charset="0"/>
                 <a:cs typeface="Courier New" panose="02070309020205020404" pitchFamily="49" charset="0"/>
               </a:rPr>
-              <a:t> поколения от 1 до </a:t>
+              <a:t>поколения от 1 до </a:t>
             </a:r>
             <a:r>
               <a:rPr lang="en-US" altLang="en-US" sz="1400" dirty="0">
@@ -8623,8 +8510,21 @@
                 <a:ea typeface="Times New Roman" panose="02020603050405020304" pitchFamily="18" charset="0"/>
                 <a:cs typeface="Courier New" panose="02070309020205020404" pitchFamily="49" charset="0"/>
               </a:rPr>
-              <a:t>родитель1 ← случайный отбор</a:t>
-            </a:r>
+              <a:t>родитель1 ← случайный </a:t>
+            </a:r>
+            <a:r>
+              <a:rPr lang="ru-RU" altLang="en-US" sz="1400" dirty="0" smtClean="0">
+                <a:latin typeface="Courier New" panose="02070309020205020404" pitchFamily="49" charset="0"/>
+                <a:ea typeface="Times New Roman" panose="02020603050405020304" pitchFamily="18" charset="0"/>
+                <a:cs typeface="Courier New" panose="02070309020205020404" pitchFamily="49" charset="0"/>
+              </a:rPr>
+              <a:t>отбор</a:t>
+            </a:r>
+            <a:endParaRPr lang="ru-RU" altLang="en-US" sz="1400" dirty="0">
+              <a:latin typeface="Courier New" panose="02070309020205020404" pitchFamily="49" charset="0"/>
+              <a:ea typeface="Times New Roman" panose="02020603050405020304" pitchFamily="18" charset="0"/>
+              <a:cs typeface="Courier New" panose="02070309020205020404" pitchFamily="49" charset="0"/>
+            </a:endParaRPr>
           </a:p>
           <a:p>
             <a:pPr marL="228589" indent="-228589" defTabSz="914354" eaLnBrk="0" fontAlgn="base" hangingPunct="0">
@@ -8643,8 +8543,21 @@
                 <a:ea typeface="Times New Roman" panose="02020603050405020304" pitchFamily="18" charset="0"/>
                 <a:cs typeface="Courier New" panose="02070309020205020404" pitchFamily="49" charset="0"/>
               </a:rPr>
-              <a:t>        родитель2 ← случайный отбор</a:t>
-            </a:r>
+              <a:t>        родитель2 ← случайный </a:t>
+            </a:r>
+            <a:r>
+              <a:rPr lang="ru-RU" altLang="en-US" sz="1400" dirty="0" smtClean="0">
+                <a:latin typeface="Courier New" panose="02070309020205020404" pitchFamily="49" charset="0"/>
+                <a:ea typeface="Times New Roman" panose="02020603050405020304" pitchFamily="18" charset="0"/>
+                <a:cs typeface="Courier New" panose="02070309020205020404" pitchFamily="49" charset="0"/>
+              </a:rPr>
+              <a:t>отбор</a:t>
+            </a:r>
+            <a:endParaRPr lang="ru-RU" altLang="en-US" sz="1400" dirty="0" smtClean="0">
+              <a:latin typeface="Courier New" panose="02070309020205020404" pitchFamily="49" charset="0"/>
+              <a:ea typeface="Times New Roman" panose="02020603050405020304" pitchFamily="18" charset="0"/>
+              <a:cs typeface="Courier New" panose="02070309020205020404" pitchFamily="49" charset="0"/>
+            </a:endParaRPr>
           </a:p>
           <a:p>
             <a:pPr marL="228589" indent="-228589" defTabSz="914354" eaLnBrk="0" fontAlgn="base" hangingPunct="0">
@@ -8658,7 +8571,7 @@
               <a:buAutoNum type="arabicPlain"/>
             </a:pPr>
             <a:r>
-              <a:rPr lang="ru-RU" altLang="en-US" sz="1400" dirty="0">
+              <a:rPr lang="ru-RU" altLang="en-US" sz="1400" dirty="0" smtClean="0">
                 <a:latin typeface="Courier New" panose="02070309020205020404" pitchFamily="49" charset="0"/>
                 <a:ea typeface="Times New Roman" panose="02020603050405020304" pitchFamily="18" charset="0"/>
                 <a:cs typeface="Courier New" panose="02070309020205020404" pitchFamily="49" charset="0"/>
@@ -8666,7 +8579,7 @@
               <a:t>        потомок ← </a:t>
             </a:r>
             <a:r>
-              <a:rPr lang="en-US" altLang="en-US" sz="1400" dirty="0" err="1">
+              <a:rPr lang="en-US" altLang="en-US" sz="1400" dirty="0" err="1" smtClean="0">
                 <a:latin typeface="Courier New" panose="02070309020205020404" pitchFamily="49" charset="0"/>
                 <a:ea typeface="Times New Roman" panose="02020603050405020304" pitchFamily="18" charset="0"/>
                 <a:cs typeface="Courier New" panose="02070309020205020404" pitchFamily="49" charset="0"/>
@@ -8674,7 +8587,7 @@
               <a:t>PMXcrossover</a:t>
             </a:r>
             <a:r>
-              <a:rPr lang="en-US" altLang="en-US" sz="1400" dirty="0">
+              <a:rPr lang="en-US" altLang="en-US" sz="1400" dirty="0" smtClean="0">
                 <a:latin typeface="Courier New" panose="02070309020205020404" pitchFamily="49" charset="0"/>
                 <a:ea typeface="Times New Roman" panose="02020603050405020304" pitchFamily="18" charset="0"/>
                 <a:cs typeface="Courier New" panose="02070309020205020404" pitchFamily="49" charset="0"/>
@@ -8682,12 +8595,28 @@
               <a:t>(</a:t>
             </a:r>
             <a:r>
-              <a:rPr lang="ru-RU" altLang="en-US" sz="1400" dirty="0">
-                <a:latin typeface="Courier New" panose="02070309020205020404" pitchFamily="49" charset="0"/>
-                <a:ea typeface="Times New Roman" panose="02020603050405020304" pitchFamily="18" charset="0"/>
-                <a:cs typeface="Courier New" panose="02070309020205020404" pitchFamily="49" charset="0"/>
-              </a:rPr>
-              <a:t>родитель1, родитель2)</a:t>
+              <a:rPr lang="ru-RU" altLang="en-US" sz="1400" dirty="0" smtClean="0">
+                <a:latin typeface="Courier New" panose="02070309020205020404" pitchFamily="49" charset="0"/>
+                <a:ea typeface="Times New Roman" panose="02020603050405020304" pitchFamily="18" charset="0"/>
+                <a:cs typeface="Courier New" panose="02070309020205020404" pitchFamily="49" charset="0"/>
+              </a:rPr>
+              <a:t>родитель1</a:t>
+            </a:r>
+            <a:r>
+              <a:rPr lang="en-US" altLang="en-US" sz="1400" dirty="0" smtClean="0">
+                <a:latin typeface="Courier New" panose="02070309020205020404" pitchFamily="49" charset="0"/>
+                <a:ea typeface="Times New Roman" panose="02020603050405020304" pitchFamily="18" charset="0"/>
+                <a:cs typeface="Courier New" panose="02070309020205020404" pitchFamily="49" charset="0"/>
+              </a:rPr>
+              <a:t>, </a:t>
+            </a:r>
+            <a:r>
+              <a:rPr lang="ru-RU" altLang="en-US" sz="1400" dirty="0" smtClean="0">
+                <a:latin typeface="Courier New" panose="02070309020205020404" pitchFamily="49" charset="0"/>
+                <a:ea typeface="Times New Roman" panose="02020603050405020304" pitchFamily="18" charset="0"/>
+                <a:cs typeface="Courier New" panose="02070309020205020404" pitchFamily="49" charset="0"/>
+              </a:rPr>
+              <a:t>родитель2)</a:t>
             </a:r>
           </a:p>
           <a:p>
@@ -8702,7 +8631,7 @@
               <a:buAutoNum type="arabicPlain"/>
             </a:pPr>
             <a:r>
-              <a:rPr lang="ru-RU" altLang="en-US" sz="1400" dirty="0">
+              <a:rPr lang="ru-RU" altLang="en-US" sz="1400" dirty="0" smtClean="0">
                 <a:latin typeface="Courier New" panose="02070309020205020404" pitchFamily="49" charset="0"/>
                 <a:ea typeface="Times New Roman" panose="02020603050405020304" pitchFamily="18" charset="0"/>
                 <a:cs typeface="Courier New" panose="02070309020205020404" pitchFamily="49" charset="0"/>
